--- a/presentation.pptx
+++ b/presentation.pptx
@@ -3,11 +3,14 @@
 <p:presentation xmlns:a="http://schemas.openxmlformats.org/drawingml/2006/main" xmlns:r="http://schemas.openxmlformats.org/officeDocument/2006/relationships" xmlns:p="http://schemas.openxmlformats.org/presentationml/2006/main" autoCompressPictures="0">
   <p:sldMasterIdLst>
     <p:sldMasterId id="2147483648" r:id="rId1"/>
+    <p:sldMasterId id="2147483669" r:id="rId2"/>
   </p:sldMasterIdLst>
   <p:sldIdLst>
-    <p:sldId id="256" r:id="rId2"/>
-    <p:sldId id="257" r:id="rId3"/>
-    <p:sldId id="258" r:id="rId4"/>
+    <p:sldId id="256" r:id="rId3"/>
+    <p:sldId id="260" r:id="rId4"/>
+    <p:sldId id="257" r:id="rId5"/>
+    <p:sldId id="258" r:id="rId6"/>
+    <p:sldId id="259" r:id="rId7"/>
   </p:sldIdLst>
   <p:sldSz cx="12192000" cy="6858000"/>
   <p:notesSz cx="6858000" cy="9144000"/>
@@ -106,6 +109,11 @@
       </a:defRPr>
     </a:lvl9pPr>
   </p:defaultTextStyle>
+  <p:extLst>
+    <p:ext uri="{EFAFB233-063F-42B5-8137-9DF3F51BA10A}">
+      <p15:sldGuideLst xmlns:p15="http://schemas.microsoft.com/office/powerpoint/2012/main"/>
+    </p:ext>
+  </p:extLst>
 </p:presentation>
 </file>
 
@@ -298,14 +306,22 @@
             <p:ph type="dt" sz="half" idx="10"/>
           </p:nvPr>
         </p:nvSpPr>
-        <p:spPr/>
+        <p:spPr>
+          <a:xfrm>
+            <a:off x="838200" y="5773737"/>
+            <a:ext cx="2743200" cy="365125"/>
+          </a:xfrm>
+          <a:prstGeom prst="rect">
+            <a:avLst/>
+          </a:prstGeom>
+        </p:spPr>
         <p:txBody>
           <a:bodyPr/>
           <a:lstStyle/>
           <a:p>
             <a:fld id="{ECD19FB2-3AAB-4D03-B13A-2960828C78E3}" type="datetimeFigureOut">
               <a:rPr lang="en-US" dirty="0"/>
-              <a:t>3/13/2016</a:t>
+              <a:t>3/21/2016</a:t>
             </a:fld>
             <a:endParaRPr lang="en-US" dirty="0"/>
           </a:p>
@@ -321,7 +337,15 @@
             <p:ph type="ftr" sz="quarter" idx="11"/>
           </p:nvPr>
         </p:nvSpPr>
-        <p:spPr/>
+        <p:spPr>
+          <a:xfrm>
+            <a:off x="4038600" y="5773737"/>
+            <a:ext cx="4114800" cy="365125"/>
+          </a:xfrm>
+          <a:prstGeom prst="rect">
+            <a:avLst/>
+          </a:prstGeom>
+        </p:spPr>
         <p:txBody>
           <a:bodyPr/>
           <a:lstStyle/>
@@ -344,7 +368,15 @@
             <p:ph type="sldNum" sz="quarter" idx="12"/>
           </p:nvPr>
         </p:nvSpPr>
-        <p:spPr/>
+        <p:spPr>
+          <a:xfrm>
+            <a:off x="8610600" y="5773737"/>
+            <a:ext cx="2743200" cy="365125"/>
+          </a:xfrm>
+          <a:prstGeom prst="rect">
+            <a:avLst/>
+          </a:prstGeom>
+        </p:spPr>
         <p:txBody>
           <a:bodyPr/>
           <a:lstStyle/>
@@ -363,6 +395,13 @@
   <p:clrMapOvr>
     <a:masterClrMapping/>
   </p:clrMapOvr>
+  <p:timing>
+    <p:tnLst>
+      <p:par>
+        <p:cTn id="1" dur="indefinite" restart="never" nodeType="tmRoot"/>
+      </p:par>
+    </p:tnLst>
+  </p:timing>
 </p:sldLayout>
 </file>
 
@@ -579,14 +618,22 @@
             <p:ph type="dt" sz="half" idx="10"/>
           </p:nvPr>
         </p:nvSpPr>
-        <p:spPr/>
+        <p:spPr>
+          <a:xfrm>
+            <a:off x="838200" y="5773737"/>
+            <a:ext cx="2743200" cy="365125"/>
+          </a:xfrm>
+          <a:prstGeom prst="rect">
+            <a:avLst/>
+          </a:prstGeom>
+        </p:spPr>
         <p:txBody>
           <a:bodyPr/>
           <a:lstStyle/>
           <a:p>
             <a:fld id="{1B80C674-7DFC-42FE-B9CD-82963CDB1557}" type="datetimeFigureOut">
               <a:rPr lang="en-US" dirty="0"/>
-              <a:t>3/13/2016</a:t>
+              <a:t>3/21/2016</a:t>
             </a:fld>
             <a:endParaRPr lang="en-US" dirty="0"/>
           </a:p>
@@ -602,7 +649,15 @@
             <p:ph type="ftr" sz="quarter" idx="11"/>
           </p:nvPr>
         </p:nvSpPr>
-        <p:spPr/>
+        <p:spPr>
+          <a:xfrm>
+            <a:off x="4038600" y="5773737"/>
+            <a:ext cx="4114800" cy="365125"/>
+          </a:xfrm>
+          <a:prstGeom prst="rect">
+            <a:avLst/>
+          </a:prstGeom>
+        </p:spPr>
         <p:txBody>
           <a:bodyPr/>
           <a:lstStyle/>
@@ -625,7 +680,15 @@
             <p:ph type="sldNum" sz="quarter" idx="12"/>
           </p:nvPr>
         </p:nvSpPr>
-        <p:spPr/>
+        <p:spPr>
+          <a:xfrm>
+            <a:off x="8610600" y="5773737"/>
+            <a:ext cx="2743200" cy="365125"/>
+          </a:xfrm>
+          <a:prstGeom prst="rect">
+            <a:avLst/>
+          </a:prstGeom>
+        </p:spPr>
         <p:txBody>
           <a:bodyPr/>
           <a:lstStyle/>
@@ -770,14 +833,22 @@
             <p:ph type="dt" sz="half" idx="10"/>
           </p:nvPr>
         </p:nvSpPr>
-        <p:spPr/>
+        <p:spPr>
+          <a:xfrm>
+            <a:off x="838200" y="5773737"/>
+            <a:ext cx="2743200" cy="365125"/>
+          </a:xfrm>
+          <a:prstGeom prst="rect">
+            <a:avLst/>
+          </a:prstGeom>
+        </p:spPr>
         <p:txBody>
           <a:bodyPr/>
           <a:lstStyle/>
           <a:p>
             <a:fld id="{2076456F-F47D-4F25-8053-2A695DA0CA7D}" type="datetimeFigureOut">
               <a:rPr lang="en-US" dirty="0"/>
-              <a:t>3/13/2016</a:t>
+              <a:t>3/21/2016</a:t>
             </a:fld>
             <a:endParaRPr lang="en-US" dirty="0"/>
           </a:p>
@@ -793,7 +864,15 @@
             <p:ph type="ftr" sz="quarter" idx="11"/>
           </p:nvPr>
         </p:nvSpPr>
-        <p:spPr/>
+        <p:spPr>
+          <a:xfrm>
+            <a:off x="4038600" y="5773737"/>
+            <a:ext cx="4114800" cy="365125"/>
+          </a:xfrm>
+          <a:prstGeom prst="rect">
+            <a:avLst/>
+          </a:prstGeom>
+        </p:spPr>
         <p:txBody>
           <a:bodyPr/>
           <a:lstStyle/>
@@ -816,7 +895,15 @@
             <p:ph type="sldNum" sz="quarter" idx="12"/>
           </p:nvPr>
         </p:nvSpPr>
-        <p:spPr/>
+        <p:spPr>
+          <a:xfrm>
+            <a:off x="8610600" y="5773737"/>
+            <a:ext cx="2743200" cy="365125"/>
+          </a:xfrm>
+          <a:prstGeom prst="rect">
+            <a:avLst/>
+          </a:prstGeom>
+        </p:spPr>
         <p:txBody>
           <a:bodyPr/>
           <a:lstStyle/>
@@ -1030,14 +1117,22 @@
             <p:ph type="dt" sz="half" idx="10"/>
           </p:nvPr>
         </p:nvSpPr>
-        <p:spPr/>
+        <p:spPr>
+          <a:xfrm>
+            <a:off x="838200" y="5773737"/>
+            <a:ext cx="2743200" cy="365125"/>
+          </a:xfrm>
+          <a:prstGeom prst="rect">
+            <a:avLst/>
+          </a:prstGeom>
+        </p:spPr>
         <p:txBody>
           <a:bodyPr/>
           <a:lstStyle/>
           <a:p>
             <a:fld id="{5D6C7379-69CC-4837-9905-BEBA22830C8A}" type="datetimeFigureOut">
               <a:rPr lang="en-US" dirty="0"/>
-              <a:t>3/13/2016</a:t>
+              <a:t>3/21/2016</a:t>
             </a:fld>
             <a:endParaRPr lang="en-US" dirty="0"/>
           </a:p>
@@ -1053,7 +1148,15 @@
             <p:ph type="ftr" sz="quarter" idx="11"/>
           </p:nvPr>
         </p:nvSpPr>
-        <p:spPr/>
+        <p:spPr>
+          <a:xfrm>
+            <a:off x="4038600" y="5773737"/>
+            <a:ext cx="4114800" cy="365125"/>
+          </a:xfrm>
+          <a:prstGeom prst="rect">
+            <a:avLst/>
+          </a:prstGeom>
+        </p:spPr>
         <p:txBody>
           <a:bodyPr/>
           <a:lstStyle/>
@@ -1076,7 +1179,15 @@
             <p:ph type="sldNum" sz="quarter" idx="12"/>
           </p:nvPr>
         </p:nvSpPr>
-        <p:spPr/>
+        <p:spPr>
+          <a:xfrm>
+            <a:off x="8610600" y="5773737"/>
+            <a:ext cx="2743200" cy="365125"/>
+          </a:xfrm>
+          <a:prstGeom prst="rect">
+            <a:avLst/>
+          </a:prstGeom>
+        </p:spPr>
         <p:txBody>
           <a:bodyPr/>
           <a:lstStyle/>
@@ -1455,14 +1566,22 @@
             <p:ph type="dt" sz="half" idx="10"/>
           </p:nvPr>
         </p:nvSpPr>
-        <p:spPr/>
+        <p:spPr>
+          <a:xfrm>
+            <a:off x="838200" y="5773737"/>
+            <a:ext cx="2743200" cy="365125"/>
+          </a:xfrm>
+          <a:prstGeom prst="rect">
+            <a:avLst/>
+          </a:prstGeom>
+        </p:spPr>
         <p:txBody>
           <a:bodyPr/>
           <a:lstStyle/>
           <a:p>
             <a:fld id="{49EB8B7E-8AEE-4F10-BFEE-C999AD004D36}" type="datetimeFigureOut">
               <a:rPr lang="en-US" dirty="0"/>
-              <a:t>3/13/2016</a:t>
+              <a:t>3/21/2016</a:t>
             </a:fld>
             <a:endParaRPr lang="en-US" dirty="0"/>
           </a:p>
@@ -1478,7 +1597,15 @@
             <p:ph type="ftr" sz="quarter" idx="11"/>
           </p:nvPr>
         </p:nvSpPr>
-        <p:spPr/>
+        <p:spPr>
+          <a:xfrm>
+            <a:off x="4038600" y="5773737"/>
+            <a:ext cx="4114800" cy="365125"/>
+          </a:xfrm>
+          <a:prstGeom prst="rect">
+            <a:avLst/>
+          </a:prstGeom>
+        </p:spPr>
         <p:txBody>
           <a:bodyPr/>
           <a:lstStyle/>
@@ -1501,7 +1628,15 @@
             <p:ph type="sldNum" sz="quarter" idx="12"/>
           </p:nvPr>
         </p:nvSpPr>
-        <p:spPr/>
+        <p:spPr>
+          <a:xfrm>
+            <a:off x="8610600" y="5773737"/>
+            <a:ext cx="2743200" cy="365125"/>
+          </a:xfrm>
+          <a:prstGeom prst="rect">
+            <a:avLst/>
+          </a:prstGeom>
+        </p:spPr>
         <p:txBody>
           <a:bodyPr/>
           <a:lstStyle/>
@@ -2000,14 +2135,22 @@
             <p:ph type="dt" sz="half" idx="10"/>
           </p:nvPr>
         </p:nvSpPr>
-        <p:spPr/>
+        <p:spPr>
+          <a:xfrm>
+            <a:off x="838200" y="5773737"/>
+            <a:ext cx="2743200" cy="365125"/>
+          </a:xfrm>
+          <a:prstGeom prst="rect">
+            <a:avLst/>
+          </a:prstGeom>
+        </p:spPr>
         <p:txBody>
           <a:bodyPr/>
           <a:lstStyle/>
           <a:p>
             <a:fld id="{8668F3F9-58BC-440B-B37B-805B9055EF92}" type="datetimeFigureOut">
               <a:rPr lang="en-US" dirty="0"/>
-              <a:t>3/13/2016</a:t>
+              <a:t>3/21/2016</a:t>
             </a:fld>
             <a:endParaRPr lang="en-US" dirty="0"/>
           </a:p>
@@ -2023,7 +2166,15 @@
             <p:ph type="ftr" sz="quarter" idx="11"/>
           </p:nvPr>
         </p:nvSpPr>
-        <p:spPr/>
+        <p:spPr>
+          <a:xfrm>
+            <a:off x="4038600" y="5773737"/>
+            <a:ext cx="4114800" cy="365125"/>
+          </a:xfrm>
+          <a:prstGeom prst="rect">
+            <a:avLst/>
+          </a:prstGeom>
+        </p:spPr>
         <p:txBody>
           <a:bodyPr/>
           <a:lstStyle/>
@@ -2046,7 +2197,15 @@
             <p:ph type="sldNum" sz="quarter" idx="12"/>
           </p:nvPr>
         </p:nvSpPr>
-        <p:spPr/>
+        <p:spPr>
+          <a:xfrm>
+            <a:off x="8610600" y="5773737"/>
+            <a:ext cx="2743200" cy="365125"/>
+          </a:xfrm>
+          <a:prstGeom prst="rect">
+            <a:avLst/>
+          </a:prstGeom>
+        </p:spPr>
         <p:txBody>
           <a:bodyPr/>
           <a:lstStyle/>
@@ -2830,14 +2989,22 @@
             <p:ph type="dt" sz="half" idx="10"/>
           </p:nvPr>
         </p:nvSpPr>
-        <p:spPr/>
+        <p:spPr>
+          <a:xfrm>
+            <a:off x="838200" y="5773737"/>
+            <a:ext cx="2743200" cy="365125"/>
+          </a:xfrm>
+          <a:prstGeom prst="rect">
+            <a:avLst/>
+          </a:prstGeom>
+        </p:spPr>
         <p:txBody>
           <a:bodyPr/>
           <a:lstStyle/>
           <a:p>
             <a:fld id="{0D5A53AF-48EA-489D-8260-9DCAB666386A}" type="datetimeFigureOut">
               <a:rPr lang="en-US" dirty="0"/>
-              <a:t>3/13/2016</a:t>
+              <a:t>3/21/2016</a:t>
             </a:fld>
             <a:endParaRPr lang="en-US" dirty="0"/>
           </a:p>
@@ -2853,7 +3020,15 @@
             <p:ph type="ftr" sz="quarter" idx="11"/>
           </p:nvPr>
         </p:nvSpPr>
-        <p:spPr/>
+        <p:spPr>
+          <a:xfrm>
+            <a:off x="4038600" y="5773737"/>
+            <a:ext cx="4114800" cy="365125"/>
+          </a:xfrm>
+          <a:prstGeom prst="rect">
+            <a:avLst/>
+          </a:prstGeom>
+        </p:spPr>
         <p:txBody>
           <a:bodyPr/>
           <a:lstStyle/>
@@ -2876,7 +3051,15 @@
             <p:ph type="sldNum" sz="quarter" idx="12"/>
           </p:nvPr>
         </p:nvSpPr>
-        <p:spPr/>
+        <p:spPr>
+          <a:xfrm>
+            <a:off x="8610600" y="5773737"/>
+            <a:ext cx="2743200" cy="365125"/>
+          </a:xfrm>
+          <a:prstGeom prst="rect">
+            <a:avLst/>
+          </a:prstGeom>
+        </p:spPr>
         <p:txBody>
           <a:bodyPr/>
           <a:lstStyle/>
@@ -2999,14 +3182,22 @@
             <p:ph type="dt" sz="half" idx="10"/>
           </p:nvPr>
         </p:nvSpPr>
-        <p:spPr/>
+        <p:spPr>
+          <a:xfrm>
+            <a:off x="838200" y="5773737"/>
+            <a:ext cx="2743200" cy="365125"/>
+          </a:xfrm>
+          <a:prstGeom prst="rect">
+            <a:avLst/>
+          </a:prstGeom>
+        </p:spPr>
         <p:txBody>
           <a:bodyPr/>
           <a:lstStyle/>
           <a:p>
             <a:fld id="{0DED02AE-B9A4-47BD-AF8E-97E16144138B}" type="datetimeFigureOut">
               <a:rPr lang="en-US" dirty="0"/>
-              <a:t>3/13/2016</a:t>
+              <a:t>3/21/2016</a:t>
             </a:fld>
             <a:endParaRPr lang="en-US" dirty="0"/>
           </a:p>
@@ -3022,7 +3213,15 @@
             <p:ph type="ftr" sz="quarter" idx="11"/>
           </p:nvPr>
         </p:nvSpPr>
-        <p:spPr/>
+        <p:spPr>
+          <a:xfrm>
+            <a:off x="4038600" y="5773737"/>
+            <a:ext cx="4114800" cy="365125"/>
+          </a:xfrm>
+          <a:prstGeom prst="rect">
+            <a:avLst/>
+          </a:prstGeom>
+        </p:spPr>
         <p:txBody>
           <a:bodyPr/>
           <a:lstStyle/>
@@ -3045,7 +3244,15 @@
             <p:ph type="sldNum" sz="quarter" idx="12"/>
           </p:nvPr>
         </p:nvSpPr>
-        <p:spPr/>
+        <p:spPr>
+          <a:xfrm>
+            <a:off x="8610600" y="5773737"/>
+            <a:ext cx="2743200" cy="365125"/>
+          </a:xfrm>
+          <a:prstGeom prst="rect">
+            <a:avLst/>
+          </a:prstGeom>
+        </p:spPr>
         <p:txBody>
           <a:bodyPr/>
           <a:lstStyle/>
@@ -3178,14 +3385,22 @@
             <p:ph type="dt" sz="half" idx="10"/>
           </p:nvPr>
         </p:nvSpPr>
-        <p:spPr/>
+        <p:spPr>
+          <a:xfrm>
+            <a:off x="838200" y="5773737"/>
+            <a:ext cx="2743200" cy="365125"/>
+          </a:xfrm>
+          <a:prstGeom prst="rect">
+            <a:avLst/>
+          </a:prstGeom>
+        </p:spPr>
         <p:txBody>
           <a:bodyPr/>
           <a:lstStyle/>
           <a:p>
             <a:fld id="{CF0FD78B-DB02-4362-BCDC-98A55456977C}" type="datetimeFigureOut">
               <a:rPr lang="en-US" dirty="0"/>
-              <a:t>3/13/2016</a:t>
+              <a:t>3/21/2016</a:t>
             </a:fld>
             <a:endParaRPr lang="en-US" dirty="0"/>
           </a:p>
@@ -3201,7 +3416,15 @@
             <p:ph type="ftr" sz="quarter" idx="11"/>
           </p:nvPr>
         </p:nvSpPr>
-        <p:spPr/>
+        <p:spPr>
+          <a:xfrm>
+            <a:off x="4038600" y="5773737"/>
+            <a:ext cx="4114800" cy="365125"/>
+          </a:xfrm>
+          <a:prstGeom prst="rect">
+            <a:avLst/>
+          </a:prstGeom>
+        </p:spPr>
         <p:txBody>
           <a:bodyPr/>
           <a:lstStyle/>
@@ -3224,7 +3447,15 @@
             <p:ph type="sldNum" sz="quarter" idx="12"/>
           </p:nvPr>
         </p:nvSpPr>
-        <p:spPr/>
+        <p:spPr>
+          <a:xfrm>
+            <a:off x="8610600" y="5773737"/>
+            <a:ext cx="2743200" cy="365125"/>
+          </a:xfrm>
+          <a:prstGeom prst="rect">
+            <a:avLst/>
+          </a:prstGeom>
+        </p:spPr>
         <p:txBody>
           <a:bodyPr/>
           <a:lstStyle/>
@@ -3238,6 +3469,66 @@
         </p:txBody>
       </p:sp>
     </p:spTree>
+  </p:cSld>
+  <p:clrMapOvr>
+    <a:masterClrMapping/>
+  </p:clrMapOvr>
+</p:sldLayout>
+</file>
+
+<file path=ppt/slideLayouts/slideLayout18.xml><?xml version="1.0" encoding="utf-8"?>
+<p:sldLayout xmlns:a="http://schemas.openxmlformats.org/drawingml/2006/main" xmlns:r="http://schemas.openxmlformats.org/officeDocument/2006/relationships" xmlns:p="http://schemas.openxmlformats.org/presentationml/2006/main" preserve="1" userDrawn="1">
+  <p:cSld name="BaseLayout">
+    <p:spTree>
+      <p:nvGrpSpPr>
+        <p:cNvPr id="1" name=""/>
+        <p:cNvGrpSpPr/>
+        <p:nvPr/>
+      </p:nvGrpSpPr>
+      <p:grpSpPr>
+        <a:xfrm>
+          <a:off x="0" y="0"/>
+          <a:ext cx="0" cy="0"/>
+          <a:chOff x="0" y="0"/>
+          <a:chExt cx="0" cy="0"/>
+        </a:xfrm>
+      </p:grpSpPr>
+    </p:spTree>
+    <p:extLst>
+      <p:ext uri="{BB962C8B-B14F-4D97-AF65-F5344CB8AC3E}">
+        <p14:creationId xmlns:p14="http://schemas.microsoft.com/office/powerpoint/2010/main" val="619245682"/>
+      </p:ext>
+    </p:extLst>
+  </p:cSld>
+  <p:clrMapOvr>
+    <a:masterClrMapping/>
+  </p:clrMapOvr>
+</p:sldLayout>
+</file>
+
+<file path=ppt/slideLayouts/slideLayout19.xml><?xml version="1.0" encoding="utf-8"?>
+<p:sldLayout xmlns:a="http://schemas.openxmlformats.org/drawingml/2006/main" xmlns:r="http://schemas.openxmlformats.org/officeDocument/2006/relationships" xmlns:p="http://schemas.openxmlformats.org/presentationml/2006/main" preserve="1" userDrawn="1">
+  <p:cSld name="Blank">
+    <p:spTree>
+      <p:nvGrpSpPr>
+        <p:cNvPr id="1" name=""/>
+        <p:cNvGrpSpPr/>
+        <p:nvPr/>
+      </p:nvGrpSpPr>
+      <p:grpSpPr>
+        <a:xfrm>
+          <a:off x="0" y="0"/>
+          <a:ext cx="0" cy="0"/>
+          <a:chOff x="0" y="0"/>
+          <a:chExt cx="0" cy="0"/>
+        </a:xfrm>
+      </p:grpSpPr>
+    </p:spTree>
+    <p:extLst>
+      <p:ext uri="{BB962C8B-B14F-4D97-AF65-F5344CB8AC3E}">
+        <p14:creationId xmlns:p14="http://schemas.microsoft.com/office/powerpoint/2010/main" val="1882664146"/>
+      </p:ext>
+    </p:extLst>
   </p:cSld>
   <p:clrMapOvr>
     <a:masterClrMapping/>
@@ -3347,14 +3638,22 @@
             <p:ph type="dt" sz="half" idx="10"/>
           </p:nvPr>
         </p:nvSpPr>
-        <p:spPr/>
+        <p:spPr>
+          <a:xfrm>
+            <a:off x="838200" y="5773737"/>
+            <a:ext cx="2743200" cy="365125"/>
+          </a:xfrm>
+          <a:prstGeom prst="rect">
+            <a:avLst/>
+          </a:prstGeom>
+        </p:spPr>
         <p:txBody>
           <a:bodyPr/>
           <a:lstStyle/>
           <a:p>
             <a:fld id="{99916976-5D93-46E4-A98A-FAD63E4D0EA8}" type="datetimeFigureOut">
               <a:rPr lang="en-US" dirty="0"/>
-              <a:t>3/13/2016</a:t>
+              <a:t>3/21/2016</a:t>
             </a:fld>
             <a:endParaRPr lang="en-US" dirty="0"/>
           </a:p>
@@ -3370,7 +3669,15 @@
             <p:ph type="ftr" sz="quarter" idx="11"/>
           </p:nvPr>
         </p:nvSpPr>
-        <p:spPr/>
+        <p:spPr>
+          <a:xfrm>
+            <a:off x="4038600" y="5773737"/>
+            <a:ext cx="4114800" cy="365125"/>
+          </a:xfrm>
+          <a:prstGeom prst="rect">
+            <a:avLst/>
+          </a:prstGeom>
+        </p:spPr>
         <p:txBody>
           <a:bodyPr/>
           <a:lstStyle/>
@@ -3393,7 +3700,15 @@
             <p:ph type="sldNum" sz="quarter" idx="12"/>
           </p:nvPr>
         </p:nvSpPr>
-        <p:spPr/>
+        <p:spPr>
+          <a:xfrm>
+            <a:off x="8610600" y="5773737"/>
+            <a:ext cx="2743200" cy="365125"/>
+          </a:xfrm>
+          <a:prstGeom prst="rect">
+            <a:avLst/>
+          </a:prstGeom>
+        </p:spPr>
         <p:txBody>
           <a:bodyPr/>
           <a:lstStyle/>
@@ -3411,6 +3726,13 @@
   <p:clrMapOvr>
     <a:masterClrMapping/>
   </p:clrMapOvr>
+  <p:timing>
+    <p:tnLst>
+      <p:par>
+        <p:cTn id="1" dur="indefinite" restart="never" nodeType="tmRoot"/>
+      </p:par>
+    </p:tnLst>
+  </p:timing>
 </p:sldLayout>
 </file>
 
@@ -3603,14 +3925,22 @@
             <p:ph type="dt" sz="half" idx="10"/>
           </p:nvPr>
         </p:nvSpPr>
-        <p:spPr/>
+        <p:spPr>
+          <a:xfrm>
+            <a:off x="838200" y="5773737"/>
+            <a:ext cx="2743200" cy="365125"/>
+          </a:xfrm>
+          <a:prstGeom prst="rect">
+            <a:avLst/>
+          </a:prstGeom>
+        </p:spPr>
         <p:txBody>
           <a:bodyPr/>
           <a:lstStyle/>
           <a:p>
             <a:fld id="{0F39F4F5-F4D2-4D2A-AB60-88D37ADCB869}" type="datetimeFigureOut">
               <a:rPr lang="en-US" dirty="0"/>
-              <a:t>3/13/2016</a:t>
+              <a:t>3/21/2016</a:t>
             </a:fld>
             <a:endParaRPr lang="en-US" dirty="0"/>
           </a:p>
@@ -3626,7 +3956,15 @@
             <p:ph type="ftr" sz="quarter" idx="11"/>
           </p:nvPr>
         </p:nvSpPr>
-        <p:spPr/>
+        <p:spPr>
+          <a:xfrm>
+            <a:off x="4038600" y="5773737"/>
+            <a:ext cx="4114800" cy="365125"/>
+          </a:xfrm>
+          <a:prstGeom prst="rect">
+            <a:avLst/>
+          </a:prstGeom>
+        </p:spPr>
         <p:txBody>
           <a:bodyPr/>
           <a:lstStyle/>
@@ -3649,7 +3987,15 @@
             <p:ph type="sldNum" sz="quarter" idx="12"/>
           </p:nvPr>
         </p:nvSpPr>
-        <p:spPr/>
+        <p:spPr>
+          <a:xfrm>
+            <a:off x="8610600" y="5773737"/>
+            <a:ext cx="2743200" cy="365125"/>
+          </a:xfrm>
+          <a:prstGeom prst="rect">
+            <a:avLst/>
+          </a:prstGeom>
+        </p:spPr>
         <p:txBody>
           <a:bodyPr/>
           <a:lstStyle/>
@@ -3667,6 +4013,13 @@
   <p:clrMapOvr>
     <a:masterClrMapping/>
   </p:clrMapOvr>
+  <p:timing>
+    <p:tnLst>
+      <p:par>
+        <p:cTn id="1" dur="indefinite" restart="never" nodeType="tmRoot"/>
+      </p:par>
+    </p:tnLst>
+  </p:timing>
 </p:sldLayout>
 </file>
 
@@ -3834,14 +4187,22 @@
             <p:ph type="dt" sz="half" idx="10"/>
           </p:nvPr>
         </p:nvSpPr>
-        <p:spPr/>
+        <p:spPr>
+          <a:xfrm>
+            <a:off x="838200" y="5773737"/>
+            <a:ext cx="2743200" cy="365125"/>
+          </a:xfrm>
+          <a:prstGeom prst="rect">
+            <a:avLst/>
+          </a:prstGeom>
+        </p:spPr>
         <p:txBody>
           <a:bodyPr/>
           <a:lstStyle/>
           <a:p>
             <a:fld id="{D23BC6CE-6D1E-47E5-8859-F31AC5380EB2}" type="datetimeFigureOut">
               <a:rPr lang="en-US" dirty="0"/>
-              <a:t>3/13/2016</a:t>
+              <a:t>3/21/2016</a:t>
             </a:fld>
             <a:endParaRPr lang="en-US" dirty="0"/>
           </a:p>
@@ -3857,7 +4218,15 @@
             <p:ph type="ftr" sz="quarter" idx="11"/>
           </p:nvPr>
         </p:nvSpPr>
-        <p:spPr/>
+        <p:spPr>
+          <a:xfrm>
+            <a:off x="4038600" y="5773737"/>
+            <a:ext cx="4114800" cy="365125"/>
+          </a:xfrm>
+          <a:prstGeom prst="rect">
+            <a:avLst/>
+          </a:prstGeom>
+        </p:spPr>
         <p:txBody>
           <a:bodyPr/>
           <a:lstStyle/>
@@ -3880,7 +4249,15 @@
             <p:ph type="sldNum" sz="quarter" idx="12"/>
           </p:nvPr>
         </p:nvSpPr>
-        <p:spPr/>
+        <p:spPr>
+          <a:xfrm>
+            <a:off x="8610600" y="5773737"/>
+            <a:ext cx="2743200" cy="365125"/>
+          </a:xfrm>
+          <a:prstGeom prst="rect">
+            <a:avLst/>
+          </a:prstGeom>
+        </p:spPr>
         <p:txBody>
           <a:bodyPr/>
           <a:lstStyle/>
@@ -4226,14 +4603,22 @@
             <p:ph type="dt" sz="half" idx="10"/>
           </p:nvPr>
         </p:nvSpPr>
-        <p:spPr/>
+        <p:spPr>
+          <a:xfrm>
+            <a:off x="838200" y="5773737"/>
+            <a:ext cx="2743200" cy="365125"/>
+          </a:xfrm>
+          <a:prstGeom prst="rect">
+            <a:avLst/>
+          </a:prstGeom>
+        </p:spPr>
         <p:txBody>
           <a:bodyPr/>
           <a:lstStyle/>
           <a:p>
             <a:fld id="{B1B4E7C4-4DA4-404D-9965-B13F2DD7D8BF}" type="datetimeFigureOut">
               <a:rPr lang="en-US" dirty="0"/>
-              <a:t>3/13/2016</a:t>
+              <a:t>3/21/2016</a:t>
             </a:fld>
             <a:endParaRPr lang="en-US" dirty="0"/>
           </a:p>
@@ -4249,7 +4634,15 @@
             <p:ph type="ftr" sz="quarter" idx="11"/>
           </p:nvPr>
         </p:nvSpPr>
-        <p:spPr/>
+        <p:spPr>
+          <a:xfrm>
+            <a:off x="4038600" y="5773737"/>
+            <a:ext cx="4114800" cy="365125"/>
+          </a:xfrm>
+          <a:prstGeom prst="rect">
+            <a:avLst/>
+          </a:prstGeom>
+        </p:spPr>
         <p:txBody>
           <a:bodyPr/>
           <a:lstStyle/>
@@ -4272,7 +4665,15 @@
             <p:ph type="sldNum" sz="quarter" idx="12"/>
           </p:nvPr>
         </p:nvSpPr>
-        <p:spPr/>
+        <p:spPr>
+          <a:xfrm>
+            <a:off x="8610600" y="5773737"/>
+            <a:ext cx="2743200" cy="365125"/>
+          </a:xfrm>
+          <a:prstGeom prst="rect">
+            <a:avLst/>
+          </a:prstGeom>
+        </p:spPr>
         <p:txBody>
           <a:bodyPr/>
           <a:lstStyle/>
@@ -4343,14 +4744,22 @@
             <p:ph type="dt" sz="half" idx="10"/>
           </p:nvPr>
         </p:nvSpPr>
-        <p:spPr/>
+        <p:spPr>
+          <a:xfrm>
+            <a:off x="838200" y="5773737"/>
+            <a:ext cx="2743200" cy="365125"/>
+          </a:xfrm>
+          <a:prstGeom prst="rect">
+            <a:avLst/>
+          </a:prstGeom>
+        </p:spPr>
         <p:txBody>
           <a:bodyPr/>
           <a:lstStyle/>
           <a:p>
             <a:fld id="{476FB7AA-4A53-424F-AD41-70827B6504BA}" type="datetimeFigureOut">
               <a:rPr lang="en-US" dirty="0"/>
-              <a:t>3/13/2016</a:t>
+              <a:t>3/21/2016</a:t>
             </a:fld>
             <a:endParaRPr lang="en-US" dirty="0"/>
           </a:p>
@@ -4366,7 +4775,15 @@
             <p:ph type="ftr" sz="quarter" idx="11"/>
           </p:nvPr>
         </p:nvSpPr>
-        <p:spPr/>
+        <p:spPr>
+          <a:xfrm>
+            <a:off x="4038600" y="5773737"/>
+            <a:ext cx="4114800" cy="365125"/>
+          </a:xfrm>
+          <a:prstGeom prst="rect">
+            <a:avLst/>
+          </a:prstGeom>
+        </p:spPr>
         <p:txBody>
           <a:bodyPr/>
           <a:lstStyle/>
@@ -4389,7 +4806,15 @@
             <p:ph type="sldNum" sz="quarter" idx="12"/>
           </p:nvPr>
         </p:nvSpPr>
-        <p:spPr/>
+        <p:spPr>
+          <a:xfrm>
+            <a:off x="8610600" y="5773737"/>
+            <a:ext cx="2743200" cy="365125"/>
+          </a:xfrm>
+          <a:prstGeom prst="rect">
+            <a:avLst/>
+          </a:prstGeom>
+        </p:spPr>
         <p:txBody>
           <a:bodyPr/>
           <a:lstStyle/>
@@ -4437,14 +4862,22 @@
             <p:ph type="dt" sz="half" idx="10"/>
           </p:nvPr>
         </p:nvSpPr>
-        <p:spPr/>
+        <p:spPr>
+          <a:xfrm>
+            <a:off x="838200" y="5773737"/>
+            <a:ext cx="2743200" cy="365125"/>
+          </a:xfrm>
+          <a:prstGeom prst="rect">
+            <a:avLst/>
+          </a:prstGeom>
+        </p:spPr>
         <p:txBody>
           <a:bodyPr/>
           <a:lstStyle/>
           <a:p>
             <a:fld id="{E7884882-FB12-4BC8-9960-9AD8104D7FAE}" type="datetimeFigureOut">
               <a:rPr lang="en-US" dirty="0"/>
-              <a:t>3/13/2016</a:t>
+              <a:t>3/21/2016</a:t>
             </a:fld>
             <a:endParaRPr lang="en-US" dirty="0"/>
           </a:p>
@@ -4460,7 +4893,15 @@
             <p:ph type="ftr" sz="quarter" idx="11"/>
           </p:nvPr>
         </p:nvSpPr>
-        <p:spPr/>
+        <p:spPr>
+          <a:xfrm>
+            <a:off x="4038600" y="5773737"/>
+            <a:ext cx="4114800" cy="365125"/>
+          </a:xfrm>
+          <a:prstGeom prst="rect">
+            <a:avLst/>
+          </a:prstGeom>
+        </p:spPr>
         <p:txBody>
           <a:bodyPr/>
           <a:lstStyle/>
@@ -4483,7 +4924,15 @@
             <p:ph type="sldNum" sz="quarter" idx="12"/>
           </p:nvPr>
         </p:nvSpPr>
-        <p:spPr/>
+        <p:spPr>
+          <a:xfrm>
+            <a:off x="8610600" y="5773737"/>
+            <a:ext cx="2743200" cy="365125"/>
+          </a:xfrm>
+          <a:prstGeom prst="rect">
+            <a:avLst/>
+          </a:prstGeom>
+        </p:spPr>
         <p:txBody>
           <a:bodyPr/>
           <a:lstStyle/>
@@ -4709,14 +5158,22 @@
             <p:ph type="dt" sz="half" idx="10"/>
           </p:nvPr>
         </p:nvSpPr>
-        <p:spPr/>
+        <p:spPr>
+          <a:xfrm>
+            <a:off x="838200" y="5773737"/>
+            <a:ext cx="2743200" cy="365125"/>
+          </a:xfrm>
+          <a:prstGeom prst="rect">
+            <a:avLst/>
+          </a:prstGeom>
+        </p:spPr>
         <p:txBody>
           <a:bodyPr/>
           <a:lstStyle/>
           <a:p>
             <a:fld id="{F7D1BD23-6E54-4D9D-AD88-A2813C73CC25}" type="datetimeFigureOut">
               <a:rPr lang="en-US" dirty="0"/>
-              <a:t>3/13/2016</a:t>
+              <a:t>3/21/2016</a:t>
             </a:fld>
             <a:endParaRPr lang="en-US" dirty="0"/>
           </a:p>
@@ -4732,7 +5189,15 @@
             <p:ph type="ftr" sz="quarter" idx="11"/>
           </p:nvPr>
         </p:nvSpPr>
-        <p:spPr/>
+        <p:spPr>
+          <a:xfrm>
+            <a:off x="4038600" y="5773737"/>
+            <a:ext cx="4114800" cy="365125"/>
+          </a:xfrm>
+          <a:prstGeom prst="rect">
+            <a:avLst/>
+          </a:prstGeom>
+        </p:spPr>
         <p:txBody>
           <a:bodyPr/>
           <a:lstStyle/>
@@ -4755,7 +5220,15 @@
             <p:ph type="sldNum" sz="quarter" idx="12"/>
           </p:nvPr>
         </p:nvSpPr>
-        <p:spPr/>
+        <p:spPr>
+          <a:xfrm>
+            <a:off x="8610600" y="5773737"/>
+            <a:ext cx="2743200" cy="365125"/>
+          </a:xfrm>
+          <a:prstGeom prst="rect">
+            <a:avLst/>
+          </a:prstGeom>
+        </p:spPr>
         <p:txBody>
           <a:bodyPr/>
           <a:lstStyle/>
@@ -4989,14 +5462,22 @@
             <p:ph type="dt" sz="half" idx="10"/>
           </p:nvPr>
         </p:nvSpPr>
-        <p:spPr/>
+        <p:spPr>
+          <a:xfrm>
+            <a:off x="838200" y="5773737"/>
+            <a:ext cx="2743200" cy="365125"/>
+          </a:xfrm>
+          <a:prstGeom prst="rect">
+            <a:avLst/>
+          </a:prstGeom>
+        </p:spPr>
         <p:txBody>
           <a:bodyPr/>
           <a:lstStyle/>
           <a:p>
             <a:fld id="{1471A834-4F3C-4AF9-9C74-05EC35A0F292}" type="datetimeFigureOut">
               <a:rPr lang="en-US" dirty="0"/>
-              <a:t>3/13/2016</a:t>
+              <a:t>3/21/2016</a:t>
             </a:fld>
             <a:endParaRPr lang="en-US" dirty="0"/>
           </a:p>
@@ -5012,7 +5493,15 @@
             <p:ph type="ftr" sz="quarter" idx="11"/>
           </p:nvPr>
         </p:nvSpPr>
-        <p:spPr/>
+        <p:spPr>
+          <a:xfrm>
+            <a:off x="4038600" y="5773737"/>
+            <a:ext cx="4114800" cy="365125"/>
+          </a:xfrm>
+          <a:prstGeom prst="rect">
+            <a:avLst/>
+          </a:prstGeom>
+        </p:spPr>
         <p:txBody>
           <a:bodyPr/>
           <a:lstStyle/>
@@ -5035,7 +5524,15 @@
             <p:ph type="sldNum" sz="quarter" idx="12"/>
           </p:nvPr>
         </p:nvSpPr>
-        <p:spPr/>
+        <p:spPr>
+          <a:xfrm>
+            <a:off x="8610600" y="5773737"/>
+            <a:ext cx="2743200" cy="365125"/>
+          </a:xfrm>
+          <a:prstGeom prst="rect">
+            <a:avLst/>
+          </a:prstGeom>
+        </p:spPr>
         <p:txBody>
           <a:bodyPr/>
           <a:lstStyle/>
@@ -5057,7 +5554,7 @@
 </file>
 
 <file path=ppt/slideMasters/slideMaster1.xml><?xml version="1.0" encoding="utf-8"?>
-<p:sldMaster xmlns:a="http://schemas.openxmlformats.org/drawingml/2006/main" xmlns:r="http://schemas.openxmlformats.org/officeDocument/2006/relationships" xmlns:p="http://schemas.openxmlformats.org/presentationml/2006/main">
+<p:sldMaster xmlns:a="http://schemas.openxmlformats.org/drawingml/2006/main" xmlns:r="http://schemas.openxmlformats.org/officeDocument/2006/relationships" xmlns:p="http://schemas.openxmlformats.org/presentationml/2006/main" preserve="1">
   <p:cSld>
     <p:bg>
       <p:bgPr>
@@ -5099,8 +5596,8 @@
         </p:nvSpPr>
         <p:spPr>
           <a:xfrm>
-            <a:off x="838200" y="365125"/>
-            <a:ext cx="10515600" cy="1325563"/>
+            <a:off x="838200" y="697153"/>
+            <a:ext cx="10515600" cy="993535"/>
           </a:xfrm>
           <a:prstGeom prst="rect">
             <a:avLst/>
@@ -5133,7 +5630,7 @@
         <p:spPr>
           <a:xfrm>
             <a:off x="1120000" y="1825625"/>
-            <a:ext cx="10233800" cy="4351338"/>
+            <a:ext cx="10233800" cy="4262893"/>
           </a:xfrm>
           <a:prstGeom prst="rect">
             <a:avLst/>
@@ -5147,35 +5644,35 @@
           <a:p>
             <a:pPr lvl="0"/>
             <a:r>
-              <a:rPr lang="ru-RU" smtClean="0"/>
+              <a:rPr lang="ru-RU" dirty="0" smtClean="0"/>
               <a:t>Образец текста</a:t>
             </a:r>
           </a:p>
           <a:p>
             <a:pPr lvl="1"/>
             <a:r>
-              <a:rPr lang="ru-RU" smtClean="0"/>
+              <a:rPr lang="ru-RU" dirty="0" smtClean="0"/>
               <a:t>Второй уровень</a:t>
             </a:r>
           </a:p>
           <a:p>
             <a:pPr lvl="2"/>
             <a:r>
-              <a:rPr lang="ru-RU" smtClean="0"/>
+              <a:rPr lang="ru-RU" dirty="0" smtClean="0"/>
               <a:t>Третий уровень</a:t>
             </a:r>
           </a:p>
           <a:p>
             <a:pPr lvl="3"/>
             <a:r>
-              <a:rPr lang="ru-RU" smtClean="0"/>
+              <a:rPr lang="ru-RU" dirty="0" smtClean="0"/>
               <a:t>Четвертый уровень</a:t>
             </a:r>
           </a:p>
           <a:p>
             <a:pPr lvl="4"/>
             <a:r>
-              <a:rPr lang="ru-RU" smtClean="0"/>
+              <a:rPr lang="ru-RU" dirty="0" smtClean="0"/>
               <a:t>Пятый уровень</a:t>
             </a:r>
             <a:endParaRPr lang="en-US" dirty="0"/>
@@ -5184,182 +5681,513 @@
       </p:sp>
       <p:sp>
         <p:nvSpPr>
-          <p:cNvPr id="4" name="Date Placeholder 3"/>
-          <p:cNvSpPr>
-            <a:spLocks noGrp="1"/>
-          </p:cNvSpPr>
-          <p:nvPr>
-            <p:ph type="dt" sz="half" idx="2"/>
-          </p:nvPr>
-        </p:nvSpPr>
-        <p:spPr>
-          <a:xfrm>
-            <a:off x="838200" y="6356350"/>
-            <a:ext cx="2743200" cy="365125"/>
+          <p:cNvPr id="7" name="Прямоугольник 6"/>
+          <p:cNvSpPr/>
+          <p:nvPr userDrawn="1"/>
+        </p:nvSpPr>
+        <p:spPr>
+          <a:xfrm>
+            <a:off x="0" y="6230793"/>
+            <a:ext cx="12175200" cy="612000"/>
           </a:xfrm>
           <a:prstGeom prst="rect">
             <a:avLst/>
           </a:prstGeom>
-        </p:spPr>
-        <p:txBody>
-          <a:bodyPr vert="horz" lIns="91440" tIns="45720" rIns="91440" bIns="45720" rtlCol="0" anchor="ctr"/>
-          <a:lstStyle>
-            <a:lvl1pPr algn="l">
-              <a:defRPr sz="1200">
-                <a:gradFill flip="none" rotWithShape="1">
-                  <a:gsLst>
-                    <a:gs pos="28000">
-                      <a:schemeClr val="tx1">
-                        <a:lumMod val="93000"/>
-                      </a:schemeClr>
-                    </a:gs>
-                    <a:gs pos="0">
-                      <a:schemeClr val="bg1">
-                        <a:lumMod val="38000"/>
-                        <a:lumOff val="62000"/>
-                      </a:schemeClr>
-                    </a:gs>
-                    <a:gs pos="100000">
-                      <a:schemeClr val="tx2">
-                        <a:lumMod val="0"/>
-                        <a:lumOff val="100000"/>
-                      </a:schemeClr>
-                    </a:gs>
-                  </a:gsLst>
-                  <a:lin ang="5400000" scaled="1"/>
-                  <a:tileRect/>
-                </a:gradFill>
-              </a:defRPr>
-            </a:lvl1pPr>
-          </a:lstStyle>
-          <a:p>
-            <a:fld id="{51CF1133-3259-4C45-BABA-5B62D9C6F78D}" type="datetimeFigureOut">
-              <a:rPr lang="en-US" dirty="0"/>
-              <a:t>3/13/2016</a:t>
-            </a:fld>
-            <a:endParaRPr lang="en-US" dirty="0"/>
-          </a:p>
-        </p:txBody>
-      </p:sp>
-      <p:sp>
-        <p:nvSpPr>
-          <p:cNvPr id="5" name="Footer Placeholder 4"/>
-          <p:cNvSpPr>
-            <a:spLocks noGrp="1"/>
-          </p:cNvSpPr>
-          <p:nvPr>
-            <p:ph type="ftr" sz="quarter" idx="3"/>
-          </p:nvPr>
-        </p:nvSpPr>
-        <p:spPr>
-          <a:xfrm>
-            <a:off x="4038600" y="6356350"/>
-            <a:ext cx="4114800" cy="365125"/>
+          <a:gradFill>
+            <a:gsLst>
+              <a:gs pos="0">
+                <a:schemeClr val="accent1">
+                  <a:lumMod val="5000"/>
+                  <a:lumOff val="95000"/>
+                </a:schemeClr>
+              </a:gs>
+              <a:gs pos="74000">
+                <a:schemeClr val="accent1">
+                  <a:lumMod val="45000"/>
+                  <a:lumOff val="55000"/>
+                </a:schemeClr>
+              </a:gs>
+              <a:gs pos="83000">
+                <a:schemeClr val="accent1">
+                  <a:lumMod val="60000"/>
+                  <a:lumOff val="40000"/>
+                </a:schemeClr>
+              </a:gs>
+              <a:gs pos="100000">
+                <a:schemeClr val="accent1">
+                  <a:lumMod val="50000"/>
+                </a:schemeClr>
+              </a:gs>
+            </a:gsLst>
+            <a:lin ang="5400000" scaled="1"/>
+          </a:gradFill>
+        </p:spPr>
+        <p:style>
+          <a:lnRef idx="2">
+            <a:schemeClr val="accent1">
+              <a:shade val="50000"/>
+            </a:schemeClr>
+          </a:lnRef>
+          <a:fillRef idx="1">
+            <a:schemeClr val="accent1"/>
+          </a:fillRef>
+          <a:effectRef idx="0">
+            <a:schemeClr val="accent1"/>
+          </a:effectRef>
+          <a:fontRef idx="minor">
+            <a:schemeClr val="lt1"/>
+          </a:fontRef>
+        </p:style>
+        <p:txBody>
+          <a:bodyPr rtlCol="0" anchor="ctr"/>
+          <a:lstStyle/>
+          <a:p>
+            <a:pPr algn="l"/>
+            <a:endParaRPr lang="ru-RU" sz="1400" dirty="0">
+              <a:solidFill>
+                <a:schemeClr val="bg1"/>
+              </a:solidFill>
+              <a:latin typeface="Calibri" panose="020F0502020204030204" pitchFamily="34" charset="0"/>
+            </a:endParaRPr>
+          </a:p>
+        </p:txBody>
+      </p:sp>
+      <p:sp>
+        <p:nvSpPr>
+          <p:cNvPr id="9" name="TextBox 8"/>
+          <p:cNvSpPr txBox="1"/>
+          <p:nvPr userDrawn="1"/>
+        </p:nvSpPr>
+        <p:spPr>
+          <a:xfrm>
+            <a:off x="11490960" y="6322234"/>
+            <a:ext cx="606850" cy="400110"/>
           </a:xfrm>
           <a:prstGeom prst="rect">
             <a:avLst/>
           </a:prstGeom>
-        </p:spPr>
-        <p:txBody>
-          <a:bodyPr vert="horz" lIns="91440" tIns="45720" rIns="91440" bIns="45720" rtlCol="0" anchor="ctr"/>
-          <a:lstStyle>
-            <a:lvl1pPr algn="ctr">
-              <a:defRPr sz="1200">
-                <a:gradFill flip="none" rotWithShape="1">
-                  <a:gsLst>
-                    <a:gs pos="28000">
-                      <a:schemeClr val="tx1">
-                        <a:lumMod val="93000"/>
-                      </a:schemeClr>
-                    </a:gs>
-                    <a:gs pos="0">
-                      <a:schemeClr val="bg1">
-                        <a:lumMod val="38000"/>
-                        <a:lumOff val="62000"/>
-                      </a:schemeClr>
-                    </a:gs>
-                    <a:gs pos="100000">
-                      <a:schemeClr val="tx2">
-                        <a:lumMod val="0"/>
-                        <a:lumOff val="100000"/>
-                      </a:schemeClr>
-                    </a:gs>
-                  </a:gsLst>
-                  <a:lin ang="5400000" scaled="1"/>
-                  <a:tileRect/>
-                </a:gradFill>
-              </a:defRPr>
-            </a:lvl1pPr>
-          </a:lstStyle>
-          <a:p>
-            <a:r>
-              <a:rPr lang="en-US" dirty="0"/>
-              <a:t>
-              </a:t>
-            </a:r>
-          </a:p>
-        </p:txBody>
-      </p:sp>
-      <p:sp>
-        <p:nvSpPr>
-          <p:cNvPr id="6" name="Slide Number Placeholder 5"/>
-          <p:cNvSpPr>
-            <a:spLocks noGrp="1"/>
-          </p:cNvSpPr>
-          <p:nvPr>
-            <p:ph type="sldNum" sz="quarter" idx="4"/>
-          </p:nvPr>
-        </p:nvSpPr>
-        <p:spPr>
-          <a:xfrm>
-            <a:off x="8610600" y="6356350"/>
-            <a:ext cx="2743200" cy="365125"/>
+          <a:noFill/>
+        </p:spPr>
+        <p:txBody>
+          <a:bodyPr wrap="square" rtlCol="0">
+            <a:spAutoFit/>
+          </a:bodyPr>
+          <a:lstStyle/>
+          <a:p>
+            <a:fld id="{6D22F896-40B5-4ADD-8801-0D06FADFA095}" type="slidenum">
+              <a:rPr lang="en-US" sz="2000" smtClean="0">
+                <a:solidFill>
+                  <a:schemeClr val="bg1"/>
+                </a:solidFill>
+              </a:rPr>
+              <a:pPr/>
+              <a:t>‹#›</a:t>
+            </a:fld>
+            <a:endParaRPr lang="ru-RU" sz="2000" dirty="0">
+              <a:solidFill>
+                <a:schemeClr val="bg1"/>
+              </a:solidFill>
+            </a:endParaRPr>
+          </a:p>
+        </p:txBody>
+      </p:sp>
+      <p:sp>
+        <p:nvSpPr>
+          <p:cNvPr id="10" name="TextBox 9"/>
+          <p:cNvSpPr txBox="1"/>
+          <p:nvPr userDrawn="1"/>
+        </p:nvSpPr>
+        <p:spPr>
+          <a:xfrm>
+            <a:off x="721241" y="6256325"/>
+            <a:ext cx="1674395" cy="553998"/>
           </a:xfrm>
           <a:prstGeom prst="rect">
             <a:avLst/>
           </a:prstGeom>
-        </p:spPr>
-        <p:txBody>
-          <a:bodyPr vert="horz" lIns="91440" tIns="45720" rIns="91440" bIns="45720" rtlCol="0" anchor="ctr"/>
-          <a:lstStyle>
-            <a:lvl1pPr algn="r">
-              <a:defRPr sz="1200">
-                <a:gradFill flip="none" rotWithShape="1">
-                  <a:gsLst>
-                    <a:gs pos="28000">
-                      <a:schemeClr val="tx1">
-                        <a:lumMod val="93000"/>
-                      </a:schemeClr>
-                    </a:gs>
-                    <a:gs pos="0">
-                      <a:schemeClr val="bg1">
-                        <a:lumMod val="38000"/>
-                        <a:lumOff val="62000"/>
-                      </a:schemeClr>
-                    </a:gs>
-                    <a:gs pos="100000">
-                      <a:schemeClr val="tx2">
-                        <a:lumMod val="0"/>
-                        <a:lumOff val="100000"/>
-                      </a:schemeClr>
-                    </a:gs>
-                  </a:gsLst>
-                  <a:lin ang="5400000" scaled="1"/>
-                  <a:tileRect/>
-                </a:gradFill>
-              </a:defRPr>
-            </a:lvl1pPr>
-          </a:lstStyle>
-          <a:p>
-            <a:fld id="{6D22F896-40B5-4ADD-8801-0D06FADFA095}" type="slidenum">
-              <a:rPr lang="en-US" dirty="0"/>
-              <a:pPr/>
-              <a:t>‹#›</a:t>
-            </a:fld>
-            <a:endParaRPr lang="en-US" dirty="0"/>
-          </a:p>
-        </p:txBody>
-      </p:sp>
+          <a:noFill/>
+        </p:spPr>
+        <p:txBody>
+          <a:bodyPr wrap="square" rtlCol="0">
+            <a:spAutoFit/>
+          </a:bodyPr>
+          <a:lstStyle/>
+          <a:p>
+            <a:pPr>
+              <a:lnSpc>
+                <a:spcPct val="100000"/>
+              </a:lnSpc>
+            </a:pPr>
+            <a:r>
+              <a:rPr lang="ru-RU" sz="1200" dirty="0" smtClean="0">
+                <a:solidFill>
+                  <a:schemeClr val="bg1"/>
+                </a:solidFill>
+                <a:latin typeface="Arial" panose="020B0604020202020204" pitchFamily="34" charset="0"/>
+                <a:cs typeface="Arial" panose="020B0604020202020204" pitchFamily="34" charset="0"/>
+              </a:rPr>
+              <a:t>Летунов</a:t>
+            </a:r>
+            <a:r>
+              <a:rPr lang="ru-RU" sz="1200" baseline="0" dirty="0" smtClean="0">
+                <a:solidFill>
+                  <a:schemeClr val="bg1"/>
+                </a:solidFill>
+                <a:latin typeface="Arial" panose="020B0604020202020204" pitchFamily="34" charset="0"/>
+                <a:cs typeface="Arial" panose="020B0604020202020204" pitchFamily="34" charset="0"/>
+              </a:rPr>
+              <a:t> Максим</a:t>
+            </a:r>
+          </a:p>
+          <a:p>
+            <a:pPr>
+              <a:lnSpc>
+                <a:spcPct val="150000"/>
+              </a:lnSpc>
+            </a:pPr>
+            <a:r>
+              <a:rPr lang="ru-RU" sz="1200" baseline="0" dirty="0" smtClean="0">
+                <a:solidFill>
+                  <a:schemeClr val="bg1"/>
+                </a:solidFill>
+                <a:latin typeface="Arial" panose="020B0604020202020204" pitchFamily="34" charset="0"/>
+                <a:cs typeface="Arial" panose="020B0604020202020204" pitchFamily="34" charset="0"/>
+              </a:rPr>
+              <a:t>Новикова Людмила</a:t>
+            </a:r>
+          </a:p>
+        </p:txBody>
+      </p:sp>
+      <p:sp>
+        <p:nvSpPr>
+          <p:cNvPr id="11" name="TextBox 10"/>
+          <p:cNvSpPr txBox="1"/>
+          <p:nvPr userDrawn="1"/>
+        </p:nvSpPr>
+        <p:spPr>
+          <a:xfrm>
+            <a:off x="5582693" y="6331186"/>
+            <a:ext cx="2120900" cy="369332"/>
+          </a:xfrm>
+          <a:prstGeom prst="rect">
+            <a:avLst/>
+          </a:prstGeom>
+          <a:noFill/>
+        </p:spPr>
+        <p:txBody>
+          <a:bodyPr wrap="square" rtlCol="0">
+            <a:spAutoFit/>
+          </a:bodyPr>
+          <a:lstStyle/>
+          <a:p>
+            <a:pPr marL="0" marR="0" indent="0" algn="l" defTabSz="457200" rtl="0" eaLnBrk="1" fontAlgn="auto" latinLnBrk="0" hangingPunct="1">
+              <a:lnSpc>
+                <a:spcPct val="100000"/>
+              </a:lnSpc>
+              <a:spcBef>
+                <a:spcPts val="0"/>
+              </a:spcBef>
+              <a:spcAft>
+                <a:spcPts val="0"/>
+              </a:spcAft>
+              <a:buClrTx/>
+              <a:buSzTx/>
+              <a:buFontTx/>
+              <a:buNone/>
+              <a:tabLst/>
+              <a:defRPr/>
+            </a:pPr>
+            <a:r>
+              <a:rPr lang="en-US" sz="1800" b="0" i="0" kern="1200" dirty="0" smtClean="0">
+                <a:solidFill>
+                  <a:schemeClr val="bg1"/>
+                </a:solidFill>
+                <a:effectLst/>
+                <a:latin typeface="Calibri" panose="020F0502020204030204" pitchFamily="34" charset="0"/>
+                <a:ea typeface="+mn-ea"/>
+                <a:cs typeface="+mn-cs"/>
+              </a:rPr>
+              <a:t>© </a:t>
+            </a:r>
+            <a:r>
+              <a:rPr lang="ru-RU" sz="1800" b="0" i="0" kern="1200" dirty="0" err="1" smtClean="0">
+                <a:solidFill>
+                  <a:schemeClr val="bg1"/>
+                </a:solidFill>
+                <a:effectLst/>
+                <a:latin typeface="Calibri" panose="020F0502020204030204" pitchFamily="34" charset="0"/>
+                <a:ea typeface="+mn-ea"/>
+                <a:cs typeface="+mn-cs"/>
+              </a:rPr>
+              <a:t>Артезио</a:t>
+            </a:r>
+            <a:r>
+              <a:rPr lang="ru-RU" sz="1800" b="0" i="0" kern="1200" dirty="0" smtClean="0">
+                <a:solidFill>
+                  <a:schemeClr val="bg1"/>
+                </a:solidFill>
+                <a:effectLst/>
+                <a:latin typeface="Calibri" panose="020F0502020204030204" pitchFamily="34" charset="0"/>
+                <a:ea typeface="+mn-ea"/>
+                <a:cs typeface="+mn-cs"/>
+              </a:rPr>
+              <a:t> </a:t>
+            </a:r>
+            <a:r>
+              <a:rPr lang="en-US" sz="1800" b="0" i="0" kern="1200" dirty="0" smtClean="0">
+                <a:solidFill>
+                  <a:schemeClr val="bg1"/>
+                </a:solidFill>
+                <a:effectLst/>
+                <a:latin typeface="Calibri" panose="020F0502020204030204" pitchFamily="34" charset="0"/>
+                <a:ea typeface="+mn-ea"/>
+                <a:cs typeface="+mn-cs"/>
+              </a:rPr>
+              <a:t>2016</a:t>
+            </a:r>
+            <a:endParaRPr lang="ru-RU" sz="1800" dirty="0" smtClean="0">
+              <a:solidFill>
+                <a:schemeClr val="bg1"/>
+              </a:solidFill>
+              <a:latin typeface="Calibri" panose="020F0502020204030204" pitchFamily="34" charset="0"/>
+            </a:endParaRPr>
+          </a:p>
+        </p:txBody>
+      </p:sp>
+      <p:sp>
+        <p:nvSpPr>
+          <p:cNvPr id="12" name="TextBox 11"/>
+          <p:cNvSpPr txBox="1"/>
+          <p:nvPr userDrawn="1"/>
+        </p:nvSpPr>
+        <p:spPr>
+          <a:xfrm>
+            <a:off x="2221454" y="6250506"/>
+            <a:ext cx="1551450" cy="553998"/>
+          </a:xfrm>
+          <a:prstGeom prst="rect">
+            <a:avLst/>
+          </a:prstGeom>
+          <a:noFill/>
+        </p:spPr>
+        <p:txBody>
+          <a:bodyPr wrap="square" rtlCol="0">
+            <a:spAutoFit/>
+          </a:bodyPr>
+          <a:lstStyle/>
+          <a:p>
+            <a:pPr>
+              <a:lnSpc>
+                <a:spcPct val="100000"/>
+              </a:lnSpc>
+            </a:pPr>
+            <a:r>
+              <a:rPr lang="ru-RU" sz="1200" kern="1200" baseline="0" dirty="0" smtClean="0">
+                <a:solidFill>
+                  <a:schemeClr val="bg1"/>
+                </a:solidFill>
+                <a:latin typeface="Arial" panose="020B0604020202020204" pitchFamily="34" charset="0"/>
+                <a:ea typeface="+mn-ea"/>
+                <a:cs typeface="Arial" panose="020B0604020202020204" pitchFamily="34" charset="0"/>
+              </a:rPr>
+              <a:t>Раскина Любовь</a:t>
+            </a:r>
+          </a:p>
+          <a:p>
+            <a:pPr>
+              <a:lnSpc>
+                <a:spcPct val="150000"/>
+              </a:lnSpc>
+            </a:pPr>
+            <a:r>
+              <a:rPr lang="ru-RU" sz="1200" kern="1200" baseline="0" dirty="0" smtClean="0">
+                <a:solidFill>
+                  <a:schemeClr val="bg1"/>
+                </a:solidFill>
+                <a:latin typeface="Arial" panose="020B0604020202020204" pitchFamily="34" charset="0"/>
+                <a:ea typeface="+mn-ea"/>
+                <a:cs typeface="Arial" panose="020B0604020202020204" pitchFamily="34" charset="0"/>
+              </a:rPr>
+              <a:t>Задорожный Илья</a:t>
+            </a:r>
+          </a:p>
+        </p:txBody>
+      </p:sp>
+      <p:sp>
+        <p:nvSpPr>
+          <p:cNvPr id="13" name="Прямоугольник 12"/>
+          <p:cNvSpPr/>
+          <p:nvPr userDrawn="1"/>
+        </p:nvSpPr>
+        <p:spPr>
+          <a:xfrm>
+            <a:off x="0" y="-15240"/>
+            <a:ext cx="12175200" cy="674104"/>
+          </a:xfrm>
+          <a:prstGeom prst="rect">
+            <a:avLst/>
+          </a:prstGeom>
+          <a:gradFill>
+            <a:gsLst>
+              <a:gs pos="100000">
+                <a:schemeClr val="accent1">
+                  <a:lumMod val="5000"/>
+                  <a:lumOff val="95000"/>
+                </a:schemeClr>
+              </a:gs>
+              <a:gs pos="26000">
+                <a:schemeClr val="accent1">
+                  <a:lumMod val="45000"/>
+                  <a:lumOff val="55000"/>
+                </a:schemeClr>
+              </a:gs>
+              <a:gs pos="19000">
+                <a:schemeClr val="accent1">
+                  <a:lumMod val="60000"/>
+                  <a:lumOff val="40000"/>
+                </a:schemeClr>
+              </a:gs>
+              <a:gs pos="0">
+                <a:schemeClr val="accent1">
+                  <a:lumMod val="75000"/>
+                </a:schemeClr>
+              </a:gs>
+            </a:gsLst>
+            <a:lin ang="5400000" scaled="1"/>
+          </a:gradFill>
+        </p:spPr>
+        <p:style>
+          <a:lnRef idx="2">
+            <a:schemeClr val="accent1">
+              <a:shade val="50000"/>
+            </a:schemeClr>
+          </a:lnRef>
+          <a:fillRef idx="1">
+            <a:schemeClr val="accent1"/>
+          </a:fillRef>
+          <a:effectRef idx="0">
+            <a:schemeClr val="accent1"/>
+          </a:effectRef>
+          <a:fontRef idx="minor">
+            <a:schemeClr val="lt1"/>
+          </a:fontRef>
+        </p:style>
+        <p:txBody>
+          <a:bodyPr rtlCol="0" anchor="ctr"/>
+          <a:lstStyle/>
+          <a:p>
+            <a:pPr algn="l"/>
+            <a:endParaRPr lang="ru-RU" sz="1400" dirty="0">
+              <a:solidFill>
+                <a:schemeClr val="bg1"/>
+              </a:solidFill>
+              <a:latin typeface="Calibri" panose="020F0502020204030204" pitchFamily="34" charset="0"/>
+            </a:endParaRPr>
+          </a:p>
+        </p:txBody>
+      </p:sp>
+      <p:sp>
+        <p:nvSpPr>
+          <p:cNvPr id="14" name="TextBox 13"/>
+          <p:cNvSpPr txBox="1"/>
+          <p:nvPr userDrawn="1"/>
+        </p:nvSpPr>
+        <p:spPr>
+          <a:xfrm>
+            <a:off x="3035300" y="-27307"/>
+            <a:ext cx="7543800" cy="707886"/>
+          </a:xfrm>
+          <a:prstGeom prst="rect">
+            <a:avLst/>
+          </a:prstGeom>
+          <a:noFill/>
+        </p:spPr>
+        <p:txBody>
+          <a:bodyPr wrap="square" rtlCol="0">
+            <a:spAutoFit/>
+          </a:bodyPr>
+          <a:lstStyle/>
+          <a:p>
+            <a:r>
+              <a:rPr lang="en-US" sz="4000" dirty="0" smtClean="0">
+                <a:solidFill>
+                  <a:schemeClr val="bg1"/>
+                </a:solidFill>
+              </a:rPr>
+              <a:t>Big</a:t>
+            </a:r>
+            <a:r>
+              <a:rPr lang="en-US" sz="4000" baseline="0" dirty="0" smtClean="0">
+                <a:solidFill>
+                  <a:schemeClr val="bg1"/>
+                </a:solidFill>
+              </a:rPr>
+              <a:t> Data. </a:t>
+            </a:r>
+            <a:r>
+              <a:rPr lang="ru-RU" sz="4000" baseline="0" dirty="0" smtClean="0">
+                <a:solidFill>
+                  <a:schemeClr val="bg1"/>
+                </a:solidFill>
+              </a:rPr>
+              <a:t>Проект </a:t>
+            </a:r>
+            <a:r>
+              <a:rPr lang="en-US" sz="4000" baseline="0" dirty="0" smtClean="0">
+                <a:solidFill>
+                  <a:schemeClr val="bg1"/>
+                </a:solidFill>
+              </a:rPr>
+              <a:t>Smart SPY</a:t>
+            </a:r>
+            <a:endParaRPr lang="ru-RU" sz="4000" dirty="0">
+              <a:solidFill>
+                <a:schemeClr val="bg1"/>
+              </a:solidFill>
+            </a:endParaRPr>
+          </a:p>
+        </p:txBody>
+      </p:sp>
+      <p:pic>
+        <p:nvPicPr>
+          <p:cNvPr id="5" name="Рисунок 4"/>
+          <p:cNvPicPr>
+            <a:picLocks noChangeAspect="1"/>
+          </p:cNvPicPr>
+          <p:nvPr userDrawn="1"/>
+        </p:nvPicPr>
+        <p:blipFill>
+          <a:blip r:embed="rId20">
+            <a:clrChange>
+              <a:clrFrom>
+                <a:srgbClr val="FFFFFF"/>
+              </a:clrFrom>
+              <a:clrTo>
+                <a:srgbClr val="FFFFFF">
+                  <a:alpha val="0"/>
+                </a:srgbClr>
+              </a:clrTo>
+            </a:clrChange>
+            <a:extLst>
+              <a:ext uri="{28A0092B-C50C-407E-A947-70E740481C1C}">
+                <a14:useLocalDpi xmlns:a14="http://schemas.microsoft.com/office/drawing/2010/main" val="0"/>
+              </a:ext>
+            </a:extLst>
+          </a:blip>
+          <a:stretch>
+            <a:fillRect/>
+          </a:stretch>
+        </p:blipFill>
+        <p:spPr>
+          <a:xfrm>
+            <a:off x="-58519" y="6250506"/>
+            <a:ext cx="920486" cy="607494"/>
+          </a:xfrm>
+          <a:prstGeom prst="rect">
+            <a:avLst/>
+          </a:prstGeom>
+        </p:spPr>
+      </p:pic>
     </p:spTree>
   </p:cSld>
   <p:clrMap bg1="dk1" tx1="lt1" bg2="dk2" tx2="lt2" accent1="accent1" accent2="accent2" accent3="accent3" accent4="accent4" accent5="accent5" accent6="accent6" hlink="hlink" folHlink="folHlink"/>
@@ -5382,6 +6210,13 @@
     <p:sldLayoutId id="2147483658" r:id="rId16"/>
     <p:sldLayoutId id="2147483659" r:id="rId17"/>
   </p:sldLayoutIdLst>
+  <p:timing>
+    <p:tnLst>
+      <p:par>
+        <p:cTn id="1" dur="indefinite" restart="never" nodeType="tmRoot"/>
+      </p:par>
+    </p:tnLst>
+  </p:timing>
   <p:hf sldNum="0" hdr="0" ftr="0" dt="0"/>
   <p:txStyles>
     <p:titleStyle>
@@ -5781,6 +6616,332 @@
 </p:sldMaster>
 </file>
 
+<file path=ppt/slideMasters/slideMaster2.xml><?xml version="1.0" encoding="utf-8"?>
+<p:sldMaster xmlns:a="http://schemas.openxmlformats.org/drawingml/2006/main" xmlns:r="http://schemas.openxmlformats.org/officeDocument/2006/relationships" xmlns:p="http://schemas.openxmlformats.org/presentationml/2006/main" preserve="1">
+  <p:cSld>
+    <p:bg>
+      <p:bgPr>
+        <a:blipFill dpi="0" rotWithShape="1">
+          <a:blip r:embed="rId4">
+            <a:lum/>
+          </a:blip>
+          <a:srcRect/>
+          <a:stretch>
+            <a:fillRect/>
+          </a:stretch>
+        </a:blipFill>
+        <a:effectLst/>
+      </p:bgPr>
+    </p:bg>
+    <p:spTree>
+      <p:nvGrpSpPr>
+        <p:cNvPr id="1" name=""/>
+        <p:cNvGrpSpPr/>
+        <p:nvPr/>
+      </p:nvGrpSpPr>
+      <p:grpSpPr>
+        <a:xfrm>
+          <a:off x="0" y="0"/>
+          <a:ext cx="0" cy="0"/>
+          <a:chOff x="0" y="0"/>
+          <a:chExt cx="0" cy="0"/>
+        </a:xfrm>
+      </p:grpSpPr>
+    </p:spTree>
+    <p:extLst>
+      <p:ext uri="{BB962C8B-B14F-4D97-AF65-F5344CB8AC3E}">
+        <p14:creationId xmlns:p14="http://schemas.microsoft.com/office/powerpoint/2010/main" val="1967502271"/>
+      </p:ext>
+    </p:extLst>
+  </p:cSld>
+  <p:clrMap bg1="lt1" tx1="dk1" bg2="lt2" tx2="dk2" accent1="accent1" accent2="accent2" accent3="accent3" accent4="accent4" accent5="accent5" accent6="accent6" hlink="hlink" folHlink="folHlink"/>
+  <p:sldLayoutIdLst>
+    <p:sldLayoutId id="2147483671" r:id="rId1"/>
+    <p:sldLayoutId id="2147483670" r:id="rId2"/>
+  </p:sldLayoutIdLst>
+  <p:txStyles>
+    <p:titleStyle>
+      <a:lvl1pPr algn="l" defTabSz="914400" rtl="0" eaLnBrk="1" latinLnBrk="0" hangingPunct="1">
+        <a:lnSpc>
+          <a:spcPct val="90000"/>
+        </a:lnSpc>
+        <a:spcBef>
+          <a:spcPct val="0"/>
+        </a:spcBef>
+        <a:buNone/>
+        <a:defRPr sz="4400" kern="1200">
+          <a:solidFill>
+            <a:schemeClr val="tx1"/>
+          </a:solidFill>
+          <a:latin typeface="+mj-lt"/>
+          <a:ea typeface="+mj-ea"/>
+          <a:cs typeface="+mj-cs"/>
+        </a:defRPr>
+      </a:lvl1pPr>
+    </p:titleStyle>
+    <p:bodyStyle>
+      <a:lvl1pPr marL="228600" indent="-228600" algn="l" defTabSz="914400" rtl="0" eaLnBrk="1" latinLnBrk="0" hangingPunct="1">
+        <a:lnSpc>
+          <a:spcPct val="90000"/>
+        </a:lnSpc>
+        <a:spcBef>
+          <a:spcPts val="1000"/>
+        </a:spcBef>
+        <a:buFont typeface="Arial" panose="020B0604020202020204" pitchFamily="34" charset="0"/>
+        <a:buChar char="•"/>
+        <a:defRPr sz="2800" kern="1200">
+          <a:solidFill>
+            <a:schemeClr val="tx1"/>
+          </a:solidFill>
+          <a:latin typeface="+mn-lt"/>
+          <a:ea typeface="+mn-ea"/>
+          <a:cs typeface="+mn-cs"/>
+        </a:defRPr>
+      </a:lvl1pPr>
+      <a:lvl2pPr marL="685800" indent="-228600" algn="l" defTabSz="914400" rtl="0" eaLnBrk="1" latinLnBrk="0" hangingPunct="1">
+        <a:lnSpc>
+          <a:spcPct val="90000"/>
+        </a:lnSpc>
+        <a:spcBef>
+          <a:spcPts val="500"/>
+        </a:spcBef>
+        <a:buFont typeface="Arial" panose="020B0604020202020204" pitchFamily="34" charset="0"/>
+        <a:buChar char="•"/>
+        <a:defRPr sz="2400" kern="1200">
+          <a:solidFill>
+            <a:schemeClr val="tx1"/>
+          </a:solidFill>
+          <a:latin typeface="+mn-lt"/>
+          <a:ea typeface="+mn-ea"/>
+          <a:cs typeface="+mn-cs"/>
+        </a:defRPr>
+      </a:lvl2pPr>
+      <a:lvl3pPr marL="1143000" indent="-228600" algn="l" defTabSz="914400" rtl="0" eaLnBrk="1" latinLnBrk="0" hangingPunct="1">
+        <a:lnSpc>
+          <a:spcPct val="90000"/>
+        </a:lnSpc>
+        <a:spcBef>
+          <a:spcPts val="500"/>
+        </a:spcBef>
+        <a:buFont typeface="Arial" panose="020B0604020202020204" pitchFamily="34" charset="0"/>
+        <a:buChar char="•"/>
+        <a:defRPr sz="2000" kern="1200">
+          <a:solidFill>
+            <a:schemeClr val="tx1"/>
+          </a:solidFill>
+          <a:latin typeface="+mn-lt"/>
+          <a:ea typeface="+mn-ea"/>
+          <a:cs typeface="+mn-cs"/>
+        </a:defRPr>
+      </a:lvl3pPr>
+      <a:lvl4pPr marL="1600200" indent="-228600" algn="l" defTabSz="914400" rtl="0" eaLnBrk="1" latinLnBrk="0" hangingPunct="1">
+        <a:lnSpc>
+          <a:spcPct val="90000"/>
+        </a:lnSpc>
+        <a:spcBef>
+          <a:spcPts val="500"/>
+        </a:spcBef>
+        <a:buFont typeface="Arial" panose="020B0604020202020204" pitchFamily="34" charset="0"/>
+        <a:buChar char="•"/>
+        <a:defRPr sz="1800" kern="1200">
+          <a:solidFill>
+            <a:schemeClr val="tx1"/>
+          </a:solidFill>
+          <a:latin typeface="+mn-lt"/>
+          <a:ea typeface="+mn-ea"/>
+          <a:cs typeface="+mn-cs"/>
+        </a:defRPr>
+      </a:lvl4pPr>
+      <a:lvl5pPr marL="2057400" indent="-228600" algn="l" defTabSz="914400" rtl="0" eaLnBrk="1" latinLnBrk="0" hangingPunct="1">
+        <a:lnSpc>
+          <a:spcPct val="90000"/>
+        </a:lnSpc>
+        <a:spcBef>
+          <a:spcPts val="500"/>
+        </a:spcBef>
+        <a:buFont typeface="Arial" panose="020B0604020202020204" pitchFamily="34" charset="0"/>
+        <a:buChar char="•"/>
+        <a:defRPr sz="1800" kern="1200">
+          <a:solidFill>
+            <a:schemeClr val="tx1"/>
+          </a:solidFill>
+          <a:latin typeface="+mn-lt"/>
+          <a:ea typeface="+mn-ea"/>
+          <a:cs typeface="+mn-cs"/>
+        </a:defRPr>
+      </a:lvl5pPr>
+      <a:lvl6pPr marL="2514600" indent="-228600" algn="l" defTabSz="914400" rtl="0" eaLnBrk="1" latinLnBrk="0" hangingPunct="1">
+        <a:lnSpc>
+          <a:spcPct val="90000"/>
+        </a:lnSpc>
+        <a:spcBef>
+          <a:spcPts val="500"/>
+        </a:spcBef>
+        <a:buFont typeface="Arial" panose="020B0604020202020204" pitchFamily="34" charset="0"/>
+        <a:buChar char="•"/>
+        <a:defRPr sz="1800" kern="1200">
+          <a:solidFill>
+            <a:schemeClr val="tx1"/>
+          </a:solidFill>
+          <a:latin typeface="+mn-lt"/>
+          <a:ea typeface="+mn-ea"/>
+          <a:cs typeface="+mn-cs"/>
+        </a:defRPr>
+      </a:lvl6pPr>
+      <a:lvl7pPr marL="2971800" indent="-228600" algn="l" defTabSz="914400" rtl="0" eaLnBrk="1" latinLnBrk="0" hangingPunct="1">
+        <a:lnSpc>
+          <a:spcPct val="90000"/>
+        </a:lnSpc>
+        <a:spcBef>
+          <a:spcPts val="500"/>
+        </a:spcBef>
+        <a:buFont typeface="Arial" panose="020B0604020202020204" pitchFamily="34" charset="0"/>
+        <a:buChar char="•"/>
+        <a:defRPr sz="1800" kern="1200">
+          <a:solidFill>
+            <a:schemeClr val="tx1"/>
+          </a:solidFill>
+          <a:latin typeface="+mn-lt"/>
+          <a:ea typeface="+mn-ea"/>
+          <a:cs typeface="+mn-cs"/>
+        </a:defRPr>
+      </a:lvl7pPr>
+      <a:lvl8pPr marL="3429000" indent="-228600" algn="l" defTabSz="914400" rtl="0" eaLnBrk="1" latinLnBrk="0" hangingPunct="1">
+        <a:lnSpc>
+          <a:spcPct val="90000"/>
+        </a:lnSpc>
+        <a:spcBef>
+          <a:spcPts val="500"/>
+        </a:spcBef>
+        <a:buFont typeface="Arial" panose="020B0604020202020204" pitchFamily="34" charset="0"/>
+        <a:buChar char="•"/>
+        <a:defRPr sz="1800" kern="1200">
+          <a:solidFill>
+            <a:schemeClr val="tx1"/>
+          </a:solidFill>
+          <a:latin typeface="+mn-lt"/>
+          <a:ea typeface="+mn-ea"/>
+          <a:cs typeface="+mn-cs"/>
+        </a:defRPr>
+      </a:lvl8pPr>
+      <a:lvl9pPr marL="3886200" indent="-228600" algn="l" defTabSz="914400" rtl="0" eaLnBrk="1" latinLnBrk="0" hangingPunct="1">
+        <a:lnSpc>
+          <a:spcPct val="90000"/>
+        </a:lnSpc>
+        <a:spcBef>
+          <a:spcPts val="500"/>
+        </a:spcBef>
+        <a:buFont typeface="Arial" panose="020B0604020202020204" pitchFamily="34" charset="0"/>
+        <a:buChar char="•"/>
+        <a:defRPr sz="1800" kern="1200">
+          <a:solidFill>
+            <a:schemeClr val="tx1"/>
+          </a:solidFill>
+          <a:latin typeface="+mn-lt"/>
+          <a:ea typeface="+mn-ea"/>
+          <a:cs typeface="+mn-cs"/>
+        </a:defRPr>
+      </a:lvl9pPr>
+    </p:bodyStyle>
+    <p:otherStyle>
+      <a:defPPr>
+        <a:defRPr lang="ru-RU"/>
+      </a:defPPr>
+      <a:lvl1pPr marL="0" algn="l" defTabSz="914400" rtl="0" eaLnBrk="1" latinLnBrk="0" hangingPunct="1">
+        <a:defRPr sz="1800" kern="1200">
+          <a:solidFill>
+            <a:schemeClr val="tx1"/>
+          </a:solidFill>
+          <a:latin typeface="+mn-lt"/>
+          <a:ea typeface="+mn-ea"/>
+          <a:cs typeface="+mn-cs"/>
+        </a:defRPr>
+      </a:lvl1pPr>
+      <a:lvl2pPr marL="457200" algn="l" defTabSz="914400" rtl="0" eaLnBrk="1" latinLnBrk="0" hangingPunct="1">
+        <a:defRPr sz="1800" kern="1200">
+          <a:solidFill>
+            <a:schemeClr val="tx1"/>
+          </a:solidFill>
+          <a:latin typeface="+mn-lt"/>
+          <a:ea typeface="+mn-ea"/>
+          <a:cs typeface="+mn-cs"/>
+        </a:defRPr>
+      </a:lvl2pPr>
+      <a:lvl3pPr marL="914400" algn="l" defTabSz="914400" rtl="0" eaLnBrk="1" latinLnBrk="0" hangingPunct="1">
+        <a:defRPr sz="1800" kern="1200">
+          <a:solidFill>
+            <a:schemeClr val="tx1"/>
+          </a:solidFill>
+          <a:latin typeface="+mn-lt"/>
+          <a:ea typeface="+mn-ea"/>
+          <a:cs typeface="+mn-cs"/>
+        </a:defRPr>
+      </a:lvl3pPr>
+      <a:lvl4pPr marL="1371600" algn="l" defTabSz="914400" rtl="0" eaLnBrk="1" latinLnBrk="0" hangingPunct="1">
+        <a:defRPr sz="1800" kern="1200">
+          <a:solidFill>
+            <a:schemeClr val="tx1"/>
+          </a:solidFill>
+          <a:latin typeface="+mn-lt"/>
+          <a:ea typeface="+mn-ea"/>
+          <a:cs typeface="+mn-cs"/>
+        </a:defRPr>
+      </a:lvl4pPr>
+      <a:lvl5pPr marL="1828800" algn="l" defTabSz="914400" rtl="0" eaLnBrk="1" latinLnBrk="0" hangingPunct="1">
+        <a:defRPr sz="1800" kern="1200">
+          <a:solidFill>
+            <a:schemeClr val="tx1"/>
+          </a:solidFill>
+          <a:latin typeface="+mn-lt"/>
+          <a:ea typeface="+mn-ea"/>
+          <a:cs typeface="+mn-cs"/>
+        </a:defRPr>
+      </a:lvl5pPr>
+      <a:lvl6pPr marL="2286000" algn="l" defTabSz="914400" rtl="0" eaLnBrk="1" latinLnBrk="0" hangingPunct="1">
+        <a:defRPr sz="1800" kern="1200">
+          <a:solidFill>
+            <a:schemeClr val="tx1"/>
+          </a:solidFill>
+          <a:latin typeface="+mn-lt"/>
+          <a:ea typeface="+mn-ea"/>
+          <a:cs typeface="+mn-cs"/>
+        </a:defRPr>
+      </a:lvl6pPr>
+      <a:lvl7pPr marL="2743200" algn="l" defTabSz="914400" rtl="0" eaLnBrk="1" latinLnBrk="0" hangingPunct="1">
+        <a:defRPr sz="1800" kern="1200">
+          <a:solidFill>
+            <a:schemeClr val="tx1"/>
+          </a:solidFill>
+          <a:latin typeface="+mn-lt"/>
+          <a:ea typeface="+mn-ea"/>
+          <a:cs typeface="+mn-cs"/>
+        </a:defRPr>
+      </a:lvl7pPr>
+      <a:lvl8pPr marL="3200400" algn="l" defTabSz="914400" rtl="0" eaLnBrk="1" latinLnBrk="0" hangingPunct="1">
+        <a:defRPr sz="1800" kern="1200">
+          <a:solidFill>
+            <a:schemeClr val="tx1"/>
+          </a:solidFill>
+          <a:latin typeface="+mn-lt"/>
+          <a:ea typeface="+mn-ea"/>
+          <a:cs typeface="+mn-cs"/>
+        </a:defRPr>
+      </a:lvl8pPr>
+      <a:lvl9pPr marL="3657600" algn="l" defTabSz="914400" rtl="0" eaLnBrk="1" latinLnBrk="0" hangingPunct="1">
+        <a:defRPr sz="1800" kern="1200">
+          <a:solidFill>
+            <a:schemeClr val="tx1"/>
+          </a:solidFill>
+          <a:latin typeface="+mn-lt"/>
+          <a:ea typeface="+mn-ea"/>
+          <a:cs typeface="+mn-cs"/>
+        </a:defRPr>
+      </a:lvl9pPr>
+    </p:otherStyle>
+  </p:txStyles>
+</p:sldMaster>
+</file>
+
 <file path=ppt/slides/slide1.xml><?xml version="1.0" encoding="utf-8"?>
 <p:sld xmlns:a="http://schemas.openxmlformats.org/drawingml/2006/main" xmlns:r="http://schemas.openxmlformats.org/officeDocument/2006/relationships" xmlns:p="http://schemas.openxmlformats.org/presentationml/2006/main">
   <p:cSld>
@@ -5810,7 +6971,342 @@
         </p:nvSpPr>
         <p:spPr>
           <a:xfrm>
-            <a:off x="1501346" y="0"/>
+            <a:off x="1700148" y="784296"/>
+            <a:ext cx="9144000" cy="873244"/>
+          </a:xfrm>
+        </p:spPr>
+        <p:txBody>
+          <a:bodyPr>
+            <a:normAutofit/>
+          </a:bodyPr>
+          <a:lstStyle/>
+          <a:p>
+            <a:pPr algn="ctr"/>
+            <a:r>
+              <a:rPr lang="ru-RU" sz="4400" dirty="0">
+                <a:solidFill>
+                  <a:srgbClr val="FFFF00"/>
+                </a:solidFill>
+              </a:rPr>
+              <a:t>Постановка задачи</a:t>
+            </a:r>
+            <a:endParaRPr lang="en-US" sz="4400" dirty="0">
+              <a:solidFill>
+                <a:srgbClr val="FFFF00"/>
+              </a:solidFill>
+            </a:endParaRPr>
+          </a:p>
+        </p:txBody>
+      </p:sp>
+      <p:cxnSp>
+        <p:nvCxnSpPr>
+          <p:cNvPr id="13" name="Прямая соединительная линия 12"/>
+          <p:cNvCxnSpPr/>
+          <p:nvPr/>
+        </p:nvCxnSpPr>
+        <p:spPr>
+          <a:xfrm>
+            <a:off x="3406348" y="1843070"/>
+            <a:ext cx="12355" cy="18681"/>
+          </a:xfrm>
+          <a:prstGeom prst="line">
+            <a:avLst/>
+          </a:prstGeom>
+        </p:spPr>
+        <p:style>
+          <a:lnRef idx="1">
+            <a:schemeClr val="accent1"/>
+          </a:lnRef>
+          <a:fillRef idx="0">
+            <a:schemeClr val="accent1"/>
+          </a:fillRef>
+          <a:effectRef idx="0">
+            <a:schemeClr val="accent1"/>
+          </a:effectRef>
+          <a:fontRef idx="minor">
+            <a:schemeClr val="tx1"/>
+          </a:fontRef>
+        </p:style>
+      </p:cxnSp>
+      <p:sp>
+        <p:nvSpPr>
+          <p:cNvPr id="3" name="TextBox 2"/>
+          <p:cNvSpPr txBox="1"/>
+          <p:nvPr/>
+        </p:nvSpPr>
+        <p:spPr>
+          <a:xfrm>
+            <a:off x="614150" y="1532470"/>
+            <a:ext cx="10836322" cy="2431435"/>
+          </a:xfrm>
+          <a:prstGeom prst="rect">
+            <a:avLst/>
+          </a:prstGeom>
+          <a:noFill/>
+        </p:spPr>
+        <p:txBody>
+          <a:bodyPr wrap="square" rtlCol="0">
+            <a:spAutoFit/>
+          </a:bodyPr>
+          <a:lstStyle/>
+          <a:p>
+            <a:r>
+              <a:rPr lang="ru-RU" sz="3200" dirty="0" smtClean="0">
+                <a:solidFill>
+                  <a:srgbClr val="FFFF00"/>
+                </a:solidFill>
+              </a:rPr>
+              <a:t>Дано</a:t>
+            </a:r>
+            <a:r>
+              <a:rPr lang="ru-RU" sz="2800" dirty="0" smtClean="0">
+                <a:solidFill>
+                  <a:srgbClr val="FFFF00"/>
+                </a:solidFill>
+              </a:rPr>
+              <a:t>:  </a:t>
+            </a:r>
+          </a:p>
+          <a:p>
+            <a:pPr marL="800100" lvl="1" indent="-342900">
+              <a:buFont typeface="Arial" panose="020B0604020202020204" pitchFamily="34" charset="0"/>
+              <a:buChar char="•"/>
+            </a:pPr>
+            <a:r>
+              <a:rPr lang="ru-RU" sz="2400" dirty="0" smtClean="0">
+                <a:solidFill>
+                  <a:srgbClr val="FFFF00"/>
+                </a:solidFill>
+              </a:rPr>
+              <a:t>В режиме реального времени с устройств </a:t>
+            </a:r>
+            <a:r>
+              <a:rPr lang="en-US" sz="2400" dirty="0" smtClean="0">
+                <a:solidFill>
+                  <a:srgbClr val="FFFF00"/>
+                </a:solidFill>
+              </a:rPr>
+              <a:t>STB </a:t>
+            </a:r>
+            <a:r>
+              <a:rPr lang="ru-RU" sz="2400" dirty="0" smtClean="0">
+                <a:solidFill>
+                  <a:srgbClr val="FFFF00"/>
+                </a:solidFill>
+              </a:rPr>
+              <a:t>поступают пакеты с данными</a:t>
+            </a:r>
+          </a:p>
+          <a:p>
+            <a:pPr marL="800100" lvl="1" indent="-342900">
+              <a:buFont typeface="Arial" panose="020B0604020202020204" pitchFamily="34" charset="0"/>
+              <a:buChar char="•"/>
+            </a:pPr>
+            <a:r>
+              <a:rPr lang="ru-RU" sz="2400" dirty="0" smtClean="0">
+                <a:solidFill>
+                  <a:srgbClr val="FFFF00"/>
+                </a:solidFill>
+              </a:rPr>
+              <a:t>Имеется текстовый файл данных за один день (более 120 млн. пакетов, более 300 тыс. пользователей)</a:t>
+            </a:r>
+          </a:p>
+          <a:p>
+            <a:pPr lvl="1"/>
+            <a:endParaRPr lang="ru-RU" sz="2400" dirty="0">
+              <a:solidFill>
+                <a:srgbClr val="FFFF00"/>
+              </a:solidFill>
+            </a:endParaRPr>
+          </a:p>
+        </p:txBody>
+      </p:sp>
+      <p:sp>
+        <p:nvSpPr>
+          <p:cNvPr id="5" name="TextBox 4"/>
+          <p:cNvSpPr txBox="1"/>
+          <p:nvPr/>
+        </p:nvSpPr>
+        <p:spPr>
+          <a:xfrm>
+            <a:off x="614150" y="3835023"/>
+            <a:ext cx="10604310" cy="2339102"/>
+          </a:xfrm>
+          <a:prstGeom prst="rect">
+            <a:avLst/>
+          </a:prstGeom>
+          <a:noFill/>
+        </p:spPr>
+        <p:txBody>
+          <a:bodyPr wrap="square" rtlCol="0">
+            <a:spAutoFit/>
+          </a:bodyPr>
+          <a:lstStyle/>
+          <a:p>
+            <a:r>
+              <a:rPr lang="ru-RU" sz="3200" dirty="0">
+                <a:solidFill>
+                  <a:srgbClr val="FFFF00"/>
+                </a:solidFill>
+              </a:rPr>
+              <a:t>Требуется:</a:t>
+            </a:r>
+          </a:p>
+          <a:p>
+            <a:pPr marL="742950" lvl="1" indent="-285750">
+              <a:buFont typeface="Arial" panose="020B0604020202020204" pitchFamily="34" charset="0"/>
+              <a:buChar char="•"/>
+            </a:pPr>
+            <a:r>
+              <a:rPr lang="ru-RU" sz="2400" dirty="0">
+                <a:solidFill>
+                  <a:srgbClr val="FFFF00"/>
+                </a:solidFill>
+              </a:rPr>
+              <a:t>Настроить кластер на базе </a:t>
+            </a:r>
+            <a:r>
+              <a:rPr lang="en-US" sz="2400" dirty="0">
+                <a:solidFill>
+                  <a:srgbClr val="FFFF00"/>
+                </a:solidFill>
+              </a:rPr>
+              <a:t>Spark </a:t>
+            </a:r>
+            <a:r>
+              <a:rPr lang="ru-RU" sz="2400" dirty="0">
+                <a:solidFill>
+                  <a:srgbClr val="FFFF00"/>
+                </a:solidFill>
+              </a:rPr>
+              <a:t>для приема, хранения и обработки сообщений от </a:t>
+            </a:r>
+            <a:r>
+              <a:rPr lang="ru-RU" sz="2400" dirty="0" smtClean="0">
+                <a:solidFill>
+                  <a:srgbClr val="FFFF00"/>
+                </a:solidFill>
+              </a:rPr>
+              <a:t>устройств </a:t>
+            </a:r>
+            <a:r>
+              <a:rPr lang="en-US" sz="2400" dirty="0" smtClean="0">
+                <a:solidFill>
+                  <a:srgbClr val="FFFF00"/>
+                </a:solidFill>
+              </a:rPr>
+              <a:t>STB</a:t>
+            </a:r>
+            <a:r>
+              <a:rPr lang="ru-RU" sz="2400" dirty="0" smtClean="0">
+                <a:solidFill>
+                  <a:srgbClr val="FFFF00"/>
+                </a:solidFill>
+              </a:rPr>
+              <a:t>.</a:t>
+            </a:r>
+            <a:endParaRPr lang="en-US" sz="2400" dirty="0">
+              <a:solidFill>
+                <a:srgbClr val="FFFF00"/>
+              </a:solidFill>
+            </a:endParaRPr>
+          </a:p>
+          <a:p>
+            <a:pPr marL="742950" lvl="1" indent="-285750">
+              <a:buFont typeface="Arial" panose="020B0604020202020204" pitchFamily="34" charset="0"/>
+              <a:buChar char="•"/>
+            </a:pPr>
+            <a:r>
+              <a:rPr lang="ru-RU" sz="2400" dirty="0">
+                <a:solidFill>
+                  <a:srgbClr val="FFFF00"/>
+                </a:solidFill>
+              </a:rPr>
+              <a:t>Разработать и реализовать алгоритм анализа данных в режиме онлайн.</a:t>
+            </a:r>
+          </a:p>
+          <a:p>
+            <a:pPr marL="742950" lvl="1" indent="-285750">
+              <a:buFont typeface="Arial" panose="020B0604020202020204" pitchFamily="34" charset="0"/>
+              <a:buChar char="•"/>
+            </a:pPr>
+            <a:r>
+              <a:rPr lang="ru-RU" sz="2400" dirty="0">
+                <a:solidFill>
+                  <a:srgbClr val="FFFF00"/>
+                </a:solidFill>
+              </a:rPr>
+              <a:t>Реализовать внешнее приложение для просмотра результата </a:t>
+            </a:r>
+            <a:r>
+              <a:rPr lang="ru-RU" sz="2400" dirty="0" smtClean="0">
+                <a:solidFill>
+                  <a:srgbClr val="FFFF00"/>
+                </a:solidFill>
+              </a:rPr>
+              <a:t>анализа.</a:t>
+            </a:r>
+            <a:endParaRPr lang="ru-RU" sz="2400" dirty="0">
+              <a:solidFill>
+                <a:srgbClr val="FFFF00"/>
+              </a:solidFill>
+            </a:endParaRPr>
+          </a:p>
+          <a:p>
+            <a:endParaRPr lang="ru-RU" dirty="0"/>
+          </a:p>
+        </p:txBody>
+      </p:sp>
+    </p:spTree>
+    <p:extLst>
+      <p:ext uri="{BB962C8B-B14F-4D97-AF65-F5344CB8AC3E}">
+        <p14:creationId xmlns:p14="http://schemas.microsoft.com/office/powerpoint/2010/main" val="349866929"/>
+      </p:ext>
+    </p:extLst>
+  </p:cSld>
+  <p:clrMapOvr>
+    <a:masterClrMapping/>
+  </p:clrMapOvr>
+  <p:timing>
+    <p:tnLst>
+      <p:par>
+        <p:cTn id="1" dur="indefinite" restart="never" nodeType="tmRoot"/>
+      </p:par>
+    </p:tnLst>
+  </p:timing>
+</p:sld>
+</file>
+
+<file path=ppt/slides/slide2.xml><?xml version="1.0" encoding="utf-8"?>
+<p:sld xmlns:a="http://schemas.openxmlformats.org/drawingml/2006/main" xmlns:r="http://schemas.openxmlformats.org/officeDocument/2006/relationships" xmlns:p="http://schemas.openxmlformats.org/presentationml/2006/main">
+  <p:cSld>
+    <p:spTree>
+      <p:nvGrpSpPr>
+        <p:cNvPr id="1" name=""/>
+        <p:cNvGrpSpPr/>
+        <p:nvPr/>
+      </p:nvGrpSpPr>
+      <p:grpSpPr>
+        <a:xfrm>
+          <a:off x="0" y="0"/>
+          <a:ext cx="0" cy="0"/>
+          <a:chOff x="0" y="0"/>
+          <a:chExt cx="0" cy="0"/>
+        </a:xfrm>
+      </p:grpSpPr>
+      <p:sp>
+        <p:nvSpPr>
+          <p:cNvPr id="2" name="Заголовок 1"/>
+          <p:cNvSpPr>
+            <a:spLocks noGrp="1"/>
+          </p:cNvSpPr>
+          <p:nvPr>
+            <p:ph type="ctrTitle"/>
+          </p:nvPr>
+        </p:nvSpPr>
+        <p:spPr>
+          <a:xfrm>
+            <a:off x="1700148" y="743352"/>
             <a:ext cx="9144000" cy="873244"/>
           </a:xfrm>
         </p:spPr>
@@ -5822,8 +7318,16 @@
           <a:p>
             <a:pPr algn="ctr"/>
             <a:r>
+              <a:rPr lang="ru-RU" sz="4900" dirty="0" smtClean="0">
+                <a:solidFill>
+                  <a:srgbClr val="FFFF00"/>
+                </a:solidFill>
+              </a:rPr>
+              <a:t>Общая архитектура приложения</a:t>
+            </a:r>
+            <a:r>
               <a:rPr lang="ru-RU" sz="5400" dirty="0" smtClean="0"/>
-              <a:t>Общая архитектура приложения</a:t>
+              <a:t/>
             </a:r>
             <a:br>
               <a:rPr lang="ru-RU" sz="5400" dirty="0" smtClean="0"/>
@@ -5840,7 +7344,7 @@
         </p:nvSpPr>
         <p:spPr>
           <a:xfrm>
-            <a:off x="339811" y="1602949"/>
+            <a:off x="339811" y="2075389"/>
             <a:ext cx="2323070" cy="897924"/>
           </a:xfrm>
           <a:prstGeom prst="roundRect">
@@ -5869,10 +7373,18 @@
           <a:p>
             <a:pPr algn="ctr"/>
             <a:r>
-              <a:rPr lang="ru-RU" dirty="0" smtClean="0"/>
+              <a:rPr lang="ru-RU" dirty="0" smtClean="0">
+                <a:solidFill>
+                  <a:srgbClr val="FFFF00"/>
+                </a:solidFill>
+              </a:rPr>
               <a:t>Эмулятор потока данных приставок</a:t>
             </a:r>
-            <a:endParaRPr lang="en-US" dirty="0"/>
+            <a:endParaRPr lang="en-US" dirty="0">
+              <a:solidFill>
+                <a:srgbClr val="FFFF00"/>
+              </a:solidFill>
+            </a:endParaRPr>
           </a:p>
         </p:txBody>
       </p:sp>
@@ -5884,8 +7396,8 @@
         </p:nvSpPr>
         <p:spPr>
           <a:xfrm>
-            <a:off x="9483811" y="1120346"/>
-            <a:ext cx="2323070" cy="3443416"/>
+            <a:off x="9530105" y="2571714"/>
+            <a:ext cx="2276776" cy="2068247"/>
           </a:xfrm>
           <a:prstGeom prst="roundRect">
             <a:avLst/>
@@ -5913,37 +7425,69 @@
           <a:p>
             <a:pPr algn="ctr"/>
             <a:r>
-              <a:rPr lang="en-US" dirty="0" smtClean="0"/>
+              <a:rPr lang="en-US" dirty="0" smtClean="0">
+                <a:solidFill>
+                  <a:srgbClr val="FFFF00"/>
+                </a:solidFill>
+              </a:rPr>
               <a:t>Hive</a:t>
             </a:r>
           </a:p>
           <a:p>
             <a:pPr algn="ctr"/>
             <a:r>
-              <a:rPr lang="en-US" dirty="0" smtClean="0"/>
+              <a:rPr lang="en-US" dirty="0" smtClean="0">
+                <a:solidFill>
+                  <a:srgbClr val="FFFF00"/>
+                </a:solidFill>
+              </a:rPr>
               <a:t>(</a:t>
             </a:r>
             <a:r>
-              <a:rPr lang="ru-RU" dirty="0" smtClean="0"/>
+              <a:rPr lang="ru-RU" dirty="0" smtClean="0">
+                <a:solidFill>
+                  <a:srgbClr val="FFFF00"/>
+                </a:solidFill>
+              </a:rPr>
               <a:t>H</a:t>
             </a:r>
             <a:r>
-              <a:rPr lang="en-US" dirty="0" smtClean="0"/>
+              <a:rPr lang="en-US" dirty="0" smtClean="0">
+                <a:solidFill>
+                  <a:srgbClr val="FFFF00"/>
+                </a:solidFill>
+              </a:rPr>
               <a:t>b</a:t>
             </a:r>
             <a:r>
-              <a:rPr lang="ru-RU" dirty="0" err="1" smtClean="0"/>
+              <a:rPr lang="ru-RU" dirty="0" err="1" smtClean="0">
+                <a:solidFill>
+                  <a:srgbClr val="FFFF00"/>
+                </a:solidFill>
+              </a:rPr>
               <a:t>ase</a:t>
             </a:r>
             <a:r>
-              <a:rPr lang="ru-RU" dirty="0" smtClean="0"/>
+              <a:rPr lang="ru-RU" dirty="0" smtClean="0">
+                <a:solidFill>
+                  <a:srgbClr val="FFFF00"/>
+                </a:solidFill>
+              </a:rPr>
               <a:t>, HDFS, …</a:t>
             </a:r>
             <a:r>
-              <a:rPr lang="en-US" dirty="0" smtClean="0"/>
+              <a:rPr lang="en-US" dirty="0" smtClean="0">
+                <a:solidFill>
+                  <a:srgbClr val="FFFF00"/>
+                </a:solidFill>
+              </a:rPr>
               <a:t>)</a:t>
             </a:r>
-            <a:endParaRPr lang="en-US" dirty="0"/>
+            <a:endParaRPr lang="en-US" dirty="0">
+              <a:solidFill>
+                <a:srgbClr val="FFFF00"/>
+              </a:solidFill>
+            </a:endParaRPr>
           </a:p>
         </p:txBody>
       </p:sp>
@@ -5955,7 +7499,7 @@
         </p:nvGrpSpPr>
         <p:grpSpPr>
           <a:xfrm>
-            <a:off x="3406348" y="1120346"/>
+            <a:off x="3406348" y="1608026"/>
             <a:ext cx="2323070" cy="2133600"/>
             <a:chOff x="3406348" y="1373512"/>
             <a:chExt cx="2323070" cy="1880434"/>
@@ -6010,7 +7554,7 @@
           <p:spPr>
             <a:xfrm>
               <a:off x="3596845" y="1444467"/>
-              <a:ext cx="1886465" cy="369332"/>
+              <a:ext cx="1886465" cy="325508"/>
             </a:xfrm>
             <a:prstGeom prst="rect">
               <a:avLst/>
@@ -6025,7 +7569,11 @@
             <a:p>
               <a:pPr algn="ctr"/>
               <a:r>
-                <a:rPr lang="en-US" dirty="0" smtClean="0"/>
+                <a:rPr lang="en-US" dirty="0" smtClean="0">
+                  <a:solidFill>
+                    <a:srgbClr val="FFFF00"/>
+                  </a:solidFill>
+                </a:rPr>
                 <a:t>Apache Kafka</a:t>
               </a:r>
             </a:p>
@@ -6068,10 +7616,18 @@
             <a:p>
               <a:pPr algn="ctr"/>
               <a:r>
-                <a:rPr lang="en-US" dirty="0" err="1" smtClean="0"/>
+                <a:rPr lang="en-US" dirty="0" err="1" smtClean="0">
+                  <a:solidFill>
+                    <a:srgbClr val="FFFF00"/>
+                  </a:solidFill>
+                </a:rPr>
                 <a:t>StbTopic</a:t>
               </a:r>
-              <a:endParaRPr lang="en-US" dirty="0"/>
+              <a:endParaRPr lang="en-US" dirty="0">
+                <a:solidFill>
+                  <a:srgbClr val="FFFF00"/>
+                </a:solidFill>
+              </a:endParaRPr>
             </a:p>
           </p:txBody>
         </p:sp>
@@ -6083,7 +7639,7 @@
           </p:nvSpPr>
           <p:spPr>
             <a:xfrm>
-              <a:off x="3814119" y="2676318"/>
+              <a:off x="3833685" y="2640165"/>
               <a:ext cx="1581665" cy="369475"/>
             </a:xfrm>
             <a:prstGeom prst="roundRect">
@@ -6112,10 +7668,18 @@
             <a:p>
               <a:pPr algn="ctr"/>
               <a:r>
-                <a:rPr lang="en-US" dirty="0" err="1" smtClean="0"/>
+                <a:rPr lang="en-US" dirty="0" err="1" smtClean="0">
+                  <a:solidFill>
+                    <a:srgbClr val="FFFF00"/>
+                  </a:solidFill>
+                </a:rPr>
                 <a:t>StbFailure</a:t>
               </a:r>
-              <a:endParaRPr lang="en-US" dirty="0"/>
+              <a:endParaRPr lang="en-US" dirty="0">
+                <a:solidFill>
+                  <a:srgbClr val="FFFF00"/>
+                </a:solidFill>
+              </a:endParaRPr>
             </a:p>
           </p:txBody>
         </p:sp>
@@ -6130,36 +7694,6 @@
           <a:xfrm>
             <a:off x="3406348" y="1843070"/>
             <a:ext cx="12355" cy="18681"/>
-          </a:xfrm>
-          <a:prstGeom prst="line">
-            <a:avLst/>
-          </a:prstGeom>
-        </p:spPr>
-        <p:style>
-          <a:lnRef idx="1">
-            <a:schemeClr val="accent1"/>
-          </a:lnRef>
-          <a:fillRef idx="0">
-            <a:schemeClr val="accent1"/>
-          </a:fillRef>
-          <a:effectRef idx="0">
-            <a:schemeClr val="accent1"/>
-          </a:effectRef>
-          <a:fontRef idx="minor">
-            <a:schemeClr val="tx1"/>
-          </a:fontRef>
-        </p:style>
-      </p:cxnSp>
-      <p:cxnSp>
-        <p:nvCxnSpPr>
-          <p:cNvPr id="15" name="Прямая соединительная линия 14"/>
-          <p:cNvCxnSpPr/>
-          <p:nvPr/>
-        </p:nvCxnSpPr>
-        <p:spPr>
-          <a:xfrm>
-            <a:off x="3418703" y="1837846"/>
-            <a:ext cx="2298360" cy="14564"/>
           </a:xfrm>
           <a:prstGeom prst="line">
             <a:avLst/>
@@ -6188,10 +7722,10 @@
         </p:nvGrpSpPr>
         <p:grpSpPr>
           <a:xfrm>
-            <a:off x="6472885" y="1046205"/>
-            <a:ext cx="2323070" cy="3451951"/>
-            <a:chOff x="6472885" y="1215420"/>
-            <a:chExt cx="2323070" cy="3274202"/>
+            <a:off x="6472885" y="1601434"/>
+            <a:ext cx="2323070" cy="3384402"/>
+            <a:chOff x="6472885" y="1279491"/>
+            <a:chExt cx="2323070" cy="3210131"/>
           </a:xfrm>
         </p:grpSpPr>
         <p:sp>
@@ -6242,8 +7776,8 @@
           </p:nvSpPr>
           <p:spPr>
             <a:xfrm>
-              <a:off x="6682947" y="1215420"/>
-              <a:ext cx="1902941" cy="646331"/>
+              <a:off x="6661666" y="1279491"/>
+              <a:ext cx="1902941" cy="613050"/>
             </a:xfrm>
             <a:prstGeom prst="rect">
               <a:avLst/>
@@ -6258,10 +7792,18 @@
             <a:p>
               <a:pPr algn="ctr"/>
               <a:r>
-                <a:rPr lang="en-US" dirty="0" smtClean="0"/>
+                <a:rPr lang="en-US" dirty="0" smtClean="0">
+                  <a:solidFill>
+                    <a:srgbClr val="FFFF00"/>
+                  </a:solidFill>
+                </a:rPr>
                 <a:t>Spark streaming application</a:t>
               </a:r>
-              <a:endParaRPr lang="en-US" dirty="0"/>
+              <a:endParaRPr lang="en-US" dirty="0">
+                <a:solidFill>
+                  <a:srgbClr val="FFFF00"/>
+                </a:solidFill>
+              </a:endParaRPr>
             </a:p>
           </p:txBody>
         </p:sp>
@@ -6302,7 +7844,11 @@
             <a:p>
               <a:pPr algn="ctr"/>
               <a:r>
-                <a:rPr lang="ru-RU" dirty="0" smtClean="0"/>
+                <a:rPr lang="ru-RU" dirty="0" smtClean="0">
+                  <a:solidFill>
+                    <a:srgbClr val="FFFF00"/>
+                  </a:solidFill>
+                </a:rPr>
                 <a:t>Простая обработка</a:t>
               </a:r>
             </a:p>
@@ -6345,7 +7891,11 @@
             <a:p>
               <a:pPr algn="ctr"/>
               <a:r>
-                <a:rPr lang="ru-RU" dirty="0" smtClean="0"/>
+                <a:rPr lang="ru-RU" dirty="0" smtClean="0">
+                  <a:solidFill>
+                    <a:srgbClr val="FFFF00"/>
+                  </a:solidFill>
+                </a:rPr>
                 <a:t>Аналитика</a:t>
               </a:r>
             </a:p>
@@ -6360,7 +7910,7 @@
         </p:nvSpPr>
         <p:spPr>
           <a:xfrm>
-            <a:off x="2760704" y="1941837"/>
+            <a:off x="2760704" y="2368557"/>
             <a:ext cx="568929" cy="264851"/>
           </a:xfrm>
           <a:prstGeom prst="rightArrow">
@@ -6400,7 +7950,7 @@
         </p:nvSpPr>
         <p:spPr>
           <a:xfrm>
-            <a:off x="5831323" y="1941837"/>
+            <a:off x="5831323" y="2383797"/>
             <a:ext cx="564847" cy="264851"/>
           </a:xfrm>
           <a:prstGeom prst="rightArrow">
@@ -6440,7 +7990,7 @@
         </p:nvSpPr>
         <p:spPr>
           <a:xfrm rot="10800000">
-            <a:off x="5803555" y="2675732"/>
+            <a:off x="5803555" y="3087212"/>
             <a:ext cx="592615" cy="264851"/>
           </a:xfrm>
           <a:prstGeom prst="rightArrow">
@@ -6480,7 +8030,7 @@
         </p:nvSpPr>
         <p:spPr>
           <a:xfrm>
-            <a:off x="7443917" y="3006369"/>
+            <a:off x="7443917" y="3478809"/>
             <a:ext cx="380999" cy="495153"/>
           </a:xfrm>
           <a:prstGeom prst="downArrow">
@@ -6520,7 +8070,7 @@
         </p:nvSpPr>
         <p:spPr>
           <a:xfrm>
-            <a:off x="8842250" y="3673376"/>
+            <a:off x="8842250" y="4161056"/>
             <a:ext cx="641560" cy="264851"/>
           </a:xfrm>
           <a:prstGeom prst="rightArrow">
@@ -6560,7 +8110,7 @@
         </p:nvSpPr>
         <p:spPr>
           <a:xfrm>
-            <a:off x="8842250" y="2410882"/>
+            <a:off x="8842250" y="2837602"/>
             <a:ext cx="641562" cy="264851"/>
           </a:xfrm>
           <a:prstGeom prst="rightArrow">
@@ -6600,10 +8150,10 @@
         </p:nvGrpSpPr>
         <p:grpSpPr>
           <a:xfrm>
-            <a:off x="335728" y="4298732"/>
-            <a:ext cx="2968714" cy="1884869"/>
-            <a:chOff x="335728" y="4298732"/>
-            <a:chExt cx="2968714" cy="1884869"/>
+            <a:off x="218364" y="4105703"/>
+            <a:ext cx="2826804" cy="1861062"/>
+            <a:chOff x="335728" y="4322539"/>
+            <a:chExt cx="2968714" cy="1861062"/>
           </a:xfrm>
         </p:grpSpPr>
         <p:sp>
@@ -6654,7 +8204,7 @@
           </p:nvSpPr>
           <p:spPr>
             <a:xfrm>
-              <a:off x="411415" y="4298732"/>
+              <a:off x="411415" y="4339942"/>
               <a:ext cx="2817339" cy="369332"/>
             </a:xfrm>
             <a:prstGeom prst="rect">
@@ -6670,10 +8220,18 @@
             <a:p>
               <a:pPr algn="ctr"/>
               <a:r>
-                <a:rPr lang="en-US" dirty="0" smtClean="0"/>
+                <a:rPr lang="en-US" dirty="0" smtClean="0">
+                  <a:solidFill>
+                    <a:srgbClr val="FFFF00"/>
+                  </a:solidFill>
+                </a:rPr>
                 <a:t>Client application (WEB)</a:t>
               </a:r>
-              <a:endParaRPr lang="en-US" dirty="0"/>
+              <a:endParaRPr lang="en-US" dirty="0">
+                <a:solidFill>
+                  <a:srgbClr val="FFFF00"/>
+                </a:solidFill>
+              </a:endParaRPr>
             </a:p>
           </p:txBody>
         </p:sp>
@@ -6714,10 +8272,18 @@
             <a:p>
               <a:pPr algn="ctr"/>
               <a:r>
-                <a:rPr lang="en-US" dirty="0" smtClean="0"/>
+                <a:rPr lang="en-US" dirty="0" smtClean="0">
+                  <a:solidFill>
+                    <a:srgbClr val="FFFF00"/>
+                  </a:solidFill>
+                </a:rPr>
                 <a:t>Kafka Consumer</a:t>
               </a:r>
-              <a:endParaRPr lang="en-US" dirty="0"/>
+              <a:endParaRPr lang="en-US" dirty="0">
+                <a:solidFill>
+                  <a:srgbClr val="FFFF00"/>
+                </a:solidFill>
+              </a:endParaRPr>
             </a:p>
           </p:txBody>
         </p:sp>
@@ -6758,10 +8324,18 @@
             <a:p>
               <a:pPr algn="ctr"/>
               <a:r>
-                <a:rPr lang="en-US" dirty="0" smtClean="0"/>
+                <a:rPr lang="en-US" dirty="0" smtClean="0">
+                  <a:solidFill>
+                    <a:srgbClr val="FFFF00"/>
+                  </a:solidFill>
+                </a:rPr>
                 <a:t>JDBC/ODBC</a:t>
               </a:r>
-              <a:endParaRPr lang="en-US" dirty="0"/>
+              <a:endParaRPr lang="en-US" dirty="0">
+                <a:solidFill>
+                  <a:srgbClr val="FFFF00"/>
+                </a:solidFill>
+              </a:endParaRPr>
             </a:p>
           </p:txBody>
         </p:sp>
@@ -6774,7 +8348,7 @@
         </p:nvSpPr>
         <p:spPr>
           <a:xfrm>
-            <a:off x="3406349" y="3508841"/>
+            <a:off x="3406349" y="3996521"/>
             <a:ext cx="2323070" cy="577521"/>
           </a:xfrm>
           <a:prstGeom prst="roundRect">
@@ -6803,10 +8377,18 @@
           <a:p>
             <a:pPr algn="ctr"/>
             <a:r>
-              <a:rPr lang="en-US" dirty="0" smtClean="0"/>
+              <a:rPr lang="en-US" dirty="0" smtClean="0">
+                <a:solidFill>
+                  <a:srgbClr val="FFFF00"/>
+                </a:solidFill>
+              </a:rPr>
               <a:t>Kafka console consumer (test mode)</a:t>
             </a:r>
-            <a:endParaRPr lang="en-US" dirty="0"/>
+            <a:endParaRPr lang="en-US" dirty="0">
+              <a:solidFill>
+                <a:srgbClr val="FFFF00"/>
+              </a:solidFill>
+            </a:endParaRPr>
           </a:p>
         </p:txBody>
       </p:sp>
@@ -6818,10 +8400,10 @@
         </p:nvGrpSpPr>
         <p:grpSpPr>
           <a:xfrm>
-            <a:off x="2843621" y="4563762"/>
-            <a:ext cx="7867922" cy="1092221"/>
-            <a:chOff x="2843621" y="4563762"/>
-            <a:chExt cx="7867922" cy="1092221"/>
+            <a:off x="2843621" y="4425907"/>
+            <a:ext cx="7867922" cy="1030425"/>
+            <a:chOff x="2843621" y="4425907"/>
+            <a:chExt cx="7867922" cy="1030425"/>
           </a:xfrm>
         </p:grpSpPr>
         <p:cxnSp>
@@ -6832,7 +8414,7 @@
           </p:nvCxnSpPr>
           <p:spPr>
             <a:xfrm>
-              <a:off x="2843621" y="5655983"/>
+              <a:off x="2843621" y="5456330"/>
               <a:ext cx="7867922" cy="0"/>
             </a:xfrm>
             <a:prstGeom prst="line">
@@ -6870,8 +8452,8 @@
           </p:nvCxnSpPr>
           <p:spPr>
             <a:xfrm flipV="1">
-              <a:off x="10711543" y="4563762"/>
-              <a:ext cx="0" cy="1092221"/>
+              <a:off x="10711543" y="4425907"/>
+              <a:ext cx="0" cy="1030425"/>
             </a:xfrm>
             <a:prstGeom prst="straightConnector1">
               <a:avLst/>
@@ -6911,9 +8493,9 @@
         <p:grpSpPr>
           <a:xfrm>
             <a:off x="2843621" y="2808159"/>
-            <a:ext cx="970498" cy="2202857"/>
+            <a:ext cx="753224" cy="1986021"/>
             <a:chOff x="2843621" y="2808159"/>
-            <a:chExt cx="970498" cy="2202857"/>
+            <a:chExt cx="753224" cy="1986021"/>
           </a:xfrm>
         </p:grpSpPr>
         <p:cxnSp>
@@ -6924,7 +8506,7 @@
           </p:nvCxnSpPr>
           <p:spPr>
             <a:xfrm>
-              <a:off x="2843621" y="5011016"/>
+              <a:off x="2843621" y="4794180"/>
               <a:ext cx="352662" cy="0"/>
             </a:xfrm>
             <a:prstGeom prst="line">
@@ -6962,8 +8544,8 @@
           </p:nvCxnSpPr>
           <p:spPr>
             <a:xfrm flipV="1">
-              <a:off x="3196283" y="2808159"/>
-              <a:ext cx="0" cy="2202857"/>
+              <a:off x="3196283" y="2808160"/>
+              <a:ext cx="0" cy="1986020"/>
             </a:xfrm>
             <a:prstGeom prst="line">
               <a:avLst/>
@@ -7001,7 +8583,7 @@
           <p:spPr>
             <a:xfrm>
               <a:off x="3196283" y="2808159"/>
-              <a:ext cx="617836" cy="0"/>
+              <a:ext cx="400562" cy="1"/>
             </a:xfrm>
             <a:prstGeom prst="straightConnector1">
               <a:avLst/>
@@ -7041,9 +8623,9 @@
           <p:nvPr/>
         </p:nvCxnSpPr>
         <p:spPr>
-          <a:xfrm flipH="1" flipV="1">
-            <a:off x="4567883" y="3017769"/>
-            <a:ext cx="1" cy="491072"/>
+          <a:xfrm flipV="1">
+            <a:off x="4567884" y="3478809"/>
+            <a:ext cx="4116" cy="517712"/>
           </a:xfrm>
           <a:prstGeom prst="straightConnector1">
             <a:avLst/>
@@ -7076,289 +8658,7 @@
     </p:spTree>
     <p:extLst>
       <p:ext uri="{BB962C8B-B14F-4D97-AF65-F5344CB8AC3E}">
-        <p14:creationId xmlns:p14="http://schemas.microsoft.com/office/powerpoint/2010/main" val="349866929"/>
-      </p:ext>
-    </p:extLst>
-  </p:cSld>
-  <p:clrMapOvr>
-    <a:masterClrMapping/>
-  </p:clrMapOvr>
-  <p:timing>
-    <p:tnLst>
-      <p:par>
-        <p:cTn id="1" dur="indefinite" restart="never" nodeType="tmRoot"/>
-      </p:par>
-    </p:tnLst>
-  </p:timing>
-</p:sld>
-</file>
-
-<file path=ppt/slides/slide2.xml><?xml version="1.0" encoding="utf-8"?>
-<p:sld xmlns:a="http://schemas.openxmlformats.org/drawingml/2006/main" xmlns:r="http://schemas.openxmlformats.org/officeDocument/2006/relationships" xmlns:p="http://schemas.openxmlformats.org/presentationml/2006/main">
-  <p:cSld>
-    <p:spTree>
-      <p:nvGrpSpPr>
-        <p:cNvPr id="1" name=""/>
-        <p:cNvGrpSpPr/>
-        <p:nvPr/>
-      </p:nvGrpSpPr>
-      <p:grpSpPr>
-        <a:xfrm>
-          <a:off x="0" y="0"/>
-          <a:ext cx="0" cy="0"/>
-          <a:chOff x="0" y="0"/>
-          <a:chExt cx="0" cy="0"/>
-        </a:xfrm>
-      </p:grpSpPr>
-      <p:sp>
-        <p:nvSpPr>
-          <p:cNvPr id="2" name="Заголовок 1"/>
-          <p:cNvSpPr>
-            <a:spLocks noGrp="1"/>
-          </p:cNvSpPr>
-          <p:nvPr>
-            <p:ph type="title"/>
-          </p:nvPr>
-        </p:nvSpPr>
-        <p:spPr>
-          <a:xfrm>
-            <a:off x="838200" y="-157390"/>
-            <a:ext cx="10515600" cy="1325563"/>
-          </a:xfrm>
-        </p:spPr>
-        <p:txBody>
-          <a:bodyPr/>
-          <a:lstStyle/>
-          <a:p>
-            <a:pPr algn="ctr"/>
-            <a:r>
-              <a:rPr lang="ru-RU" sz="4800" dirty="0" smtClean="0"/>
-              <a:t>Эмулятор</a:t>
-            </a:r>
-            <a:endParaRPr lang="en-US" sz="4800" dirty="0"/>
-          </a:p>
-        </p:txBody>
-      </p:sp>
-      <p:sp>
-        <p:nvSpPr>
-          <p:cNvPr id="3" name="Объект 2"/>
-          <p:cNvSpPr>
-            <a:spLocks noGrp="1"/>
-          </p:cNvSpPr>
-          <p:nvPr>
-            <p:ph idx="1"/>
-          </p:nvPr>
-        </p:nvSpPr>
-        <p:spPr>
-          <a:xfrm>
-            <a:off x="757646" y="1445622"/>
-            <a:ext cx="10596154" cy="4955177"/>
-          </a:xfrm>
-        </p:spPr>
-        <p:txBody>
-          <a:bodyPr>
-            <a:normAutofit fontScale="92500" lnSpcReduction="10000"/>
-          </a:bodyPr>
-          <a:lstStyle/>
-          <a:p>
-            <a:r>
-              <a:rPr lang="en-US" dirty="0">
-                <a:hlinkClick r:id="rId2"/>
-              </a:rPr>
-              <a:t>https://</a:t>
-            </a:r>
-            <a:r>
-              <a:rPr lang="en-US" dirty="0" smtClean="0">
-                <a:hlinkClick r:id="rId2"/>
-              </a:rPr>
-              <a:t>github.com/LudmilaNovikova/Emulator</a:t>
-            </a:r>
-            <a:endParaRPr lang="ru-RU" dirty="0" smtClean="0"/>
-          </a:p>
-          <a:p>
-            <a:r>
-              <a:rPr lang="en-US" dirty="0" smtClean="0"/>
-              <a:t>Java application, maven, fat jar (</a:t>
-            </a:r>
-            <a:r>
-              <a:rPr lang="en-US" dirty="0" err="1" smtClean="0"/>
-              <a:t>kafka</a:t>
-            </a:r>
-            <a:r>
-              <a:rPr lang="en-US" dirty="0" smtClean="0"/>
-              <a:t>-clients)</a:t>
-            </a:r>
-          </a:p>
-          <a:p>
-            <a:endParaRPr lang="en-US" dirty="0" smtClean="0"/>
-          </a:p>
-          <a:p>
-            <a:endParaRPr lang="en-US" dirty="0" smtClean="0"/>
-          </a:p>
-          <a:p>
-            <a:endParaRPr lang="en-US" dirty="0" smtClean="0"/>
-          </a:p>
-          <a:p>
-            <a:endParaRPr lang="en-US" dirty="0"/>
-          </a:p>
-          <a:p>
-            <a:endParaRPr lang="en-US" dirty="0" smtClean="0"/>
-          </a:p>
-          <a:p>
-            <a:endParaRPr lang="en-US" dirty="0"/>
-          </a:p>
-          <a:p>
-            <a:endParaRPr lang="en-US" dirty="0" smtClean="0"/>
-          </a:p>
-          <a:p>
-            <a:r>
-              <a:rPr lang="en-US" dirty="0" smtClean="0"/>
-              <a:t>/</a:t>
-            </a:r>
-            <a:r>
-              <a:rPr lang="en-US" dirty="0" err="1"/>
-              <a:t>usr</a:t>
-            </a:r>
-            <a:r>
-              <a:rPr lang="en-US" dirty="0"/>
-              <a:t>/bin/</a:t>
-            </a:r>
-            <a:r>
-              <a:rPr lang="en-US" dirty="0" err="1"/>
-              <a:t>kafka</a:t>
-            </a:r>
-            <a:r>
-              <a:rPr lang="en-US" dirty="0"/>
-              <a:t>-console-consumer --zookeeper 192.168.1.31:2181 --topic </a:t>
-            </a:r>
-            <a:r>
-              <a:rPr lang="en-US" dirty="0" err="1" smtClean="0"/>
-              <a:t>StbStream</a:t>
-            </a:r>
-            <a:endParaRPr lang="en-US" dirty="0"/>
-          </a:p>
-          <a:p>
-            <a:endParaRPr lang="en-US" dirty="0"/>
-          </a:p>
-        </p:txBody>
-      </p:sp>
-      <p:sp>
-        <p:nvSpPr>
-          <p:cNvPr id="13" name="Прямоугольник 12"/>
-          <p:cNvSpPr/>
-          <p:nvPr/>
-        </p:nvSpPr>
-        <p:spPr>
-          <a:xfrm>
-            <a:off x="838200" y="2472465"/>
-            <a:ext cx="10317796" cy="2677656"/>
-          </a:xfrm>
-          <a:prstGeom prst="rect">
-            <a:avLst/>
-          </a:prstGeom>
-        </p:spPr>
-        <p:txBody>
-          <a:bodyPr wrap="square">
-            <a:spAutoFit/>
-          </a:bodyPr>
-          <a:lstStyle/>
-          <a:p>
-            <a:r>
-              <a:rPr lang="en-US" sz="2800" dirty="0" smtClean="0"/>
-              <a:t>java </a:t>
-            </a:r>
-            <a:r>
-              <a:rPr lang="en-US" sz="2800" dirty="0"/>
-              <a:t>-</a:t>
-            </a:r>
-            <a:r>
-              <a:rPr lang="en-US" sz="2800" dirty="0" err="1"/>
-              <a:t>cp</a:t>
-            </a:r>
-            <a:r>
-              <a:rPr lang="en-US" sz="2800" dirty="0"/>
-              <a:t> /opt/projects/</a:t>
-            </a:r>
-            <a:r>
-              <a:rPr lang="en-US" sz="2800" dirty="0" err="1"/>
-              <a:t>cableTv</a:t>
-            </a:r>
-            <a:r>
-              <a:rPr lang="en-US" sz="2800" dirty="0"/>
-              <a:t>/big-data-cable-emulator-1.0.jar </a:t>
-            </a:r>
-            <a:endParaRPr lang="en-US" sz="2800" dirty="0" smtClean="0"/>
-          </a:p>
-          <a:p>
-            <a:r>
-              <a:rPr lang="en-US" sz="2800" dirty="0" err="1" smtClean="0"/>
-              <a:t>big.data.cable.producer.CableKafkaProducer</a:t>
-            </a:r>
-            <a:r>
-              <a:rPr lang="en-US" sz="2800" dirty="0" smtClean="0"/>
-              <a:t> </a:t>
-            </a:r>
-          </a:p>
-          <a:p>
-            <a:r>
-              <a:rPr lang="en-US" sz="2800" dirty="0" smtClean="0"/>
-              <a:t>192.168.1.31:9092 </a:t>
-            </a:r>
-          </a:p>
-          <a:p>
-            <a:r>
-              <a:rPr lang="en-US" sz="2800" dirty="0" smtClean="0"/>
-              <a:t>192.168.1.31:2181  </a:t>
-            </a:r>
-          </a:p>
-          <a:p>
-            <a:r>
-              <a:rPr lang="en-US" sz="2800" dirty="0" smtClean="0"/>
-              <a:t>/</a:t>
-            </a:r>
-            <a:r>
-              <a:rPr lang="en-US" sz="2800" dirty="0"/>
-              <a:t>home/</a:t>
-            </a:r>
-            <a:r>
-              <a:rPr lang="en-US" sz="2800" dirty="0" err="1"/>
-              <a:t>lnovikova</a:t>
-            </a:r>
-            <a:r>
-              <a:rPr lang="en-US" sz="2800" dirty="0"/>
-              <a:t>/projects/</a:t>
-            </a:r>
-            <a:r>
-              <a:rPr lang="en-US" sz="2800" dirty="0" err="1"/>
-              <a:t>cableTv</a:t>
-            </a:r>
-            <a:r>
-              <a:rPr lang="en-US" sz="2800" dirty="0"/>
-              <a:t>/data/</a:t>
-            </a:r>
-            <a:r>
-              <a:rPr lang="en-US" sz="2800" dirty="0" err="1"/>
-              <a:t>cont_cut</a:t>
-            </a:r>
-            <a:r>
-              <a:rPr lang="en-US" sz="2800" dirty="0"/>
-              <a:t> </a:t>
-            </a:r>
-            <a:endParaRPr lang="en-US" sz="2800" dirty="0" smtClean="0"/>
-          </a:p>
-          <a:p>
-            <a:r>
-              <a:rPr lang="en-US" sz="2800" dirty="0" smtClean="0"/>
-              <a:t>2000</a:t>
-            </a:r>
-            <a:endParaRPr lang="en-US" sz="2800" dirty="0"/>
-          </a:p>
-        </p:txBody>
-      </p:sp>
-    </p:spTree>
-    <p:extLst>
-      <p:ext uri="{BB962C8B-B14F-4D97-AF65-F5344CB8AC3E}">
-        <p14:creationId xmlns:p14="http://schemas.microsoft.com/office/powerpoint/2010/main" val="2461824903"/>
+        <p14:creationId xmlns:p14="http://schemas.microsoft.com/office/powerpoint/2010/main" val="3756933290"/>
       </p:ext>
     </p:extLst>
   </p:cSld>
@@ -7404,8 +8704,8 @@
         </p:nvSpPr>
         <p:spPr>
           <a:xfrm>
-            <a:off x="838200" y="0"/>
-            <a:ext cx="10515600" cy="897618"/>
+            <a:off x="838200" y="391250"/>
+            <a:ext cx="10515600" cy="1325563"/>
           </a:xfrm>
         </p:spPr>
         <p:txBody>
@@ -7414,12 +8714,442 @@
           </a:bodyPr>
           <a:lstStyle/>
           <a:p>
+            <a:pPr algn="ctr">
+              <a:lnSpc>
+                <a:spcPct val="100000"/>
+              </a:lnSpc>
+            </a:pPr>
+            <a:r>
+              <a:rPr lang="ru-RU" sz="4400" dirty="0" smtClean="0">
+                <a:solidFill>
+                  <a:srgbClr val="FFFF00"/>
+                </a:solidFill>
+              </a:rPr>
+              <a:t>Эмулятор</a:t>
+            </a:r>
+            <a:endParaRPr lang="en-US" sz="4400" dirty="0">
+              <a:solidFill>
+                <a:srgbClr val="FFFF00"/>
+              </a:solidFill>
+            </a:endParaRPr>
+          </a:p>
+        </p:txBody>
+      </p:sp>
+      <p:sp>
+        <p:nvSpPr>
+          <p:cNvPr id="3" name="Объект 2"/>
+          <p:cNvSpPr>
+            <a:spLocks noGrp="1"/>
+          </p:cNvSpPr>
+          <p:nvPr>
+            <p:ph idx="1"/>
+          </p:nvPr>
+        </p:nvSpPr>
+        <p:spPr>
+          <a:xfrm>
+            <a:off x="757646" y="1567542"/>
+            <a:ext cx="10596154" cy="4955177"/>
+          </a:xfrm>
+        </p:spPr>
+        <p:txBody>
+          <a:bodyPr>
+            <a:normAutofit/>
+          </a:bodyPr>
+          <a:lstStyle/>
+          <a:p>
+            <a:r>
+              <a:rPr lang="en-US" sz="2400" dirty="0" smtClean="0">
+                <a:solidFill>
+                  <a:srgbClr val="FFFF00"/>
+                </a:solidFill>
+                <a:hlinkClick r:id="rId2"/>
+              </a:rPr>
+              <a:t>https://github.com/LudmilaNovikova/Emulator</a:t>
+            </a:r>
+            <a:endParaRPr lang="ru-RU" sz="2400" dirty="0" smtClean="0">
+              <a:solidFill>
+                <a:srgbClr val="FFFF00"/>
+              </a:solidFill>
+            </a:endParaRPr>
+          </a:p>
+          <a:p>
+            <a:r>
+              <a:rPr lang="en-US" sz="2400" dirty="0" smtClean="0">
+                <a:solidFill>
+                  <a:srgbClr val="FFFF00"/>
+                </a:solidFill>
+              </a:rPr>
+              <a:t>Java application, maven, fat jar (</a:t>
+            </a:r>
+            <a:r>
+              <a:rPr lang="en-US" sz="2400" dirty="0" err="1" smtClean="0">
+                <a:solidFill>
+                  <a:srgbClr val="FFFF00"/>
+                </a:solidFill>
+              </a:rPr>
+              <a:t>kafka</a:t>
+            </a:r>
+            <a:r>
+              <a:rPr lang="en-US" sz="2400" dirty="0" smtClean="0">
+                <a:solidFill>
+                  <a:srgbClr val="FFFF00"/>
+                </a:solidFill>
+              </a:rPr>
+              <a:t>-clients)</a:t>
+            </a:r>
+          </a:p>
+          <a:p>
+            <a:endParaRPr lang="en-US" sz="2400" dirty="0" smtClean="0"/>
+          </a:p>
+          <a:p>
+            <a:endParaRPr lang="en-US" sz="2400" dirty="0" smtClean="0"/>
+          </a:p>
+          <a:p>
+            <a:endParaRPr lang="en-US" sz="2400" dirty="0" smtClean="0"/>
+          </a:p>
+          <a:p>
+            <a:endParaRPr lang="en-US" sz="2400" dirty="0"/>
+          </a:p>
+          <a:p>
+            <a:pPr marL="0" indent="0">
+              <a:buNone/>
+            </a:pPr>
+            <a:endParaRPr lang="en-US" sz="2400" dirty="0" smtClean="0"/>
+          </a:p>
+          <a:p>
+            <a:r>
+              <a:rPr lang="en-US" sz="2400" dirty="0" smtClean="0">
+                <a:solidFill>
+                  <a:srgbClr val="FFFF00"/>
+                </a:solidFill>
+              </a:rPr>
+              <a:t>/</a:t>
+            </a:r>
+            <a:r>
+              <a:rPr lang="en-US" sz="2400" dirty="0" err="1">
+                <a:solidFill>
+                  <a:srgbClr val="FFFF00"/>
+                </a:solidFill>
+              </a:rPr>
+              <a:t>usr</a:t>
+            </a:r>
+            <a:r>
+              <a:rPr lang="en-US" sz="2400" dirty="0">
+                <a:solidFill>
+                  <a:srgbClr val="FFFF00"/>
+                </a:solidFill>
+              </a:rPr>
+              <a:t>/bin/</a:t>
+            </a:r>
+            <a:r>
+              <a:rPr lang="en-US" sz="2400" dirty="0" err="1">
+                <a:solidFill>
+                  <a:srgbClr val="FFFF00"/>
+                </a:solidFill>
+              </a:rPr>
+              <a:t>kafka</a:t>
+            </a:r>
+            <a:r>
+              <a:rPr lang="en-US" sz="2400" dirty="0">
+                <a:solidFill>
+                  <a:srgbClr val="FFFF00"/>
+                </a:solidFill>
+              </a:rPr>
+              <a:t>-console-consumer --zookeeper 192.168.1.31:2181 --topic </a:t>
+            </a:r>
+            <a:r>
+              <a:rPr lang="en-US" sz="2400" dirty="0" err="1" smtClean="0">
+                <a:solidFill>
+                  <a:srgbClr val="FFFF00"/>
+                </a:solidFill>
+              </a:rPr>
+              <a:t>StbStream</a:t>
+            </a:r>
+            <a:endParaRPr lang="en-US" sz="2400" dirty="0">
+              <a:solidFill>
+                <a:srgbClr val="FFFF00"/>
+              </a:solidFill>
+            </a:endParaRPr>
+          </a:p>
+          <a:p>
+            <a:endParaRPr lang="en-US" dirty="0"/>
+          </a:p>
+        </p:txBody>
+      </p:sp>
+      <p:sp>
+        <p:nvSpPr>
+          <p:cNvPr id="13" name="Прямоугольник 12"/>
+          <p:cNvSpPr/>
+          <p:nvPr/>
+        </p:nvSpPr>
+        <p:spPr>
+          <a:xfrm>
+            <a:off x="838200" y="2472465"/>
+            <a:ext cx="10317796" cy="1938992"/>
+          </a:xfrm>
+          <a:prstGeom prst="rect">
+            <a:avLst/>
+          </a:prstGeom>
+        </p:spPr>
+        <p:txBody>
+          <a:bodyPr wrap="square">
+            <a:spAutoFit/>
+          </a:bodyPr>
+          <a:lstStyle/>
+          <a:p>
+            <a:r>
+              <a:rPr lang="en-US" sz="2000" dirty="0" smtClean="0">
+                <a:solidFill>
+                  <a:srgbClr val="FFFF00"/>
+                </a:solidFill>
+              </a:rPr>
+              <a:t>java </a:t>
+            </a:r>
+            <a:r>
+              <a:rPr lang="en-US" sz="2000" dirty="0">
+                <a:solidFill>
+                  <a:srgbClr val="FFFF00"/>
+                </a:solidFill>
+              </a:rPr>
+              <a:t>-</a:t>
+            </a:r>
+            <a:r>
+              <a:rPr lang="en-US" sz="2000" dirty="0" err="1">
+                <a:solidFill>
+                  <a:srgbClr val="FFFF00"/>
+                </a:solidFill>
+              </a:rPr>
+              <a:t>cp</a:t>
+            </a:r>
+            <a:r>
+              <a:rPr lang="en-US" sz="2000" dirty="0">
+                <a:solidFill>
+                  <a:srgbClr val="FFFF00"/>
+                </a:solidFill>
+              </a:rPr>
+              <a:t> /opt/projects/</a:t>
+            </a:r>
+            <a:r>
+              <a:rPr lang="en-US" sz="2000" dirty="0" err="1">
+                <a:solidFill>
+                  <a:srgbClr val="FFFF00"/>
+                </a:solidFill>
+              </a:rPr>
+              <a:t>cableTv</a:t>
+            </a:r>
+            <a:r>
+              <a:rPr lang="en-US" sz="2000" dirty="0">
+                <a:solidFill>
+                  <a:srgbClr val="FFFF00"/>
+                </a:solidFill>
+              </a:rPr>
+              <a:t>/big-data-cable-emulator-1.0.jar </a:t>
+            </a:r>
+            <a:endParaRPr lang="en-US" sz="2000" dirty="0" smtClean="0">
+              <a:solidFill>
+                <a:srgbClr val="FFFF00"/>
+              </a:solidFill>
+            </a:endParaRPr>
+          </a:p>
+          <a:p>
+            <a:r>
+              <a:rPr lang="en-US" sz="2000" dirty="0" err="1" smtClean="0">
+                <a:solidFill>
+                  <a:srgbClr val="FFFF00"/>
+                </a:solidFill>
+              </a:rPr>
+              <a:t>big.data.cable.producer.CableKafkaProducer</a:t>
+            </a:r>
+            <a:r>
+              <a:rPr lang="en-US" sz="2000" dirty="0" smtClean="0">
+                <a:solidFill>
+                  <a:srgbClr val="FFFF00"/>
+                </a:solidFill>
+              </a:rPr>
+              <a:t> </a:t>
+            </a:r>
+          </a:p>
+          <a:p>
+            <a:r>
+              <a:rPr lang="en-US" sz="2000" dirty="0" smtClean="0">
+                <a:solidFill>
+                  <a:srgbClr val="FFFF00"/>
+                </a:solidFill>
+              </a:rPr>
+              <a:t>192.168.1.31:9092 </a:t>
+            </a:r>
+          </a:p>
+          <a:p>
+            <a:r>
+              <a:rPr lang="en-US" sz="2000" dirty="0" smtClean="0">
+                <a:solidFill>
+                  <a:srgbClr val="FFFF00"/>
+                </a:solidFill>
+              </a:rPr>
+              <a:t>192.168.1.31:2181  </a:t>
+            </a:r>
+          </a:p>
+          <a:p>
+            <a:r>
+              <a:rPr lang="en-US" sz="2000" dirty="0" smtClean="0">
+                <a:solidFill>
+                  <a:srgbClr val="FFFF00"/>
+                </a:solidFill>
+              </a:rPr>
+              <a:t>/</a:t>
+            </a:r>
+            <a:r>
+              <a:rPr lang="en-US" sz="2000" dirty="0">
+                <a:solidFill>
+                  <a:srgbClr val="FFFF00"/>
+                </a:solidFill>
+              </a:rPr>
+              <a:t>home/</a:t>
+            </a:r>
+            <a:r>
+              <a:rPr lang="en-US" sz="2000" dirty="0" err="1">
+                <a:solidFill>
+                  <a:srgbClr val="FFFF00"/>
+                </a:solidFill>
+              </a:rPr>
+              <a:t>lnovikova</a:t>
+            </a:r>
+            <a:r>
+              <a:rPr lang="en-US" sz="2000" dirty="0">
+                <a:solidFill>
+                  <a:srgbClr val="FFFF00"/>
+                </a:solidFill>
+              </a:rPr>
+              <a:t>/projects/</a:t>
+            </a:r>
+            <a:r>
+              <a:rPr lang="en-US" sz="2000" dirty="0" err="1">
+                <a:solidFill>
+                  <a:srgbClr val="FFFF00"/>
+                </a:solidFill>
+              </a:rPr>
+              <a:t>cableTv</a:t>
+            </a:r>
+            <a:r>
+              <a:rPr lang="en-US" sz="2000" dirty="0">
+                <a:solidFill>
+                  <a:srgbClr val="FFFF00"/>
+                </a:solidFill>
+              </a:rPr>
+              <a:t>/data/</a:t>
+            </a:r>
+            <a:r>
+              <a:rPr lang="en-US" sz="2000" dirty="0" err="1">
+                <a:solidFill>
+                  <a:srgbClr val="FFFF00"/>
+                </a:solidFill>
+              </a:rPr>
+              <a:t>cont_cut</a:t>
+            </a:r>
+            <a:r>
+              <a:rPr lang="en-US" sz="2000" dirty="0">
+                <a:solidFill>
+                  <a:srgbClr val="FFFF00"/>
+                </a:solidFill>
+              </a:rPr>
+              <a:t> </a:t>
+            </a:r>
+            <a:endParaRPr lang="en-US" sz="2000" dirty="0" smtClean="0">
+              <a:solidFill>
+                <a:srgbClr val="FFFF00"/>
+              </a:solidFill>
+            </a:endParaRPr>
+          </a:p>
+          <a:p>
+            <a:r>
+              <a:rPr lang="en-US" sz="2000" dirty="0" smtClean="0">
+                <a:solidFill>
+                  <a:srgbClr val="FFFF00"/>
+                </a:solidFill>
+              </a:rPr>
+              <a:t>2000</a:t>
+            </a:r>
+            <a:endParaRPr lang="en-US" sz="2000" dirty="0">
+              <a:solidFill>
+                <a:srgbClr val="FFFF00"/>
+              </a:solidFill>
+            </a:endParaRPr>
+          </a:p>
+        </p:txBody>
+      </p:sp>
+    </p:spTree>
+    <p:extLst>
+      <p:ext uri="{BB962C8B-B14F-4D97-AF65-F5344CB8AC3E}">
+        <p14:creationId xmlns:p14="http://schemas.microsoft.com/office/powerpoint/2010/main" val="2461824903"/>
+      </p:ext>
+    </p:extLst>
+  </p:cSld>
+  <p:clrMapOvr>
+    <a:masterClrMapping/>
+  </p:clrMapOvr>
+  <p:timing>
+    <p:tnLst>
+      <p:par>
+        <p:cTn id="1" dur="indefinite" restart="never" nodeType="tmRoot"/>
+      </p:par>
+    </p:tnLst>
+  </p:timing>
+</p:sld>
+</file>
+
+<file path=ppt/slides/slide4.xml><?xml version="1.0" encoding="utf-8"?>
+<p:sld xmlns:a="http://schemas.openxmlformats.org/drawingml/2006/main" xmlns:r="http://schemas.openxmlformats.org/officeDocument/2006/relationships" xmlns:p="http://schemas.openxmlformats.org/presentationml/2006/main">
+  <p:cSld>
+    <p:spTree>
+      <p:nvGrpSpPr>
+        <p:cNvPr id="1" name=""/>
+        <p:cNvGrpSpPr/>
+        <p:nvPr/>
+      </p:nvGrpSpPr>
+      <p:grpSpPr>
+        <a:xfrm>
+          <a:off x="0" y="0"/>
+          <a:ext cx="0" cy="0"/>
+          <a:chOff x="0" y="0"/>
+          <a:chExt cx="0" cy="0"/>
+        </a:xfrm>
+      </p:grpSpPr>
+      <p:sp>
+        <p:nvSpPr>
+          <p:cNvPr id="2" name="Заголовок 1"/>
+          <p:cNvSpPr>
+            <a:spLocks noGrp="1"/>
+          </p:cNvSpPr>
+          <p:nvPr>
+            <p:ph type="title"/>
+          </p:nvPr>
+        </p:nvSpPr>
+        <p:spPr>
+          <a:xfrm>
+            <a:off x="838200" y="682616"/>
+            <a:ext cx="10515600" cy="897618"/>
+          </a:xfrm>
+        </p:spPr>
+        <p:txBody>
+          <a:bodyPr>
+            <a:normAutofit/>
+          </a:bodyPr>
+          <a:lstStyle/>
+          <a:p>
             <a:pPr algn="ctr"/>
             <a:r>
-              <a:rPr lang="en-US" sz="4800" dirty="0" smtClean="0"/>
+              <a:rPr lang="en-US" sz="4400" dirty="0" smtClean="0">
+                <a:solidFill>
+                  <a:srgbClr val="FFFF00"/>
+                </a:solidFill>
+              </a:rPr>
               <a:t>Spark streaming application</a:t>
             </a:r>
-            <a:endParaRPr lang="en-US" sz="4800" dirty="0"/>
+            <a:endParaRPr lang="en-US" sz="4400" dirty="0">
+              <a:solidFill>
+                <a:srgbClr val="FFFF00"/>
+              </a:solidFill>
+            </a:endParaRPr>
           </a:p>
         </p:txBody>
       </p:sp>
@@ -7435,7 +9165,7 @@
         </p:nvSpPr>
         <p:spPr>
           <a:xfrm>
-            <a:off x="245916" y="4827788"/>
+            <a:off x="245916" y="4431548"/>
             <a:ext cx="11843656" cy="1694932"/>
           </a:xfrm>
         </p:spPr>
@@ -7446,35 +9176,35 @@
           <a:lstStyle/>
           <a:p>
             <a:r>
-              <a:rPr lang="en-US" sz="1800" dirty="0">
+              <a:rPr lang="en-US" sz="1600" dirty="0">
                 <a:solidFill>
-                  <a:schemeClr val="tx1"/>
+                  <a:srgbClr val="FFFF00"/>
                 </a:solidFill>
                 <a:hlinkClick r:id="rId2"/>
               </a:rPr>
               <a:t>https://</a:t>
             </a:r>
             <a:r>
-              <a:rPr lang="en-US" sz="1800" dirty="0" smtClean="0">
+              <a:rPr lang="en-US" sz="1600" dirty="0" smtClean="0">
                 <a:solidFill>
-                  <a:schemeClr val="tx1"/>
+                  <a:srgbClr val="FFFF00"/>
                 </a:solidFill>
                 <a:hlinkClick r:id="rId2"/>
               </a:rPr>
               <a:t>github.com/LudmilaNovikova/CableTv</a:t>
             </a:r>
-            <a:endParaRPr lang="en-US" sz="1800" dirty="0" smtClean="0">
+            <a:endParaRPr lang="en-US" sz="1600" dirty="0" smtClean="0">
               <a:solidFill>
-                <a:schemeClr val="tx1"/>
+                <a:srgbClr val="FFFF00"/>
               </a:solidFill>
             </a:endParaRPr>
           </a:p>
           <a:p>
             <a:pPr lvl="0"/>
             <a:r>
-              <a:rPr lang="en-US" altLang="en-US" sz="1800" dirty="0">
+              <a:rPr lang="en-US" altLang="en-US" sz="1600" dirty="0">
                 <a:solidFill>
-                  <a:schemeClr val="tx1"/>
+                  <a:srgbClr val="FFFF00"/>
                 </a:solidFill>
                 <a:latin typeface="Courier New" panose="02070309020205020404" pitchFamily="49" charset="0"/>
                 <a:cs typeface="Courier New" panose="02070309020205020404" pitchFamily="49" charset="0"/>
@@ -7482,9 +9212,9 @@
               <a:t>spark-submit --class </a:t>
             </a:r>
             <a:r>
-              <a:rPr lang="en-US" altLang="en-US" sz="1800" dirty="0" err="1">
+              <a:rPr lang="en-US" altLang="en-US" sz="1600" dirty="0" err="1">
                 <a:solidFill>
-                  <a:schemeClr val="tx1"/>
+                  <a:srgbClr val="FFFF00"/>
                 </a:solidFill>
                 <a:latin typeface="Courier New" panose="02070309020205020404" pitchFamily="49" charset="0"/>
                 <a:cs typeface="Courier New" panose="02070309020205020404" pitchFamily="49" charset="0"/>
@@ -7492,9 +9222,9 @@
               <a:t>big.data.cable.tv.KafkaStreamProcessing</a:t>
             </a:r>
             <a:r>
-              <a:rPr lang="en-US" altLang="en-US" sz="1800" dirty="0">
+              <a:rPr lang="en-US" altLang="en-US" sz="1600" dirty="0">
                 <a:solidFill>
-                  <a:schemeClr val="tx1"/>
+                  <a:srgbClr val="FFFF00"/>
                 </a:solidFill>
                 <a:latin typeface="Courier New" panose="02070309020205020404" pitchFamily="49" charset="0"/>
                 <a:cs typeface="Courier New" panose="02070309020205020404" pitchFamily="49" charset="0"/>
@@ -7502,9 +9232,9 @@
               <a:t> --master yarn-cluster --executor-memory 2G --</a:t>
             </a:r>
             <a:r>
-              <a:rPr lang="en-US" altLang="en-US" sz="1800" dirty="0" err="1">
+              <a:rPr lang="en-US" altLang="en-US" sz="1600" dirty="0" err="1">
                 <a:solidFill>
-                  <a:schemeClr val="tx1"/>
+                  <a:srgbClr val="FFFF00"/>
                 </a:solidFill>
                 <a:latin typeface="Courier New" panose="02070309020205020404" pitchFamily="49" charset="0"/>
                 <a:cs typeface="Courier New" panose="02070309020205020404" pitchFamily="49" charset="0"/>
@@ -7512,9 +9242,9 @@
               <a:t>num</a:t>
             </a:r>
             <a:r>
-              <a:rPr lang="en-US" altLang="en-US" sz="1800" dirty="0">
+              <a:rPr lang="en-US" altLang="en-US" sz="1600" dirty="0">
                 <a:solidFill>
-                  <a:schemeClr val="tx1"/>
+                  <a:srgbClr val="FFFF00"/>
                 </a:solidFill>
                 <a:latin typeface="Courier New" panose="02070309020205020404" pitchFamily="49" charset="0"/>
                 <a:cs typeface="Courier New" panose="02070309020205020404" pitchFamily="49" charset="0"/>
@@ -7522,9 +9252,9 @@
               <a:t>-executors 3 /opt/projects/</a:t>
             </a:r>
             <a:r>
-              <a:rPr lang="en-US" altLang="en-US" sz="1800" dirty="0" err="1">
+              <a:rPr lang="en-US" altLang="en-US" sz="1600" dirty="0" err="1">
                 <a:solidFill>
-                  <a:schemeClr val="tx1"/>
+                  <a:srgbClr val="FFFF00"/>
                 </a:solidFill>
                 <a:latin typeface="Courier New" panose="02070309020205020404" pitchFamily="49" charset="0"/>
                 <a:cs typeface="Courier New" panose="02070309020205020404" pitchFamily="49" charset="0"/>
@@ -7532,9 +9262,9 @@
               <a:t>cableTv</a:t>
             </a:r>
             <a:r>
-              <a:rPr lang="en-US" altLang="en-US" sz="1800" dirty="0">
+              <a:rPr lang="en-US" altLang="en-US" sz="1600" dirty="0">
                 <a:solidFill>
-                  <a:schemeClr val="tx1"/>
+                  <a:srgbClr val="FFFF00"/>
                 </a:solidFill>
                 <a:latin typeface="Courier New" panose="02070309020205020404" pitchFamily="49" charset="0"/>
                 <a:cs typeface="Courier New" panose="02070309020205020404" pitchFamily="49" charset="0"/>
@@ -7542,18 +9272,18 @@
               <a:t>/CableTv-assembly-1.0.jar bigdata1.nnstu.com:9092 </a:t>
             </a:r>
             <a:r>
-              <a:rPr lang="en-US" altLang="en-US" sz="1800" dirty="0" err="1" smtClean="0">
+              <a:rPr lang="en-US" altLang="en-US" sz="1600" dirty="0" err="1" smtClean="0">
                 <a:solidFill>
-                  <a:schemeClr val="tx1"/>
+                  <a:srgbClr val="FFFF00"/>
                 </a:solidFill>
                 <a:latin typeface="Courier New" panose="02070309020205020404" pitchFamily="49" charset="0"/>
                 <a:cs typeface="Courier New" panose="02070309020205020404" pitchFamily="49" charset="0"/>
               </a:rPr>
               <a:t>StbStructuredMessage</a:t>
             </a:r>
-            <a:endParaRPr lang="en-US" altLang="en-US" sz="1800" dirty="0" smtClean="0">
+            <a:endParaRPr lang="en-US" altLang="en-US" sz="1600" dirty="0" smtClean="0">
               <a:solidFill>
-                <a:schemeClr val="tx1"/>
+                <a:srgbClr val="FFFF00"/>
               </a:solidFill>
               <a:latin typeface="Courier New" panose="02070309020205020404" pitchFamily="49" charset="0"/>
               <a:cs typeface="Courier New" panose="02070309020205020404" pitchFamily="49" charset="0"/>
@@ -7561,30 +9291,58 @@
           </a:p>
           <a:p>
             <a:r>
-              <a:rPr lang="en-US" sz="1800" dirty="0"/>
+              <a:rPr lang="en-US" sz="1600" dirty="0">
+                <a:solidFill>
+                  <a:srgbClr val="FFFF00"/>
+                </a:solidFill>
+              </a:rPr>
               <a:t>/</a:t>
             </a:r>
             <a:r>
-              <a:rPr lang="en-US" sz="1800" dirty="0" err="1"/>
+              <a:rPr lang="en-US" sz="1600" dirty="0" err="1">
+                <a:solidFill>
+                  <a:srgbClr val="FFFF00"/>
+                </a:solidFill>
+              </a:rPr>
               <a:t>usr</a:t>
             </a:r>
             <a:r>
-              <a:rPr lang="en-US" sz="1800" dirty="0"/>
+              <a:rPr lang="en-US" sz="1600" dirty="0">
+                <a:solidFill>
+                  <a:srgbClr val="FFFF00"/>
+                </a:solidFill>
+              </a:rPr>
               <a:t>/bin/</a:t>
             </a:r>
             <a:r>
-              <a:rPr lang="en-US" sz="1800" dirty="0" err="1"/>
+              <a:rPr lang="en-US" sz="1600" dirty="0" err="1">
+                <a:solidFill>
+                  <a:srgbClr val="FFFF00"/>
+                </a:solidFill>
+              </a:rPr>
               <a:t>kafka</a:t>
             </a:r>
             <a:r>
-              <a:rPr lang="en-US" sz="1800" dirty="0"/>
+              <a:rPr lang="en-US" sz="1600" dirty="0">
+                <a:solidFill>
+                  <a:srgbClr val="FFFF00"/>
+                </a:solidFill>
+              </a:rPr>
               <a:t>-console-consumer --zookeeper 192.168.1.31:2181 --topic </a:t>
             </a:r>
             <a:r>
-              <a:rPr lang="en-US" sz="1800" dirty="0" err="1" smtClean="0"/>
+              <a:rPr lang="en-US" sz="1600" dirty="0" err="1" smtClean="0">
+                <a:solidFill>
+                  <a:srgbClr val="FFFF00"/>
+                </a:solidFill>
+              </a:rPr>
               <a:t>StbFailure</a:t>
             </a:r>
-            <a:endParaRPr lang="en-US" sz="1800" dirty="0"/>
+            <a:endParaRPr lang="en-US" sz="1600" dirty="0">
+              <a:solidFill>
+                <a:srgbClr val="FFFF00"/>
+              </a:solidFill>
+            </a:endParaRPr>
           </a:p>
           <a:p>
             <a:pPr lvl="0"/>
@@ -7619,7 +9377,7 @@
         </p:nvGrpSpPr>
         <p:grpSpPr>
           <a:xfrm>
-            <a:off x="567609" y="1211065"/>
+            <a:off x="476313" y="1637785"/>
             <a:ext cx="10877487" cy="2717074"/>
             <a:chOff x="367312" y="1193648"/>
             <a:chExt cx="10877487" cy="2717074"/>
@@ -7662,10 +9420,18 @@
             <a:p>
               <a:pPr algn="ctr"/>
               <a:r>
-                <a:rPr lang="en-US" dirty="0" smtClean="0"/>
+                <a:rPr lang="en-US" dirty="0" smtClean="0">
+                  <a:solidFill>
+                    <a:srgbClr val="FFFF00"/>
+                  </a:solidFill>
+                </a:rPr>
                 <a:t>Spark Streaming</a:t>
               </a:r>
-              <a:endParaRPr lang="en-US" dirty="0"/>
+              <a:endParaRPr lang="en-US" dirty="0">
+                <a:solidFill>
+                  <a:srgbClr val="FFFF00"/>
+                </a:solidFill>
+              </a:endParaRPr>
             </a:p>
           </p:txBody>
         </p:sp>
@@ -7747,14 +9513,22 @@
               <a:p>
                 <a:pPr algn="ctr"/>
                 <a:r>
-                  <a:rPr lang="en-US" sz="1400" dirty="0" smtClean="0"/>
+                  <a:rPr lang="en-US" sz="1400" dirty="0" smtClean="0">
+                    <a:solidFill>
+                      <a:srgbClr val="FFFF00"/>
+                    </a:solidFill>
+                  </a:rPr>
                   <a:t>input data </a:t>
                 </a:r>
               </a:p>
               <a:p>
                 <a:pPr algn="ctr"/>
                 <a:r>
-                  <a:rPr lang="en-US" sz="1400" dirty="0" smtClean="0"/>
+                  <a:rPr lang="en-US" sz="1400" dirty="0" smtClean="0">
+                    <a:solidFill>
+                      <a:srgbClr val="FFFF00"/>
+                    </a:solidFill>
+                  </a:rPr>
                   <a:t>stream</a:t>
                 </a:r>
               </a:p>
@@ -7958,16 +9732,28 @@
               <a:lstStyle/>
               <a:p>
                 <a:r>
-                  <a:rPr lang="en-US" sz="1400" dirty="0" smtClean="0"/>
+                  <a:rPr lang="en-US" sz="1400" dirty="0" smtClean="0">
+                    <a:solidFill>
+                      <a:srgbClr val="FFFF00"/>
+                    </a:solidFill>
+                  </a:rPr>
                   <a:t>batches of</a:t>
                 </a:r>
               </a:p>
               <a:p>
                 <a:r>
-                  <a:rPr lang="en-US" sz="1400" dirty="0" smtClean="0"/>
+                  <a:rPr lang="en-US" sz="1400" dirty="0" smtClean="0">
+                    <a:solidFill>
+                      <a:srgbClr val="FFFF00"/>
+                    </a:solidFill>
+                  </a:rPr>
                   <a:t>input data</a:t>
                 </a:r>
-                <a:endParaRPr lang="en-US" sz="1400" dirty="0"/>
+                <a:endParaRPr lang="en-US" sz="1400" dirty="0">
+                  <a:solidFill>
+                    <a:srgbClr val="FFFF00"/>
+                  </a:solidFill>
+                </a:endParaRPr>
               </a:p>
             </p:txBody>
           </p:sp>
@@ -8035,7 +9821,7 @@
             <p:spPr>
               <a:xfrm>
                 <a:off x="3601905" y="1330291"/>
-                <a:ext cx="1886465" cy="325508"/>
+                <a:ext cx="1886464" cy="374671"/>
               </a:xfrm>
               <a:prstGeom prst="rect">
                 <a:avLst/>
@@ -8050,7 +9836,11 @@
               <a:p>
                 <a:pPr algn="ctr"/>
                 <a:r>
-                  <a:rPr lang="en-US" dirty="0" smtClean="0"/>
+                  <a:rPr lang="en-US" dirty="0" smtClean="0">
+                    <a:solidFill>
+                      <a:srgbClr val="FFFF00"/>
+                    </a:solidFill>
+                  </a:rPr>
                   <a:t>Kafka</a:t>
                 </a:r>
               </a:p>
@@ -8093,10 +9883,18 @@
               <a:p>
                 <a:pPr algn="ctr"/>
                 <a:r>
-                  <a:rPr lang="en-US" dirty="0" err="1" smtClean="0"/>
+                  <a:rPr lang="en-US" dirty="0" err="1" smtClean="0">
+                    <a:solidFill>
+                      <a:srgbClr val="FFFF00"/>
+                    </a:solidFill>
+                  </a:rPr>
                   <a:t>StbFailure</a:t>
                 </a:r>
-                <a:endParaRPr lang="en-US" dirty="0"/>
+                <a:endParaRPr lang="en-US" dirty="0">
+                  <a:solidFill>
+                    <a:srgbClr val="FFFF00"/>
+                  </a:solidFill>
+                </a:endParaRPr>
               </a:p>
             </p:txBody>
           </p:sp>
@@ -8217,8 +10015,8 @@
               </p:nvSpPr>
               <p:spPr>
                 <a:xfrm>
-                  <a:off x="6429702" y="1140375"/>
-                  <a:ext cx="2098766" cy="369332"/>
+                  <a:off x="6394381" y="1169303"/>
+                  <a:ext cx="1437227" cy="369332"/>
                 </a:xfrm>
                 <a:prstGeom prst="rect">
                   <a:avLst/>
@@ -8232,10 +10030,18 @@
                 <a:lstStyle/>
                 <a:p>
                   <a:r>
-                    <a:rPr lang="en-US" dirty="0" smtClean="0"/>
+                    <a:rPr lang="en-US" dirty="0" smtClean="0">
+                      <a:solidFill>
+                        <a:srgbClr val="FFFF00"/>
+                      </a:solidFill>
+                    </a:rPr>
                     <a:t>Spark engine</a:t>
                   </a:r>
-                  <a:endParaRPr lang="en-US" dirty="0"/>
+                  <a:endParaRPr lang="en-US" dirty="0">
+                    <a:solidFill>
+                      <a:srgbClr val="FFFF00"/>
+                    </a:solidFill>
+                  </a:endParaRPr>
                 </a:p>
               </p:txBody>
             </p:sp>
@@ -8275,10 +10081,18 @@
                 <a:lstStyle/>
                 <a:p>
                   <a:r>
-                    <a:rPr lang="ru-RU" sz="1400" dirty="0" smtClean="0"/>
+                    <a:rPr lang="ru-RU" sz="1400" dirty="0" smtClean="0">
+                      <a:solidFill>
+                        <a:srgbClr val="FFFF00"/>
+                      </a:solidFill>
+                    </a:rPr>
                     <a:t>Обработка, структурирование данных</a:t>
                   </a:r>
-                  <a:endParaRPr lang="en-US" sz="1400" dirty="0"/>
+                  <a:endParaRPr lang="en-US" sz="1400" dirty="0">
+                    <a:solidFill>
+                      <a:srgbClr val="FFFF00"/>
+                    </a:solidFill>
+                  </a:endParaRPr>
                 </a:p>
               </p:txBody>
             </p:sp>
@@ -8319,10 +10133,18 @@
                 <a:p>
                   <a:pPr algn="ctr"/>
                   <a:r>
-                    <a:rPr lang="ru-RU" sz="1400" dirty="0" smtClean="0"/>
+                    <a:rPr lang="ru-RU" sz="1400" dirty="0" smtClean="0">
+                      <a:solidFill>
+                        <a:srgbClr val="FFFF00"/>
+                      </a:solidFill>
+                    </a:rPr>
                     <a:t>Фильтрация плохого сигнала</a:t>
                   </a:r>
-                  <a:endParaRPr lang="en-US" sz="1400" dirty="0"/>
+                  <a:endParaRPr lang="en-US" sz="1400" dirty="0">
+                    <a:solidFill>
+                      <a:srgbClr val="FFFF00"/>
+                    </a:solidFill>
+                  </a:endParaRPr>
                 </a:p>
               </p:txBody>
             </p:sp>
@@ -8370,10 +10192,18 @@
               <a:p>
                 <a:pPr algn="ctr"/>
                 <a:r>
-                  <a:rPr lang="ru-RU" dirty="0" smtClean="0"/>
+                  <a:rPr lang="ru-RU" dirty="0" smtClean="0">
+                    <a:solidFill>
+                      <a:srgbClr val="FFFF00"/>
+                    </a:solidFill>
+                  </a:rPr>
                   <a:t>Аналитика</a:t>
                 </a:r>
-                <a:endParaRPr lang="en-US" dirty="0"/>
+                <a:endParaRPr lang="en-US" dirty="0">
+                  <a:solidFill>
+                    <a:srgbClr val="FFFF00"/>
+                  </a:solidFill>
+                </a:endParaRPr>
               </a:p>
             </p:txBody>
           </p:sp>
@@ -8456,10 +10286,18 @@
               <a:p>
                 <a:pPr algn="ctr"/>
                 <a:r>
-                  <a:rPr lang="en-US" dirty="0" smtClean="0"/>
+                  <a:rPr lang="en-US" dirty="0" smtClean="0">
+                    <a:solidFill>
+                      <a:srgbClr val="FFFF00"/>
+                    </a:solidFill>
+                  </a:rPr>
                   <a:t>Hive</a:t>
                 </a:r>
-                <a:endParaRPr lang="en-US" dirty="0"/>
+                <a:endParaRPr lang="en-US" dirty="0">
+                  <a:solidFill>
+                    <a:srgbClr val="FFFF00"/>
+                  </a:solidFill>
+                </a:endParaRPr>
               </a:p>
             </p:txBody>
           </p:sp>
@@ -8500,10 +10338,18 @@
               <a:p>
                 <a:pPr algn="ctr"/>
                 <a:r>
-                  <a:rPr lang="en-US" sz="1200" dirty="0" err="1" smtClean="0"/>
+                  <a:rPr lang="en-US" sz="1200" dirty="0" err="1" smtClean="0">
+                    <a:solidFill>
+                      <a:srgbClr val="FFFF00"/>
+                    </a:solidFill>
+                  </a:rPr>
                   <a:t>StbStructuredMessage</a:t>
                 </a:r>
-                <a:endParaRPr lang="en-US" sz="1200" dirty="0"/>
+                <a:endParaRPr lang="en-US" sz="1200" dirty="0">
+                  <a:solidFill>
+                    <a:srgbClr val="FFFF00"/>
+                  </a:solidFill>
+                </a:endParaRPr>
               </a:p>
             </p:txBody>
           </p:sp>
@@ -8553,6 +10399,611 @@
     <p:extLst>
       <p:ext uri="{BB962C8B-B14F-4D97-AF65-F5344CB8AC3E}">
         <p14:creationId xmlns:p14="http://schemas.microsoft.com/office/powerpoint/2010/main" val="2917854797"/>
+      </p:ext>
+    </p:extLst>
+  </p:cSld>
+  <p:clrMapOvr>
+    <a:masterClrMapping/>
+  </p:clrMapOvr>
+  <p:timing>
+    <p:tnLst>
+      <p:par>
+        <p:cTn id="1" dur="indefinite" restart="never" nodeType="tmRoot"/>
+      </p:par>
+    </p:tnLst>
+  </p:timing>
+</p:sld>
+</file>
+
+<file path=ppt/slides/slide5.xml><?xml version="1.0" encoding="utf-8"?>
+<p:sld xmlns:a="http://schemas.openxmlformats.org/drawingml/2006/main" xmlns:r="http://schemas.openxmlformats.org/officeDocument/2006/relationships" xmlns:p="http://schemas.openxmlformats.org/presentationml/2006/main">
+  <p:cSld>
+    <p:spTree>
+      <p:nvGrpSpPr>
+        <p:cNvPr id="1" name=""/>
+        <p:cNvGrpSpPr/>
+        <p:nvPr/>
+      </p:nvGrpSpPr>
+      <p:grpSpPr>
+        <a:xfrm>
+          <a:off x="0" y="0"/>
+          <a:ext cx="0" cy="0"/>
+          <a:chOff x="0" y="0"/>
+          <a:chExt cx="0" cy="0"/>
+        </a:xfrm>
+      </p:grpSpPr>
+      <mc:AlternateContent xmlns:mc="http://schemas.openxmlformats.org/markup-compatibility/2006">
+        <mc:Choice xmlns:a14="http://schemas.microsoft.com/office/drawing/2010/main" Requires="a14">
+          <p:sp>
+            <p:nvSpPr>
+              <p:cNvPr id="2" name="Заголовок 1"/>
+              <p:cNvSpPr>
+                <a:spLocks noGrp="1"/>
+              </p:cNvSpPr>
+              <p:nvPr>
+                <p:ph type="ctrTitle"/>
+              </p:nvPr>
+            </p:nvSpPr>
+            <p:spPr>
+              <a:xfrm>
+                <a:off x="1022445" y="1459540"/>
+                <a:ext cx="9144000" cy="1641490"/>
+              </a:xfrm>
+            </p:spPr>
+            <p:txBody>
+              <a:bodyPr>
+                <a:normAutofit/>
+              </a:bodyPr>
+              <a:lstStyle/>
+              <a:p>
+                <a:pPr algn="l"/>
+                <a:r>
+                  <a:rPr lang="ru-RU" sz="2000" b="1" spc="0" dirty="0" smtClean="0">
+                    <a:solidFill>
+                      <a:srgbClr val="FFFF00"/>
+                    </a:solidFill>
+                    <a:latin typeface="Cambria Math" panose="02040503050406030204" pitchFamily="18" charset="0"/>
+                    <a:ea typeface="Cambria Math" panose="02040503050406030204" pitchFamily="18" charset="0"/>
+                  </a:rPr>
+                  <a:t>Χ</a:t>
+                </a:r>
+                <a:r>
+                  <a:rPr lang="en-US" sz="2000" spc="0" dirty="0" smtClean="0">
+                    <a:solidFill>
+                      <a:srgbClr val="FFFF00"/>
+                    </a:solidFill>
+                    <a:latin typeface="Cambria Math" panose="02040503050406030204" pitchFamily="18" charset="0"/>
+                    <a:ea typeface="Cambria Math" panose="02040503050406030204" pitchFamily="18" charset="0"/>
+                  </a:rPr>
+                  <a:t> = </a:t>
+                </a:r>
+                <a:r>
+                  <a:rPr lang="en-US" sz="2000" spc="0" dirty="0" smtClean="0">
+                    <a:solidFill>
+                      <a:srgbClr val="FFFF00"/>
+                    </a:solidFill>
+                  </a:rPr>
+                  <a:t>{</a:t>
+                </a:r>
+                <a14:m>
+                  <m:oMath xmlns:m="http://schemas.openxmlformats.org/officeDocument/2006/math">
+                    <m:sSub>
+                      <m:sSubPr>
+                        <m:ctrlPr>
+                          <a:rPr lang="en-US" sz="2000" b="0" i="1" spc="0" smtClean="0">
+                            <a:solidFill>
+                              <a:srgbClr val="FFFF00"/>
+                            </a:solidFill>
+                            <a:latin typeface="Cambria Math" panose="02040503050406030204" pitchFamily="18" charset="0"/>
+                          </a:rPr>
+                        </m:ctrlPr>
+                      </m:sSubPr>
+                      <m:e>
+                        <m:acc>
+                          <m:accPr>
+                            <m:chr m:val="̅"/>
+                            <m:ctrlPr>
+                              <a:rPr lang="en-US" sz="2000" b="0" i="1" spc="0" smtClean="0">
+                                <a:solidFill>
+                                  <a:srgbClr val="FFFF00"/>
+                                </a:solidFill>
+                                <a:latin typeface="Cambria Math" panose="02040503050406030204" pitchFamily="18" charset="0"/>
+                              </a:rPr>
+                            </m:ctrlPr>
+                          </m:accPr>
+                          <m:e>
+                            <m:r>
+                              <a:rPr lang="en-US" sz="2000" b="0" i="1" spc="0" smtClean="0">
+                                <a:solidFill>
+                                  <a:srgbClr val="FFFF00"/>
+                                </a:solidFill>
+                                <a:latin typeface="Cambria Math" panose="02040503050406030204" pitchFamily="18" charset="0"/>
+                              </a:rPr>
+                              <m:t>𝑥</m:t>
+                            </m:r>
+                          </m:e>
+                        </m:acc>
+                      </m:e>
+                      <m:sub>
+                        <m:r>
+                          <a:rPr lang="en-US" sz="2000" b="0" i="1" spc="0" smtClean="0">
+                            <a:solidFill>
+                              <a:srgbClr val="FFFF00"/>
+                            </a:solidFill>
+                            <a:latin typeface="Cambria Math" panose="02040503050406030204" pitchFamily="18" charset="0"/>
+                          </a:rPr>
+                          <m:t>1</m:t>
+                        </m:r>
+                      </m:sub>
+                    </m:sSub>
+                    <m:r>
+                      <a:rPr lang="en-US" sz="2000" b="0" i="1" spc="0" smtClean="0">
+                        <a:solidFill>
+                          <a:srgbClr val="FFFF00"/>
+                        </a:solidFill>
+                        <a:latin typeface="Cambria Math" panose="02040503050406030204" pitchFamily="18" charset="0"/>
+                      </a:rPr>
+                      <m:t>,</m:t>
+                    </m:r>
+                    <m:sSub>
+                      <m:sSubPr>
+                        <m:ctrlPr>
+                          <a:rPr lang="en-US" sz="2000" i="1" spc="0">
+                            <a:solidFill>
+                              <a:srgbClr val="FFFF00"/>
+                            </a:solidFill>
+                            <a:latin typeface="Cambria Math" panose="02040503050406030204" pitchFamily="18" charset="0"/>
+                          </a:rPr>
+                        </m:ctrlPr>
+                      </m:sSubPr>
+                      <m:e>
+                        <m:acc>
+                          <m:accPr>
+                            <m:chr m:val="̅"/>
+                            <m:ctrlPr>
+                              <a:rPr lang="en-US" sz="2000" b="0" i="1" spc="0" smtClean="0">
+                                <a:solidFill>
+                                  <a:srgbClr val="FFFF00"/>
+                                </a:solidFill>
+                                <a:latin typeface="Cambria Math" panose="02040503050406030204" pitchFamily="18" charset="0"/>
+                              </a:rPr>
+                            </m:ctrlPr>
+                          </m:accPr>
+                          <m:e>
+                            <m:r>
+                              <a:rPr lang="en-US" sz="2000" b="0" i="1" spc="0" smtClean="0">
+                                <a:solidFill>
+                                  <a:srgbClr val="FFFF00"/>
+                                </a:solidFill>
+                                <a:latin typeface="Cambria Math" panose="02040503050406030204" pitchFamily="18" charset="0"/>
+                              </a:rPr>
+                              <m:t>𝑥</m:t>
+                            </m:r>
+                          </m:e>
+                        </m:acc>
+                      </m:e>
+                      <m:sub>
+                        <m:r>
+                          <a:rPr lang="en-US" sz="2000" b="0" i="1" spc="0" smtClean="0">
+                            <a:solidFill>
+                              <a:srgbClr val="FFFF00"/>
+                            </a:solidFill>
+                            <a:latin typeface="Cambria Math" panose="02040503050406030204" pitchFamily="18" charset="0"/>
+                          </a:rPr>
+                          <m:t>2</m:t>
+                        </m:r>
+                      </m:sub>
+                    </m:sSub>
+                    <m:r>
+                      <a:rPr lang="en-US" sz="2000" b="0" i="1" spc="0" smtClean="0">
+                        <a:solidFill>
+                          <a:srgbClr val="FFFF00"/>
+                        </a:solidFill>
+                        <a:latin typeface="Cambria Math" panose="02040503050406030204" pitchFamily="18" charset="0"/>
+                      </a:rPr>
+                      <m:t>, …</m:t>
+                    </m:r>
+                    <m:sSub>
+                      <m:sSubPr>
+                        <m:ctrlPr>
+                          <a:rPr lang="en-US" sz="2000" i="1" spc="0">
+                            <a:solidFill>
+                              <a:srgbClr val="FFFF00"/>
+                            </a:solidFill>
+                            <a:latin typeface="Cambria Math" panose="02040503050406030204" pitchFamily="18" charset="0"/>
+                          </a:rPr>
+                        </m:ctrlPr>
+                      </m:sSubPr>
+                      <m:e>
+                        <m:acc>
+                          <m:accPr>
+                            <m:chr m:val="̅"/>
+                            <m:ctrlPr>
+                              <a:rPr lang="en-US" sz="2000" b="0" i="1" spc="0" smtClean="0">
+                                <a:solidFill>
+                                  <a:srgbClr val="FFFF00"/>
+                                </a:solidFill>
+                                <a:latin typeface="Cambria Math" panose="02040503050406030204" pitchFamily="18" charset="0"/>
+                              </a:rPr>
+                            </m:ctrlPr>
+                          </m:accPr>
+                          <m:e>
+                            <m:r>
+                              <a:rPr lang="en-US" sz="2000" b="0" i="1" spc="0" smtClean="0">
+                                <a:solidFill>
+                                  <a:srgbClr val="FFFF00"/>
+                                </a:solidFill>
+                                <a:latin typeface="Cambria Math" panose="02040503050406030204" pitchFamily="18" charset="0"/>
+                              </a:rPr>
+                              <m:t>𝑥</m:t>
+                            </m:r>
+                          </m:e>
+                        </m:acc>
+                      </m:e>
+                      <m:sub>
+                        <m:r>
+                          <a:rPr lang="en-US" sz="2000" b="0" i="1" spc="0" smtClean="0">
+                            <a:solidFill>
+                              <a:srgbClr val="FFFF00"/>
+                            </a:solidFill>
+                            <a:latin typeface="Cambria Math" panose="02040503050406030204" pitchFamily="18" charset="0"/>
+                          </a:rPr>
+                          <m:t>𝑛</m:t>
+                        </m:r>
+                      </m:sub>
+                    </m:sSub>
+                    <m:r>
+                      <a:rPr lang="en-US" sz="2000" b="0" i="1" spc="0" smtClean="0">
+                        <a:solidFill>
+                          <a:srgbClr val="FFFF00"/>
+                        </a:solidFill>
+                        <a:latin typeface="Cambria Math" panose="02040503050406030204" pitchFamily="18" charset="0"/>
+                        <a:ea typeface="Cambria Math" panose="02040503050406030204" pitchFamily="18" charset="0"/>
+                      </a:rPr>
+                      <m:t>}</m:t>
+                    </m:r>
+                    <m:r>
+                      <a:rPr lang="ru-RU" sz="2000" b="0" i="0" spc="0" smtClean="0">
+                        <a:solidFill>
+                          <a:srgbClr val="FFFF00"/>
+                        </a:solidFill>
+                        <a:latin typeface="Cambria Math" panose="02040503050406030204" pitchFamily="18" charset="0"/>
+                        <a:ea typeface="Cambria Math" panose="02040503050406030204" pitchFamily="18" charset="0"/>
+                      </a:rPr>
+                      <m:t> </m:t>
+                    </m:r>
+                    <m:r>
+                      <a:rPr lang="ru-RU" sz="2000" b="0" i="0" spc="0" smtClean="0">
+                        <a:solidFill>
+                          <a:srgbClr val="FFFF00"/>
+                        </a:solidFill>
+                        <a:latin typeface="+mn-lt"/>
+                        <a:ea typeface="Cambria Math" panose="02040503050406030204" pitchFamily="18" charset="0"/>
+                      </a:rPr>
+                      <m:t>−</m:t>
+                    </m:r>
+                  </m:oMath>
+                </a14:m>
+                <a:r>
+                  <a:rPr lang="ru-RU" sz="2000" spc="0" dirty="0" smtClean="0">
+                    <a:solidFill>
+                      <a:srgbClr val="FFFF00"/>
+                    </a:solidFill>
+                    <a:latin typeface="+mn-lt"/>
+                    <a:ea typeface="Cambria Math" panose="02040503050406030204" pitchFamily="18" charset="0"/>
+                  </a:rPr>
+                  <a:t> пакеты, поступившие за время </a:t>
+                </a:r>
+                <a:r>
+                  <a:rPr lang="en-US" sz="2000" spc="0" dirty="0">
+                    <a:solidFill>
+                      <a:srgbClr val="FFFF00"/>
+                    </a:solidFill>
+                    <a:latin typeface="+mn-lt"/>
+                    <a:ea typeface="Cambria Math" panose="02040503050406030204" pitchFamily="18" charset="0"/>
+                  </a:rPr>
+                  <a:t> </a:t>
+                </a:r>
+                <a:r>
+                  <a:rPr lang="en-US" sz="2000" spc="0" dirty="0" smtClean="0">
+                    <a:solidFill>
+                      <a:srgbClr val="FFFF00"/>
+                    </a:solidFill>
+                    <a:latin typeface="+mn-lt"/>
+                    <a:ea typeface="Cambria Math" panose="02040503050406030204" pitchFamily="18" charset="0"/>
+                  </a:rPr>
+                  <a:t>T</a:t>
+                </a:r>
+                <a:r>
+                  <a:rPr lang="en-US" sz="2000" spc="0" dirty="0" smtClean="0">
+                    <a:solidFill>
+                      <a:srgbClr val="FFFF00"/>
+                    </a:solidFill>
+                    <a:latin typeface="Cambria Math" panose="02040503050406030204" pitchFamily="18" charset="0"/>
+                    <a:ea typeface="Cambria Math" panose="02040503050406030204" pitchFamily="18" charset="0"/>
+                  </a:rPr>
+                  <a:t/>
+                </a:r>
+                <a:br>
+                  <a:rPr lang="en-US" sz="2000" spc="0" dirty="0" smtClean="0">
+                    <a:solidFill>
+                      <a:srgbClr val="FFFF00"/>
+                    </a:solidFill>
+                    <a:latin typeface="Cambria Math" panose="02040503050406030204" pitchFamily="18" charset="0"/>
+                    <a:ea typeface="Cambria Math" panose="02040503050406030204" pitchFamily="18" charset="0"/>
+                  </a:rPr>
+                </a:br>
+                <a14:m>
+                  <m:oMath xmlns:m="http://schemas.openxmlformats.org/officeDocument/2006/math">
+                    <m:acc>
+                      <m:accPr>
+                        <m:chr m:val="̅"/>
+                        <m:ctrlPr>
+                          <a:rPr lang="en-US" sz="2000" i="1" spc="0" smtClean="0">
+                            <a:solidFill>
+                              <a:srgbClr val="FFFF00"/>
+                            </a:solidFill>
+                            <a:latin typeface="Cambria Math" panose="02040503050406030204" pitchFamily="18" charset="0"/>
+                          </a:rPr>
+                        </m:ctrlPr>
+                      </m:accPr>
+                      <m:e>
+                        <m:r>
+                          <a:rPr lang="en-US" sz="2000" b="0" i="1" spc="0" smtClean="0">
+                            <a:solidFill>
+                              <a:srgbClr val="FFFF00"/>
+                            </a:solidFill>
+                            <a:latin typeface="Cambria Math" panose="02040503050406030204" pitchFamily="18" charset="0"/>
+                          </a:rPr>
+                          <m:t>𝑥</m:t>
+                        </m:r>
+                      </m:e>
+                    </m:acc>
+                    <m:r>
+                      <a:rPr lang="en-US" sz="2000" i="1" spc="0">
+                        <a:solidFill>
+                          <a:srgbClr val="FFFF00"/>
+                        </a:solidFill>
+                        <a:latin typeface="Cambria Math" panose="02040503050406030204" pitchFamily="18" charset="0"/>
+                      </a:rPr>
+                      <m:t> </m:t>
+                    </m:r>
+                  </m:oMath>
+                </a14:m>
+                <a:r>
+                  <a:rPr lang="en-US" sz="2000" spc="0" dirty="0" smtClean="0">
+                    <a:solidFill>
+                      <a:srgbClr val="FFFF00"/>
+                    </a:solidFill>
+                    <a:latin typeface="Cambria Math" panose="02040503050406030204" pitchFamily="18" charset="0"/>
+                    <a:ea typeface="Cambria Math" panose="02040503050406030204" pitchFamily="18" charset="0"/>
+                  </a:rPr>
+                  <a:t>= (</a:t>
+                </a:r>
+                <a14:m>
+                  <m:oMath xmlns:m="http://schemas.openxmlformats.org/officeDocument/2006/math">
+                    <m:sSub>
+                      <m:sSubPr>
+                        <m:ctrlPr>
+                          <a:rPr lang="en-US" sz="2000" i="1" spc="0">
+                            <a:solidFill>
+                              <a:srgbClr val="FFFF00"/>
+                            </a:solidFill>
+                            <a:latin typeface="Cambria Math" panose="02040503050406030204" pitchFamily="18" charset="0"/>
+                          </a:rPr>
+                        </m:ctrlPr>
+                      </m:sSubPr>
+                      <m:e>
+                        <m:r>
+                          <a:rPr lang="en-US" sz="2000" i="1" spc="0">
+                            <a:solidFill>
+                              <a:srgbClr val="FFFF00"/>
+                            </a:solidFill>
+                            <a:latin typeface="Cambria Math" panose="02040503050406030204" pitchFamily="18" charset="0"/>
+                          </a:rPr>
+                          <m:t>𝑥</m:t>
+                        </m:r>
+                      </m:e>
+                      <m:sub>
+                        <m:r>
+                          <a:rPr lang="en-US" sz="2000" i="1" spc="0">
+                            <a:solidFill>
+                              <a:srgbClr val="FFFF00"/>
+                            </a:solidFill>
+                            <a:latin typeface="Cambria Math" panose="02040503050406030204" pitchFamily="18" charset="0"/>
+                          </a:rPr>
+                          <m:t>1</m:t>
+                        </m:r>
+                      </m:sub>
+                    </m:sSub>
+                  </m:oMath>
+                </a14:m>
+                <a:r>
+                  <a:rPr lang="en-US" sz="2000" spc="0" dirty="0" smtClean="0">
+                    <a:solidFill>
+                      <a:srgbClr val="FFFF00"/>
+                    </a:solidFill>
+                    <a:latin typeface="Cambria Math" panose="02040503050406030204" pitchFamily="18" charset="0"/>
+                    <a:ea typeface="Cambria Math" panose="02040503050406030204" pitchFamily="18" charset="0"/>
+                  </a:rPr>
+                  <a:t>, … , </a:t>
+                </a:r>
+                <a14:m>
+                  <m:oMath xmlns:m="http://schemas.openxmlformats.org/officeDocument/2006/math">
+                    <m:sSub>
+                      <m:sSubPr>
+                        <m:ctrlPr>
+                          <a:rPr lang="en-US" sz="2000" i="1" spc="0">
+                            <a:solidFill>
+                              <a:srgbClr val="FFFF00"/>
+                            </a:solidFill>
+                            <a:latin typeface="Cambria Math" panose="02040503050406030204" pitchFamily="18" charset="0"/>
+                          </a:rPr>
+                        </m:ctrlPr>
+                      </m:sSubPr>
+                      <m:e>
+                        <m:r>
+                          <a:rPr lang="en-US" sz="2000" i="1" spc="0">
+                            <a:solidFill>
+                              <a:srgbClr val="FFFF00"/>
+                            </a:solidFill>
+                            <a:latin typeface="Cambria Math" panose="02040503050406030204" pitchFamily="18" charset="0"/>
+                          </a:rPr>
+                          <m:t>𝑥</m:t>
+                        </m:r>
+                      </m:e>
+                      <m:sub>
+                        <m:r>
+                          <a:rPr lang="en-US" sz="2000" b="0" i="1" spc="0" smtClean="0">
+                            <a:solidFill>
+                              <a:srgbClr val="FFFF00"/>
+                            </a:solidFill>
+                            <a:latin typeface="Cambria Math" panose="02040503050406030204" pitchFamily="18" charset="0"/>
+                          </a:rPr>
+                          <m:t>𝑠</m:t>
+                        </m:r>
+                      </m:sub>
+                    </m:sSub>
+                  </m:oMath>
+                </a14:m>
+                <a:r>
+                  <a:rPr lang="en-US" sz="2000" spc="0" dirty="0" smtClean="0">
+                    <a:solidFill>
+                      <a:srgbClr val="FFFF00"/>
+                    </a:solidFill>
+                    <a:latin typeface="Cambria Math" panose="02040503050406030204" pitchFamily="18" charset="0"/>
+                    <a:ea typeface="Cambria Math" panose="02040503050406030204" pitchFamily="18" charset="0"/>
+                  </a:rPr>
+                  <a:t>) </a:t>
+                </a:r>
+                <a:r>
+                  <a:rPr lang="en-US" sz="2000" spc="0" dirty="0" smtClean="0">
+                    <a:solidFill>
+                      <a:srgbClr val="FFFF00"/>
+                    </a:solidFill>
+                    <a:latin typeface="+mn-lt"/>
+                    <a:ea typeface="Cambria Math" panose="02040503050406030204" pitchFamily="18" charset="0"/>
+                  </a:rPr>
+                  <a:t>–</a:t>
+                </a:r>
+                <a:r>
+                  <a:rPr lang="ru-RU" sz="2000" spc="0" dirty="0" smtClean="0">
+                    <a:solidFill>
+                      <a:srgbClr val="FFFF00"/>
+                    </a:solidFill>
+                    <a:latin typeface="+mn-lt"/>
+                    <a:ea typeface="Cambria Math" panose="02040503050406030204" pitchFamily="18" charset="0"/>
+                  </a:rPr>
+                  <a:t> значения параметров (номинальные и вещественные)</a:t>
+                </a:r>
+                <a:endParaRPr lang="ru-RU" sz="2000" spc="0" dirty="0">
+                  <a:solidFill>
+                    <a:srgbClr val="FFFF00"/>
+                  </a:solidFill>
+                  <a:latin typeface="+mn-lt"/>
+                  <a:ea typeface="Cambria Math" panose="02040503050406030204" pitchFamily="18" charset="0"/>
+                </a:endParaRPr>
+              </a:p>
+            </p:txBody>
+          </p:sp>
+        </mc:Choice>
+        <mc:Fallback>
+          <p:sp>
+            <p:nvSpPr>
+              <p:cNvPr id="2" name="Заголовок 1"/>
+              <p:cNvSpPr>
+                <a:spLocks noGrp="1" noRot="1" noChangeAspect="1" noMove="1" noResize="1" noEditPoints="1" noAdjustHandles="1" noChangeArrowheads="1" noChangeShapeType="1" noTextEdit="1"/>
+              </p:cNvSpPr>
+              <p:nvPr>
+                <p:ph type="ctrTitle"/>
+              </p:nvPr>
+            </p:nvSpPr>
+            <p:spPr>
+              <a:xfrm>
+                <a:off x="1022445" y="1459540"/>
+                <a:ext cx="9144000" cy="1641490"/>
+              </a:xfrm>
+              <a:blipFill rotWithShape="0">
+                <a:blip r:embed="rId2"/>
+                <a:stretch>
+                  <a:fillRect l="-2733" t="-4444"/>
+                </a:stretch>
+              </a:blipFill>
+            </p:spPr>
+            <p:txBody>
+              <a:bodyPr/>
+              <a:lstStyle/>
+              <a:p>
+                <a:r>
+                  <a:rPr lang="ru-RU">
+                    <a:noFill/>
+                  </a:rPr>
+                  <a:t> </a:t>
+                </a:r>
+              </a:p>
+            </p:txBody>
+          </p:sp>
+        </mc:Fallback>
+      </mc:AlternateContent>
+      <p:sp>
+        <p:nvSpPr>
+          <p:cNvPr id="3" name="Подзаголовок 2"/>
+          <p:cNvSpPr>
+            <a:spLocks noGrp="1"/>
+          </p:cNvSpPr>
+          <p:nvPr>
+            <p:ph type="subTitle" idx="1"/>
+          </p:nvPr>
+        </p:nvSpPr>
+        <p:spPr>
+          <a:xfrm>
+            <a:off x="1418229" y="705515"/>
+            <a:ext cx="9144000" cy="754025"/>
+          </a:xfrm>
+        </p:spPr>
+        <p:txBody>
+          <a:bodyPr>
+            <a:normAutofit/>
+          </a:bodyPr>
+          <a:lstStyle/>
+          <a:p>
+            <a:pPr algn="ctr"/>
+            <a:r>
+              <a:rPr lang="en-US" sz="4400" dirty="0" smtClean="0">
+                <a:solidFill>
+                  <a:srgbClr val="FFFF00"/>
+                </a:solidFill>
+              </a:rPr>
+              <a:t>EM</a:t>
+            </a:r>
+            <a:r>
+              <a:rPr lang="ru-RU" sz="4400" dirty="0">
+                <a:solidFill>
+                  <a:srgbClr val="FFFF00"/>
+                </a:solidFill>
+              </a:rPr>
+              <a:t> </a:t>
+            </a:r>
+            <a:r>
+              <a:rPr lang="ru-RU" sz="4400" dirty="0" smtClean="0">
+                <a:solidFill>
+                  <a:srgbClr val="FFFF00"/>
+                </a:solidFill>
+              </a:rPr>
+              <a:t>алгоритм </a:t>
+            </a:r>
+            <a:endParaRPr lang="ru-RU" sz="4400" dirty="0">
+              <a:solidFill>
+                <a:srgbClr val="FFFF00"/>
+              </a:solidFill>
+            </a:endParaRPr>
+          </a:p>
+        </p:txBody>
+      </p:sp>
+    </p:spTree>
+    <p:extLst>
+      <p:ext uri="{BB962C8B-B14F-4D97-AF65-F5344CB8AC3E}">
+        <p14:creationId xmlns:p14="http://schemas.microsoft.com/office/powerpoint/2010/main" val="22545547"/>
       </p:ext>
     </p:extLst>
   </p:cSld>
@@ -8828,4 +11279,265 @@
     </a:ext>
   </a:extLst>
 </a:theme>
+</file>
+
+<file path=ppt/theme/theme2.xml><?xml version="1.0" encoding="utf-8"?>
+<a:theme xmlns:a="http://schemas.openxmlformats.org/drawingml/2006/main" name="Storyboard Layouts">
+  <a:themeElements>
+    <a:clrScheme name="Стандартная">
+      <a:dk1>
+        <a:sysClr val="windowText" lastClr="000000"/>
+      </a:dk1>
+      <a:lt1>
+        <a:sysClr val="window" lastClr="FFFFFF"/>
+      </a:lt1>
+      <a:dk2>
+        <a:srgbClr val="44546A"/>
+      </a:dk2>
+      <a:lt2>
+        <a:srgbClr val="E7E6E6"/>
+      </a:lt2>
+      <a:accent1>
+        <a:srgbClr val="5B9BD5"/>
+      </a:accent1>
+      <a:accent2>
+        <a:srgbClr val="ED7D31"/>
+      </a:accent2>
+      <a:accent3>
+        <a:srgbClr val="A5A5A5"/>
+      </a:accent3>
+      <a:accent4>
+        <a:srgbClr val="FFC000"/>
+      </a:accent4>
+      <a:accent5>
+        <a:srgbClr val="4472C4"/>
+      </a:accent5>
+      <a:accent6>
+        <a:srgbClr val="70AD47"/>
+      </a:accent6>
+      <a:hlink>
+        <a:srgbClr val="0563C1"/>
+      </a:hlink>
+      <a:folHlink>
+        <a:srgbClr val="954F72"/>
+      </a:folHlink>
+    </a:clrScheme>
+    <a:fontScheme name="Стандартная">
+      <a:majorFont>
+        <a:latin typeface="Calibri Light" panose="020F0302020204030204"/>
+        <a:ea typeface=""/>
+        <a:cs typeface=""/>
+        <a:font script="Jpan" typeface="ＭＳ Ｐゴシック"/>
+        <a:font script="Hang" typeface="맑은 고딕"/>
+        <a:font script="Hans" typeface="宋体"/>
+        <a:font script="Hant" typeface="新細明體"/>
+        <a:font script="Arab" typeface="Times New Roman"/>
+        <a:font script="Hebr" typeface="Times New Roman"/>
+        <a:font script="Thai" typeface="Angsana New"/>
+        <a:font script="Ethi" typeface="Nyala"/>
+        <a:font script="Beng" typeface="Vrinda"/>
+        <a:font script="Gujr" typeface="Shruti"/>
+        <a:font script="Khmr" typeface="MoolBoran"/>
+        <a:font script="Knda" typeface="Tunga"/>
+        <a:font script="Guru" typeface="Raavi"/>
+        <a:font script="Cans" typeface="Euphemia"/>
+        <a:font script="Cher" typeface="Plantagenet Cherokee"/>
+        <a:font script="Yiii" typeface="Microsoft Yi Baiti"/>
+        <a:font script="Tibt" typeface="Microsoft Himalaya"/>
+        <a:font script="Thaa" typeface="MV Boli"/>
+        <a:font script="Deva" typeface="Mangal"/>
+        <a:font script="Telu" typeface="Gautami"/>
+        <a:font script="Taml" typeface="Latha"/>
+        <a:font script="Syrc" typeface="Estrangelo Edessa"/>
+        <a:font script="Orya" typeface="Kalinga"/>
+        <a:font script="Mlym" typeface="Kartika"/>
+        <a:font script="Laoo" typeface="DokChampa"/>
+        <a:font script="Sinh" typeface="Iskoola Pota"/>
+        <a:font script="Mong" typeface="Mongolian Baiti"/>
+        <a:font script="Viet" typeface="Times New Roman"/>
+        <a:font script="Uigh" typeface="Microsoft Uighur"/>
+        <a:font script="Geor" typeface="Sylfaen"/>
+      </a:majorFont>
+      <a:minorFont>
+        <a:latin typeface="Calibri" panose="020F0502020204030204"/>
+        <a:ea typeface=""/>
+        <a:cs typeface=""/>
+        <a:font script="Jpan" typeface="ＭＳ Ｐゴシック"/>
+        <a:font script="Hang" typeface="맑은 고딕"/>
+        <a:font script="Hans" typeface="宋体"/>
+        <a:font script="Hant" typeface="新細明體"/>
+        <a:font script="Arab" typeface="Arial"/>
+        <a:font script="Hebr" typeface="Arial"/>
+        <a:font script="Thai" typeface="Cordia New"/>
+        <a:font script="Ethi" typeface="Nyala"/>
+        <a:font script="Beng" typeface="Vrinda"/>
+        <a:font script="Gujr" typeface="Shruti"/>
+        <a:font script="Khmr" typeface="DaunPenh"/>
+        <a:font script="Knda" typeface="Tunga"/>
+        <a:font script="Guru" typeface="Raavi"/>
+        <a:font script="Cans" typeface="Euphemia"/>
+        <a:font script="Cher" typeface="Plantagenet Cherokee"/>
+        <a:font script="Yiii" typeface="Microsoft Yi Baiti"/>
+        <a:font script="Tibt" typeface="Microsoft Himalaya"/>
+        <a:font script="Thaa" typeface="MV Boli"/>
+        <a:font script="Deva" typeface="Mangal"/>
+        <a:font script="Telu" typeface="Gautami"/>
+        <a:font script="Taml" typeface="Latha"/>
+        <a:font script="Syrc" typeface="Estrangelo Edessa"/>
+        <a:font script="Orya" typeface="Kalinga"/>
+        <a:font script="Mlym" typeface="Kartika"/>
+        <a:font script="Laoo" typeface="DokChampa"/>
+        <a:font script="Sinh" typeface="Iskoola Pota"/>
+        <a:font script="Mong" typeface="Mongolian Baiti"/>
+        <a:font script="Viet" typeface="Arial"/>
+        <a:font script="Uigh" typeface="Microsoft Uighur"/>
+        <a:font script="Geor" typeface="Sylfaen"/>
+      </a:minorFont>
+    </a:fontScheme>
+    <a:fmtScheme name="Стандартная">
+      <a:fillStyleLst>
+        <a:solidFill>
+          <a:schemeClr val="phClr"/>
+        </a:solidFill>
+        <a:gradFill rotWithShape="1">
+          <a:gsLst>
+            <a:gs pos="0">
+              <a:schemeClr val="phClr">
+                <a:lumMod val="110000"/>
+                <a:satMod val="105000"/>
+                <a:tint val="67000"/>
+              </a:schemeClr>
+            </a:gs>
+            <a:gs pos="50000">
+              <a:schemeClr val="phClr">
+                <a:lumMod val="105000"/>
+                <a:satMod val="103000"/>
+                <a:tint val="73000"/>
+              </a:schemeClr>
+            </a:gs>
+            <a:gs pos="100000">
+              <a:schemeClr val="phClr">
+                <a:lumMod val="105000"/>
+                <a:satMod val="109000"/>
+                <a:tint val="81000"/>
+              </a:schemeClr>
+            </a:gs>
+          </a:gsLst>
+          <a:lin ang="5400000" scaled="0"/>
+        </a:gradFill>
+        <a:gradFill rotWithShape="1">
+          <a:gsLst>
+            <a:gs pos="0">
+              <a:schemeClr val="phClr">
+                <a:satMod val="103000"/>
+                <a:lumMod val="102000"/>
+                <a:tint val="94000"/>
+              </a:schemeClr>
+            </a:gs>
+            <a:gs pos="50000">
+              <a:schemeClr val="phClr">
+                <a:satMod val="110000"/>
+                <a:lumMod val="100000"/>
+                <a:shade val="100000"/>
+              </a:schemeClr>
+            </a:gs>
+            <a:gs pos="100000">
+              <a:schemeClr val="phClr">
+                <a:lumMod val="99000"/>
+                <a:satMod val="120000"/>
+                <a:shade val="78000"/>
+              </a:schemeClr>
+            </a:gs>
+          </a:gsLst>
+          <a:lin ang="5400000" scaled="0"/>
+        </a:gradFill>
+      </a:fillStyleLst>
+      <a:lnStyleLst>
+        <a:ln w="6350" cap="flat" cmpd="sng" algn="ctr">
+          <a:solidFill>
+            <a:schemeClr val="phClr"/>
+          </a:solidFill>
+          <a:prstDash val="solid"/>
+          <a:miter lim="800000"/>
+        </a:ln>
+        <a:ln w="12700" cap="flat" cmpd="sng" algn="ctr">
+          <a:solidFill>
+            <a:schemeClr val="phClr"/>
+          </a:solidFill>
+          <a:prstDash val="solid"/>
+          <a:miter lim="800000"/>
+        </a:ln>
+        <a:ln w="19050" cap="flat" cmpd="sng" algn="ctr">
+          <a:solidFill>
+            <a:schemeClr val="phClr"/>
+          </a:solidFill>
+          <a:prstDash val="solid"/>
+          <a:miter lim="800000"/>
+        </a:ln>
+      </a:lnStyleLst>
+      <a:effectStyleLst>
+        <a:effectStyle>
+          <a:effectLst/>
+        </a:effectStyle>
+        <a:effectStyle>
+          <a:effectLst/>
+        </a:effectStyle>
+        <a:effectStyle>
+          <a:effectLst>
+            <a:outerShdw blurRad="57150" dist="19050" dir="5400000" algn="ctr" rotWithShape="0">
+              <a:srgbClr val="000000">
+                <a:alpha val="63000"/>
+              </a:srgbClr>
+            </a:outerShdw>
+          </a:effectLst>
+        </a:effectStyle>
+      </a:effectStyleLst>
+      <a:bgFillStyleLst>
+        <a:solidFill>
+          <a:schemeClr val="phClr"/>
+        </a:solidFill>
+        <a:solidFill>
+          <a:schemeClr val="phClr">
+            <a:tint val="95000"/>
+            <a:satMod val="170000"/>
+          </a:schemeClr>
+        </a:solidFill>
+        <a:gradFill rotWithShape="1">
+          <a:gsLst>
+            <a:gs pos="0">
+              <a:schemeClr val="phClr">
+                <a:tint val="93000"/>
+                <a:satMod val="150000"/>
+                <a:shade val="98000"/>
+                <a:lumMod val="102000"/>
+              </a:schemeClr>
+            </a:gs>
+            <a:gs pos="50000">
+              <a:schemeClr val="phClr">
+                <a:tint val="98000"/>
+                <a:satMod val="130000"/>
+                <a:shade val="90000"/>
+                <a:lumMod val="103000"/>
+              </a:schemeClr>
+            </a:gs>
+            <a:gs pos="100000">
+              <a:schemeClr val="phClr">
+                <a:shade val="63000"/>
+                <a:satMod val="120000"/>
+              </a:schemeClr>
+            </a:gs>
+          </a:gsLst>
+          <a:lin ang="5400000" scaled="0"/>
+        </a:gradFill>
+      </a:bgFillStyleLst>
+    </a:fmtScheme>
+  </a:themeElements>
+  <a:objectDefaults/>
+  <a:extraClrSchemeLst/>
+  <a:extLst>
+    <a:ext uri="{05A4C25C-085E-4340-85A3-A5531E510DB2}">
+      <thm15:themeFamily xmlns:thm15="http://schemas.microsoft.com/office/thememl/2012/main" name="Office Theme" id="{62F939B6-93AF-4DB8-9C6B-D6C7DFDC589F}" vid="{4A3C46E8-61CC-4603-A589-7422A47A8E4A}"/>
+    </a:ext>
+  </a:extLst>
+</a:theme>
 </file>
--- a/presentation.pptx
+++ b/presentation.pptx
@@ -6,14 +6,18 @@
     <p:sldMasterId id="2147483669" r:id="rId2"/>
   </p:sldMasterIdLst>
   <p:sldIdLst>
-    <p:sldId id="256" r:id="rId3"/>
-    <p:sldId id="260" r:id="rId4"/>
-    <p:sldId id="257" r:id="rId5"/>
-    <p:sldId id="258" r:id="rId6"/>
-    <p:sldId id="259" r:id="rId7"/>
-    <p:sldId id="261" r:id="rId8"/>
-    <p:sldId id="262" r:id="rId9"/>
-    <p:sldId id="263" r:id="rId10"/>
+    <p:sldId id="266" r:id="rId3"/>
+    <p:sldId id="256" r:id="rId4"/>
+    <p:sldId id="260" r:id="rId5"/>
+    <p:sldId id="257" r:id="rId6"/>
+    <p:sldId id="258" r:id="rId7"/>
+    <p:sldId id="259" r:id="rId8"/>
+    <p:sldId id="261" r:id="rId9"/>
+    <p:sldId id="262" r:id="rId10"/>
+    <p:sldId id="263" r:id="rId11"/>
+    <p:sldId id="264" r:id="rId12"/>
+    <p:sldId id="265" r:id="rId13"/>
+    <p:sldId id="267" r:id="rId14"/>
   </p:sldIdLst>
   <p:sldSz cx="12192000" cy="6858000"/>
   <p:notesSz cx="6858000" cy="9144000"/>
@@ -324,7 +328,7 @@
           <a:p>
             <a:fld id="{ECD19FB2-3AAB-4D03-B13A-2960828C78E3}" type="datetimeFigureOut">
               <a:rPr lang="en-US" dirty="0"/>
-              <a:t>3/27/2016</a:t>
+              <a:t>3/28/2016</a:t>
             </a:fld>
             <a:endParaRPr lang="en-US" dirty="0"/>
           </a:p>
@@ -636,7 +640,7 @@
           <a:p>
             <a:fld id="{1B80C674-7DFC-42FE-B9CD-82963CDB1557}" type="datetimeFigureOut">
               <a:rPr lang="en-US" dirty="0"/>
-              <a:t>3/27/2016</a:t>
+              <a:t>3/28/2016</a:t>
             </a:fld>
             <a:endParaRPr lang="en-US" dirty="0"/>
           </a:p>
@@ -851,7 +855,7 @@
           <a:p>
             <a:fld id="{2076456F-F47D-4F25-8053-2A695DA0CA7D}" type="datetimeFigureOut">
               <a:rPr lang="en-US" dirty="0"/>
-              <a:t>3/27/2016</a:t>
+              <a:t>3/28/2016</a:t>
             </a:fld>
             <a:endParaRPr lang="en-US" dirty="0"/>
           </a:p>
@@ -1135,7 +1139,7 @@
           <a:p>
             <a:fld id="{5D6C7379-69CC-4837-9905-BEBA22830C8A}" type="datetimeFigureOut">
               <a:rPr lang="en-US" dirty="0"/>
-              <a:t>3/27/2016</a:t>
+              <a:t>3/28/2016</a:t>
             </a:fld>
             <a:endParaRPr lang="en-US" dirty="0"/>
           </a:p>
@@ -1584,7 +1588,7 @@
           <a:p>
             <a:fld id="{49EB8B7E-8AEE-4F10-BFEE-C999AD004D36}" type="datetimeFigureOut">
               <a:rPr lang="en-US" dirty="0"/>
-              <a:t>3/27/2016</a:t>
+              <a:t>3/28/2016</a:t>
             </a:fld>
             <a:endParaRPr lang="en-US" dirty="0"/>
           </a:p>
@@ -2153,7 +2157,7 @@
           <a:p>
             <a:fld id="{8668F3F9-58BC-440B-B37B-805B9055EF92}" type="datetimeFigureOut">
               <a:rPr lang="en-US" dirty="0"/>
-              <a:t>3/27/2016</a:t>
+              <a:t>3/28/2016</a:t>
             </a:fld>
             <a:endParaRPr lang="en-US" dirty="0"/>
           </a:p>
@@ -3007,7 +3011,7 @@
           <a:p>
             <a:fld id="{0D5A53AF-48EA-489D-8260-9DCAB666386A}" type="datetimeFigureOut">
               <a:rPr lang="en-US" dirty="0"/>
-              <a:t>3/27/2016</a:t>
+              <a:t>3/28/2016</a:t>
             </a:fld>
             <a:endParaRPr lang="en-US" dirty="0"/>
           </a:p>
@@ -3200,7 +3204,7 @@
           <a:p>
             <a:fld id="{0DED02AE-B9A4-47BD-AF8E-97E16144138B}" type="datetimeFigureOut">
               <a:rPr lang="en-US" dirty="0"/>
-              <a:t>3/27/2016</a:t>
+              <a:t>3/28/2016</a:t>
             </a:fld>
             <a:endParaRPr lang="en-US" dirty="0"/>
           </a:p>
@@ -3403,7 +3407,7 @@
           <a:p>
             <a:fld id="{CF0FD78B-DB02-4362-BCDC-98A55456977C}" type="datetimeFigureOut">
               <a:rPr lang="en-US" dirty="0"/>
-              <a:t>3/27/2016</a:t>
+              <a:t>3/28/2016</a:t>
             </a:fld>
             <a:endParaRPr lang="en-US" dirty="0"/>
           </a:p>
@@ -3656,7 +3660,7 @@
           <a:p>
             <a:fld id="{99916976-5D93-46E4-A98A-FAD63E4D0EA8}" type="datetimeFigureOut">
               <a:rPr lang="en-US" dirty="0"/>
-              <a:t>3/27/2016</a:t>
+              <a:t>3/28/2016</a:t>
             </a:fld>
             <a:endParaRPr lang="en-US" dirty="0"/>
           </a:p>
@@ -3943,7 +3947,7 @@
           <a:p>
             <a:fld id="{0F39F4F5-F4D2-4D2A-AB60-88D37ADCB869}" type="datetimeFigureOut">
               <a:rPr lang="en-US" dirty="0"/>
-              <a:t>3/27/2016</a:t>
+              <a:t>3/28/2016</a:t>
             </a:fld>
             <a:endParaRPr lang="en-US" dirty="0"/>
           </a:p>
@@ -4205,7 +4209,7 @@
           <a:p>
             <a:fld id="{D23BC6CE-6D1E-47E5-8859-F31AC5380EB2}" type="datetimeFigureOut">
               <a:rPr lang="en-US" dirty="0"/>
-              <a:t>3/27/2016</a:t>
+              <a:t>3/28/2016</a:t>
             </a:fld>
             <a:endParaRPr lang="en-US" dirty="0"/>
           </a:p>
@@ -4621,7 +4625,7 @@
           <a:p>
             <a:fld id="{B1B4E7C4-4DA4-404D-9965-B13F2DD7D8BF}" type="datetimeFigureOut">
               <a:rPr lang="en-US" dirty="0"/>
-              <a:t>3/27/2016</a:t>
+              <a:t>3/28/2016</a:t>
             </a:fld>
             <a:endParaRPr lang="en-US" dirty="0"/>
           </a:p>
@@ -4762,7 +4766,7 @@
           <a:p>
             <a:fld id="{476FB7AA-4A53-424F-AD41-70827B6504BA}" type="datetimeFigureOut">
               <a:rPr lang="en-US" dirty="0"/>
-              <a:t>3/27/2016</a:t>
+              <a:t>3/28/2016</a:t>
             </a:fld>
             <a:endParaRPr lang="en-US" dirty="0"/>
           </a:p>
@@ -4880,7 +4884,7 @@
           <a:p>
             <a:fld id="{E7884882-FB12-4BC8-9960-9AD8104D7FAE}" type="datetimeFigureOut">
               <a:rPr lang="en-US" dirty="0"/>
-              <a:t>3/27/2016</a:t>
+              <a:t>3/28/2016</a:t>
             </a:fld>
             <a:endParaRPr lang="en-US" dirty="0"/>
           </a:p>
@@ -5176,7 +5180,7 @@
           <a:p>
             <a:fld id="{F7D1BD23-6E54-4D9D-AD88-A2813C73CC25}" type="datetimeFigureOut">
               <a:rPr lang="en-US" dirty="0"/>
-              <a:t>3/27/2016</a:t>
+              <a:t>3/28/2016</a:t>
             </a:fld>
             <a:endParaRPr lang="en-US" dirty="0"/>
           </a:p>
@@ -5480,7 +5484,7 @@
           <a:p>
             <a:fld id="{1471A834-4F3C-4AF9-9C74-05EC35A0F292}" type="datetimeFigureOut">
               <a:rPr lang="en-US" dirty="0"/>
-              <a:t>3/27/2016</a:t>
+              <a:t>3/28/2016</a:t>
             </a:fld>
             <a:endParaRPr lang="en-US" dirty="0"/>
           </a:p>
@@ -6964,6 +6968,2131 @@
       </p:grpSpPr>
       <p:sp>
         <p:nvSpPr>
+          <p:cNvPr id="4" name="Заголовок 1"/>
+          <p:cNvSpPr txBox="1">
+            <a:spLocks/>
+          </p:cNvSpPr>
+          <p:nvPr/>
+        </p:nvSpPr>
+        <p:spPr>
+          <a:xfrm>
+            <a:off x="1700148" y="784296"/>
+            <a:ext cx="9144000" cy="873244"/>
+          </a:xfrm>
+          <a:prstGeom prst="rect">
+            <a:avLst/>
+          </a:prstGeom>
+        </p:spPr>
+        <p:txBody>
+          <a:bodyPr vert="horz" lIns="91440" tIns="45720" rIns="91440" bIns="45720" rtlCol="0" anchor="ctr">
+            <a:normAutofit/>
+          </a:bodyPr>
+          <a:lstStyle>
+            <a:lvl1pPr algn="l" defTabSz="914400" rtl="0" eaLnBrk="1" latinLnBrk="0" hangingPunct="1">
+              <a:lnSpc>
+                <a:spcPct val="90000"/>
+              </a:lnSpc>
+              <a:spcBef>
+                <a:spcPct val="0"/>
+              </a:spcBef>
+              <a:buNone/>
+              <a:defRPr sz="5400" b="0" kern="1200">
+                <a:gradFill flip="none" rotWithShape="1">
+                  <a:gsLst>
+                    <a:gs pos="28000">
+                      <a:schemeClr val="tx1">
+                        <a:lumMod val="93000"/>
+                      </a:schemeClr>
+                    </a:gs>
+                    <a:gs pos="0">
+                      <a:schemeClr val="bg1">
+                        <a:lumMod val="25000"/>
+                        <a:lumOff val="75000"/>
+                      </a:schemeClr>
+                    </a:gs>
+                    <a:gs pos="100000">
+                      <a:schemeClr val="tx2">
+                        <a:lumMod val="0"/>
+                        <a:lumOff val="100000"/>
+                      </a:schemeClr>
+                    </a:gs>
+                  </a:gsLst>
+                  <a:lin ang="4800000" scaled="0"/>
+                  <a:tileRect/>
+                </a:gradFill>
+                <a:latin typeface="+mj-lt"/>
+                <a:ea typeface="+mj-ea"/>
+                <a:cs typeface="+mj-cs"/>
+              </a:defRPr>
+            </a:lvl1pPr>
+          </a:lstStyle>
+          <a:p>
+            <a:pPr algn="ctr"/>
+            <a:r>
+              <a:rPr lang="ru-RU" sz="4400" dirty="0" smtClean="0">
+                <a:solidFill>
+                  <a:srgbClr val="FFFF00"/>
+                </a:solidFill>
+              </a:rPr>
+              <a:t>Введение</a:t>
+            </a:r>
+            <a:endParaRPr lang="en-US" sz="4400" dirty="0">
+              <a:solidFill>
+                <a:srgbClr val="FFFF00"/>
+              </a:solidFill>
+            </a:endParaRPr>
+          </a:p>
+        </p:txBody>
+      </p:sp>
+      <p:sp>
+        <p:nvSpPr>
+          <p:cNvPr id="5" name="TextBox 4"/>
+          <p:cNvSpPr txBox="1"/>
+          <p:nvPr/>
+        </p:nvSpPr>
+        <p:spPr>
+          <a:xfrm>
+            <a:off x="1009933" y="1787856"/>
+            <a:ext cx="8666090" cy="1384995"/>
+          </a:xfrm>
+          <a:prstGeom prst="rect">
+            <a:avLst/>
+          </a:prstGeom>
+          <a:noFill/>
+        </p:spPr>
+        <p:txBody>
+          <a:bodyPr wrap="none" rtlCol="0">
+            <a:spAutoFit/>
+          </a:bodyPr>
+          <a:lstStyle/>
+          <a:p>
+            <a:r>
+              <a:rPr lang="en-US" sz="2800" dirty="0" smtClean="0">
+                <a:solidFill>
+                  <a:srgbClr val="FFFF00"/>
+                </a:solidFill>
+              </a:rPr>
+              <a:t>STB </a:t>
+            </a:r>
+            <a:r>
+              <a:rPr lang="ru-RU" sz="2800" dirty="0" smtClean="0">
+                <a:solidFill>
+                  <a:srgbClr val="FFFF00"/>
+                </a:solidFill>
+              </a:rPr>
+              <a:t>(</a:t>
+            </a:r>
+            <a:r>
+              <a:rPr lang="en-US" sz="2800" dirty="0" smtClean="0">
+                <a:solidFill>
+                  <a:srgbClr val="FFFF00"/>
+                </a:solidFill>
+              </a:rPr>
+              <a:t>Set </a:t>
+            </a:r>
+            <a:r>
+              <a:rPr lang="en-US" sz="2800" dirty="0">
+                <a:solidFill>
+                  <a:srgbClr val="FFFF00"/>
+                </a:solidFill>
+              </a:rPr>
+              <a:t>top </a:t>
+            </a:r>
+            <a:r>
+              <a:rPr lang="en-US" sz="2800" dirty="0" smtClean="0">
+                <a:solidFill>
+                  <a:srgbClr val="FFFF00"/>
+                </a:solidFill>
+              </a:rPr>
+              <a:t>box</a:t>
+            </a:r>
+            <a:r>
+              <a:rPr lang="ru-RU" sz="2800" dirty="0" smtClean="0">
+                <a:solidFill>
+                  <a:srgbClr val="FFFF00"/>
+                </a:solidFill>
+              </a:rPr>
+              <a:t>) – приставка для просмотра </a:t>
+            </a:r>
+            <a:r>
+              <a:rPr lang="en-US" sz="2800" dirty="0" smtClean="0">
+                <a:solidFill>
+                  <a:srgbClr val="FFFF00"/>
+                </a:solidFill>
+              </a:rPr>
+              <a:t>IPTV</a:t>
+            </a:r>
+          </a:p>
+          <a:p>
+            <a:r>
+              <a:rPr lang="ru-RU" sz="2800" dirty="0" smtClean="0">
+                <a:solidFill>
+                  <a:srgbClr val="FFFF00"/>
+                </a:solidFill>
+              </a:rPr>
+              <a:t>Коллектор – сервер сбора первичной статистики с </a:t>
+            </a:r>
+            <a:r>
+              <a:rPr lang="en-US" sz="2800" dirty="0" smtClean="0">
+                <a:solidFill>
+                  <a:srgbClr val="FFFF00"/>
+                </a:solidFill>
+              </a:rPr>
+              <a:t>STB</a:t>
+            </a:r>
+            <a:endParaRPr lang="en-US" sz="2800" dirty="0">
+              <a:solidFill>
+                <a:srgbClr val="FFFF00"/>
+              </a:solidFill>
+            </a:endParaRPr>
+          </a:p>
+          <a:p>
+            <a:pPr marL="285750" indent="-285750">
+              <a:buFont typeface="Arial" panose="020B0604020202020204" pitchFamily="34" charset="0"/>
+              <a:buChar char="•"/>
+            </a:pPr>
+            <a:endParaRPr lang="ru-RU" sz="2800" dirty="0">
+              <a:solidFill>
+                <a:srgbClr val="FFFF00"/>
+              </a:solidFill>
+            </a:endParaRPr>
+          </a:p>
+        </p:txBody>
+      </p:sp>
+      <mc:AlternateContent xmlns:mc="http://schemas.openxmlformats.org/markup-compatibility/2006">
+        <mc:Choice xmlns:a14="http://schemas.microsoft.com/office/drawing/2010/main" Requires="a14">
+          <p:sp>
+            <p:nvSpPr>
+              <p:cNvPr id="7" name="Скругленный прямоугольник 6"/>
+              <p:cNvSpPr/>
+              <p:nvPr/>
+            </p:nvSpPr>
+            <p:spPr>
+              <a:xfrm>
+                <a:off x="1896222" y="2838481"/>
+                <a:ext cx="1460310" cy="668740"/>
+              </a:xfrm>
+              <a:prstGeom prst="roundRect">
+                <a:avLst/>
+              </a:prstGeom>
+            </p:spPr>
+            <p:style>
+              <a:lnRef idx="2">
+                <a:schemeClr val="accent1">
+                  <a:shade val="50000"/>
+                </a:schemeClr>
+              </a:lnRef>
+              <a:fillRef idx="1">
+                <a:schemeClr val="accent1"/>
+              </a:fillRef>
+              <a:effectRef idx="0">
+                <a:schemeClr val="accent1"/>
+              </a:effectRef>
+              <a:fontRef idx="minor">
+                <a:schemeClr val="lt1"/>
+              </a:fontRef>
+            </p:style>
+            <p:txBody>
+              <a:bodyPr rtlCol="0" anchor="ctr"/>
+              <a:lstStyle/>
+              <a:p>
+                <a:pPr algn="ctr"/>
+                <a14:m>
+                  <m:oMathPara xmlns:m="http://schemas.openxmlformats.org/officeDocument/2006/math">
+                    <m:oMathParaPr>
+                      <m:jc m:val="centerGroup"/>
+                    </m:oMathParaPr>
+                    <m:oMath xmlns:m="http://schemas.openxmlformats.org/officeDocument/2006/math">
+                      <m:sSub>
+                        <m:sSubPr>
+                          <m:ctrlPr>
+                            <a:rPr lang="en-US" b="1" i="1" dirty="0" smtClean="0">
+                              <a:solidFill>
+                                <a:srgbClr val="FFFF00"/>
+                              </a:solidFill>
+                              <a:latin typeface="Cambria Math" panose="02040503050406030204" pitchFamily="18" charset="0"/>
+                            </a:rPr>
+                          </m:ctrlPr>
+                        </m:sSubPr>
+                        <m:e>
+                          <m:r>
+                            <a:rPr lang="en-US" b="1" i="1" dirty="0" smtClean="0">
+                              <a:solidFill>
+                                <a:srgbClr val="FFFF00"/>
+                              </a:solidFill>
+                              <a:latin typeface="Cambria Math" panose="02040503050406030204" pitchFamily="18" charset="0"/>
+                            </a:rPr>
+                            <m:t>𝑺𝑻𝑩</m:t>
+                          </m:r>
+                        </m:e>
+                        <m:sub>
+                          <m:r>
+                            <a:rPr lang="en-US" b="1" i="1" dirty="0" smtClean="0">
+                              <a:solidFill>
+                                <a:srgbClr val="FFFF00"/>
+                              </a:solidFill>
+                              <a:latin typeface="Cambria Math" panose="02040503050406030204" pitchFamily="18" charset="0"/>
+                            </a:rPr>
+                            <m:t>𝟏</m:t>
+                          </m:r>
+                        </m:sub>
+                      </m:sSub>
+                    </m:oMath>
+                  </m:oMathPara>
+                </a14:m>
+                <a:endParaRPr lang="ru-RU" b="1" dirty="0"/>
+              </a:p>
+            </p:txBody>
+          </p:sp>
+        </mc:Choice>
+        <mc:Fallback>
+          <p:sp>
+            <p:nvSpPr>
+              <p:cNvPr id="7" name="Скругленный прямоугольник 6"/>
+              <p:cNvSpPr>
+                <a:spLocks noRot="1" noChangeAspect="1" noMove="1" noResize="1" noEditPoints="1" noAdjustHandles="1" noChangeArrowheads="1" noChangeShapeType="1" noTextEdit="1"/>
+              </p:cNvSpPr>
+              <p:nvPr/>
+            </p:nvSpPr>
+            <p:spPr>
+              <a:xfrm>
+                <a:off x="1896222" y="2838481"/>
+                <a:ext cx="1460310" cy="668740"/>
+              </a:xfrm>
+              <a:prstGeom prst="roundRect">
+                <a:avLst/>
+              </a:prstGeom>
+              <a:blipFill rotWithShape="0">
+                <a:blip r:embed="rId2"/>
+                <a:stretch>
+                  <a:fillRect/>
+                </a:stretch>
+              </a:blipFill>
+            </p:spPr>
+            <p:txBody>
+              <a:bodyPr/>
+              <a:lstStyle/>
+              <a:p>
+                <a:r>
+                  <a:rPr lang="ru-RU">
+                    <a:noFill/>
+                  </a:rPr>
+                  <a:t> </a:t>
+                </a:r>
+              </a:p>
+            </p:txBody>
+          </p:sp>
+        </mc:Fallback>
+      </mc:AlternateContent>
+      <mc:AlternateContent xmlns:mc="http://schemas.openxmlformats.org/markup-compatibility/2006">
+        <mc:Choice xmlns:a14="http://schemas.microsoft.com/office/drawing/2010/main" Requires="a14">
+          <p:sp>
+            <p:nvSpPr>
+              <p:cNvPr id="8" name="Скругленный прямоугольник 7"/>
+              <p:cNvSpPr/>
+              <p:nvPr/>
+            </p:nvSpPr>
+            <p:spPr>
+              <a:xfrm>
+                <a:off x="3978546" y="2838481"/>
+                <a:ext cx="1460310" cy="668740"/>
+              </a:xfrm>
+              <a:prstGeom prst="roundRect">
+                <a:avLst/>
+              </a:prstGeom>
+            </p:spPr>
+            <p:style>
+              <a:lnRef idx="2">
+                <a:schemeClr val="accent1">
+                  <a:shade val="50000"/>
+                </a:schemeClr>
+              </a:lnRef>
+              <a:fillRef idx="1">
+                <a:schemeClr val="accent1"/>
+              </a:fillRef>
+              <a:effectRef idx="0">
+                <a:schemeClr val="accent1"/>
+              </a:effectRef>
+              <a:fontRef idx="minor">
+                <a:schemeClr val="lt1"/>
+              </a:fontRef>
+            </p:style>
+            <p:txBody>
+              <a:bodyPr rtlCol="0" anchor="ctr"/>
+              <a:lstStyle/>
+              <a:p>
+                <a:pPr algn="ctr"/>
+                <a14:m>
+                  <m:oMathPara xmlns:m="http://schemas.openxmlformats.org/officeDocument/2006/math">
+                    <m:oMathParaPr>
+                      <m:jc m:val="centerGroup"/>
+                    </m:oMathParaPr>
+                    <m:oMath xmlns:m="http://schemas.openxmlformats.org/officeDocument/2006/math">
+                      <m:sSub>
+                        <m:sSubPr>
+                          <m:ctrlPr>
+                            <a:rPr lang="en-US" b="1" i="1" dirty="0" smtClean="0">
+                              <a:solidFill>
+                                <a:srgbClr val="FFFF00"/>
+                              </a:solidFill>
+                              <a:latin typeface="Cambria Math" panose="02040503050406030204" pitchFamily="18" charset="0"/>
+                            </a:rPr>
+                          </m:ctrlPr>
+                        </m:sSubPr>
+                        <m:e>
+                          <m:r>
+                            <a:rPr lang="en-US" b="1" i="1" dirty="0" smtClean="0">
+                              <a:solidFill>
+                                <a:srgbClr val="FFFF00"/>
+                              </a:solidFill>
+                              <a:latin typeface="Cambria Math" panose="02040503050406030204" pitchFamily="18" charset="0"/>
+                            </a:rPr>
+                            <m:t>𝑺𝑻𝑩</m:t>
+                          </m:r>
+                        </m:e>
+                        <m:sub>
+                          <m:r>
+                            <a:rPr lang="en-US" b="1" i="1" dirty="0" smtClean="0">
+                              <a:solidFill>
+                                <a:srgbClr val="FFFF00"/>
+                              </a:solidFill>
+                              <a:latin typeface="Cambria Math" panose="02040503050406030204" pitchFamily="18" charset="0"/>
+                            </a:rPr>
+                            <m:t>𝟐</m:t>
+                          </m:r>
+                        </m:sub>
+                      </m:sSub>
+                    </m:oMath>
+                  </m:oMathPara>
+                </a14:m>
+                <a:endParaRPr lang="ru-RU" b="1" dirty="0">
+                  <a:solidFill>
+                    <a:srgbClr val="FFFF00"/>
+                  </a:solidFill>
+                </a:endParaRPr>
+              </a:p>
+            </p:txBody>
+          </p:sp>
+        </mc:Choice>
+        <mc:Fallback>
+          <p:sp>
+            <p:nvSpPr>
+              <p:cNvPr id="8" name="Скругленный прямоугольник 7"/>
+              <p:cNvSpPr>
+                <a:spLocks noRot="1" noChangeAspect="1" noMove="1" noResize="1" noEditPoints="1" noAdjustHandles="1" noChangeArrowheads="1" noChangeShapeType="1" noTextEdit="1"/>
+              </p:cNvSpPr>
+              <p:nvPr/>
+            </p:nvSpPr>
+            <p:spPr>
+              <a:xfrm>
+                <a:off x="3978546" y="2838481"/>
+                <a:ext cx="1460310" cy="668740"/>
+              </a:xfrm>
+              <a:prstGeom prst="roundRect">
+                <a:avLst/>
+              </a:prstGeom>
+              <a:blipFill rotWithShape="0">
+                <a:blip r:embed="rId3"/>
+                <a:stretch>
+                  <a:fillRect/>
+                </a:stretch>
+              </a:blipFill>
+            </p:spPr>
+            <p:txBody>
+              <a:bodyPr/>
+              <a:lstStyle/>
+              <a:p>
+                <a:r>
+                  <a:rPr lang="ru-RU">
+                    <a:noFill/>
+                  </a:rPr>
+                  <a:t> </a:t>
+                </a:r>
+              </a:p>
+            </p:txBody>
+          </p:sp>
+        </mc:Fallback>
+      </mc:AlternateContent>
+      <mc:AlternateContent xmlns:mc="http://schemas.openxmlformats.org/markup-compatibility/2006">
+        <mc:Choice xmlns:a14="http://schemas.microsoft.com/office/drawing/2010/main" Requires="a14">
+          <p:sp>
+            <p:nvSpPr>
+              <p:cNvPr id="9" name="Скругленный прямоугольник 8"/>
+              <p:cNvSpPr/>
+              <p:nvPr/>
+            </p:nvSpPr>
+            <p:spPr>
+              <a:xfrm>
+                <a:off x="8449227" y="2838481"/>
+                <a:ext cx="1460310" cy="668740"/>
+              </a:xfrm>
+              <a:prstGeom prst="roundRect">
+                <a:avLst/>
+              </a:prstGeom>
+            </p:spPr>
+            <p:style>
+              <a:lnRef idx="2">
+                <a:schemeClr val="accent1">
+                  <a:shade val="50000"/>
+                </a:schemeClr>
+              </a:lnRef>
+              <a:fillRef idx="1">
+                <a:schemeClr val="accent1"/>
+              </a:fillRef>
+              <a:effectRef idx="0">
+                <a:schemeClr val="accent1"/>
+              </a:effectRef>
+              <a:fontRef idx="minor">
+                <a:schemeClr val="lt1"/>
+              </a:fontRef>
+            </p:style>
+            <p:txBody>
+              <a:bodyPr rtlCol="0" anchor="ctr"/>
+              <a:lstStyle/>
+              <a:p>
+                <a:pPr algn="ctr"/>
+                <a14:m>
+                  <m:oMathPara xmlns:m="http://schemas.openxmlformats.org/officeDocument/2006/math">
+                    <m:oMathParaPr>
+                      <m:jc m:val="centerGroup"/>
+                    </m:oMathParaPr>
+                    <m:oMath xmlns:m="http://schemas.openxmlformats.org/officeDocument/2006/math">
+                      <m:sSub>
+                        <m:sSubPr>
+                          <m:ctrlPr>
+                            <a:rPr lang="en-US" b="1" i="1" dirty="0" smtClean="0">
+                              <a:solidFill>
+                                <a:srgbClr val="FFFF00"/>
+                              </a:solidFill>
+                              <a:latin typeface="Cambria Math" panose="02040503050406030204" pitchFamily="18" charset="0"/>
+                            </a:rPr>
+                          </m:ctrlPr>
+                        </m:sSubPr>
+                        <m:e>
+                          <m:r>
+                            <a:rPr lang="en-US" b="1" i="1" dirty="0" smtClean="0">
+                              <a:solidFill>
+                                <a:srgbClr val="FFFF00"/>
+                              </a:solidFill>
+                              <a:latin typeface="Cambria Math" panose="02040503050406030204" pitchFamily="18" charset="0"/>
+                            </a:rPr>
+                            <m:t>𝑺𝑻𝑩</m:t>
+                          </m:r>
+                        </m:e>
+                        <m:sub>
+                          <m:r>
+                            <a:rPr lang="en-US" b="1" i="1" dirty="0" smtClean="0">
+                              <a:solidFill>
+                                <a:srgbClr val="FFFF00"/>
+                              </a:solidFill>
+                              <a:latin typeface="Cambria Math" panose="02040503050406030204" pitchFamily="18" charset="0"/>
+                            </a:rPr>
+                            <m:t>𝒏</m:t>
+                          </m:r>
+                        </m:sub>
+                      </m:sSub>
+                    </m:oMath>
+                  </m:oMathPara>
+                </a14:m>
+                <a:endParaRPr lang="ru-RU" b="1" dirty="0"/>
+              </a:p>
+            </p:txBody>
+          </p:sp>
+        </mc:Choice>
+        <mc:Fallback>
+          <p:sp>
+            <p:nvSpPr>
+              <p:cNvPr id="9" name="Скругленный прямоугольник 8"/>
+              <p:cNvSpPr>
+                <a:spLocks noRot="1" noChangeAspect="1" noMove="1" noResize="1" noEditPoints="1" noAdjustHandles="1" noChangeArrowheads="1" noChangeShapeType="1" noTextEdit="1"/>
+              </p:cNvSpPr>
+              <p:nvPr/>
+            </p:nvSpPr>
+            <p:spPr>
+              <a:xfrm>
+                <a:off x="8449227" y="2838481"/>
+                <a:ext cx="1460310" cy="668740"/>
+              </a:xfrm>
+              <a:prstGeom prst="roundRect">
+                <a:avLst/>
+              </a:prstGeom>
+              <a:blipFill rotWithShape="0">
+                <a:blip r:embed="rId4"/>
+                <a:stretch>
+                  <a:fillRect/>
+                </a:stretch>
+              </a:blipFill>
+            </p:spPr>
+            <p:txBody>
+              <a:bodyPr/>
+              <a:lstStyle/>
+              <a:p>
+                <a:r>
+                  <a:rPr lang="ru-RU">
+                    <a:noFill/>
+                  </a:rPr>
+                  <a:t> </a:t>
+                </a:r>
+              </a:p>
+            </p:txBody>
+          </p:sp>
+        </mc:Fallback>
+      </mc:AlternateContent>
+      <p:sp>
+        <p:nvSpPr>
+          <p:cNvPr id="10" name="TextBox 9"/>
+          <p:cNvSpPr txBox="1"/>
+          <p:nvPr/>
+        </p:nvSpPr>
+        <p:spPr>
+          <a:xfrm>
+            <a:off x="6608052" y="2611158"/>
+            <a:ext cx="671979" cy="830997"/>
+          </a:xfrm>
+          <a:prstGeom prst="rect">
+            <a:avLst/>
+          </a:prstGeom>
+          <a:noFill/>
+        </p:spPr>
+        <p:txBody>
+          <a:bodyPr wrap="none" rtlCol="0">
+            <a:spAutoFit/>
+          </a:bodyPr>
+          <a:lstStyle/>
+          <a:p>
+            <a:r>
+              <a:rPr lang="en-US" sz="4800" dirty="0" smtClean="0">
+                <a:solidFill>
+                  <a:srgbClr val="FFFF00"/>
+                </a:solidFill>
+              </a:rPr>
+              <a:t>…</a:t>
+            </a:r>
+            <a:endParaRPr lang="ru-RU" sz="4800" dirty="0">
+              <a:solidFill>
+                <a:srgbClr val="FFFF00"/>
+              </a:solidFill>
+            </a:endParaRPr>
+          </a:p>
+        </p:txBody>
+      </p:sp>
+      <p:sp>
+        <p:nvSpPr>
+          <p:cNvPr id="11" name="Блок-схема: магнитный диск 10"/>
+          <p:cNvSpPr/>
+          <p:nvPr/>
+        </p:nvSpPr>
+        <p:spPr>
+          <a:xfrm>
+            <a:off x="5024834" y="4208086"/>
+            <a:ext cx="2276708" cy="1555845"/>
+          </a:xfrm>
+          <a:prstGeom prst="flowChartMagneticDisk">
+            <a:avLst/>
+          </a:prstGeom>
+        </p:spPr>
+        <p:style>
+          <a:lnRef idx="2">
+            <a:schemeClr val="accent1">
+              <a:shade val="50000"/>
+            </a:schemeClr>
+          </a:lnRef>
+          <a:fillRef idx="1">
+            <a:schemeClr val="accent1"/>
+          </a:fillRef>
+          <a:effectRef idx="0">
+            <a:schemeClr val="accent1"/>
+          </a:effectRef>
+          <a:fontRef idx="minor">
+            <a:schemeClr val="lt1"/>
+          </a:fontRef>
+        </p:style>
+        <p:txBody>
+          <a:bodyPr rtlCol="0" anchor="ctr"/>
+          <a:lstStyle/>
+          <a:p>
+            <a:pPr algn="ctr"/>
+            <a:r>
+              <a:rPr lang="ru-RU" b="1" dirty="0" smtClean="0">
+                <a:solidFill>
+                  <a:srgbClr val="FFFF00"/>
+                </a:solidFill>
+              </a:rPr>
+              <a:t>Коллектор</a:t>
+            </a:r>
+            <a:endParaRPr lang="ru-RU" b="1" dirty="0">
+              <a:solidFill>
+                <a:srgbClr val="FFFF00"/>
+              </a:solidFill>
+            </a:endParaRPr>
+          </a:p>
+        </p:txBody>
+      </p:sp>
+      <p:sp>
+        <p:nvSpPr>
+          <p:cNvPr id="12" name="Блок-схема: несколько документов 11"/>
+          <p:cNvSpPr/>
+          <p:nvPr/>
+        </p:nvSpPr>
+        <p:spPr>
+          <a:xfrm>
+            <a:off x="6749679" y="5235379"/>
+            <a:ext cx="1060704" cy="758952"/>
+          </a:xfrm>
+          <a:prstGeom prst="flowChartMultidocument">
+            <a:avLst/>
+          </a:prstGeom>
+        </p:spPr>
+        <p:style>
+          <a:lnRef idx="2">
+            <a:schemeClr val="accent1">
+              <a:shade val="50000"/>
+            </a:schemeClr>
+          </a:lnRef>
+          <a:fillRef idx="1">
+            <a:schemeClr val="accent1"/>
+          </a:fillRef>
+          <a:effectRef idx="0">
+            <a:schemeClr val="accent1"/>
+          </a:effectRef>
+          <a:fontRef idx="minor">
+            <a:schemeClr val="lt1"/>
+          </a:fontRef>
+        </p:style>
+        <p:txBody>
+          <a:bodyPr rtlCol="0" anchor="ctr"/>
+          <a:lstStyle/>
+          <a:p>
+            <a:pPr algn="ctr"/>
+            <a:r>
+              <a:rPr lang="en-US" b="1" dirty="0" smtClean="0">
+                <a:solidFill>
+                  <a:srgbClr val="FFFF00"/>
+                </a:solidFill>
+              </a:rPr>
+              <a:t>.csv</a:t>
+            </a:r>
+            <a:endParaRPr lang="ru-RU" b="1" dirty="0">
+              <a:solidFill>
+                <a:srgbClr val="FFFF00"/>
+              </a:solidFill>
+            </a:endParaRPr>
+          </a:p>
+        </p:txBody>
+      </p:sp>
+      <p:cxnSp>
+        <p:nvCxnSpPr>
+          <p:cNvPr id="14" name="Прямая со стрелкой 13"/>
+          <p:cNvCxnSpPr/>
+          <p:nvPr/>
+        </p:nvCxnSpPr>
+        <p:spPr>
+          <a:xfrm>
+            <a:off x="2843739" y="3611295"/>
+            <a:ext cx="2074459" cy="1132764"/>
+          </a:xfrm>
+          <a:prstGeom prst="straightConnector1">
+            <a:avLst/>
+          </a:prstGeom>
+          <a:ln>
+            <a:solidFill>
+              <a:srgbClr val="FFFF00"/>
+            </a:solidFill>
+            <a:tailEnd type="triangle"/>
+          </a:ln>
+        </p:spPr>
+        <p:style>
+          <a:lnRef idx="1">
+            <a:schemeClr val="accent1"/>
+          </a:lnRef>
+          <a:fillRef idx="0">
+            <a:schemeClr val="accent1"/>
+          </a:fillRef>
+          <a:effectRef idx="0">
+            <a:schemeClr val="accent1"/>
+          </a:effectRef>
+          <a:fontRef idx="minor">
+            <a:schemeClr val="tx1"/>
+          </a:fontRef>
+        </p:style>
+      </p:cxnSp>
+      <p:cxnSp>
+        <p:nvCxnSpPr>
+          <p:cNvPr id="16" name="Прямая со стрелкой 15"/>
+          <p:cNvCxnSpPr/>
+          <p:nvPr/>
+        </p:nvCxnSpPr>
+        <p:spPr>
+          <a:xfrm>
+            <a:off x="5024834" y="3535614"/>
+            <a:ext cx="414022" cy="672472"/>
+          </a:xfrm>
+          <a:prstGeom prst="straightConnector1">
+            <a:avLst/>
+          </a:prstGeom>
+          <a:ln>
+            <a:solidFill>
+              <a:srgbClr val="FFFF00"/>
+            </a:solidFill>
+            <a:tailEnd type="triangle"/>
+          </a:ln>
+        </p:spPr>
+        <p:style>
+          <a:lnRef idx="1">
+            <a:schemeClr val="accent1"/>
+          </a:lnRef>
+          <a:fillRef idx="0">
+            <a:schemeClr val="accent1"/>
+          </a:fillRef>
+          <a:effectRef idx="0">
+            <a:schemeClr val="accent1"/>
+          </a:effectRef>
+          <a:fontRef idx="minor">
+            <a:schemeClr val="tx1"/>
+          </a:fontRef>
+        </p:style>
+      </p:cxnSp>
+      <p:cxnSp>
+        <p:nvCxnSpPr>
+          <p:cNvPr id="19" name="Прямая со стрелкой 18"/>
+          <p:cNvCxnSpPr/>
+          <p:nvPr/>
+        </p:nvCxnSpPr>
+        <p:spPr>
+          <a:xfrm flipH="1">
+            <a:off x="7408178" y="3611295"/>
+            <a:ext cx="1041049" cy="1132764"/>
+          </a:xfrm>
+          <a:prstGeom prst="straightConnector1">
+            <a:avLst/>
+          </a:prstGeom>
+          <a:ln>
+            <a:solidFill>
+              <a:srgbClr val="FFFF00"/>
+            </a:solidFill>
+            <a:tailEnd type="triangle"/>
+          </a:ln>
+        </p:spPr>
+        <p:style>
+          <a:lnRef idx="1">
+            <a:schemeClr val="accent1"/>
+          </a:lnRef>
+          <a:fillRef idx="0">
+            <a:schemeClr val="accent1"/>
+          </a:fillRef>
+          <a:effectRef idx="0">
+            <a:schemeClr val="accent1"/>
+          </a:effectRef>
+          <a:fontRef idx="minor">
+            <a:schemeClr val="tx1"/>
+          </a:fontRef>
+        </p:style>
+      </p:cxnSp>
+    </p:spTree>
+    <p:extLst>
+      <p:ext uri="{BB962C8B-B14F-4D97-AF65-F5344CB8AC3E}">
+        <p14:creationId xmlns:p14="http://schemas.microsoft.com/office/powerpoint/2010/main" val="2042915326"/>
+      </p:ext>
+    </p:extLst>
+  </p:cSld>
+  <p:clrMapOvr>
+    <a:masterClrMapping/>
+  </p:clrMapOvr>
+</p:sld>
+</file>
+
+<file path=ppt/slides/slide10.xml><?xml version="1.0" encoding="utf-8"?>
+<p:sld xmlns:a="http://schemas.openxmlformats.org/drawingml/2006/main" xmlns:r="http://schemas.openxmlformats.org/officeDocument/2006/relationships" xmlns:p="http://schemas.openxmlformats.org/presentationml/2006/main">
+  <p:cSld>
+    <p:spTree>
+      <p:nvGrpSpPr>
+        <p:cNvPr id="1" name=""/>
+        <p:cNvGrpSpPr/>
+        <p:nvPr/>
+      </p:nvGrpSpPr>
+      <p:grpSpPr>
+        <a:xfrm>
+          <a:off x="0" y="0"/>
+          <a:ext cx="0" cy="0"/>
+          <a:chOff x="0" y="0"/>
+          <a:chExt cx="0" cy="0"/>
+        </a:xfrm>
+      </p:grpSpPr>
+      <p:sp>
+        <p:nvSpPr>
+          <p:cNvPr id="3" name="Подзаголовок 2"/>
+          <p:cNvSpPr>
+            <a:spLocks noGrp="1"/>
+          </p:cNvSpPr>
+          <p:nvPr>
+            <p:ph type="subTitle" idx="1"/>
+          </p:nvPr>
+        </p:nvSpPr>
+        <p:spPr>
+          <a:xfrm>
+            <a:off x="1418229" y="705515"/>
+            <a:ext cx="9144000" cy="754025"/>
+          </a:xfrm>
+        </p:spPr>
+        <p:txBody>
+          <a:bodyPr>
+            <a:normAutofit/>
+          </a:bodyPr>
+          <a:lstStyle/>
+          <a:p>
+            <a:pPr algn="ctr"/>
+            <a:r>
+              <a:rPr lang="en-US" sz="4400" dirty="0" smtClean="0">
+                <a:solidFill>
+                  <a:srgbClr val="FFFF00"/>
+                </a:solidFill>
+              </a:rPr>
+              <a:t>EM</a:t>
+            </a:r>
+            <a:r>
+              <a:rPr lang="ru-RU" sz="4400" dirty="0">
+                <a:solidFill>
+                  <a:srgbClr val="FFFF00"/>
+                </a:solidFill>
+              </a:rPr>
+              <a:t> </a:t>
+            </a:r>
+            <a:r>
+              <a:rPr lang="ru-RU" sz="4400" dirty="0" smtClean="0">
+                <a:solidFill>
+                  <a:srgbClr val="FFFF00"/>
+                </a:solidFill>
+              </a:rPr>
+              <a:t>алгоритм </a:t>
+            </a:r>
+            <a:endParaRPr lang="ru-RU" sz="4400" dirty="0">
+              <a:solidFill>
+                <a:srgbClr val="FFFF00"/>
+              </a:solidFill>
+            </a:endParaRPr>
+          </a:p>
+        </p:txBody>
+      </p:sp>
+      <p:sp>
+        <p:nvSpPr>
+          <p:cNvPr id="4" name="TextBox 3"/>
+          <p:cNvSpPr txBox="1"/>
+          <p:nvPr/>
+        </p:nvSpPr>
+        <p:spPr>
+          <a:xfrm>
+            <a:off x="668740" y="1459540"/>
+            <a:ext cx="2943434" cy="584775"/>
+          </a:xfrm>
+          <a:prstGeom prst="rect">
+            <a:avLst/>
+          </a:prstGeom>
+          <a:noFill/>
+        </p:spPr>
+        <p:txBody>
+          <a:bodyPr wrap="none" rtlCol="0">
+            <a:spAutoFit/>
+          </a:bodyPr>
+          <a:lstStyle/>
+          <a:p>
+            <a:r>
+              <a:rPr lang="ru-RU" sz="3200" dirty="0" smtClean="0">
+                <a:solidFill>
+                  <a:srgbClr val="FFFF00"/>
+                </a:solidFill>
+                <a:latin typeface="+mj-lt"/>
+              </a:rPr>
+              <a:t>Преимущества:</a:t>
+            </a:r>
+            <a:endParaRPr lang="ru-RU" sz="3200" dirty="0">
+              <a:solidFill>
+                <a:srgbClr val="FFFF00"/>
+              </a:solidFill>
+              <a:latin typeface="+mj-lt"/>
+            </a:endParaRPr>
+          </a:p>
+        </p:txBody>
+      </p:sp>
+      <p:sp>
+        <p:nvSpPr>
+          <p:cNvPr id="5" name="TextBox 4"/>
+          <p:cNvSpPr txBox="1"/>
+          <p:nvPr/>
+        </p:nvSpPr>
+        <p:spPr>
+          <a:xfrm>
+            <a:off x="1156282" y="2028899"/>
+            <a:ext cx="10129120" cy="2031325"/>
+          </a:xfrm>
+          <a:prstGeom prst="rect">
+            <a:avLst/>
+          </a:prstGeom>
+          <a:noFill/>
+        </p:spPr>
+        <p:txBody>
+          <a:bodyPr wrap="none" rtlCol="0">
+            <a:spAutoFit/>
+          </a:bodyPr>
+          <a:lstStyle/>
+          <a:p>
+            <a:pPr marL="285750" indent="-285750">
+              <a:buFont typeface="Arial" panose="020B0604020202020204" pitchFamily="34" charset="0"/>
+              <a:buChar char="•"/>
+            </a:pPr>
+            <a:r>
+              <a:rPr lang="ru-RU" dirty="0" smtClean="0">
+                <a:solidFill>
+                  <a:srgbClr val="FFFF00"/>
+                </a:solidFill>
+              </a:rPr>
+              <a:t>Алгоритм работает с неполными данными</a:t>
+            </a:r>
+          </a:p>
+          <a:p>
+            <a:pPr marL="285750" indent="-285750">
+              <a:buFont typeface="Arial" panose="020B0604020202020204" pitchFamily="34" charset="0"/>
+              <a:buChar char="•"/>
+            </a:pPr>
+            <a:r>
+              <a:rPr lang="ru-RU" dirty="0" smtClean="0">
+                <a:solidFill>
+                  <a:srgbClr val="FFFF00"/>
+                </a:solidFill>
+              </a:rPr>
+              <a:t>Можно явно задать некоторые параметры кластеров</a:t>
+            </a:r>
+          </a:p>
+          <a:p>
+            <a:pPr marL="285750" indent="-285750">
+              <a:buFont typeface="Arial" panose="020B0604020202020204" pitchFamily="34" charset="0"/>
+              <a:buChar char="•"/>
+            </a:pPr>
+            <a:r>
+              <a:rPr lang="ru-RU" dirty="0" smtClean="0">
+                <a:solidFill>
+                  <a:srgbClr val="FFFF00"/>
+                </a:solidFill>
+              </a:rPr>
+              <a:t>Работает с разнородными данными (номинальными, вещественными и т.д.)</a:t>
+            </a:r>
+          </a:p>
+          <a:p>
+            <a:pPr marL="285750" indent="-285750">
+              <a:buFont typeface="Arial" panose="020B0604020202020204" pitchFamily="34" charset="0"/>
+              <a:buChar char="•"/>
+            </a:pPr>
+            <a:r>
+              <a:rPr lang="ru-RU" dirty="0" smtClean="0">
+                <a:solidFill>
+                  <a:srgbClr val="FFFF00"/>
+                </a:solidFill>
+              </a:rPr>
+              <a:t>Из полученных плотностей можно генерировать семплы и эмулировать ими входные данные</a:t>
+            </a:r>
+          </a:p>
+          <a:p>
+            <a:r>
+              <a:rPr lang="ru-RU" dirty="0" smtClean="0">
+                <a:solidFill>
+                  <a:srgbClr val="FFFF00"/>
+                </a:solidFill>
+              </a:rPr>
+              <a:t>      (фактически можно проводить разностороннее тестирование системы)</a:t>
+            </a:r>
+          </a:p>
+          <a:p>
+            <a:pPr marL="285750" indent="-285750">
+              <a:buFont typeface="Arial" panose="020B0604020202020204" pitchFamily="34" charset="0"/>
+              <a:buChar char="•"/>
+            </a:pPr>
+            <a:r>
+              <a:rPr lang="ru-RU" dirty="0" smtClean="0">
+                <a:solidFill>
+                  <a:srgbClr val="FFFF00"/>
+                </a:solidFill>
+              </a:rPr>
+              <a:t>Сложность алгоритма </a:t>
+            </a:r>
+            <a:r>
+              <a:rPr lang="en-US" dirty="0" smtClean="0">
+                <a:solidFill>
+                  <a:srgbClr val="FFFF00"/>
+                </a:solidFill>
+              </a:rPr>
+              <a:t>O(</a:t>
+            </a:r>
+            <a:r>
+              <a:rPr lang="ru-RU" dirty="0" smtClean="0">
+                <a:solidFill>
+                  <a:srgbClr val="FFFF00"/>
+                </a:solidFill>
+              </a:rPr>
+              <a:t>С*</a:t>
+            </a:r>
+            <a:r>
+              <a:rPr lang="en-US" dirty="0" smtClean="0">
+                <a:solidFill>
+                  <a:srgbClr val="FFFF00"/>
+                </a:solidFill>
+              </a:rPr>
+              <a:t>S*N)</a:t>
+            </a:r>
+            <a:r>
+              <a:rPr lang="ru-RU" dirty="0" smtClean="0">
+                <a:solidFill>
+                  <a:srgbClr val="FFFF00"/>
+                </a:solidFill>
+              </a:rPr>
+              <a:t> – линейна по входным данным, а доработав формулы </a:t>
+            </a:r>
+            <a:r>
+              <a:rPr lang="en-US" dirty="0" smtClean="0">
+                <a:solidFill>
+                  <a:srgbClr val="FFFF00"/>
+                </a:solidFill>
+              </a:rPr>
+              <a:t>M</a:t>
+            </a:r>
+            <a:r>
+              <a:rPr lang="ru-RU" dirty="0" smtClean="0">
+                <a:solidFill>
+                  <a:srgbClr val="FFFF00"/>
+                </a:solidFill>
+              </a:rPr>
+              <a:t>-шага </a:t>
+            </a:r>
+          </a:p>
+          <a:p>
+            <a:r>
+              <a:rPr lang="ru-RU" dirty="0">
+                <a:solidFill>
+                  <a:srgbClr val="FFFF00"/>
+                </a:solidFill>
+              </a:rPr>
+              <a:t> </a:t>
+            </a:r>
+            <a:r>
+              <a:rPr lang="ru-RU" dirty="0" smtClean="0">
+                <a:solidFill>
+                  <a:srgbClr val="FFFF00"/>
+                </a:solidFill>
+              </a:rPr>
+              <a:t>     до применения </a:t>
+            </a:r>
+            <a:r>
+              <a:rPr lang="en-US" dirty="0" smtClean="0">
+                <a:solidFill>
+                  <a:srgbClr val="FFFF00"/>
+                </a:solidFill>
+              </a:rPr>
+              <a:t> </a:t>
+            </a:r>
+            <a:r>
+              <a:rPr lang="ru-RU" dirty="0" smtClean="0">
+                <a:solidFill>
+                  <a:srgbClr val="FFFF00"/>
+                </a:solidFill>
+              </a:rPr>
+              <a:t>достаточных статистик – </a:t>
+            </a:r>
+            <a:r>
+              <a:rPr lang="en-US" dirty="0" smtClean="0">
+                <a:solidFill>
+                  <a:srgbClr val="FFFF00"/>
+                </a:solidFill>
+              </a:rPr>
+              <a:t>O(C*S*U)</a:t>
+            </a:r>
+            <a:endParaRPr lang="ru-RU" dirty="0">
+              <a:solidFill>
+                <a:srgbClr val="FFFF00"/>
+              </a:solidFill>
+            </a:endParaRPr>
+          </a:p>
+        </p:txBody>
+      </p:sp>
+      <p:sp>
+        <p:nvSpPr>
+          <p:cNvPr id="6" name="TextBox 5"/>
+          <p:cNvSpPr txBox="1"/>
+          <p:nvPr/>
+        </p:nvSpPr>
+        <p:spPr>
+          <a:xfrm>
+            <a:off x="668740" y="4158953"/>
+            <a:ext cx="2376997" cy="584775"/>
+          </a:xfrm>
+          <a:prstGeom prst="rect">
+            <a:avLst/>
+          </a:prstGeom>
+          <a:noFill/>
+        </p:spPr>
+        <p:txBody>
+          <a:bodyPr wrap="none" rtlCol="0">
+            <a:spAutoFit/>
+          </a:bodyPr>
+          <a:lstStyle/>
+          <a:p>
+            <a:r>
+              <a:rPr lang="ru-RU" sz="3200" dirty="0" smtClean="0">
+                <a:solidFill>
+                  <a:srgbClr val="FFFF00"/>
+                </a:solidFill>
+                <a:latin typeface="+mj-lt"/>
+              </a:rPr>
+              <a:t>Недостатки:</a:t>
+            </a:r>
+            <a:endParaRPr lang="ru-RU" sz="3200" dirty="0">
+              <a:solidFill>
+                <a:srgbClr val="FFFF00"/>
+              </a:solidFill>
+              <a:latin typeface="+mj-lt"/>
+            </a:endParaRPr>
+          </a:p>
+        </p:txBody>
+      </p:sp>
+      <p:sp>
+        <p:nvSpPr>
+          <p:cNvPr id="7" name="TextBox 6"/>
+          <p:cNvSpPr txBox="1"/>
+          <p:nvPr/>
+        </p:nvSpPr>
+        <p:spPr>
+          <a:xfrm>
+            <a:off x="1156282" y="4697534"/>
+            <a:ext cx="8990346" cy="1477328"/>
+          </a:xfrm>
+          <a:prstGeom prst="rect">
+            <a:avLst/>
+          </a:prstGeom>
+          <a:noFill/>
+        </p:spPr>
+        <p:txBody>
+          <a:bodyPr wrap="none" rtlCol="0">
+            <a:spAutoFit/>
+          </a:bodyPr>
+          <a:lstStyle/>
+          <a:p>
+            <a:pPr marL="285750" indent="-285750">
+              <a:buFont typeface="Arial" panose="020B0604020202020204" pitchFamily="34" charset="0"/>
+              <a:buChar char="•"/>
+            </a:pPr>
+            <a:r>
+              <a:rPr lang="ru-RU" dirty="0" smtClean="0">
+                <a:solidFill>
+                  <a:srgbClr val="FFFF00"/>
+                </a:solidFill>
+              </a:rPr>
+              <a:t>Переобучается на каждой итерации, но со временем эта ошибка уменьшается</a:t>
+            </a:r>
+          </a:p>
+          <a:p>
+            <a:pPr marL="285750" indent="-285750">
+              <a:buFont typeface="Arial" panose="020B0604020202020204" pitchFamily="34" charset="0"/>
+              <a:buChar char="•"/>
+            </a:pPr>
+            <a:r>
+              <a:rPr lang="ru-RU" dirty="0" smtClean="0">
+                <a:solidFill>
+                  <a:srgbClr val="FFFF00"/>
+                </a:solidFill>
+              </a:rPr>
+              <a:t>Находит ближайший локальный максимум, </a:t>
+            </a:r>
+            <a:r>
+              <a:rPr lang="ru-RU" dirty="0">
+                <a:solidFill>
+                  <a:srgbClr val="FFFF00"/>
+                </a:solidFill>
+              </a:rPr>
+              <a:t>н</a:t>
+            </a:r>
+            <a:r>
+              <a:rPr lang="ru-RU" dirty="0" smtClean="0">
+                <a:solidFill>
+                  <a:srgbClr val="FFFF00"/>
+                </a:solidFill>
+              </a:rPr>
+              <a:t>о </a:t>
+            </a:r>
+            <a:r>
+              <a:rPr lang="ru-RU" dirty="0">
+                <a:solidFill>
+                  <a:srgbClr val="FFFF00"/>
+                </a:solidFill>
+              </a:rPr>
+              <a:t>с</a:t>
+            </a:r>
+            <a:r>
+              <a:rPr lang="ru-RU" dirty="0" smtClean="0">
+                <a:solidFill>
+                  <a:srgbClr val="FFFF00"/>
+                </a:solidFill>
+              </a:rPr>
+              <a:t>о временем стремится к глобальному</a:t>
+            </a:r>
+          </a:p>
+          <a:p>
+            <a:pPr marL="285750" indent="-285750">
+              <a:buFont typeface="Arial" panose="020B0604020202020204" pitchFamily="34" charset="0"/>
+              <a:buChar char="•"/>
+            </a:pPr>
+            <a:r>
+              <a:rPr lang="ru-RU" dirty="0" smtClean="0">
+                <a:solidFill>
+                  <a:srgbClr val="FFFF00"/>
+                </a:solidFill>
+              </a:rPr>
+              <a:t>Требуемое кол-во кластеров задается как параметр, а не оценивается в процессе </a:t>
+            </a:r>
+          </a:p>
+          <a:p>
+            <a:pPr marL="285750" indent="-285750">
+              <a:buFont typeface="Arial" panose="020B0604020202020204" pitchFamily="34" charset="0"/>
+              <a:buChar char="•"/>
+            </a:pPr>
+            <a:r>
+              <a:rPr lang="ru-RU" dirty="0" smtClean="0">
+                <a:solidFill>
+                  <a:srgbClr val="FFFF00"/>
+                </a:solidFill>
+              </a:rPr>
+              <a:t>Используется наивный подход – значения в столбцах независимы</a:t>
+            </a:r>
+          </a:p>
+          <a:p>
+            <a:pPr marL="285750" indent="-285750">
+              <a:buFont typeface="Arial" panose="020B0604020202020204" pitchFamily="34" charset="0"/>
+              <a:buChar char="•"/>
+            </a:pPr>
+            <a:endParaRPr lang="ru-RU" dirty="0">
+              <a:solidFill>
+                <a:srgbClr val="FFFF00"/>
+              </a:solidFill>
+            </a:endParaRPr>
+          </a:p>
+        </p:txBody>
+      </p:sp>
+    </p:spTree>
+    <p:extLst>
+      <p:ext uri="{BB962C8B-B14F-4D97-AF65-F5344CB8AC3E}">
+        <p14:creationId xmlns:p14="http://schemas.microsoft.com/office/powerpoint/2010/main" val="3977547075"/>
+      </p:ext>
+    </p:extLst>
+  </p:cSld>
+  <p:clrMapOvr>
+    <a:masterClrMapping/>
+  </p:clrMapOvr>
+  <p:timing>
+    <p:tnLst>
+      <p:par>
+        <p:cTn id="1" dur="indefinite" restart="never" nodeType="tmRoot"/>
+      </p:par>
+    </p:tnLst>
+  </p:timing>
+</p:sld>
+</file>
+
+<file path=ppt/slides/slide11.xml><?xml version="1.0" encoding="utf-8"?>
+<p:sld xmlns:a="http://schemas.openxmlformats.org/drawingml/2006/main" xmlns:r="http://schemas.openxmlformats.org/officeDocument/2006/relationships" xmlns:p="http://schemas.openxmlformats.org/presentationml/2006/main">
+  <p:cSld>
+    <p:spTree>
+      <p:nvGrpSpPr>
+        <p:cNvPr id="1" name=""/>
+        <p:cNvGrpSpPr/>
+        <p:nvPr/>
+      </p:nvGrpSpPr>
+      <p:grpSpPr>
+        <a:xfrm>
+          <a:off x="0" y="0"/>
+          <a:ext cx="0" cy="0"/>
+          <a:chOff x="0" y="0"/>
+          <a:chExt cx="0" cy="0"/>
+        </a:xfrm>
+      </p:grpSpPr>
+      <p:sp>
+        <p:nvSpPr>
+          <p:cNvPr id="3" name="Подзаголовок 2"/>
+          <p:cNvSpPr>
+            <a:spLocks noGrp="1"/>
+          </p:cNvSpPr>
+          <p:nvPr>
+            <p:ph type="subTitle" idx="1"/>
+          </p:nvPr>
+        </p:nvSpPr>
+        <p:spPr>
+          <a:xfrm>
+            <a:off x="1418229" y="705515"/>
+            <a:ext cx="9144000" cy="754025"/>
+          </a:xfrm>
+        </p:spPr>
+        <p:txBody>
+          <a:bodyPr>
+            <a:normAutofit/>
+          </a:bodyPr>
+          <a:lstStyle/>
+          <a:p>
+            <a:pPr algn="ctr"/>
+            <a:r>
+              <a:rPr lang="en-US" sz="4400" dirty="0" smtClean="0">
+                <a:solidFill>
+                  <a:srgbClr val="FFFF00"/>
+                </a:solidFill>
+              </a:rPr>
+              <a:t>K-means </a:t>
+            </a:r>
+            <a:r>
+              <a:rPr lang="ru-RU" sz="4400" dirty="0" smtClean="0">
+                <a:solidFill>
+                  <a:srgbClr val="FFFF00"/>
+                </a:solidFill>
+              </a:rPr>
+              <a:t>алгоритм</a:t>
+            </a:r>
+            <a:endParaRPr lang="ru-RU" sz="4400" dirty="0">
+              <a:solidFill>
+                <a:srgbClr val="FFFF00"/>
+              </a:solidFill>
+            </a:endParaRPr>
+          </a:p>
+        </p:txBody>
+      </p:sp>
+      <p:sp>
+        <p:nvSpPr>
+          <p:cNvPr id="2" name="TextBox 1"/>
+          <p:cNvSpPr txBox="1"/>
+          <p:nvPr/>
+        </p:nvSpPr>
+        <p:spPr>
+          <a:xfrm>
+            <a:off x="675098" y="1421278"/>
+            <a:ext cx="8225329" cy="584775"/>
+          </a:xfrm>
+          <a:prstGeom prst="rect">
+            <a:avLst/>
+          </a:prstGeom>
+          <a:noFill/>
+        </p:spPr>
+        <p:txBody>
+          <a:bodyPr wrap="none" rtlCol="0">
+            <a:spAutoFit/>
+          </a:bodyPr>
+          <a:lstStyle/>
+          <a:p>
+            <a:r>
+              <a:rPr lang="en-US" sz="3200" dirty="0" smtClean="0">
+                <a:solidFill>
+                  <a:srgbClr val="FFFF00"/>
+                </a:solidFill>
+              </a:rPr>
+              <a:t>K-means</a:t>
+            </a:r>
+            <a:r>
+              <a:rPr lang="ru-RU" sz="3200" dirty="0" smtClean="0">
+                <a:solidFill>
+                  <a:srgbClr val="FFFF00"/>
+                </a:solidFill>
+              </a:rPr>
+              <a:t> – это частный случай </a:t>
+            </a:r>
+            <a:r>
+              <a:rPr lang="en-US" sz="3200" dirty="0" smtClean="0">
+                <a:solidFill>
+                  <a:srgbClr val="FFFF00"/>
+                </a:solidFill>
+              </a:rPr>
+              <a:t>EM </a:t>
+            </a:r>
+            <a:r>
+              <a:rPr lang="ru-RU" sz="3200" dirty="0" smtClean="0">
+                <a:solidFill>
+                  <a:srgbClr val="FFFF00"/>
+                </a:solidFill>
+              </a:rPr>
+              <a:t>алгоритма:</a:t>
+            </a:r>
+          </a:p>
+        </p:txBody>
+      </p:sp>
+      <p:sp>
+        <p:nvSpPr>
+          <p:cNvPr id="8" name="TextBox 7"/>
+          <p:cNvSpPr txBox="1"/>
+          <p:nvPr/>
+        </p:nvSpPr>
+        <p:spPr>
+          <a:xfrm>
+            <a:off x="675098" y="4415218"/>
+            <a:ext cx="2376997" cy="584775"/>
+          </a:xfrm>
+          <a:prstGeom prst="rect">
+            <a:avLst/>
+          </a:prstGeom>
+          <a:noFill/>
+        </p:spPr>
+        <p:txBody>
+          <a:bodyPr wrap="none" rtlCol="0">
+            <a:spAutoFit/>
+          </a:bodyPr>
+          <a:lstStyle/>
+          <a:p>
+            <a:r>
+              <a:rPr lang="ru-RU" sz="3200" dirty="0" smtClean="0">
+                <a:solidFill>
+                  <a:srgbClr val="FFFF00"/>
+                </a:solidFill>
+                <a:latin typeface="+mj-lt"/>
+              </a:rPr>
+              <a:t>Недостатки:</a:t>
+            </a:r>
+            <a:endParaRPr lang="ru-RU" sz="3200" dirty="0">
+              <a:solidFill>
+                <a:srgbClr val="FFFF00"/>
+              </a:solidFill>
+              <a:latin typeface="+mj-lt"/>
+            </a:endParaRPr>
+          </a:p>
+        </p:txBody>
+      </p:sp>
+      <mc:AlternateContent xmlns:mc="http://schemas.openxmlformats.org/markup-compatibility/2006">
+        <mc:Choice xmlns:a14="http://schemas.microsoft.com/office/drawing/2010/main" Requires="a14">
+          <p:sp>
+            <p:nvSpPr>
+              <p:cNvPr id="10" name="TextBox 9"/>
+              <p:cNvSpPr txBox="1"/>
+              <p:nvPr/>
+            </p:nvSpPr>
+            <p:spPr>
+              <a:xfrm>
+                <a:off x="1016976" y="1932956"/>
+                <a:ext cx="9946505" cy="1754326"/>
+              </a:xfrm>
+              <a:prstGeom prst="rect">
+                <a:avLst/>
+              </a:prstGeom>
+              <a:noFill/>
+            </p:spPr>
+            <p:txBody>
+              <a:bodyPr wrap="none" rtlCol="0">
+                <a:spAutoFit/>
+              </a:bodyPr>
+              <a:lstStyle/>
+              <a:p>
+                <a:pPr marL="342900" indent="-342900">
+                  <a:buFont typeface="Arial" panose="020B0604020202020204" pitchFamily="34" charset="0"/>
+                  <a:buChar char="•"/>
+                </a:pPr>
+                <a:r>
+                  <a:rPr lang="en-US" dirty="0">
+                    <a:solidFill>
+                      <a:srgbClr val="FFFF00"/>
+                    </a:solidFill>
+                  </a:rPr>
+                  <a:t>E-step – </a:t>
+                </a:r>
+                <a:r>
+                  <a:rPr lang="ru-RU" dirty="0">
+                    <a:solidFill>
+                      <a:srgbClr val="FFFF00"/>
+                    </a:solidFill>
+                  </a:rPr>
+                  <a:t>интересует не распределение, а только один кластер с большей вероятностью </a:t>
+                </a:r>
+                <a:endParaRPr lang="en-US" dirty="0">
+                  <a:solidFill>
+                    <a:srgbClr val="FFFF00"/>
+                  </a:solidFill>
+                </a:endParaRPr>
+              </a:p>
+              <a:p>
+                <a:r>
+                  <a:rPr lang="en-US" dirty="0">
+                    <a:solidFill>
+                      <a:srgbClr val="FFFF00"/>
+                    </a:solidFill>
+                  </a:rPr>
+                  <a:t> </a:t>
+                </a:r>
+                <a:r>
+                  <a:rPr lang="en-US" dirty="0">
+                    <a:solidFill>
+                      <a:srgbClr val="FFFF00"/>
+                    </a:solidFill>
+                  </a:rPr>
+                  <a:t>      </a:t>
+                </a:r>
+                <a:r>
+                  <a:rPr lang="ru-RU" dirty="0">
+                    <a:solidFill>
+                      <a:srgbClr val="FFFF00"/>
+                    </a:solidFill>
+                  </a:rPr>
+                  <a:t>(стратегия </a:t>
+                </a:r>
+                <a:r>
+                  <a:rPr lang="en-US" dirty="0">
+                    <a:solidFill>
+                      <a:srgbClr val="FFFF00"/>
+                    </a:solidFill>
+                  </a:rPr>
+                  <a:t>WTA)</a:t>
+                </a:r>
+              </a:p>
+              <a:p>
+                <a:pPr marL="342900" indent="-342900">
+                  <a:buFont typeface="Arial" panose="020B0604020202020204" pitchFamily="34" charset="0"/>
+                  <a:buChar char="•"/>
+                </a:pPr>
+                <a:r>
+                  <a:rPr lang="en-US" dirty="0">
+                    <a:solidFill>
+                      <a:srgbClr val="FFFF00"/>
+                    </a:solidFill>
+                  </a:rPr>
+                  <a:t>M-step</a:t>
+                </a:r>
+                <a:r>
+                  <a:rPr lang="ru-RU" dirty="0">
+                    <a:solidFill>
+                      <a:srgbClr val="FFFF00"/>
+                    </a:solidFill>
+                  </a:rPr>
+                  <a:t> – оставляем только числовые столбцы, а в качестве распределения берем </a:t>
+                </a:r>
+                <a14:m>
+                  <m:oMath xmlns:m="http://schemas.openxmlformats.org/officeDocument/2006/math">
+                    <m:r>
+                      <a:rPr lang="en-US" i="1">
+                        <a:solidFill>
+                          <a:srgbClr val="FFFF00"/>
+                        </a:solidFill>
+                        <a:effectLst>
+                          <a:outerShdw blurRad="469900" dist="342900" dir="5400000" sy="-20000" rotWithShape="0">
+                            <a:prstClr val="black">
+                              <a:alpha val="66000"/>
+                            </a:prstClr>
+                          </a:outerShdw>
+                        </a:effectLst>
+                        <a:latin typeface="Cambria Math" panose="02040503050406030204" pitchFamily="18" charset="0"/>
+                        <a:ea typeface="Cambria Math" panose="02040503050406030204" pitchFamily="18" charset="0"/>
+                      </a:rPr>
+                      <m:t>𝒩</m:t>
+                    </m:r>
+                    <m:d>
+                      <m:dPr>
+                        <m:ctrlPr>
+                          <a:rPr lang="ru-RU" i="1">
+                            <a:solidFill>
+                              <a:srgbClr val="FFFF00"/>
+                            </a:solidFill>
+                            <a:effectLst>
+                              <a:outerShdw blurRad="469900" dist="342900" dir="5400000" sy="-20000" rotWithShape="0">
+                                <a:prstClr val="black">
+                                  <a:alpha val="66000"/>
+                                </a:prstClr>
+                              </a:outerShdw>
+                            </a:effectLst>
+                            <a:latin typeface="Cambria Math" panose="02040503050406030204" pitchFamily="18" charset="0"/>
+                            <a:ea typeface="Cambria Math" panose="02040503050406030204" pitchFamily="18" charset="0"/>
+                          </a:rPr>
+                        </m:ctrlPr>
+                      </m:dPr>
+                      <m:e>
+                        <m:r>
+                          <a:rPr lang="en-US" i="1">
+                            <a:solidFill>
+                              <a:srgbClr val="FFFF00"/>
+                            </a:solidFill>
+                            <a:effectLst>
+                              <a:outerShdw blurRad="469900" dist="342900" dir="5400000" sy="-20000" rotWithShape="0">
+                                <a:prstClr val="black">
+                                  <a:alpha val="66000"/>
+                                </a:prstClr>
+                              </a:outerShdw>
+                            </a:effectLst>
+                            <a:latin typeface="Cambria Math" panose="02040503050406030204" pitchFamily="18" charset="0"/>
+                            <a:ea typeface="Cambria Math" panose="02040503050406030204" pitchFamily="18" charset="0"/>
+                          </a:rPr>
+                          <m:t>𝑥</m:t>
+                        </m:r>
+                      </m:e>
+                      <m:e>
+                        <m:sSub>
+                          <m:sSubPr>
+                            <m:ctrlPr>
+                              <a:rPr lang="en-US" i="1">
+                                <a:solidFill>
+                                  <a:srgbClr val="FFFF00"/>
+                                </a:solidFill>
+                                <a:effectLst>
+                                  <a:outerShdw blurRad="469900" dist="342900" dir="5400000" sy="-20000" rotWithShape="0">
+                                    <a:prstClr val="black">
+                                      <a:alpha val="66000"/>
+                                    </a:prstClr>
+                                  </a:outerShdw>
+                                </a:effectLst>
+                                <a:latin typeface="Cambria Math" panose="02040503050406030204" pitchFamily="18" charset="0"/>
+                                <a:ea typeface="Cambria Math" panose="02040503050406030204" pitchFamily="18" charset="0"/>
+                              </a:rPr>
+                            </m:ctrlPr>
+                          </m:sSubPr>
+                          <m:e>
+                            <m:r>
+                              <a:rPr lang="en-US" i="1">
+                                <a:solidFill>
+                                  <a:srgbClr val="FFFF00"/>
+                                </a:solidFill>
+                                <a:effectLst>
+                                  <a:outerShdw blurRad="469900" dist="342900" dir="5400000" sy="-20000" rotWithShape="0">
+                                    <a:prstClr val="black">
+                                      <a:alpha val="66000"/>
+                                    </a:prstClr>
+                                  </a:outerShdw>
+                                </a:effectLst>
+                                <a:latin typeface="Cambria Math" panose="02040503050406030204" pitchFamily="18" charset="0"/>
+                                <a:ea typeface="Cambria Math" panose="02040503050406030204" pitchFamily="18" charset="0"/>
+                              </a:rPr>
+                              <m:t>𝜇</m:t>
+                            </m:r>
+                          </m:e>
+                          <m:sub>
+                            <m:r>
+                              <a:rPr lang="en-US" i="1">
+                                <a:solidFill>
+                                  <a:srgbClr val="FFFF00"/>
+                                </a:solidFill>
+                                <a:effectLst>
+                                  <a:outerShdw blurRad="469900" dist="342900" dir="5400000" sy="-20000" rotWithShape="0">
+                                    <a:prstClr val="black">
+                                      <a:alpha val="66000"/>
+                                    </a:prstClr>
+                                  </a:outerShdw>
+                                </a:effectLst>
+                                <a:latin typeface="Cambria Math" panose="02040503050406030204" pitchFamily="18" charset="0"/>
+                                <a:ea typeface="Cambria Math" panose="02040503050406030204" pitchFamily="18" charset="0"/>
+                              </a:rPr>
+                              <m:t>𝑐𝑠</m:t>
+                            </m:r>
+                          </m:sub>
+                        </m:sSub>
+                        <m:r>
+                          <a:rPr lang="en-US" i="1">
+                            <a:solidFill>
+                              <a:srgbClr val="FFFF00"/>
+                            </a:solidFill>
+                            <a:effectLst>
+                              <a:outerShdw blurRad="469900" dist="342900" dir="5400000" sy="-20000" rotWithShape="0">
+                                <a:prstClr val="black">
+                                  <a:alpha val="66000"/>
+                                </a:prstClr>
+                              </a:outerShdw>
+                            </a:effectLst>
+                            <a:latin typeface="Cambria Math" panose="02040503050406030204" pitchFamily="18" charset="0"/>
+                            <a:ea typeface="Cambria Math" panose="02040503050406030204" pitchFamily="18" charset="0"/>
+                          </a:rPr>
+                          <m:t>,</m:t>
+                        </m:r>
+                        <m:r>
+                          <a:rPr lang="ru-RU" i="1">
+                            <a:solidFill>
+                              <a:srgbClr val="FFFF00"/>
+                            </a:solidFill>
+                            <a:effectLst>
+                              <a:outerShdw blurRad="469900" dist="342900" dir="5400000" sy="-20000" rotWithShape="0">
+                                <a:prstClr val="black">
+                                  <a:alpha val="66000"/>
+                                </a:prstClr>
+                              </a:outerShdw>
+                            </a:effectLst>
+                            <a:latin typeface="Cambria Math" panose="02040503050406030204" pitchFamily="18" charset="0"/>
+                            <a:ea typeface="Cambria Math" panose="02040503050406030204" pitchFamily="18" charset="0"/>
+                          </a:rPr>
+                          <m:t>1</m:t>
+                        </m:r>
+                      </m:e>
+                    </m:d>
+                    <m:r>
+                      <a:rPr lang="ru-RU">
+                        <a:solidFill>
+                          <a:srgbClr val="FFFF00"/>
+                        </a:solidFill>
+                        <a:effectLst>
+                          <a:outerShdw blurRad="469900" dist="342900" dir="5400000" sy="-20000" rotWithShape="0">
+                            <a:prstClr val="black">
+                              <a:alpha val="66000"/>
+                            </a:prstClr>
+                          </a:outerShdw>
+                        </a:effectLst>
+                        <a:latin typeface="Cambria Math" panose="02040503050406030204" pitchFamily="18" charset="0"/>
+                        <a:ea typeface="Cambria Math" panose="02040503050406030204" pitchFamily="18" charset="0"/>
+                      </a:rPr>
+                      <m:t>,</m:t>
+                    </m:r>
+                  </m:oMath>
+                </a14:m>
+                <a:r>
+                  <a:rPr lang="ru-RU" dirty="0">
+                    <a:solidFill>
+                      <a:srgbClr val="FFFF00"/>
+                    </a:solidFill>
+                  </a:rPr>
+                  <a:t> </a:t>
+                </a:r>
+              </a:p>
+              <a:p>
+                <a:r>
+                  <a:rPr lang="ru-RU" dirty="0">
+                    <a:solidFill>
+                      <a:srgbClr val="FFFF00"/>
+                    </a:solidFill>
+                  </a:rPr>
+                  <a:t>       таким образом вводится евклидова метрика и вместо максимума ищется минимум суммы </a:t>
+                </a:r>
+              </a:p>
+              <a:p>
+                <a:r>
+                  <a:rPr lang="ru-RU" dirty="0">
+                    <a:solidFill>
+                      <a:srgbClr val="FFFF00"/>
+                    </a:solidFill>
+                  </a:rPr>
+                  <a:t> </a:t>
+                </a:r>
+                <a:r>
+                  <a:rPr lang="ru-RU" dirty="0">
+                    <a:solidFill>
+                      <a:srgbClr val="FFFF00"/>
+                    </a:solidFill>
+                  </a:rPr>
+                  <a:t>      </a:t>
+                </a:r>
+                <a:r>
+                  <a:rPr lang="ru-RU" dirty="0" err="1">
+                    <a:solidFill>
+                      <a:srgbClr val="FFFF00"/>
+                    </a:solidFill>
+                  </a:rPr>
+                  <a:t>внутрикластерных</a:t>
+                </a:r>
+                <a:r>
+                  <a:rPr lang="ru-RU" dirty="0">
+                    <a:solidFill>
+                      <a:srgbClr val="FFFF00"/>
+                    </a:solidFill>
+                  </a:rPr>
+                  <a:t> расстояний</a:t>
+                </a:r>
+                <a:endParaRPr lang="ru-RU" dirty="0">
+                  <a:solidFill>
+                    <a:srgbClr val="FFFF00"/>
+                  </a:solidFill>
+                </a:endParaRPr>
+              </a:p>
+              <a:p>
+                <a:endParaRPr lang="ru-RU" dirty="0"/>
+              </a:p>
+            </p:txBody>
+          </p:sp>
+        </mc:Choice>
+        <mc:Fallback>
+          <p:sp>
+            <p:nvSpPr>
+              <p:cNvPr id="10" name="TextBox 9"/>
+              <p:cNvSpPr txBox="1">
+                <a:spLocks noRot="1" noChangeAspect="1" noMove="1" noResize="1" noEditPoints="1" noAdjustHandles="1" noChangeArrowheads="1" noChangeShapeType="1" noTextEdit="1"/>
+              </p:cNvSpPr>
+              <p:nvPr/>
+            </p:nvSpPr>
+            <p:spPr>
+              <a:xfrm>
+                <a:off x="1016976" y="1932956"/>
+                <a:ext cx="9946505" cy="1754326"/>
+              </a:xfrm>
+              <a:prstGeom prst="rect">
+                <a:avLst/>
+              </a:prstGeom>
+              <a:blipFill rotWithShape="0">
+                <a:blip r:embed="rId2"/>
+                <a:stretch>
+                  <a:fillRect l="-429" t="-1736"/>
+                </a:stretch>
+              </a:blipFill>
+            </p:spPr>
+            <p:txBody>
+              <a:bodyPr/>
+              <a:lstStyle/>
+              <a:p>
+                <a:r>
+                  <a:rPr lang="ru-RU">
+                    <a:noFill/>
+                  </a:rPr>
+                  <a:t> </a:t>
+                </a:r>
+              </a:p>
+            </p:txBody>
+          </p:sp>
+        </mc:Fallback>
+      </mc:AlternateContent>
+      <p:sp>
+        <p:nvSpPr>
+          <p:cNvPr id="11" name="TextBox 10"/>
+          <p:cNvSpPr txBox="1"/>
+          <p:nvPr/>
+        </p:nvSpPr>
+        <p:spPr>
+          <a:xfrm>
+            <a:off x="1016976" y="4976882"/>
+            <a:ext cx="7374519" cy="1200329"/>
+          </a:xfrm>
+          <a:prstGeom prst="rect">
+            <a:avLst/>
+          </a:prstGeom>
+          <a:noFill/>
+        </p:spPr>
+        <p:txBody>
+          <a:bodyPr wrap="none" rtlCol="0">
+            <a:spAutoFit/>
+          </a:bodyPr>
+          <a:lstStyle/>
+          <a:p>
+            <a:pPr marL="285750" indent="-285750">
+              <a:buFont typeface="Arial" panose="020B0604020202020204" pitchFamily="34" charset="0"/>
+              <a:buChar char="•"/>
+            </a:pPr>
+            <a:r>
+              <a:rPr lang="ru-RU" dirty="0" smtClean="0">
+                <a:solidFill>
+                  <a:srgbClr val="FFFF00"/>
+                </a:solidFill>
+              </a:rPr>
+              <a:t>Слишком много упрощений: используются только числовые столбцы</a:t>
+            </a:r>
+          </a:p>
+          <a:p>
+            <a:pPr marL="285750" indent="-285750">
+              <a:buFont typeface="Arial" panose="020B0604020202020204" pitchFamily="34" charset="0"/>
+              <a:buChar char="•"/>
+            </a:pPr>
+            <a:r>
+              <a:rPr lang="ru-RU" dirty="0" smtClean="0">
+                <a:solidFill>
+                  <a:srgbClr val="FFFF00"/>
+                </a:solidFill>
+              </a:rPr>
+              <a:t>Серьезные проблемы с неполными данными </a:t>
+            </a:r>
+          </a:p>
+          <a:p>
+            <a:pPr marL="285750" indent="-285750">
+              <a:buFont typeface="Arial" panose="020B0604020202020204" pitchFamily="34" charset="0"/>
+              <a:buChar char="•"/>
+            </a:pPr>
+            <a:r>
+              <a:rPr lang="ru-RU" dirty="0" smtClean="0">
+                <a:solidFill>
+                  <a:srgbClr val="FFFF00"/>
+                </a:solidFill>
+              </a:rPr>
+              <a:t>Нельзя задать ограничения на кластеры</a:t>
+            </a:r>
+          </a:p>
+          <a:p>
+            <a:pPr marL="285750" indent="-285750">
+              <a:buFont typeface="Arial" panose="020B0604020202020204" pitchFamily="34" charset="0"/>
+              <a:buChar char="•"/>
+            </a:pPr>
+            <a:r>
+              <a:rPr lang="ru-RU" dirty="0" smtClean="0">
+                <a:solidFill>
+                  <a:srgbClr val="FFFF00"/>
+                </a:solidFill>
+              </a:rPr>
+              <a:t>Переобучается и неустойчив к выбросам</a:t>
+            </a:r>
+            <a:endParaRPr lang="ru-RU" dirty="0">
+              <a:solidFill>
+                <a:srgbClr val="FFFF00"/>
+              </a:solidFill>
+            </a:endParaRPr>
+          </a:p>
+        </p:txBody>
+      </p:sp>
+      <p:sp>
+        <p:nvSpPr>
+          <p:cNvPr id="12" name="TextBox 11"/>
+          <p:cNvSpPr txBox="1"/>
+          <p:nvPr/>
+        </p:nvSpPr>
+        <p:spPr>
+          <a:xfrm>
+            <a:off x="675098" y="3398728"/>
+            <a:ext cx="2943434" cy="584775"/>
+          </a:xfrm>
+          <a:prstGeom prst="rect">
+            <a:avLst/>
+          </a:prstGeom>
+          <a:noFill/>
+        </p:spPr>
+        <p:txBody>
+          <a:bodyPr wrap="none" rtlCol="0">
+            <a:spAutoFit/>
+          </a:bodyPr>
+          <a:lstStyle/>
+          <a:p>
+            <a:r>
+              <a:rPr lang="ru-RU" sz="3200" dirty="0" smtClean="0">
+                <a:solidFill>
+                  <a:srgbClr val="FFFF00"/>
+                </a:solidFill>
+                <a:latin typeface="+mj-lt"/>
+              </a:rPr>
+              <a:t>Преимущества:</a:t>
+            </a:r>
+            <a:endParaRPr lang="ru-RU" sz="3200" dirty="0">
+              <a:solidFill>
+                <a:srgbClr val="FFFF00"/>
+              </a:solidFill>
+              <a:latin typeface="+mj-lt"/>
+            </a:endParaRPr>
+          </a:p>
+        </p:txBody>
+      </p:sp>
+      <p:sp>
+        <p:nvSpPr>
+          <p:cNvPr id="13" name="TextBox 12"/>
+          <p:cNvSpPr txBox="1"/>
+          <p:nvPr/>
+        </p:nvSpPr>
+        <p:spPr>
+          <a:xfrm>
+            <a:off x="1016976" y="3934331"/>
+            <a:ext cx="4099199" cy="369332"/>
+          </a:xfrm>
+          <a:prstGeom prst="rect">
+            <a:avLst/>
+          </a:prstGeom>
+          <a:noFill/>
+        </p:spPr>
+        <p:txBody>
+          <a:bodyPr wrap="none" rtlCol="0">
+            <a:spAutoFit/>
+          </a:bodyPr>
+          <a:lstStyle/>
+          <a:p>
+            <a:pPr marL="285750" indent="-285750">
+              <a:buFont typeface="Arial" panose="020B0604020202020204" pitchFamily="34" charset="0"/>
+              <a:buChar char="•"/>
+            </a:pPr>
+            <a:r>
+              <a:rPr lang="ru-RU" dirty="0" smtClean="0">
+                <a:solidFill>
+                  <a:srgbClr val="FFFF00"/>
+                </a:solidFill>
+              </a:rPr>
+              <a:t>Простой и универсальный алгоритм</a:t>
+            </a:r>
+          </a:p>
+        </p:txBody>
+      </p:sp>
+    </p:spTree>
+    <p:extLst>
+      <p:ext uri="{BB962C8B-B14F-4D97-AF65-F5344CB8AC3E}">
+        <p14:creationId xmlns:p14="http://schemas.microsoft.com/office/powerpoint/2010/main" val="2229533416"/>
+      </p:ext>
+    </p:extLst>
+  </p:cSld>
+  <p:clrMapOvr>
+    <a:masterClrMapping/>
+  </p:clrMapOvr>
+  <p:timing>
+    <p:tnLst>
+      <p:par>
+        <p:cTn id="1" dur="indefinite" restart="never" nodeType="tmRoot"/>
+      </p:par>
+    </p:tnLst>
+  </p:timing>
+</p:sld>
+</file>
+
+<file path=ppt/slides/slide12.xml><?xml version="1.0" encoding="utf-8"?>
+<p:sld xmlns:a="http://schemas.openxmlformats.org/drawingml/2006/main" xmlns:r="http://schemas.openxmlformats.org/officeDocument/2006/relationships" xmlns:p="http://schemas.openxmlformats.org/presentationml/2006/main">
+  <p:cSld>
+    <p:spTree>
+      <p:nvGrpSpPr>
+        <p:cNvPr id="1" name=""/>
+        <p:cNvGrpSpPr/>
+        <p:nvPr/>
+      </p:nvGrpSpPr>
+      <p:grpSpPr>
+        <a:xfrm>
+          <a:off x="0" y="0"/>
+          <a:ext cx="0" cy="0"/>
+          <a:chOff x="0" y="0"/>
+          <a:chExt cx="0" cy="0"/>
+        </a:xfrm>
+      </p:grpSpPr>
+      <p:pic>
+        <p:nvPicPr>
+          <p:cNvPr id="5" name="Рисунок 4"/>
+          <p:cNvPicPr>
+            <a:picLocks noChangeAspect="1"/>
+          </p:cNvPicPr>
+          <p:nvPr/>
+        </p:nvPicPr>
+        <p:blipFill>
+          <a:blip r:embed="rId2">
+            <a:extLst>
+              <a:ext uri="{28A0092B-C50C-407E-A947-70E740481C1C}">
+                <a14:useLocalDpi xmlns:a14="http://schemas.microsoft.com/office/drawing/2010/main" val="0"/>
+              </a:ext>
+            </a:extLst>
+          </a:blip>
+          <a:stretch>
+            <a:fillRect/>
+          </a:stretch>
+        </p:blipFill>
+        <p:spPr>
+          <a:xfrm>
+            <a:off x="3138985" y="1234936"/>
+            <a:ext cx="5773003" cy="4482567"/>
+          </a:xfrm>
+          <a:prstGeom prst="rect">
+            <a:avLst/>
+          </a:prstGeom>
+        </p:spPr>
+      </p:pic>
+    </p:spTree>
+    <p:extLst>
+      <p:ext uri="{BB962C8B-B14F-4D97-AF65-F5344CB8AC3E}">
+        <p14:creationId xmlns:p14="http://schemas.microsoft.com/office/powerpoint/2010/main" val="2469521059"/>
+      </p:ext>
+    </p:extLst>
+  </p:cSld>
+  <p:clrMapOvr>
+    <a:masterClrMapping/>
+  </p:clrMapOvr>
+</p:sld>
+</file>
+
+<file path=ppt/slides/slide2.xml><?xml version="1.0" encoding="utf-8"?>
+<p:sld xmlns:a="http://schemas.openxmlformats.org/drawingml/2006/main" xmlns:r="http://schemas.openxmlformats.org/officeDocument/2006/relationships" xmlns:p="http://schemas.openxmlformats.org/presentationml/2006/main">
+  <p:cSld>
+    <p:spTree>
+      <p:nvGrpSpPr>
+        <p:cNvPr id="1" name=""/>
+        <p:cNvGrpSpPr/>
+        <p:nvPr/>
+      </p:nvGrpSpPr>
+      <p:grpSpPr>
+        <a:xfrm>
+          <a:off x="0" y="0"/>
+          <a:ext cx="0" cy="0"/>
+          <a:chOff x="0" y="0"/>
+          <a:chExt cx="0" cy="0"/>
+        </a:xfrm>
+      </p:grpSpPr>
+      <p:sp>
+        <p:nvSpPr>
           <p:cNvPr id="2" name="Заголовок 1"/>
           <p:cNvSpPr>
             <a:spLocks noGrp="1"/>
@@ -7161,12 +9290,20 @@
               <a:buChar char="•"/>
             </a:pPr>
             <a:r>
+              <a:rPr lang="ru-RU" sz="2400" dirty="0" smtClean="0">
+                <a:solidFill>
+                  <a:srgbClr val="FFFF00"/>
+                </a:solidFill>
+              </a:rPr>
+              <a:t>Настроить в качестве коллектора </a:t>
+            </a:r>
+            <a:r>
               <a:rPr lang="ru-RU" sz="2400" dirty="0">
                 <a:solidFill>
                   <a:srgbClr val="FFFF00"/>
                 </a:solidFill>
               </a:rPr>
-              <a:t>Настроить кластер на базе </a:t>
+              <a:t>кластер на базе </a:t>
             </a:r>
             <a:r>
               <a:rPr lang="en-US" sz="2400" dirty="0">
@@ -7301,7 +9438,7 @@
 </p:sld>
 </file>
 
-<file path=ppt/slides/slide2.xml><?xml version="1.0" encoding="utf-8"?>
+<file path=ppt/slides/slide3.xml><?xml version="1.0" encoding="utf-8"?>
 <p:sld xmlns:a="http://schemas.openxmlformats.org/drawingml/2006/main" xmlns:r="http://schemas.openxmlformats.org/officeDocument/2006/relationships" xmlns:p="http://schemas.openxmlformats.org/presentationml/2006/main">
   <p:cSld>
     <p:spTree>
@@ -8715,7 +10852,7 @@
 </p:sld>
 </file>
 
-<file path=ppt/slides/slide3.xml><?xml version="1.0" encoding="utf-8"?>
+<file path=ppt/slides/slide4.xml><?xml version="1.0" encoding="utf-8"?>
 <p:sld xmlns:a="http://schemas.openxmlformats.org/drawingml/2006/main" xmlns:r="http://schemas.openxmlformats.org/officeDocument/2006/relationships" xmlns:p="http://schemas.openxmlformats.org/presentationml/2006/main">
   <p:cSld>
     <p:spTree>
@@ -9137,7 +11274,7 @@
 </p:sld>
 </file>
 
-<file path=ppt/slides/slide4.xml><?xml version="1.0" encoding="utf-8"?>
+<file path=ppt/slides/slide5.xml><?xml version="1.0" encoding="utf-8"?>
 <p:sld xmlns:a="http://schemas.openxmlformats.org/drawingml/2006/main" xmlns:r="http://schemas.openxmlformats.org/officeDocument/2006/relationships" xmlns:p="http://schemas.openxmlformats.org/presentationml/2006/main">
   <p:cSld>
     <p:spTree>
@@ -10503,7 +12640,7 @@
 </p:sld>
 </file>
 
-<file path=ppt/slides/slide5.xml><?xml version="1.0" encoding="utf-8"?>
+<file path=ppt/slides/slide6.xml><?xml version="1.0" encoding="utf-8"?>
 <p:sld xmlns:a="http://schemas.openxmlformats.org/drawingml/2006/main" xmlns:r="http://schemas.openxmlformats.org/officeDocument/2006/relationships" xmlns:p="http://schemas.openxmlformats.org/presentationml/2006/main">
   <p:cSld>
     <p:spTree>
@@ -10520,8 +12657,8 @@
           <a:chExt cx="0" cy="0"/>
         </a:xfrm>
       </p:grpSpPr>
-      <mc:AlternateContent xmlns:mc="http://schemas.openxmlformats.org/markup-compatibility/2006" xmlns:a14="http://schemas.microsoft.com/office/drawing/2010/main">
-        <mc:Choice Requires="a14">
+      <mc:AlternateContent xmlns:mc="http://schemas.openxmlformats.org/markup-compatibility/2006">
+        <mc:Choice xmlns:a14="http://schemas.microsoft.com/office/drawing/2010/main" Requires="a14">
           <p:sp>
             <p:nvSpPr>
               <p:cNvPr id="2" name="Заголовок 1"/>
@@ -10972,22 +13109,22 @@
                     <m:sSub>
                       <m:sSubPr>
                         <m:ctrlPr>
-                          <a:rPr lang="en-US" sz="2000" i="1" spc="0" dirty="0" smtClean="0">
+                          <a:rPr lang="en-US" sz="2000" spc="0" dirty="0">
                             <a:solidFill>
                               <a:srgbClr val="FFFF00"/>
                             </a:solidFill>
-                            <a:latin typeface="Cambria Math" panose="02040503050406030204" pitchFamily="18" charset="0"/>
+                            <a:latin typeface="+mn-lt"/>
                             <a:ea typeface="Cambria Math" panose="02040503050406030204" pitchFamily="18" charset="0"/>
                           </a:rPr>
                         </m:ctrlPr>
                       </m:sSubPr>
                       <m:e>
                         <m:r>
-                          <a:rPr lang="en-US" sz="2000" b="0" i="1" spc="0" dirty="0" smtClean="0">
+                          <a:rPr lang="en-US" sz="2000" spc="0" dirty="0">
                             <a:solidFill>
                               <a:srgbClr val="FFFF00"/>
                             </a:solidFill>
-                            <a:latin typeface="Cambria Math" panose="02040503050406030204" pitchFamily="18" charset="0"/>
+                            <a:latin typeface="+mn-lt"/>
                             <a:ea typeface="Cambria Math" panose="02040503050406030204" pitchFamily="18" charset="0"/>
                           </a:rPr>
                           <m:t>𝑢</m:t>
@@ -10995,11 +13132,11 @@
                       </m:e>
                       <m:sub>
                         <m:r>
-                          <a:rPr lang="en-US" sz="2000" b="0" i="1" spc="0" dirty="0" smtClean="0">
+                          <a:rPr lang="en-US" sz="2000" spc="0" dirty="0">
                             <a:solidFill>
                               <a:srgbClr val="FFFF00"/>
                             </a:solidFill>
-                            <a:latin typeface="Cambria Math" panose="02040503050406030204" pitchFamily="18" charset="0"/>
+                            <a:latin typeface="+mn-lt"/>
                             <a:ea typeface="Cambria Math" panose="02040503050406030204" pitchFamily="18" charset="0"/>
                           </a:rPr>
                           <m:t>2</m:t>
@@ -11007,11 +13144,11 @@
                       </m:sub>
                     </m:sSub>
                     <m:r>
-                      <a:rPr lang="en-US" sz="2000" b="0" i="1" spc="0" dirty="0" smtClean="0">
+                      <a:rPr lang="en-US" sz="2000" spc="0" dirty="0">
                         <a:solidFill>
                           <a:srgbClr val="FFFF00"/>
                         </a:solidFill>
-                        <a:latin typeface="Cambria Math" panose="02040503050406030204" pitchFamily="18" charset="0"/>
+                        <a:latin typeface="+mn-lt"/>
                         <a:ea typeface="Cambria Math" panose="02040503050406030204" pitchFamily="18" charset="0"/>
                       </a:rPr>
                       <m:t>, …, </m:t>
@@ -11019,22 +13156,22 @@
                     <m:sSub>
                       <m:sSubPr>
                         <m:ctrlPr>
-                          <a:rPr lang="en-US" sz="2000" b="0" i="1" spc="0" dirty="0" smtClean="0">
+                          <a:rPr lang="en-US" sz="2000" spc="0" dirty="0">
                             <a:solidFill>
                               <a:srgbClr val="FFFF00"/>
                             </a:solidFill>
-                            <a:latin typeface="Cambria Math" panose="02040503050406030204" pitchFamily="18" charset="0"/>
+                            <a:latin typeface="+mn-lt"/>
                             <a:ea typeface="Cambria Math" panose="02040503050406030204" pitchFamily="18" charset="0"/>
                           </a:rPr>
                         </m:ctrlPr>
                       </m:sSubPr>
                       <m:e>
                         <m:r>
-                          <a:rPr lang="en-US" sz="2000" b="0" i="1" spc="0" dirty="0" smtClean="0">
+                          <a:rPr lang="en-US" sz="2000" spc="0" dirty="0">
                             <a:solidFill>
                               <a:srgbClr val="FFFF00"/>
                             </a:solidFill>
-                            <a:latin typeface="Cambria Math" panose="02040503050406030204" pitchFamily="18" charset="0"/>
+                            <a:latin typeface="+mn-lt"/>
                             <a:ea typeface="Cambria Math" panose="02040503050406030204" pitchFamily="18" charset="0"/>
                           </a:rPr>
                           <m:t>𝑢</m:t>
@@ -11042,11 +13179,11 @@
                       </m:e>
                       <m:sub>
                         <m:r>
-                          <a:rPr lang="en-US" sz="2000" b="0" i="1" spc="0" dirty="0" smtClean="0">
+                          <a:rPr lang="en-US" sz="2000" spc="0" dirty="0">
                             <a:solidFill>
                               <a:srgbClr val="FFFF00"/>
                             </a:solidFill>
-                            <a:latin typeface="Cambria Math" panose="02040503050406030204" pitchFamily="18" charset="0"/>
+                            <a:latin typeface="+mn-lt"/>
                             <a:ea typeface="Cambria Math" panose="02040503050406030204" pitchFamily="18" charset="0"/>
                           </a:rPr>
                           <m:t>𝑛</m:t>
@@ -11054,61 +13191,61 @@
                       </m:sub>
                     </m:sSub>
                     <m:r>
-                      <a:rPr lang="en-US" sz="2000" b="0" i="1" spc="0" dirty="0" smtClean="0">
+                      <a:rPr lang="en-US" sz="2000" spc="0" dirty="0">
                         <a:solidFill>
                           <a:srgbClr val="FFFF00"/>
                         </a:solidFill>
-                        <a:latin typeface="Cambria Math" panose="02040503050406030204" pitchFamily="18" charset="0"/>
+                        <a:latin typeface="+mn-lt"/>
                         <a:ea typeface="Cambria Math" panose="02040503050406030204" pitchFamily="18" charset="0"/>
                       </a:rPr>
                       <m:t>,…}−</m:t>
                     </m:r>
                     <m:r>
-                      <a:rPr lang="ru-RU" sz="2000" b="0" i="1" spc="0" dirty="0" smtClean="0">
+                      <a:rPr lang="ru-RU" sz="2000" spc="0" dirty="0">
                         <a:solidFill>
                           <a:srgbClr val="FFFF00"/>
                         </a:solidFill>
-                        <a:latin typeface="Cambria Math" panose="02040503050406030204" pitchFamily="18" charset="0"/>
+                        <a:latin typeface="+mn-lt"/>
                         <a:ea typeface="Cambria Math" panose="02040503050406030204" pitchFamily="18" charset="0"/>
                       </a:rPr>
                       <m:t>пользователи (определяются по </m:t>
                     </m:r>
                     <m:r>
-                      <a:rPr lang="en-US" sz="2000" b="0" i="1" spc="0" dirty="0" smtClean="0">
+                      <a:rPr lang="en-US" sz="2000" spc="0" dirty="0">
                         <a:solidFill>
                           <a:srgbClr val="FFFF00"/>
                         </a:solidFill>
-                        <a:latin typeface="Cambria Math" panose="02040503050406030204" pitchFamily="18" charset="0"/>
+                        <a:latin typeface="+mn-lt"/>
                         <a:ea typeface="Cambria Math" panose="02040503050406030204" pitchFamily="18" charset="0"/>
                       </a:rPr>
                       <m:t>𝑀𝐴𝐶</m:t>
                     </m:r>
                     <m:r>
-                      <a:rPr lang="ru-RU" sz="2000" b="0" i="1" spc="0" dirty="0" smtClean="0">
+                      <a:rPr lang="ru-RU" sz="2000" spc="0" dirty="0">
                         <a:solidFill>
                           <a:srgbClr val="FFFF00"/>
                         </a:solidFill>
-                        <a:latin typeface="Cambria Math" panose="02040503050406030204" pitchFamily="18" charset="0"/>
+                        <a:latin typeface="+mn-lt"/>
                         <a:ea typeface="Cambria Math" panose="02040503050406030204" pitchFamily="18" charset="0"/>
                       </a:rPr>
                       <m:t> адресу </m:t>
                     </m:r>
                     <m:r>
-                      <a:rPr lang="en-US" sz="2000" b="0" i="1" spc="0" dirty="0" smtClean="0">
+                      <a:rPr lang="en-US" sz="2000" spc="0" dirty="0">
                         <a:solidFill>
                           <a:srgbClr val="FFFF00"/>
                         </a:solidFill>
-                        <a:latin typeface="Cambria Math" panose="02040503050406030204" pitchFamily="18" charset="0"/>
+                        <a:latin typeface="+mn-lt"/>
                         <a:ea typeface="Cambria Math" panose="02040503050406030204" pitchFamily="18" charset="0"/>
                       </a:rPr>
                       <m:t>𝑆𝑇𝐵</m:t>
                     </m:r>
                     <m:r>
-                      <a:rPr lang="en-US" sz="2000" b="0" i="1" spc="0" dirty="0" smtClean="0">
+                      <a:rPr lang="en-US" sz="2000" spc="0" dirty="0">
                         <a:solidFill>
                           <a:srgbClr val="FFFF00"/>
                         </a:solidFill>
-                        <a:latin typeface="Cambria Math" panose="02040503050406030204" pitchFamily="18" charset="0"/>
+                        <a:latin typeface="+mn-lt"/>
                         <a:ea typeface="Cambria Math" panose="02040503050406030204" pitchFamily="18" charset="0"/>
                       </a:rPr>
                       <m:t>)</m:t>
@@ -11145,7 +13282,7 @@
             </p:txBody>
           </p:sp>
         </mc:Choice>
-        <mc:Fallback xmlns="">
+        <mc:Fallback>
           <p:sp>
             <p:nvSpPr>
               <p:cNvPr id="2" name="Заголовок 1"/>
@@ -12416,7 +14553,7 @@
                           <a:ea typeface="Cambria Math" panose="02040503050406030204" pitchFamily="18" charset="0"/>
                           <a:cs typeface="+mj-cs"/>
                         </a:rPr>
-                        <m:t> берем из обучающего </m:t>
+                        <m:t> берем из обучающего батча пакетов за</m:t>
                       </m:r>
                       <m:r>
                         <a:rPr lang="ru-RU" dirty="0">
@@ -12434,7 +14571,7 @@
                           <a:ea typeface="Cambria Math" panose="02040503050406030204" pitchFamily="18" charset="0"/>
                           <a:cs typeface="+mj-cs"/>
                         </a:rPr>
-                        <m:t>батча пакетов за время </m:t>
+                        <m:t> время </m:t>
                       </m:r>
                       <m:r>
                         <a:rPr lang="en-US" dirty="0">
@@ -12534,7 +14671,7 @@
 </p:sld>
 </file>
 
-<file path=ppt/slides/slide6.xml><?xml version="1.0" encoding="utf-8"?>
+<file path=ppt/slides/slide7.xml><?xml version="1.0" encoding="utf-8"?>
 <p:sld xmlns:a="http://schemas.openxmlformats.org/drawingml/2006/main" xmlns:r="http://schemas.openxmlformats.org/officeDocument/2006/relationships" xmlns:p="http://schemas.openxmlformats.org/presentationml/2006/main">
   <p:cSld>
     <p:spTree>
@@ -12551,8 +14688,8 @@
           <a:chExt cx="0" cy="0"/>
         </a:xfrm>
       </p:grpSpPr>
-      <mc:AlternateContent xmlns:mc="http://schemas.openxmlformats.org/markup-compatibility/2006" xmlns:a14="http://schemas.microsoft.com/office/drawing/2010/main">
-        <mc:Choice Requires="a14">
+      <mc:AlternateContent xmlns:mc="http://schemas.openxmlformats.org/markup-compatibility/2006">
+        <mc:Choice xmlns:a14="http://schemas.microsoft.com/office/drawing/2010/main" Requires="a14">
           <p:sp>
             <p:nvSpPr>
               <p:cNvPr id="2" name="Заголовок 1"/>
@@ -13358,7 +15495,37 @@
                         <a:latin typeface="Cambria Math" panose="02040503050406030204" pitchFamily="18" charset="0"/>
                         <a:ea typeface="Cambria Math" panose="02040503050406030204" pitchFamily="18" charset="0"/>
                       </a:rPr>
-                      <m:t>кластеры, количество кластеров −доп. параметр модели</m:t>
+                      <m:t>кластеры, количество кластеров</m:t>
+                    </m:r>
+                    <m:r>
+                      <a:rPr lang="ru-RU" sz="2000" b="0" i="1" spc="0" smtClean="0">
+                        <a:solidFill>
+                          <a:srgbClr val="FFFF00"/>
+                        </a:solidFill>
+                        <a:latin typeface="Cambria Math" panose="02040503050406030204" pitchFamily="18" charset="0"/>
+                        <a:ea typeface="Cambria Math" panose="02040503050406030204" pitchFamily="18" charset="0"/>
+                      </a:rPr>
+                      <m:t> −</m:t>
+                    </m:r>
+                    <m:r>
+                      <a:rPr lang="ru-RU" sz="2000" b="0" i="1" spc="0" smtClean="0">
+                        <a:solidFill>
+                          <a:srgbClr val="FFFF00"/>
+                        </a:solidFill>
+                        <a:latin typeface="Cambria Math" panose="02040503050406030204" pitchFamily="18" charset="0"/>
+                        <a:ea typeface="Cambria Math" panose="02040503050406030204" pitchFamily="18" charset="0"/>
+                      </a:rPr>
+                      <m:t>доп. параметр модели</m:t>
+                    </m:r>
+                    <m:r>
+                      <a:rPr lang="ru-RU" sz="2000" b="0" i="1" spc="0" smtClean="0">
+                        <a:solidFill>
+                          <a:srgbClr val="FFFF00"/>
+                        </a:solidFill>
+                        <a:latin typeface="Cambria Math" panose="02040503050406030204" pitchFamily="18" charset="0"/>
+                        <a:ea typeface="Cambria Math" panose="02040503050406030204" pitchFamily="18" charset="0"/>
+                      </a:rPr>
+                      <m:t>!</m:t>
                     </m:r>
                   </m:oMath>
                 </a14:m>
@@ -13392,7 +15559,7 @@
             </p:txBody>
           </p:sp>
         </mc:Choice>
-        <mc:Fallback xmlns="">
+        <mc:Fallback>
           <p:sp>
             <p:nvSpPr>
               <p:cNvPr id="2" name="Заголовок 1"/>
@@ -13518,8 +15685,8 @@
           </a:p>
         </p:txBody>
       </p:sp>
-      <mc:AlternateContent xmlns:mc="http://schemas.openxmlformats.org/markup-compatibility/2006" xmlns:a14="http://schemas.microsoft.com/office/drawing/2010/main">
-        <mc:Choice Requires="a14">
+      <mc:AlternateContent xmlns:mc="http://schemas.openxmlformats.org/markup-compatibility/2006">
+        <mc:Choice xmlns:a14="http://schemas.microsoft.com/office/drawing/2010/main" Requires="a14">
           <p:sp>
             <p:nvSpPr>
               <p:cNvPr id="5" name="TextBox 4"/>
@@ -13529,7 +15696,7 @@
             <p:spPr>
               <a:xfrm>
                 <a:off x="1509031" y="3747375"/>
-                <a:ext cx="8923148" cy="1359668"/>
+                <a:ext cx="10165475" cy="1359668"/>
               </a:xfrm>
               <a:prstGeom prst="rect">
                 <a:avLst/>
@@ -13755,7 +15922,58 @@
                     <a:ea typeface="Cambria Math" panose="02040503050406030204" pitchFamily="18" charset="0"/>
                     <a:cs typeface="+mj-cs"/>
                   </a:rPr>
-                  <a:t>плотность распределения пакетов пользователя</a:t>
+                  <a:t>плотность распределения пакетов </a:t>
+                </a:r>
+                <a:r>
+                  <a:rPr lang="ru-RU" dirty="0" smtClean="0">
+                    <a:solidFill>
+                      <a:srgbClr val="FFFF00"/>
+                    </a:solidFill>
+                    <a:effectLst>
+                      <a:outerShdw blurRad="469900" dist="342900" dir="5400000" sy="-20000" rotWithShape="0">
+                        <a:prstClr val="black">
+                          <a:alpha val="66000"/>
+                        </a:prstClr>
+                      </a:outerShdw>
+                    </a:effectLst>
+                    <a:ea typeface="Cambria Math" panose="02040503050406030204" pitchFamily="18" charset="0"/>
+                    <a:cs typeface="+mj-cs"/>
+                  </a:rPr>
+                  <a:t>пользователя</a:t>
+                </a:r>
+                <a:r>
+                  <a:rPr lang="en-US" dirty="0" smtClean="0">
+                    <a:solidFill>
+                      <a:srgbClr val="FFFF00"/>
+                    </a:solidFill>
+                    <a:effectLst>
+                      <a:outerShdw blurRad="469900" dist="342900" dir="5400000" sy="-20000" rotWithShape="0">
+                        <a:prstClr val="black">
+                          <a:alpha val="66000"/>
+                        </a:prstClr>
+                      </a:outerShdw>
+                    </a:effectLst>
+                    <a:ea typeface="Cambria Math" panose="02040503050406030204" pitchFamily="18" charset="0"/>
+                    <a:cs typeface="+mj-cs"/>
+                  </a:rPr>
+                  <a:t> </a:t>
+                </a:r>
+                <a:r>
+                  <a:rPr lang="ru-RU" dirty="0" smtClean="0">
+                    <a:solidFill>
+                      <a:srgbClr val="FFFF00"/>
+                    </a:solidFill>
+                    <a:effectLst>
+                      <a:outerShdw blurRad="469900" dist="342900" dir="5400000" sy="-20000" rotWithShape="0">
+                        <a:prstClr val="black">
+                          <a:alpha val="66000"/>
+                        </a:prstClr>
+                      </a:outerShdw>
+                    </a:effectLst>
+                    <a:ea typeface="Cambria Math" panose="02040503050406030204" pitchFamily="18" charset="0"/>
+                    <a:cs typeface="+mj-cs"/>
+                  </a:rPr>
+                  <a:t>и кластеров</a:t>
                 </a:r>
                 <a:r>
                   <a:rPr lang="en-US" sz="2400" i="1" dirty="0" smtClean="0">
@@ -14550,7 +16768,7 @@
             </p:txBody>
           </p:sp>
         </mc:Choice>
-        <mc:Fallback xmlns="">
+        <mc:Fallback>
           <p:sp>
             <p:nvSpPr>
               <p:cNvPr id="5" name="TextBox 4"/>
@@ -14562,7 +16780,7 @@
             <p:spPr>
               <a:xfrm>
                 <a:off x="1509031" y="3747375"/>
-                <a:ext cx="8923148" cy="1359668"/>
+                <a:ext cx="10165475" cy="1359668"/>
               </a:xfrm>
               <a:prstGeom prst="rect">
                 <a:avLst/>
@@ -14570,7 +16788,7 @@
               <a:blipFill rotWithShape="0">
                 <a:blip r:embed="rId3"/>
                 <a:stretch>
-                  <a:fillRect l="-3896" t="-3587" r="-2119" b="-12556"/>
+                  <a:fillRect l="-3419" t="-3587" r="-1740" b="-12556"/>
                 </a:stretch>
               </a:blipFill>
             </p:spPr>
@@ -15233,7 +17451,7 @@
                           <a:ea typeface="Cambria Math" panose="02040503050406030204" pitchFamily="18" charset="0"/>
                           <a:cs typeface="+mj-cs"/>
                         </a:rPr>
-                        <m:t> берем из обучающего </m:t>
+                        <m:t> берем из обучающего батча пакетов за</m:t>
                       </m:r>
                       <m:r>
                         <a:rPr lang="ru-RU" dirty="0">
@@ -15251,7 +17469,7 @@
                           <a:ea typeface="Cambria Math" panose="02040503050406030204" pitchFamily="18" charset="0"/>
                           <a:cs typeface="+mj-cs"/>
                         </a:rPr>
-                        <m:t>батча пакетов за время </m:t>
+                        <m:t> время </m:t>
                       </m:r>
                       <m:r>
                         <a:rPr lang="en-US" dirty="0">
@@ -15351,7 +17569,7 @@
 </p:sld>
 </file>
 
-<file path=ppt/slides/slide7.xml><?xml version="1.0" encoding="utf-8"?>
+<file path=ppt/slides/slide8.xml><?xml version="1.0" encoding="utf-8"?>
 <p:sld xmlns:a="http://schemas.openxmlformats.org/drawingml/2006/main" xmlns:r="http://schemas.openxmlformats.org/officeDocument/2006/relationships" xmlns:p="http://schemas.openxmlformats.org/presentationml/2006/main">
   <p:cSld>
     <p:spTree>
@@ -15423,8 +17641,8 @@
           </a:p>
         </p:txBody>
       </p:sp>
-      <mc:AlternateContent xmlns:mc="http://schemas.openxmlformats.org/markup-compatibility/2006">
-        <mc:Choice xmlns:a14="http://schemas.microsoft.com/office/drawing/2010/main" Requires="a14">
+      <mc:AlternateContent xmlns:mc="http://schemas.openxmlformats.org/markup-compatibility/2006" xmlns:a14="http://schemas.microsoft.com/office/drawing/2010/main">
+        <mc:Choice Requires="a14">
           <p:sp>
             <p:nvSpPr>
               <p:cNvPr id="11" name="TextBox 10"/>
@@ -16331,7 +18549,7 @@
             </p:txBody>
           </p:sp>
         </mc:Choice>
-        <mc:Fallback>
+        <mc:Fallback xmlns="">
           <p:sp>
             <p:nvSpPr>
               <p:cNvPr id="11" name="TextBox 10"/>
@@ -20353,7 +22571,7 @@
 </p:sld>
 </file>
 
-<file path=ppt/slides/slide8.xml><?xml version="1.0" encoding="utf-8"?>
+<file path=ppt/slides/slide9.xml><?xml version="1.0" encoding="utf-8"?>
 <p:sld xmlns:a="http://schemas.openxmlformats.org/drawingml/2006/main" xmlns:r="http://schemas.openxmlformats.org/officeDocument/2006/relationships" xmlns:p="http://schemas.openxmlformats.org/presentationml/2006/main">
   <p:cSld>
     <p:spTree>
@@ -23960,8 +26178,8 @@
           </a:p>
         </p:txBody>
       </p:sp>
-      <mc:AlternateContent xmlns:mc="http://schemas.openxmlformats.org/markup-compatibility/2006" xmlns:a14="http://schemas.microsoft.com/office/drawing/2010/main">
-        <mc:Choice Requires="a14">
+      <mc:AlternateContent xmlns:mc="http://schemas.openxmlformats.org/markup-compatibility/2006">
+        <mc:Choice xmlns:a14="http://schemas.microsoft.com/office/drawing/2010/main" Requires="a14">
           <p:sp>
             <p:nvSpPr>
               <p:cNvPr id="2" name="TextBox 1"/>
@@ -23970,7 +26188,7 @@
             </p:nvSpPr>
             <p:spPr>
               <a:xfrm>
-                <a:off x="1176245" y="4569665"/>
+                <a:off x="1938722" y="4528945"/>
                 <a:ext cx="3270895" cy="700961"/>
               </a:xfrm>
               <a:prstGeom prst="rect">
@@ -24911,7 +27129,7 @@
             </p:txBody>
           </p:sp>
         </mc:Choice>
-        <mc:Fallback xmlns="">
+        <mc:Fallback>
           <p:sp>
             <p:nvSpPr>
               <p:cNvPr id="2" name="TextBox 1"/>
@@ -24922,7 +27140,7 @@
             </p:nvSpPr>
             <p:spPr>
               <a:xfrm>
-                <a:off x="1176245" y="4569665"/>
+                <a:off x="1938722" y="4528945"/>
                 <a:ext cx="3270895" cy="700961"/>
               </a:xfrm>
               <a:prstGeom prst="rect">
@@ -24950,8 +27168,8 @@
           </p:sp>
         </mc:Fallback>
       </mc:AlternateContent>
-      <mc:AlternateContent xmlns:mc="http://schemas.openxmlformats.org/markup-compatibility/2006" xmlns:a14="http://schemas.microsoft.com/office/drawing/2010/main">
-        <mc:Choice Requires="a14">
+      <mc:AlternateContent xmlns:mc="http://schemas.openxmlformats.org/markup-compatibility/2006">
+        <mc:Choice xmlns:a14="http://schemas.microsoft.com/office/drawing/2010/main" Requires="a14">
           <p:sp>
             <p:nvSpPr>
               <p:cNvPr id="20" name="TextBox 19"/>
@@ -24960,7 +27178,7 @@
             </p:nvSpPr>
             <p:spPr>
               <a:xfrm>
-                <a:off x="1176245" y="5294770"/>
+                <a:off x="1938722" y="5254050"/>
                 <a:ext cx="3343223" cy="722827"/>
               </a:xfrm>
               <a:prstGeom prst="rect">
@@ -25854,7 +28072,7 @@
             </p:txBody>
           </p:sp>
         </mc:Choice>
-        <mc:Fallback xmlns="">
+        <mc:Fallback>
           <p:sp>
             <p:nvSpPr>
               <p:cNvPr id="20" name="TextBox 19"/>
@@ -25865,7 +28083,7 @@
             </p:nvSpPr>
             <p:spPr>
               <a:xfrm>
-                <a:off x="1176245" y="5294770"/>
+                <a:off x="1938722" y="5254050"/>
                 <a:ext cx="3343223" cy="722827"/>
               </a:xfrm>
               <a:prstGeom prst="rect">
@@ -25893,8 +28111,8 @@
           </p:sp>
         </mc:Fallback>
       </mc:AlternateContent>
-      <mc:AlternateContent xmlns:mc="http://schemas.openxmlformats.org/markup-compatibility/2006" xmlns:a14="http://schemas.microsoft.com/office/drawing/2010/main">
-        <mc:Choice Requires="a14">
+      <mc:AlternateContent xmlns:mc="http://schemas.openxmlformats.org/markup-compatibility/2006">
+        <mc:Choice xmlns:a14="http://schemas.microsoft.com/office/drawing/2010/main" Requires="a14">
           <p:sp>
             <p:nvSpPr>
               <p:cNvPr id="21" name="TextBox 20"/>
@@ -25903,7 +28121,7 @@
             </p:nvSpPr>
             <p:spPr>
               <a:xfrm>
-                <a:off x="5116636" y="4558731"/>
+                <a:off x="5879113" y="4518011"/>
                 <a:ext cx="3096168" cy="677365"/>
               </a:xfrm>
               <a:prstGeom prst="rect">
@@ -26719,7 +28937,7 @@
             </p:txBody>
           </p:sp>
         </mc:Choice>
-        <mc:Fallback xmlns="">
+        <mc:Fallback>
           <p:sp>
             <p:nvSpPr>
               <p:cNvPr id="21" name="TextBox 20"/>
@@ -26730,7 +28948,7 @@
             </p:nvSpPr>
             <p:spPr>
               <a:xfrm>
-                <a:off x="5116636" y="4558731"/>
+                <a:off x="5879113" y="4518011"/>
                 <a:ext cx="3096168" cy="677365"/>
               </a:xfrm>
               <a:prstGeom prst="rect">
@@ -26758,8 +28976,8 @@
           </p:sp>
         </mc:Fallback>
       </mc:AlternateContent>
-      <mc:AlternateContent xmlns:mc="http://schemas.openxmlformats.org/markup-compatibility/2006" xmlns:a14="http://schemas.microsoft.com/office/drawing/2010/main">
-        <mc:Choice Requires="a14">
+      <mc:AlternateContent xmlns:mc="http://schemas.openxmlformats.org/markup-compatibility/2006">
+        <mc:Choice xmlns:a14="http://schemas.microsoft.com/office/drawing/2010/main" Requires="a14">
           <p:sp>
             <p:nvSpPr>
               <p:cNvPr id="27" name="TextBox 26"/>
@@ -26768,7 +28986,7 @@
             </p:nvSpPr>
             <p:spPr>
               <a:xfrm>
-                <a:off x="5116636" y="5305358"/>
+                <a:off x="5879113" y="5264638"/>
                 <a:ext cx="3941400" cy="696666"/>
               </a:xfrm>
               <a:prstGeom prst="rect">
@@ -27760,7 +29978,7 @@
             </p:txBody>
           </p:sp>
         </mc:Choice>
-        <mc:Fallback xmlns="">
+        <mc:Fallback>
           <p:sp>
             <p:nvSpPr>
               <p:cNvPr id="27" name="TextBox 26"/>
@@ -27771,7 +29989,7 @@
             </p:nvSpPr>
             <p:spPr>
               <a:xfrm>
-                <a:off x="5116636" y="5305358"/>
+                <a:off x="5879113" y="5264638"/>
                 <a:ext cx="3941400" cy="696666"/>
               </a:xfrm>
               <a:prstGeom prst="rect">
@@ -27780,7 +29998,7 @@
               <a:blipFill rotWithShape="0">
                 <a:blip r:embed="rId10"/>
                 <a:stretch>
-                  <a:fillRect l="-5100" r="-5100" b="-94783"/>
+                  <a:fillRect l="-5100" r="-5100" b="-96491"/>
                 </a:stretch>
               </a:blipFill>
             </p:spPr>

--- a/presentation.pptx
+++ b/presentation.pptx
@@ -17,7 +17,11 @@
     <p:sldId id="263" r:id="rId11"/>
     <p:sldId id="264" r:id="rId12"/>
     <p:sldId id="265" r:id="rId13"/>
-    <p:sldId id="267" r:id="rId14"/>
+    <p:sldId id="269" r:id="rId14"/>
+    <p:sldId id="270" r:id="rId15"/>
+    <p:sldId id="271" r:id="rId16"/>
+    <p:sldId id="272" r:id="rId17"/>
+    <p:sldId id="267" r:id="rId18"/>
   </p:sldIdLst>
   <p:sldSz cx="12192000" cy="6858000"/>
   <p:notesSz cx="6858000" cy="9144000"/>
@@ -7159,8 +7163,8 @@
           </a:p>
         </p:txBody>
       </p:sp>
-      <mc:AlternateContent xmlns:mc="http://schemas.openxmlformats.org/markup-compatibility/2006">
-        <mc:Choice xmlns:a14="http://schemas.microsoft.com/office/drawing/2010/main" Requires="a14">
+      <mc:AlternateContent xmlns:mc="http://schemas.openxmlformats.org/markup-compatibility/2006" xmlns:a14="http://schemas.microsoft.com/office/drawing/2010/main">
+        <mc:Choice Requires="a14">
           <p:sp>
             <p:nvSpPr>
               <p:cNvPr id="7" name="Скругленный прямоугольник 6"/>
@@ -7245,7 +7249,7 @@
             </p:txBody>
           </p:sp>
         </mc:Choice>
-        <mc:Fallback>
+        <mc:Fallback xmlns="">
           <p:sp>
             <p:nvSpPr>
               <p:cNvPr id="7" name="Скругленный прямоугольник 6"/>
@@ -7284,8 +7288,8 @@
           </p:sp>
         </mc:Fallback>
       </mc:AlternateContent>
-      <mc:AlternateContent xmlns:mc="http://schemas.openxmlformats.org/markup-compatibility/2006">
-        <mc:Choice xmlns:a14="http://schemas.microsoft.com/office/drawing/2010/main" Requires="a14">
+      <mc:AlternateContent xmlns:mc="http://schemas.openxmlformats.org/markup-compatibility/2006" xmlns:a14="http://schemas.microsoft.com/office/drawing/2010/main">
+        <mc:Choice Requires="a14">
           <p:sp>
             <p:nvSpPr>
               <p:cNvPr id="8" name="Скругленный прямоугольник 7"/>
@@ -7374,7 +7378,7 @@
             </p:txBody>
           </p:sp>
         </mc:Choice>
-        <mc:Fallback>
+        <mc:Fallback xmlns="">
           <p:sp>
             <p:nvSpPr>
               <p:cNvPr id="8" name="Скругленный прямоугольник 7"/>
@@ -7413,8 +7417,8 @@
           </p:sp>
         </mc:Fallback>
       </mc:AlternateContent>
-      <mc:AlternateContent xmlns:mc="http://schemas.openxmlformats.org/markup-compatibility/2006">
-        <mc:Choice xmlns:a14="http://schemas.microsoft.com/office/drawing/2010/main" Requires="a14">
+      <mc:AlternateContent xmlns:mc="http://schemas.openxmlformats.org/markup-compatibility/2006" xmlns:a14="http://schemas.microsoft.com/office/drawing/2010/main">
+        <mc:Choice Requires="a14">
           <p:sp>
             <p:nvSpPr>
               <p:cNvPr id="9" name="Скругленный прямоугольник 8"/>
@@ -7499,7 +7503,7 @@
             </p:txBody>
           </p:sp>
         </mc:Choice>
-        <mc:Fallback>
+        <mc:Fallback xmlns="">
           <p:sp>
             <p:nvSpPr>
               <p:cNvPr id="9" name="Скругленный прямоугольник 8"/>
@@ -8454,8 +8458,8 @@
           </a:p>
         </p:txBody>
       </p:sp>
-      <mc:AlternateContent xmlns:mc="http://schemas.openxmlformats.org/markup-compatibility/2006">
-        <mc:Choice xmlns:a14="http://schemas.microsoft.com/office/drawing/2010/main" Requires="a14">
+      <mc:AlternateContent xmlns:mc="http://schemas.openxmlformats.org/markup-compatibility/2006" xmlns:a14="http://schemas.microsoft.com/office/drawing/2010/main">
+        <mc:Choice Requires="a14">
           <p:sp>
             <p:nvSpPr>
               <p:cNvPr id="10" name="TextBox 9"/>
@@ -8511,15 +8515,7 @@
                       <a:srgbClr val="FFFF00"/>
                     </a:solidFill>
                   </a:rPr>
-                  <a:t> </a:t>
-                </a:r>
-                <a:r>
-                  <a:rPr lang="en-US" dirty="0">
-                    <a:solidFill>
-                      <a:srgbClr val="FFFF00"/>
-                    </a:solidFill>
-                  </a:rPr>
-                  <a:t>      </a:t>
+                  <a:t>       </a:t>
                 </a:r>
                 <a:r>
                   <a:rPr lang="ru-RU" dirty="0">
@@ -8756,15 +8752,7 @@
                       <a:srgbClr val="FFFF00"/>
                     </a:solidFill>
                   </a:rPr>
-                  <a:t> </a:t>
-                </a:r>
-                <a:r>
-                  <a:rPr lang="ru-RU" dirty="0">
-                    <a:solidFill>
-                      <a:srgbClr val="FFFF00"/>
-                    </a:solidFill>
-                  </a:rPr>
-                  <a:t>      </a:t>
+                  <a:t>       </a:t>
                 </a:r>
                 <a:r>
                   <a:rPr lang="ru-RU" dirty="0" err="1">
@@ -8782,11 +8770,6 @@
                   </a:rPr>
                   <a:t> расстояний</a:t>
                 </a:r>
-                <a:endParaRPr lang="ru-RU" dirty="0">
-                  <a:solidFill>
-                    <a:srgbClr val="FFFF00"/>
-                  </a:solidFill>
-                </a:endParaRPr>
               </a:p>
               <a:p>
                 <a:endParaRPr lang="ru-RU" dirty="0"/>
@@ -8794,7 +8777,7 @@
             </p:txBody>
           </p:sp>
         </mc:Choice>
-        <mc:Fallback>
+        <mc:Fallback xmlns="">
           <p:sp>
             <p:nvSpPr>
               <p:cNvPr id="10" name="TextBox 9"/>
@@ -9015,6 +8998,2886 @@
 </file>
 
 <file path=ppt/slides/slide12.xml><?xml version="1.0" encoding="utf-8"?>
+<p:sld xmlns:a="http://schemas.openxmlformats.org/drawingml/2006/main" xmlns:r="http://schemas.openxmlformats.org/officeDocument/2006/relationships" xmlns:p="http://schemas.openxmlformats.org/presentationml/2006/main">
+  <p:cSld>
+    <p:spTree>
+      <p:nvGrpSpPr>
+        <p:cNvPr id="1" name=""/>
+        <p:cNvGrpSpPr/>
+        <p:nvPr/>
+      </p:nvGrpSpPr>
+      <p:grpSpPr>
+        <a:xfrm>
+          <a:off x="0" y="0"/>
+          <a:ext cx="0" cy="0"/>
+          <a:chOff x="0" y="0"/>
+          <a:chExt cx="0" cy="0"/>
+        </a:xfrm>
+      </p:grpSpPr>
+      <p:sp>
+        <p:nvSpPr>
+          <p:cNvPr id="2" name="Заголовок 1"/>
+          <p:cNvSpPr>
+            <a:spLocks noGrp="1"/>
+          </p:cNvSpPr>
+          <p:nvPr>
+            <p:ph type="ctrTitle"/>
+          </p:nvPr>
+        </p:nvSpPr>
+        <p:spPr>
+          <a:xfrm>
+            <a:off x="339811" y="743352"/>
+            <a:ext cx="11467070" cy="742917"/>
+          </a:xfrm>
+        </p:spPr>
+        <p:txBody>
+          <a:bodyPr>
+            <a:noAutofit/>
+          </a:bodyPr>
+          <a:lstStyle/>
+          <a:p>
+            <a:pPr algn="ctr"/>
+            <a:r>
+              <a:rPr lang="ru-RU" sz="4400" dirty="0" smtClean="0">
+                <a:solidFill>
+                  <a:srgbClr val="FFFF00"/>
+                </a:solidFill>
+              </a:rPr>
+              <a:t>С</a:t>
+            </a:r>
+            <a:r>
+              <a:rPr lang="ru-RU" sz="4400" dirty="0" smtClean="0">
+                <a:solidFill>
+                  <a:srgbClr val="FFFF00"/>
+                </a:solidFill>
+              </a:rPr>
+              <a:t>амоорганизующиеся карты </a:t>
+            </a:r>
+            <a:r>
+              <a:rPr lang="ru-RU" sz="4400" dirty="0" err="1">
+                <a:solidFill>
+                  <a:srgbClr val="FFFF00"/>
+                </a:solidFill>
+              </a:rPr>
+              <a:t>Кохонена</a:t>
+            </a:r>
+            <a:r>
+              <a:rPr lang="ru-RU" sz="4400" dirty="0">
+                <a:solidFill>
+                  <a:srgbClr val="FFFF00"/>
+                </a:solidFill>
+              </a:rPr>
+              <a:t> </a:t>
+            </a:r>
+            <a:r>
+              <a:rPr lang="en-US" sz="4400" dirty="0">
+                <a:solidFill>
+                  <a:srgbClr val="FFFF00"/>
+                </a:solidFill>
+              </a:rPr>
+              <a:t>(SOM)</a:t>
+            </a:r>
+            <a:r>
+              <a:rPr lang="ru-RU" sz="4400" dirty="0">
+                <a:solidFill>
+                  <a:srgbClr val="FFFF00"/>
+                </a:solidFill>
+              </a:rPr>
+              <a:t> </a:t>
+            </a:r>
+            <a:br>
+              <a:rPr lang="ru-RU" sz="4400" dirty="0">
+                <a:solidFill>
+                  <a:srgbClr val="FFFF00"/>
+                </a:solidFill>
+              </a:rPr>
+            </a:br>
+            <a:r>
+              <a:rPr lang="ru-RU" sz="4400" dirty="0" smtClean="0"/>
+              <a:t/>
+            </a:r>
+            <a:br>
+              <a:rPr lang="ru-RU" sz="4400" dirty="0" smtClean="0"/>
+            </a:br>
+            <a:endParaRPr lang="en-US" sz="4400" dirty="0"/>
+          </a:p>
+        </p:txBody>
+      </p:sp>
+      <p:sp>
+        <p:nvSpPr>
+          <p:cNvPr id="4" name="Скругленный прямоугольник 3"/>
+          <p:cNvSpPr/>
+          <p:nvPr/>
+        </p:nvSpPr>
+        <p:spPr>
+          <a:xfrm>
+            <a:off x="2329647" y="1668886"/>
+            <a:ext cx="2181946" cy="897924"/>
+          </a:xfrm>
+          <a:prstGeom prst="roundRect">
+            <a:avLst/>
+          </a:prstGeom>
+        </p:spPr>
+        <p:style>
+          <a:lnRef idx="2">
+            <a:schemeClr val="accent1">
+              <a:shade val="50000"/>
+            </a:schemeClr>
+          </a:lnRef>
+          <a:fillRef idx="1">
+            <a:schemeClr val="accent1"/>
+          </a:fillRef>
+          <a:effectRef idx="0">
+            <a:schemeClr val="accent1"/>
+          </a:effectRef>
+          <a:fontRef idx="minor">
+            <a:schemeClr val="lt1"/>
+          </a:fontRef>
+        </p:style>
+        <p:txBody>
+          <a:bodyPr rtlCol="0" anchor="ctr"/>
+          <a:lstStyle/>
+          <a:p>
+            <a:pPr algn="ctr"/>
+            <a:r>
+              <a:rPr lang="ru-RU" dirty="0" smtClean="0">
+                <a:solidFill>
+                  <a:srgbClr val="FFFF00"/>
+                </a:solidFill>
+              </a:rPr>
+              <a:t>Файл с данными первичной статистики</a:t>
+            </a:r>
+            <a:endParaRPr lang="en-US" dirty="0">
+              <a:solidFill>
+                <a:srgbClr val="FFFF00"/>
+              </a:solidFill>
+            </a:endParaRPr>
+          </a:p>
+        </p:txBody>
+      </p:sp>
+      <p:cxnSp>
+        <p:nvCxnSpPr>
+          <p:cNvPr id="13" name="Прямая соединительная линия 12"/>
+          <p:cNvCxnSpPr/>
+          <p:nvPr/>
+        </p:nvCxnSpPr>
+        <p:spPr>
+          <a:xfrm>
+            <a:off x="3406348" y="1843070"/>
+            <a:ext cx="12355" cy="18681"/>
+          </a:xfrm>
+          <a:prstGeom prst="line">
+            <a:avLst/>
+          </a:prstGeom>
+        </p:spPr>
+        <p:style>
+          <a:lnRef idx="1">
+            <a:schemeClr val="accent1"/>
+          </a:lnRef>
+          <a:fillRef idx="0">
+            <a:schemeClr val="accent1"/>
+          </a:fillRef>
+          <a:effectRef idx="0">
+            <a:schemeClr val="accent1"/>
+          </a:effectRef>
+          <a:fontRef idx="minor">
+            <a:schemeClr val="tx1"/>
+          </a:fontRef>
+        </p:style>
+      </p:cxnSp>
+      <p:sp>
+        <p:nvSpPr>
+          <p:cNvPr id="24" name="Стрелка вправо 23"/>
+          <p:cNvSpPr/>
+          <p:nvPr/>
+        </p:nvSpPr>
+        <p:spPr>
+          <a:xfrm>
+            <a:off x="2971626" y="3787954"/>
+            <a:ext cx="568929" cy="264851"/>
+          </a:xfrm>
+          <a:prstGeom prst="rightArrow">
+            <a:avLst/>
+          </a:prstGeom>
+        </p:spPr>
+        <p:style>
+          <a:lnRef idx="2">
+            <a:schemeClr val="accent1">
+              <a:shade val="50000"/>
+            </a:schemeClr>
+          </a:lnRef>
+          <a:fillRef idx="1">
+            <a:schemeClr val="accent1"/>
+          </a:fillRef>
+          <a:effectRef idx="0">
+            <a:schemeClr val="accent1"/>
+          </a:effectRef>
+          <a:fontRef idx="minor">
+            <a:schemeClr val="lt1"/>
+          </a:fontRef>
+        </p:style>
+        <p:txBody>
+          <a:bodyPr rtlCol="0" anchor="ctr"/>
+          <a:lstStyle/>
+          <a:p>
+            <a:pPr algn="ctr"/>
+            <a:endParaRPr lang="en-US"/>
+          </a:p>
+        </p:txBody>
+      </p:sp>
+      <p:cxnSp>
+        <p:nvCxnSpPr>
+          <p:cNvPr id="59" name="Прямая со стрелкой 58"/>
+          <p:cNvCxnSpPr>
+            <a:stCxn id="62" idx="3"/>
+            <a:endCxn id="43" idx="2"/>
+          </p:cNvCxnSpPr>
+          <p:nvPr/>
+        </p:nvCxnSpPr>
+        <p:spPr>
+          <a:xfrm flipV="1">
+            <a:off x="3819376" y="4730455"/>
+            <a:ext cx="4244124" cy="814743"/>
+          </a:xfrm>
+          <a:prstGeom prst="straightConnector1">
+            <a:avLst/>
+          </a:prstGeom>
+          <a:ln>
+            <a:solidFill>
+              <a:schemeClr val="bg1">
+                <a:lumMod val="50000"/>
+                <a:lumOff val="50000"/>
+              </a:schemeClr>
+            </a:solidFill>
+            <a:tailEnd type="triangle"/>
+          </a:ln>
+        </p:spPr>
+        <p:style>
+          <a:lnRef idx="1">
+            <a:schemeClr val="accent1"/>
+          </a:lnRef>
+          <a:fillRef idx="0">
+            <a:schemeClr val="accent1"/>
+          </a:fillRef>
+          <a:effectRef idx="0">
+            <a:schemeClr val="accent1"/>
+          </a:effectRef>
+          <a:fontRef idx="minor">
+            <a:schemeClr val="tx1"/>
+          </a:fontRef>
+        </p:style>
+      </p:cxnSp>
+      <p:cxnSp>
+        <p:nvCxnSpPr>
+          <p:cNvPr id="63" name="Прямая со стрелкой 62"/>
+          <p:cNvCxnSpPr>
+            <a:stCxn id="4" idx="2"/>
+            <a:endCxn id="37" idx="0"/>
+          </p:cNvCxnSpPr>
+          <p:nvPr/>
+        </p:nvCxnSpPr>
+        <p:spPr>
+          <a:xfrm flipH="1">
+            <a:off x="1803185" y="2566810"/>
+            <a:ext cx="1617435" cy="471087"/>
+          </a:xfrm>
+          <a:prstGeom prst="straightConnector1">
+            <a:avLst/>
+          </a:prstGeom>
+          <a:ln>
+            <a:solidFill>
+              <a:schemeClr val="bg1">
+                <a:lumMod val="50000"/>
+                <a:lumOff val="50000"/>
+              </a:schemeClr>
+            </a:solidFill>
+            <a:tailEnd type="triangle"/>
+          </a:ln>
+        </p:spPr>
+        <p:style>
+          <a:lnRef idx="1">
+            <a:schemeClr val="accent1"/>
+          </a:lnRef>
+          <a:fillRef idx="0">
+            <a:schemeClr val="accent1"/>
+          </a:fillRef>
+          <a:effectRef idx="0">
+            <a:schemeClr val="accent1"/>
+          </a:effectRef>
+          <a:fontRef idx="minor">
+            <a:schemeClr val="tx1"/>
+          </a:fontRef>
+        </p:style>
+      </p:cxnSp>
+      <p:sp>
+        <p:nvSpPr>
+          <p:cNvPr id="37" name="Скругленный прямоугольник 36"/>
+          <p:cNvSpPr/>
+          <p:nvPr/>
+        </p:nvSpPr>
+        <p:spPr>
+          <a:xfrm>
+            <a:off x="641650" y="3037897"/>
+            <a:ext cx="2323070" cy="1764968"/>
+          </a:xfrm>
+          <a:prstGeom prst="roundRect">
+            <a:avLst/>
+          </a:prstGeom>
+        </p:spPr>
+        <p:style>
+          <a:lnRef idx="2">
+            <a:schemeClr val="accent1">
+              <a:shade val="50000"/>
+            </a:schemeClr>
+          </a:lnRef>
+          <a:fillRef idx="1">
+            <a:schemeClr val="accent1"/>
+          </a:fillRef>
+          <a:effectRef idx="0">
+            <a:schemeClr val="accent1"/>
+          </a:effectRef>
+          <a:fontRef idx="minor">
+            <a:schemeClr val="lt1"/>
+          </a:fontRef>
+        </p:style>
+        <p:txBody>
+          <a:bodyPr rtlCol="0" anchor="ctr"/>
+          <a:lstStyle/>
+          <a:p>
+            <a:pPr algn="ctr"/>
+            <a:r>
+              <a:rPr lang="ru-RU" dirty="0" smtClean="0">
+                <a:solidFill>
+                  <a:srgbClr val="FFFF00"/>
+                </a:solidFill>
+              </a:rPr>
+              <a:t>1. Сбор статистики по каждой колонке:</a:t>
+            </a:r>
+          </a:p>
+          <a:p>
+            <a:pPr algn="ctr"/>
+            <a:r>
+              <a:rPr lang="en-US" dirty="0">
+                <a:solidFill>
+                  <a:srgbClr val="FFFF00"/>
+                </a:solidFill>
+              </a:rPr>
+              <a:t>m</a:t>
+            </a:r>
+            <a:r>
+              <a:rPr lang="en-US" dirty="0" smtClean="0">
+                <a:solidFill>
+                  <a:srgbClr val="FFFF00"/>
+                </a:solidFill>
+              </a:rPr>
+              <a:t>in, max, count, average</a:t>
+            </a:r>
+          </a:p>
+          <a:p>
+            <a:pPr algn="ctr"/>
+            <a:endParaRPr lang="en-US" dirty="0">
+              <a:solidFill>
+                <a:srgbClr val="FFFF00"/>
+              </a:solidFill>
+            </a:endParaRPr>
+          </a:p>
+        </p:txBody>
+      </p:sp>
+      <p:sp>
+        <p:nvSpPr>
+          <p:cNvPr id="38" name="Скругленный прямоугольник 37"/>
+          <p:cNvSpPr/>
+          <p:nvPr/>
+        </p:nvSpPr>
+        <p:spPr>
+          <a:xfrm>
+            <a:off x="3512816" y="3037896"/>
+            <a:ext cx="2323070" cy="1764969"/>
+          </a:xfrm>
+          <a:prstGeom prst="roundRect">
+            <a:avLst/>
+          </a:prstGeom>
+        </p:spPr>
+        <p:style>
+          <a:lnRef idx="2">
+            <a:schemeClr val="accent1">
+              <a:shade val="50000"/>
+            </a:schemeClr>
+          </a:lnRef>
+          <a:fillRef idx="1">
+            <a:schemeClr val="accent1"/>
+          </a:fillRef>
+          <a:effectRef idx="0">
+            <a:schemeClr val="accent1"/>
+          </a:effectRef>
+          <a:fontRef idx="minor">
+            <a:schemeClr val="lt1"/>
+          </a:fontRef>
+        </p:style>
+        <p:txBody>
+          <a:bodyPr rtlCol="0" anchor="ctr"/>
+          <a:lstStyle/>
+          <a:p>
+            <a:pPr algn="ctr"/>
+            <a:r>
+              <a:rPr lang="ru-RU" dirty="0">
+                <a:solidFill>
+                  <a:srgbClr val="FFFF00"/>
+                </a:solidFill>
+              </a:rPr>
+              <a:t>2</a:t>
+            </a:r>
+            <a:r>
+              <a:rPr lang="ru-RU" dirty="0" smtClean="0">
+                <a:solidFill>
+                  <a:srgbClr val="FFFF00"/>
+                </a:solidFill>
+              </a:rPr>
+              <a:t>. Линейная инициализация нейронной сети</a:t>
+            </a:r>
+          </a:p>
+          <a:p>
+            <a:r>
+              <a:rPr lang="ru-RU" sz="1000" dirty="0" smtClean="0">
+                <a:solidFill>
+                  <a:srgbClr val="FFFF00"/>
+                </a:solidFill>
+              </a:rPr>
+              <a:t>Входные параметры:</a:t>
+            </a:r>
+          </a:p>
+          <a:p>
+            <a:pPr marL="228600" indent="-228600">
+              <a:buAutoNum type="arabicPeriod"/>
+            </a:pPr>
+            <a:r>
+              <a:rPr lang="ru-RU" sz="1000" dirty="0" smtClean="0">
+                <a:solidFill>
+                  <a:srgbClr val="FFFF00"/>
+                </a:solidFill>
+              </a:rPr>
+              <a:t>(</a:t>
+            </a:r>
+            <a:r>
+              <a:rPr lang="en-US" sz="1000" dirty="0" err="1" smtClean="0">
+                <a:solidFill>
+                  <a:srgbClr val="FFFF00"/>
+                </a:solidFill>
+              </a:rPr>
+              <a:t>xdim</a:t>
+            </a:r>
+            <a:r>
+              <a:rPr lang="en-US" sz="1000" dirty="0" smtClean="0">
+                <a:solidFill>
+                  <a:srgbClr val="FFFF00"/>
+                </a:solidFill>
+              </a:rPr>
+              <a:t>, </a:t>
+            </a:r>
+            <a:r>
+              <a:rPr lang="en-US" sz="1000" dirty="0" err="1" smtClean="0">
+                <a:solidFill>
+                  <a:srgbClr val="FFFF00"/>
+                </a:solidFill>
+              </a:rPr>
+              <a:t>ydim</a:t>
+            </a:r>
+            <a:r>
+              <a:rPr lang="ru-RU" sz="1000" dirty="0" smtClean="0">
+                <a:solidFill>
+                  <a:srgbClr val="FFFF00"/>
+                </a:solidFill>
+              </a:rPr>
+              <a:t>)</a:t>
+            </a:r>
+            <a:r>
+              <a:rPr lang="en-US" sz="1000" dirty="0" smtClean="0">
+                <a:solidFill>
+                  <a:srgbClr val="FFFF00"/>
+                </a:solidFill>
+              </a:rPr>
+              <a:t> </a:t>
+            </a:r>
+            <a:r>
+              <a:rPr lang="ru-RU" sz="1000" dirty="0" smtClean="0">
+                <a:solidFill>
+                  <a:srgbClr val="FFFF00"/>
+                </a:solidFill>
+              </a:rPr>
+              <a:t>-размер карты</a:t>
+            </a:r>
+            <a:r>
+              <a:rPr lang="en-US" sz="1000" dirty="0" smtClean="0">
+                <a:solidFill>
+                  <a:srgbClr val="FFFF00"/>
+                </a:solidFill>
+              </a:rPr>
+              <a:t>;</a:t>
+            </a:r>
+          </a:p>
+          <a:p>
+            <a:pPr marL="228600" indent="-228600">
+              <a:buAutoNum type="arabicPeriod"/>
+            </a:pPr>
+            <a:r>
+              <a:rPr lang="ru-RU" sz="1000" dirty="0" smtClean="0">
+                <a:solidFill>
+                  <a:srgbClr val="FFFF00"/>
+                </a:solidFill>
+              </a:rPr>
+              <a:t>  статистика по каждой из колонок</a:t>
+            </a:r>
+            <a:r>
+              <a:rPr lang="en-US" sz="1000" dirty="0" smtClean="0">
+                <a:solidFill>
+                  <a:srgbClr val="FFFF00"/>
+                </a:solidFill>
+              </a:rPr>
+              <a:t>;</a:t>
+            </a:r>
+          </a:p>
+          <a:p>
+            <a:pPr marL="228600" indent="-228600">
+              <a:buAutoNum type="arabicPeriod"/>
+            </a:pPr>
+            <a:r>
+              <a:rPr lang="ru-RU" sz="1000" dirty="0" smtClean="0">
+                <a:solidFill>
+                  <a:srgbClr val="FFFF00"/>
+                </a:solidFill>
+              </a:rPr>
+              <a:t>файл с данными</a:t>
+            </a:r>
+            <a:endParaRPr lang="en-US" sz="1000" dirty="0" smtClean="0">
+              <a:solidFill>
+                <a:srgbClr val="FFFF00"/>
+              </a:solidFill>
+            </a:endParaRPr>
+          </a:p>
+        </p:txBody>
+      </p:sp>
+      <p:cxnSp>
+        <p:nvCxnSpPr>
+          <p:cNvPr id="40" name="Прямая со стрелкой 39"/>
+          <p:cNvCxnSpPr>
+            <a:stCxn id="4" idx="2"/>
+            <a:endCxn id="38" idx="0"/>
+          </p:cNvCxnSpPr>
+          <p:nvPr/>
+        </p:nvCxnSpPr>
+        <p:spPr>
+          <a:xfrm>
+            <a:off x="3420620" y="2566810"/>
+            <a:ext cx="1253731" cy="471086"/>
+          </a:xfrm>
+          <a:prstGeom prst="straightConnector1">
+            <a:avLst/>
+          </a:prstGeom>
+          <a:ln>
+            <a:solidFill>
+              <a:schemeClr val="bg1">
+                <a:lumMod val="50000"/>
+                <a:lumOff val="50000"/>
+              </a:schemeClr>
+            </a:solidFill>
+            <a:tailEnd type="triangle"/>
+          </a:ln>
+        </p:spPr>
+        <p:style>
+          <a:lnRef idx="1">
+            <a:schemeClr val="accent1"/>
+          </a:lnRef>
+          <a:fillRef idx="0">
+            <a:schemeClr val="accent1"/>
+          </a:fillRef>
+          <a:effectRef idx="0">
+            <a:schemeClr val="accent1"/>
+          </a:effectRef>
+          <a:fontRef idx="minor">
+            <a:schemeClr val="tx1"/>
+          </a:fontRef>
+        </p:style>
+      </p:cxnSp>
+      <p:sp>
+        <p:nvSpPr>
+          <p:cNvPr id="43" name="Скругленный прямоугольник 42"/>
+          <p:cNvSpPr/>
+          <p:nvPr/>
+        </p:nvSpPr>
+        <p:spPr>
+          <a:xfrm>
+            <a:off x="6390889" y="2965486"/>
+            <a:ext cx="3345222" cy="1764969"/>
+          </a:xfrm>
+          <a:prstGeom prst="roundRect">
+            <a:avLst/>
+          </a:prstGeom>
+        </p:spPr>
+        <p:style>
+          <a:lnRef idx="2">
+            <a:schemeClr val="accent1">
+              <a:shade val="50000"/>
+            </a:schemeClr>
+          </a:lnRef>
+          <a:fillRef idx="1">
+            <a:schemeClr val="accent1"/>
+          </a:fillRef>
+          <a:effectRef idx="0">
+            <a:schemeClr val="accent1"/>
+          </a:effectRef>
+          <a:fontRef idx="minor">
+            <a:schemeClr val="lt1"/>
+          </a:fontRef>
+        </p:style>
+        <p:txBody>
+          <a:bodyPr rtlCol="0" anchor="ctr"/>
+          <a:lstStyle/>
+          <a:p>
+            <a:pPr algn="ctr"/>
+            <a:r>
+              <a:rPr lang="ru-RU" dirty="0" smtClean="0">
+                <a:solidFill>
+                  <a:srgbClr val="FFFF00"/>
+                </a:solidFill>
+              </a:rPr>
+              <a:t>3. Обучение нейронной сети</a:t>
+            </a:r>
+          </a:p>
+          <a:p>
+            <a:r>
+              <a:rPr lang="ru-RU" sz="1000" dirty="0">
+                <a:solidFill>
+                  <a:srgbClr val="FFFF00"/>
+                </a:solidFill>
+              </a:rPr>
+              <a:t>Входные параметры:</a:t>
+            </a:r>
+          </a:p>
+          <a:p>
+            <a:pPr marL="228600" indent="-228600">
+              <a:buAutoNum type="arabicPeriod"/>
+            </a:pPr>
+            <a:r>
+              <a:rPr lang="ru-RU" sz="1000" dirty="0">
+                <a:solidFill>
+                  <a:srgbClr val="FFFF00"/>
+                </a:solidFill>
+              </a:rPr>
+              <a:t>(</a:t>
+            </a:r>
+            <a:r>
+              <a:rPr lang="en-US" sz="1000" dirty="0" err="1">
+                <a:solidFill>
+                  <a:srgbClr val="FFFF00"/>
+                </a:solidFill>
+              </a:rPr>
+              <a:t>xdim</a:t>
+            </a:r>
+            <a:r>
+              <a:rPr lang="en-US" sz="1000" dirty="0">
+                <a:solidFill>
+                  <a:srgbClr val="FFFF00"/>
+                </a:solidFill>
+              </a:rPr>
+              <a:t>, </a:t>
+            </a:r>
+            <a:r>
+              <a:rPr lang="en-US" sz="1000" dirty="0" err="1">
+                <a:solidFill>
+                  <a:srgbClr val="FFFF00"/>
+                </a:solidFill>
+              </a:rPr>
+              <a:t>ydim</a:t>
+            </a:r>
+            <a:r>
+              <a:rPr lang="ru-RU" sz="1000" dirty="0">
+                <a:solidFill>
+                  <a:srgbClr val="FFFF00"/>
+                </a:solidFill>
+              </a:rPr>
+              <a:t>)</a:t>
+            </a:r>
+            <a:r>
+              <a:rPr lang="en-US" sz="1000" dirty="0">
+                <a:solidFill>
+                  <a:srgbClr val="FFFF00"/>
+                </a:solidFill>
+              </a:rPr>
+              <a:t> </a:t>
+            </a:r>
+            <a:r>
+              <a:rPr lang="ru-RU" sz="1000" dirty="0">
+                <a:solidFill>
+                  <a:srgbClr val="FFFF00"/>
+                </a:solidFill>
+              </a:rPr>
+              <a:t>-размер карты</a:t>
+            </a:r>
+            <a:r>
+              <a:rPr lang="en-US" sz="1000" dirty="0" smtClean="0">
+                <a:solidFill>
+                  <a:srgbClr val="FFFF00"/>
+                </a:solidFill>
+              </a:rPr>
+              <a:t>;</a:t>
+            </a:r>
+            <a:endParaRPr lang="ru-RU" sz="1000" dirty="0" smtClean="0">
+              <a:solidFill>
+                <a:srgbClr val="FFFF00"/>
+              </a:solidFill>
+            </a:endParaRPr>
+          </a:p>
+          <a:p>
+            <a:pPr marL="228600" indent="-228600">
+              <a:buAutoNum type="arabicPeriod"/>
+            </a:pPr>
+            <a:r>
+              <a:rPr lang="en-US" sz="1000" dirty="0" smtClean="0">
+                <a:solidFill>
+                  <a:srgbClr val="FFFF00"/>
+                </a:solidFill>
+              </a:rPr>
+              <a:t>radius, alpha, alpha function, winner searcher function, neighbor adaptation function, map distance function     </a:t>
+            </a:r>
+            <a:endParaRPr lang="en-US" sz="1000" dirty="0">
+              <a:solidFill>
+                <a:srgbClr val="FFFF00"/>
+              </a:solidFill>
+            </a:endParaRPr>
+          </a:p>
+          <a:p>
+            <a:pPr marL="228600" indent="-228600">
+              <a:buAutoNum type="arabicPeriod"/>
+            </a:pPr>
+            <a:r>
+              <a:rPr lang="ru-RU" sz="1000" dirty="0" smtClean="0">
+                <a:solidFill>
+                  <a:srgbClr val="FFFF00"/>
+                </a:solidFill>
+              </a:rPr>
+              <a:t>статистика </a:t>
+            </a:r>
+            <a:r>
+              <a:rPr lang="ru-RU" sz="1000" dirty="0">
+                <a:solidFill>
+                  <a:srgbClr val="FFFF00"/>
+                </a:solidFill>
+              </a:rPr>
+              <a:t>по каждой из </a:t>
+            </a:r>
+            <a:r>
+              <a:rPr lang="ru-RU" sz="1000" dirty="0" smtClean="0">
+                <a:solidFill>
+                  <a:srgbClr val="FFFF00"/>
+                </a:solidFill>
+              </a:rPr>
+              <a:t>колонок (необходима только в случае нормализации данных)</a:t>
+            </a:r>
+            <a:r>
+              <a:rPr lang="en-US" sz="1000" dirty="0" smtClean="0">
+                <a:solidFill>
+                  <a:srgbClr val="FFFF00"/>
+                </a:solidFill>
+              </a:rPr>
+              <a:t>;</a:t>
+            </a:r>
+            <a:endParaRPr lang="en-US" sz="1000" dirty="0">
+              <a:solidFill>
+                <a:srgbClr val="FFFF00"/>
+              </a:solidFill>
+            </a:endParaRPr>
+          </a:p>
+          <a:p>
+            <a:pPr marL="228600" indent="-228600">
+              <a:buAutoNum type="arabicPeriod"/>
+            </a:pPr>
+            <a:r>
+              <a:rPr lang="ru-RU" sz="1000" dirty="0">
+                <a:solidFill>
+                  <a:srgbClr val="FFFF00"/>
+                </a:solidFill>
+              </a:rPr>
+              <a:t>файл с </a:t>
+            </a:r>
+            <a:r>
+              <a:rPr lang="ru-RU" sz="1000" dirty="0" smtClean="0">
+                <a:solidFill>
+                  <a:srgbClr val="FFFF00"/>
+                </a:solidFill>
+              </a:rPr>
+              <a:t>данными</a:t>
+            </a:r>
+            <a:r>
+              <a:rPr lang="en-US" sz="1000" dirty="0" smtClean="0">
+                <a:solidFill>
+                  <a:srgbClr val="FFFF00"/>
+                </a:solidFill>
+              </a:rPr>
+              <a:t> </a:t>
+            </a:r>
+            <a:r>
+              <a:rPr lang="ru-RU" sz="1000" dirty="0" smtClean="0">
+                <a:solidFill>
+                  <a:srgbClr val="FFFF00"/>
+                </a:solidFill>
+              </a:rPr>
+              <a:t>первичной статистики</a:t>
+            </a:r>
+            <a:endParaRPr lang="en-US" sz="1000" dirty="0">
+              <a:solidFill>
+                <a:srgbClr val="FFFF00"/>
+              </a:solidFill>
+            </a:endParaRPr>
+          </a:p>
+        </p:txBody>
+      </p:sp>
+      <p:sp>
+        <p:nvSpPr>
+          <p:cNvPr id="44" name="Стрелка вправо 43"/>
+          <p:cNvSpPr/>
+          <p:nvPr/>
+        </p:nvSpPr>
+        <p:spPr>
+          <a:xfrm>
+            <a:off x="5833521" y="3725995"/>
+            <a:ext cx="568929" cy="264851"/>
+          </a:xfrm>
+          <a:prstGeom prst="rightArrow">
+            <a:avLst/>
+          </a:prstGeom>
+        </p:spPr>
+        <p:style>
+          <a:lnRef idx="2">
+            <a:schemeClr val="accent1">
+              <a:shade val="50000"/>
+            </a:schemeClr>
+          </a:lnRef>
+          <a:fillRef idx="1">
+            <a:schemeClr val="accent1"/>
+          </a:fillRef>
+          <a:effectRef idx="0">
+            <a:schemeClr val="accent1"/>
+          </a:effectRef>
+          <a:fontRef idx="minor">
+            <a:schemeClr val="lt1"/>
+          </a:fontRef>
+        </p:style>
+        <p:txBody>
+          <a:bodyPr rtlCol="0" anchor="ctr"/>
+          <a:lstStyle/>
+          <a:p>
+            <a:pPr algn="ctr"/>
+            <a:endParaRPr lang="en-US"/>
+          </a:p>
+        </p:txBody>
+      </p:sp>
+      <p:cxnSp>
+        <p:nvCxnSpPr>
+          <p:cNvPr id="53" name="Прямая со стрелкой 52"/>
+          <p:cNvCxnSpPr>
+            <a:stCxn id="4" idx="2"/>
+            <a:endCxn id="43" idx="0"/>
+          </p:cNvCxnSpPr>
+          <p:nvPr/>
+        </p:nvCxnSpPr>
+        <p:spPr>
+          <a:xfrm>
+            <a:off x="3420620" y="2566810"/>
+            <a:ext cx="4642880" cy="398676"/>
+          </a:xfrm>
+          <a:prstGeom prst="straightConnector1">
+            <a:avLst/>
+          </a:prstGeom>
+          <a:ln>
+            <a:solidFill>
+              <a:schemeClr val="bg1">
+                <a:lumMod val="50000"/>
+                <a:lumOff val="50000"/>
+              </a:schemeClr>
+            </a:solidFill>
+            <a:tailEnd type="triangle"/>
+          </a:ln>
+        </p:spPr>
+        <p:style>
+          <a:lnRef idx="1">
+            <a:schemeClr val="accent1"/>
+          </a:lnRef>
+          <a:fillRef idx="0">
+            <a:schemeClr val="accent1"/>
+          </a:fillRef>
+          <a:effectRef idx="0">
+            <a:schemeClr val="accent1"/>
+          </a:effectRef>
+          <a:fontRef idx="minor">
+            <a:schemeClr val="tx1"/>
+          </a:fontRef>
+        </p:style>
+      </p:cxnSp>
+      <p:sp>
+        <p:nvSpPr>
+          <p:cNvPr id="62" name="Скругленный прямоугольник 61"/>
+          <p:cNvSpPr/>
+          <p:nvPr/>
+        </p:nvSpPr>
+        <p:spPr>
+          <a:xfrm>
+            <a:off x="1637430" y="5096236"/>
+            <a:ext cx="2181946" cy="897924"/>
+          </a:xfrm>
+          <a:prstGeom prst="roundRect">
+            <a:avLst/>
+          </a:prstGeom>
+          <a:solidFill>
+            <a:schemeClr val="tx2">
+              <a:lumMod val="50000"/>
+            </a:schemeClr>
+          </a:solidFill>
+        </p:spPr>
+        <p:style>
+          <a:lnRef idx="2">
+            <a:schemeClr val="accent1">
+              <a:shade val="50000"/>
+            </a:schemeClr>
+          </a:lnRef>
+          <a:fillRef idx="1">
+            <a:schemeClr val="accent1"/>
+          </a:fillRef>
+          <a:effectRef idx="0">
+            <a:schemeClr val="accent1"/>
+          </a:effectRef>
+          <a:fontRef idx="minor">
+            <a:schemeClr val="lt1"/>
+          </a:fontRef>
+        </p:style>
+        <p:txBody>
+          <a:bodyPr rtlCol="0" anchor="ctr"/>
+          <a:lstStyle/>
+          <a:p>
+            <a:pPr algn="ctr"/>
+            <a:r>
+              <a:rPr lang="ru-RU" sz="1400" dirty="0" smtClean="0">
+                <a:ln w="0"/>
+                <a:solidFill>
+                  <a:srgbClr val="FFFF00"/>
+                </a:solidFill>
+              </a:rPr>
+              <a:t>Файл</a:t>
+            </a:r>
+            <a:r>
+              <a:rPr lang="en-US" sz="1400" dirty="0">
+                <a:ln w="0"/>
+                <a:solidFill>
+                  <a:srgbClr val="FFFF00"/>
+                </a:solidFill>
+              </a:rPr>
+              <a:t> </a:t>
+            </a:r>
+            <a:r>
+              <a:rPr lang="ru-RU" sz="1400" dirty="0" smtClean="0">
+                <a:ln w="0"/>
+                <a:solidFill>
+                  <a:srgbClr val="FFFF00"/>
+                </a:solidFill>
+              </a:rPr>
+              <a:t>статистики </a:t>
+            </a:r>
+            <a:r>
+              <a:rPr lang="en-US" sz="1400" dirty="0" smtClean="0">
+                <a:ln w="0"/>
+                <a:solidFill>
+                  <a:srgbClr val="FFFF00"/>
+                </a:solidFill>
+              </a:rPr>
+              <a:t>stb_summary.dat</a:t>
+            </a:r>
+            <a:endParaRPr lang="en-US" sz="1400" dirty="0">
+              <a:ln w="0"/>
+              <a:solidFill>
+                <a:srgbClr val="FFFF00"/>
+              </a:solidFill>
+            </a:endParaRPr>
+          </a:p>
+        </p:txBody>
+      </p:sp>
+      <p:cxnSp>
+        <p:nvCxnSpPr>
+          <p:cNvPr id="64" name="Прямая со стрелкой 63"/>
+          <p:cNvCxnSpPr>
+            <a:stCxn id="62" idx="3"/>
+            <a:endCxn id="38" idx="2"/>
+          </p:cNvCxnSpPr>
+          <p:nvPr/>
+        </p:nvCxnSpPr>
+        <p:spPr>
+          <a:xfrm flipV="1">
+            <a:off x="3819376" y="4802865"/>
+            <a:ext cx="854975" cy="742333"/>
+          </a:xfrm>
+          <a:prstGeom prst="straightConnector1">
+            <a:avLst/>
+          </a:prstGeom>
+          <a:ln>
+            <a:solidFill>
+              <a:schemeClr val="bg1">
+                <a:lumMod val="50000"/>
+                <a:lumOff val="50000"/>
+              </a:schemeClr>
+            </a:solidFill>
+            <a:tailEnd type="triangle"/>
+          </a:ln>
+        </p:spPr>
+        <p:style>
+          <a:lnRef idx="1">
+            <a:schemeClr val="accent1"/>
+          </a:lnRef>
+          <a:fillRef idx="0">
+            <a:schemeClr val="accent1"/>
+          </a:fillRef>
+          <a:effectRef idx="0">
+            <a:schemeClr val="accent1"/>
+          </a:effectRef>
+          <a:fontRef idx="minor">
+            <a:schemeClr val="tx1"/>
+          </a:fontRef>
+        </p:style>
+      </p:cxnSp>
+      <p:cxnSp>
+        <p:nvCxnSpPr>
+          <p:cNvPr id="68" name="Прямая со стрелкой 67"/>
+          <p:cNvCxnSpPr/>
+          <p:nvPr/>
+        </p:nvCxnSpPr>
+        <p:spPr>
+          <a:xfrm>
+            <a:off x="2349695" y="4802865"/>
+            <a:ext cx="72148" cy="294048"/>
+          </a:xfrm>
+          <a:prstGeom prst="straightConnector1">
+            <a:avLst/>
+          </a:prstGeom>
+          <a:ln>
+            <a:solidFill>
+              <a:schemeClr val="bg1">
+                <a:lumMod val="50000"/>
+                <a:lumOff val="50000"/>
+              </a:schemeClr>
+            </a:solidFill>
+            <a:tailEnd type="triangle"/>
+          </a:ln>
+        </p:spPr>
+        <p:style>
+          <a:lnRef idx="1">
+            <a:schemeClr val="accent1"/>
+          </a:lnRef>
+          <a:fillRef idx="0">
+            <a:schemeClr val="accent1"/>
+          </a:fillRef>
+          <a:effectRef idx="0">
+            <a:schemeClr val="accent1"/>
+          </a:effectRef>
+          <a:fontRef idx="minor">
+            <a:schemeClr val="tx1"/>
+          </a:fontRef>
+        </p:style>
+      </p:cxnSp>
+      <p:pic>
+        <p:nvPicPr>
+          <p:cNvPr id="112" name="Рисунок 111"/>
+          <p:cNvPicPr>
+            <a:picLocks noChangeAspect="1"/>
+          </p:cNvPicPr>
+          <p:nvPr/>
+        </p:nvPicPr>
+        <p:blipFill>
+          <a:blip r:embed="rId2">
+            <a:extLst>
+              <a:ext uri="{28A0092B-C50C-407E-A947-70E740481C1C}">
+                <a14:useLocalDpi xmlns:a14="http://schemas.microsoft.com/office/drawing/2010/main" val="0"/>
+              </a:ext>
+            </a:extLst>
+          </a:blip>
+          <a:stretch>
+            <a:fillRect/>
+          </a:stretch>
+        </p:blipFill>
+        <p:spPr>
+          <a:xfrm>
+            <a:off x="9983573" y="1588848"/>
+            <a:ext cx="1672393" cy="1062446"/>
+          </a:xfrm>
+          <a:prstGeom prst="rect">
+            <a:avLst/>
+          </a:prstGeom>
+        </p:spPr>
+      </p:pic>
+      <p:pic>
+        <p:nvPicPr>
+          <p:cNvPr id="113" name="Рисунок 112"/>
+          <p:cNvPicPr>
+            <a:picLocks noChangeAspect="1"/>
+          </p:cNvPicPr>
+          <p:nvPr/>
+        </p:nvPicPr>
+        <p:blipFill>
+          <a:blip r:embed="rId3">
+            <a:extLst>
+              <a:ext uri="{28A0092B-C50C-407E-A947-70E740481C1C}">
+                <a14:useLocalDpi xmlns:a14="http://schemas.microsoft.com/office/drawing/2010/main" val="0"/>
+              </a:ext>
+            </a:extLst>
+          </a:blip>
+          <a:stretch>
+            <a:fillRect/>
+          </a:stretch>
+        </p:blipFill>
+        <p:spPr>
+          <a:xfrm>
+            <a:off x="10132135" y="2764872"/>
+            <a:ext cx="1375271" cy="1439439"/>
+          </a:xfrm>
+          <a:prstGeom prst="rect">
+            <a:avLst/>
+          </a:prstGeom>
+        </p:spPr>
+      </p:pic>
+      <p:pic>
+        <p:nvPicPr>
+          <p:cNvPr id="116" name="Рисунок 115"/>
+          <p:cNvPicPr>
+            <a:picLocks noChangeAspect="1"/>
+          </p:cNvPicPr>
+          <p:nvPr/>
+        </p:nvPicPr>
+        <p:blipFill>
+          <a:blip r:embed="rId4">
+            <a:extLst>
+              <a:ext uri="{28A0092B-C50C-407E-A947-70E740481C1C}">
+                <a14:useLocalDpi xmlns:a14="http://schemas.microsoft.com/office/drawing/2010/main" val="0"/>
+              </a:ext>
+            </a:extLst>
+          </a:blip>
+          <a:stretch>
+            <a:fillRect/>
+          </a:stretch>
+        </p:blipFill>
+        <p:spPr>
+          <a:xfrm>
+            <a:off x="9983573" y="4312722"/>
+            <a:ext cx="1708622" cy="1781603"/>
+          </a:xfrm>
+          <a:prstGeom prst="rect">
+            <a:avLst/>
+          </a:prstGeom>
+        </p:spPr>
+      </p:pic>
+      <p:pic>
+        <p:nvPicPr>
+          <p:cNvPr id="117" name="Рисунок 116"/>
+          <p:cNvPicPr>
+            <a:picLocks noChangeAspect="1"/>
+          </p:cNvPicPr>
+          <p:nvPr/>
+        </p:nvPicPr>
+        <p:blipFill>
+          <a:blip r:embed="rId5">
+            <a:extLst>
+              <a:ext uri="{28A0092B-C50C-407E-A947-70E740481C1C}">
+                <a14:useLocalDpi xmlns:a14="http://schemas.microsoft.com/office/drawing/2010/main" val="0"/>
+              </a:ext>
+            </a:extLst>
+          </a:blip>
+          <a:stretch>
+            <a:fillRect/>
+          </a:stretch>
+        </p:blipFill>
+        <p:spPr>
+          <a:xfrm>
+            <a:off x="6803204" y="1572252"/>
+            <a:ext cx="1741014" cy="1101515"/>
+          </a:xfrm>
+          <a:prstGeom prst="rect">
+            <a:avLst/>
+          </a:prstGeom>
+        </p:spPr>
+      </p:pic>
+      <p:cxnSp>
+        <p:nvCxnSpPr>
+          <p:cNvPr id="118" name="Прямая со стрелкой 117"/>
+          <p:cNvCxnSpPr>
+            <a:stCxn id="44" idx="1"/>
+            <a:endCxn id="117" idx="1"/>
+          </p:cNvCxnSpPr>
+          <p:nvPr/>
+        </p:nvCxnSpPr>
+        <p:spPr>
+          <a:xfrm flipV="1">
+            <a:off x="5833521" y="2123010"/>
+            <a:ext cx="969683" cy="1735411"/>
+          </a:xfrm>
+          <a:prstGeom prst="straightConnector1">
+            <a:avLst/>
+          </a:prstGeom>
+          <a:ln>
+            <a:solidFill>
+              <a:schemeClr val="bg1">
+                <a:lumMod val="50000"/>
+                <a:lumOff val="50000"/>
+              </a:schemeClr>
+            </a:solidFill>
+            <a:tailEnd type="triangle"/>
+          </a:ln>
+        </p:spPr>
+        <p:style>
+          <a:lnRef idx="1">
+            <a:schemeClr val="accent1"/>
+          </a:lnRef>
+          <a:fillRef idx="0">
+            <a:schemeClr val="accent1"/>
+          </a:fillRef>
+          <a:effectRef idx="0">
+            <a:schemeClr val="accent1"/>
+          </a:effectRef>
+          <a:fontRef idx="minor">
+            <a:schemeClr val="tx1"/>
+          </a:fontRef>
+        </p:style>
+      </p:cxnSp>
+      <p:sp>
+        <p:nvSpPr>
+          <p:cNvPr id="130" name="Скругленный прямоугольник 129"/>
+          <p:cNvSpPr/>
+          <p:nvPr/>
+        </p:nvSpPr>
+        <p:spPr>
+          <a:xfrm>
+            <a:off x="5065637" y="5096236"/>
+            <a:ext cx="3039538" cy="897924"/>
+          </a:xfrm>
+          <a:prstGeom prst="roundRect">
+            <a:avLst/>
+          </a:prstGeom>
+          <a:solidFill>
+            <a:schemeClr val="tx2">
+              <a:lumMod val="50000"/>
+            </a:schemeClr>
+          </a:solidFill>
+        </p:spPr>
+        <p:style>
+          <a:lnRef idx="2">
+            <a:schemeClr val="accent1">
+              <a:shade val="50000"/>
+            </a:schemeClr>
+          </a:lnRef>
+          <a:fillRef idx="1">
+            <a:schemeClr val="accent1"/>
+          </a:fillRef>
+          <a:effectRef idx="0">
+            <a:schemeClr val="accent1"/>
+          </a:effectRef>
+          <a:fontRef idx="minor">
+            <a:schemeClr val="lt1"/>
+          </a:fontRef>
+        </p:style>
+        <p:txBody>
+          <a:bodyPr rtlCol="0" anchor="ctr"/>
+          <a:lstStyle/>
+          <a:p>
+            <a:pPr algn="ctr"/>
+            <a:r>
+              <a:rPr lang="ru-RU" sz="1400" dirty="0" smtClean="0">
+                <a:ln w="0"/>
+                <a:solidFill>
+                  <a:srgbClr val="FFFF00"/>
+                </a:solidFill>
+              </a:rPr>
+              <a:t>Файл</a:t>
+            </a:r>
+            <a:r>
+              <a:rPr lang="en-US" sz="1400" dirty="0">
+                <a:ln w="0"/>
+                <a:solidFill>
+                  <a:srgbClr val="FFFF00"/>
+                </a:solidFill>
+              </a:rPr>
+              <a:t> </a:t>
+            </a:r>
+            <a:r>
+              <a:rPr lang="ru-RU" sz="1400" dirty="0" smtClean="0">
+                <a:ln w="0"/>
+                <a:solidFill>
+                  <a:srgbClr val="FFFF00"/>
+                </a:solidFill>
+              </a:rPr>
+              <a:t>инициализированных нейронов </a:t>
+            </a:r>
+            <a:r>
+              <a:rPr lang="en-US" sz="1400" dirty="0" err="1" smtClean="0">
+                <a:ln w="0"/>
+                <a:solidFill>
+                  <a:srgbClr val="FFFF00"/>
+                </a:solidFill>
+              </a:rPr>
+              <a:t>stb_kohonen_initialized_codes.cod</a:t>
+            </a:r>
+            <a:endParaRPr lang="en-US" sz="1400" dirty="0">
+              <a:ln w="0"/>
+              <a:solidFill>
+                <a:srgbClr val="FFFF00"/>
+              </a:solidFill>
+            </a:endParaRPr>
+          </a:p>
+        </p:txBody>
+      </p:sp>
+      <p:cxnSp>
+        <p:nvCxnSpPr>
+          <p:cNvPr id="131" name="Прямая со стрелкой 130"/>
+          <p:cNvCxnSpPr>
+            <a:endCxn id="130" idx="0"/>
+          </p:cNvCxnSpPr>
+          <p:nvPr/>
+        </p:nvCxnSpPr>
+        <p:spPr>
+          <a:xfrm>
+            <a:off x="5833521" y="4455154"/>
+            <a:ext cx="751885" cy="641082"/>
+          </a:xfrm>
+          <a:prstGeom prst="straightConnector1">
+            <a:avLst/>
+          </a:prstGeom>
+          <a:ln>
+            <a:solidFill>
+              <a:schemeClr val="bg1">
+                <a:lumMod val="50000"/>
+                <a:lumOff val="50000"/>
+              </a:schemeClr>
+            </a:solidFill>
+            <a:tailEnd type="triangle"/>
+          </a:ln>
+        </p:spPr>
+        <p:style>
+          <a:lnRef idx="1">
+            <a:schemeClr val="accent1"/>
+          </a:lnRef>
+          <a:fillRef idx="0">
+            <a:schemeClr val="accent1"/>
+          </a:fillRef>
+          <a:effectRef idx="0">
+            <a:schemeClr val="accent1"/>
+          </a:effectRef>
+          <a:fontRef idx="minor">
+            <a:schemeClr val="tx1"/>
+          </a:fontRef>
+        </p:style>
+      </p:cxnSp>
+    </p:spTree>
+    <p:extLst>
+      <p:ext uri="{BB962C8B-B14F-4D97-AF65-F5344CB8AC3E}">
+        <p14:creationId xmlns:p14="http://schemas.microsoft.com/office/powerpoint/2010/main" val="1979585274"/>
+      </p:ext>
+    </p:extLst>
+  </p:cSld>
+  <p:clrMapOvr>
+    <a:masterClrMapping/>
+  </p:clrMapOvr>
+  <p:timing>
+    <p:tnLst>
+      <p:par>
+        <p:cTn id="1" dur="indefinite" restart="never" nodeType="tmRoot"/>
+      </p:par>
+    </p:tnLst>
+  </p:timing>
+</p:sld>
+</file>
+
+<file path=ppt/slides/slide13.xml><?xml version="1.0" encoding="utf-8"?>
+<p:sld xmlns:a="http://schemas.openxmlformats.org/drawingml/2006/main" xmlns:r="http://schemas.openxmlformats.org/officeDocument/2006/relationships" xmlns:p="http://schemas.openxmlformats.org/presentationml/2006/main">
+  <p:cSld>
+    <p:spTree>
+      <p:nvGrpSpPr>
+        <p:cNvPr id="1" name=""/>
+        <p:cNvGrpSpPr/>
+        <p:nvPr/>
+      </p:nvGrpSpPr>
+      <p:grpSpPr>
+        <a:xfrm>
+          <a:off x="0" y="0"/>
+          <a:ext cx="0" cy="0"/>
+          <a:chOff x="0" y="0"/>
+          <a:chExt cx="0" cy="0"/>
+        </a:xfrm>
+      </p:grpSpPr>
+      <p:cxnSp>
+        <p:nvCxnSpPr>
+          <p:cNvPr id="13" name="Прямая соединительная линия 12"/>
+          <p:cNvCxnSpPr/>
+          <p:nvPr/>
+        </p:nvCxnSpPr>
+        <p:spPr>
+          <a:xfrm>
+            <a:off x="3406348" y="1843070"/>
+            <a:ext cx="12355" cy="18681"/>
+          </a:xfrm>
+          <a:prstGeom prst="line">
+            <a:avLst/>
+          </a:prstGeom>
+        </p:spPr>
+        <p:style>
+          <a:lnRef idx="1">
+            <a:schemeClr val="accent1"/>
+          </a:lnRef>
+          <a:fillRef idx="0">
+            <a:schemeClr val="accent1"/>
+          </a:fillRef>
+          <a:effectRef idx="0">
+            <a:schemeClr val="accent1"/>
+          </a:effectRef>
+          <a:fontRef idx="minor">
+            <a:schemeClr val="tx1"/>
+          </a:fontRef>
+        </p:style>
+      </p:cxnSp>
+      <p:pic>
+        <p:nvPicPr>
+          <p:cNvPr id="113" name="Рисунок 112"/>
+          <p:cNvPicPr>
+            <a:picLocks noChangeAspect="1"/>
+          </p:cNvPicPr>
+          <p:nvPr/>
+        </p:nvPicPr>
+        <p:blipFill>
+          <a:blip r:embed="rId2">
+            <a:extLst>
+              <a:ext uri="{28A0092B-C50C-407E-A947-70E740481C1C}">
+                <a14:useLocalDpi xmlns:a14="http://schemas.microsoft.com/office/drawing/2010/main" val="0"/>
+              </a:ext>
+            </a:extLst>
+          </a:blip>
+          <a:stretch>
+            <a:fillRect/>
+          </a:stretch>
+        </p:blipFill>
+        <p:spPr>
+          <a:xfrm>
+            <a:off x="7602583" y="1985554"/>
+            <a:ext cx="3918856" cy="4101704"/>
+          </a:xfrm>
+          <a:prstGeom prst="rect">
+            <a:avLst/>
+          </a:prstGeom>
+        </p:spPr>
+      </p:pic>
+      <p:pic>
+        <p:nvPicPr>
+          <p:cNvPr id="117" name="Рисунок 116"/>
+          <p:cNvPicPr>
+            <a:picLocks noChangeAspect="1"/>
+          </p:cNvPicPr>
+          <p:nvPr/>
+        </p:nvPicPr>
+        <p:blipFill>
+          <a:blip r:embed="rId3">
+            <a:extLst>
+              <a:ext uri="{28A0092B-C50C-407E-A947-70E740481C1C}">
+                <a14:useLocalDpi xmlns:a14="http://schemas.microsoft.com/office/drawing/2010/main" val="0"/>
+              </a:ext>
+            </a:extLst>
+          </a:blip>
+          <a:stretch>
+            <a:fillRect/>
+          </a:stretch>
+        </p:blipFill>
+        <p:spPr>
+          <a:xfrm>
+            <a:off x="540109" y="1985554"/>
+            <a:ext cx="5891183" cy="3727269"/>
+          </a:xfrm>
+          <a:prstGeom prst="rect">
+            <a:avLst/>
+          </a:prstGeom>
+        </p:spPr>
+      </p:pic>
+      <p:sp>
+        <p:nvSpPr>
+          <p:cNvPr id="23" name="Заголовок 1"/>
+          <p:cNvSpPr>
+            <a:spLocks noGrp="1"/>
+          </p:cNvSpPr>
+          <p:nvPr>
+            <p:ph type="ctrTitle"/>
+          </p:nvPr>
+        </p:nvSpPr>
+        <p:spPr>
+          <a:xfrm>
+            <a:off x="2845279" y="1499801"/>
+            <a:ext cx="1485622" cy="361950"/>
+          </a:xfrm>
+        </p:spPr>
+        <p:txBody>
+          <a:bodyPr>
+            <a:normAutofit fontScale="90000"/>
+          </a:bodyPr>
+          <a:lstStyle/>
+          <a:p>
+            <a:pPr algn="l"/>
+            <a:r>
+              <a:rPr lang="ru-RU" sz="2000" spc="0" dirty="0" smtClean="0">
+                <a:solidFill>
+                  <a:srgbClr val="FFFF00"/>
+                </a:solidFill>
+                <a:latin typeface="+mn-lt"/>
+                <a:ea typeface="Cambria Math" panose="02040503050406030204" pitchFamily="18" charset="0"/>
+              </a:rPr>
+              <a:t>до обучения</a:t>
+            </a:r>
+            <a:endParaRPr lang="ru-RU" sz="2000" spc="0" dirty="0">
+              <a:solidFill>
+                <a:srgbClr val="FFFF00"/>
+              </a:solidFill>
+              <a:latin typeface="+mn-lt"/>
+              <a:ea typeface="Cambria Math" panose="02040503050406030204" pitchFamily="18" charset="0"/>
+            </a:endParaRPr>
+          </a:p>
+        </p:txBody>
+      </p:sp>
+      <p:sp>
+        <p:nvSpPr>
+          <p:cNvPr id="25" name="Заголовок 1"/>
+          <p:cNvSpPr txBox="1">
+            <a:spLocks/>
+          </p:cNvSpPr>
+          <p:nvPr/>
+        </p:nvSpPr>
+        <p:spPr>
+          <a:xfrm>
+            <a:off x="8522878" y="1499801"/>
+            <a:ext cx="1923492" cy="361950"/>
+          </a:xfrm>
+          <a:prstGeom prst="rect">
+            <a:avLst/>
+          </a:prstGeom>
+        </p:spPr>
+        <p:txBody>
+          <a:bodyPr vert="horz" wrap="none" lIns="91440" tIns="45720" rIns="91440" bIns="45720" rtlCol="0" anchor="t">
+            <a:normAutofit fontScale="97500" lnSpcReduction="10000"/>
+          </a:bodyPr>
+          <a:lstStyle>
+            <a:lvl1pPr algn="r" defTabSz="914400" rtl="0" eaLnBrk="1" latinLnBrk="0" hangingPunct="1">
+              <a:lnSpc>
+                <a:spcPct val="90000"/>
+              </a:lnSpc>
+              <a:spcBef>
+                <a:spcPct val="0"/>
+              </a:spcBef>
+              <a:buNone/>
+              <a:defRPr sz="9600" b="0" kern="1200" spc="-300">
+                <a:gradFill flip="none" rotWithShape="1">
+                  <a:gsLst>
+                    <a:gs pos="32000">
+                      <a:schemeClr val="tx1">
+                        <a:lumMod val="89000"/>
+                      </a:schemeClr>
+                    </a:gs>
+                    <a:gs pos="0">
+                      <a:schemeClr val="bg1">
+                        <a:lumMod val="41000"/>
+                        <a:lumOff val="59000"/>
+                      </a:schemeClr>
+                    </a:gs>
+                    <a:gs pos="100000">
+                      <a:schemeClr val="tx2">
+                        <a:lumMod val="0"/>
+                        <a:lumOff val="100000"/>
+                      </a:schemeClr>
+                    </a:gs>
+                  </a:gsLst>
+                  <a:lin ang="8100000" scaled="1"/>
+                  <a:tileRect/>
+                </a:gradFill>
+                <a:effectLst>
+                  <a:outerShdw blurRad="469900" dist="342900" dir="5400000" sy="-20000" rotWithShape="0">
+                    <a:prstClr val="black">
+                      <a:alpha val="66000"/>
+                    </a:prstClr>
+                  </a:outerShdw>
+                </a:effectLst>
+                <a:latin typeface="+mj-lt"/>
+                <a:ea typeface="+mj-ea"/>
+                <a:cs typeface="+mj-cs"/>
+              </a:defRPr>
+            </a:lvl1pPr>
+          </a:lstStyle>
+          <a:p>
+            <a:pPr algn="l"/>
+            <a:r>
+              <a:rPr lang="ru-RU" sz="2000" spc="0" dirty="0" smtClean="0">
+                <a:solidFill>
+                  <a:srgbClr val="FFFF00"/>
+                </a:solidFill>
+                <a:latin typeface="+mn-lt"/>
+                <a:ea typeface="Cambria Math" panose="02040503050406030204" pitchFamily="18" charset="0"/>
+              </a:rPr>
+              <a:t>после обучения</a:t>
+            </a:r>
+            <a:endParaRPr lang="ru-RU" sz="2000" spc="0" dirty="0">
+              <a:solidFill>
+                <a:srgbClr val="FFFF00"/>
+              </a:solidFill>
+              <a:latin typeface="+mn-lt"/>
+              <a:ea typeface="Cambria Math" panose="02040503050406030204" pitchFamily="18" charset="0"/>
+            </a:endParaRPr>
+          </a:p>
+        </p:txBody>
+      </p:sp>
+      <p:sp>
+        <p:nvSpPr>
+          <p:cNvPr id="5" name="Прямоугольник 4"/>
+          <p:cNvSpPr/>
+          <p:nvPr/>
+        </p:nvSpPr>
+        <p:spPr>
+          <a:xfrm>
+            <a:off x="4235443" y="670450"/>
+            <a:ext cx="3909532" cy="769441"/>
+          </a:xfrm>
+          <a:prstGeom prst="rect">
+            <a:avLst/>
+          </a:prstGeom>
+        </p:spPr>
+        <p:txBody>
+          <a:bodyPr wrap="none">
+            <a:spAutoFit/>
+          </a:bodyPr>
+          <a:lstStyle/>
+          <a:p>
+            <a:r>
+              <a:rPr lang="en-US" sz="4400" dirty="0" err="1" smtClean="0">
+                <a:solidFill>
+                  <a:srgbClr val="FFFF00"/>
+                </a:solidFill>
+                <a:ea typeface="Cambria Math" panose="02040503050406030204" pitchFamily="18" charset="0"/>
+              </a:rPr>
+              <a:t>Sammon</a:t>
+            </a:r>
+            <a:r>
+              <a:rPr lang="en-US" sz="4400" dirty="0" err="1" smtClean="0">
+                <a:solidFill>
+                  <a:srgbClr val="FFFF00"/>
+                </a:solidFill>
+                <a:ea typeface="Cambria Math" panose="02040503050406030204" pitchFamily="18" charset="0"/>
+              </a:rPr>
+              <a:t>’s</a:t>
+            </a:r>
+            <a:r>
+              <a:rPr lang="en-US" sz="4400" dirty="0" smtClean="0">
+                <a:solidFill>
+                  <a:srgbClr val="FFFF00"/>
+                </a:solidFill>
+                <a:ea typeface="Cambria Math" panose="02040503050406030204" pitchFamily="18" charset="0"/>
+              </a:rPr>
+              <a:t> </a:t>
+            </a:r>
+            <a:r>
+              <a:rPr lang="en-US" sz="4400" dirty="0">
+                <a:solidFill>
+                  <a:srgbClr val="FFFF00"/>
+                </a:solidFill>
+                <a:ea typeface="Cambria Math" panose="02040503050406030204" pitchFamily="18" charset="0"/>
+              </a:rPr>
+              <a:t>m</a:t>
+            </a:r>
+            <a:r>
+              <a:rPr lang="en-US" sz="4400" dirty="0" smtClean="0">
+                <a:solidFill>
+                  <a:srgbClr val="FFFF00"/>
+                </a:solidFill>
+                <a:ea typeface="Cambria Math" panose="02040503050406030204" pitchFamily="18" charset="0"/>
+              </a:rPr>
+              <a:t>ap </a:t>
+            </a:r>
+            <a:endParaRPr lang="en-US" sz="4400" dirty="0"/>
+          </a:p>
+        </p:txBody>
+      </p:sp>
+    </p:spTree>
+    <p:extLst>
+      <p:ext uri="{BB962C8B-B14F-4D97-AF65-F5344CB8AC3E}">
+        <p14:creationId xmlns:p14="http://schemas.microsoft.com/office/powerpoint/2010/main" val="722595174"/>
+      </p:ext>
+    </p:extLst>
+  </p:cSld>
+  <p:clrMapOvr>
+    <a:masterClrMapping/>
+  </p:clrMapOvr>
+  <p:timing>
+    <p:tnLst>
+      <p:par>
+        <p:cTn id="1" dur="indefinite" restart="never" nodeType="tmRoot"/>
+      </p:par>
+    </p:tnLst>
+  </p:timing>
+</p:sld>
+</file>
+
+<file path=ppt/slides/slide14.xml><?xml version="1.0" encoding="utf-8"?>
+<p:sld xmlns:a="http://schemas.openxmlformats.org/drawingml/2006/main" xmlns:r="http://schemas.openxmlformats.org/officeDocument/2006/relationships" xmlns:p="http://schemas.openxmlformats.org/presentationml/2006/main">
+  <p:cSld>
+    <p:spTree>
+      <p:nvGrpSpPr>
+        <p:cNvPr id="1" name=""/>
+        <p:cNvGrpSpPr/>
+        <p:nvPr/>
+      </p:nvGrpSpPr>
+      <p:grpSpPr>
+        <a:xfrm>
+          <a:off x="0" y="0"/>
+          <a:ext cx="0" cy="0"/>
+          <a:chOff x="0" y="0"/>
+          <a:chExt cx="0" cy="0"/>
+        </a:xfrm>
+      </p:grpSpPr>
+      <p:cxnSp>
+        <p:nvCxnSpPr>
+          <p:cNvPr id="13" name="Прямая соединительная линия 12"/>
+          <p:cNvCxnSpPr/>
+          <p:nvPr/>
+        </p:nvCxnSpPr>
+        <p:spPr>
+          <a:xfrm>
+            <a:off x="3406348" y="1843070"/>
+            <a:ext cx="12355" cy="18681"/>
+          </a:xfrm>
+          <a:prstGeom prst="line">
+            <a:avLst/>
+          </a:prstGeom>
+        </p:spPr>
+        <p:style>
+          <a:lnRef idx="1">
+            <a:schemeClr val="accent1"/>
+          </a:lnRef>
+          <a:fillRef idx="0">
+            <a:schemeClr val="accent1"/>
+          </a:fillRef>
+          <a:effectRef idx="0">
+            <a:schemeClr val="accent1"/>
+          </a:effectRef>
+          <a:fontRef idx="minor">
+            <a:schemeClr val="tx1"/>
+          </a:fontRef>
+        </p:style>
+      </p:cxnSp>
+      <p:sp>
+        <p:nvSpPr>
+          <p:cNvPr id="23" name="Заголовок 1"/>
+          <p:cNvSpPr>
+            <a:spLocks noGrp="1"/>
+          </p:cNvSpPr>
+          <p:nvPr>
+            <p:ph type="ctrTitle"/>
+          </p:nvPr>
+        </p:nvSpPr>
+        <p:spPr>
+          <a:xfrm>
+            <a:off x="4967175" y="744040"/>
+            <a:ext cx="1340234" cy="449035"/>
+          </a:xfrm>
+        </p:spPr>
+        <p:txBody>
+          <a:bodyPr>
+            <a:noAutofit/>
+          </a:bodyPr>
+          <a:lstStyle/>
+          <a:p>
+            <a:pPr algn="l"/>
+            <a:r>
+              <a:rPr lang="en-US" sz="4400" spc="0" dirty="0" smtClean="0">
+                <a:solidFill>
+                  <a:srgbClr val="FFFF00"/>
+                </a:solidFill>
+                <a:latin typeface="+mn-lt"/>
+                <a:ea typeface="Cambria Math" panose="02040503050406030204" pitchFamily="18" charset="0"/>
+              </a:rPr>
+              <a:t>U-matrix</a:t>
+            </a:r>
+            <a:endParaRPr lang="ru-RU" sz="4400" spc="0" dirty="0">
+              <a:solidFill>
+                <a:srgbClr val="FFFF00"/>
+              </a:solidFill>
+              <a:latin typeface="+mn-lt"/>
+              <a:ea typeface="Cambria Math" panose="02040503050406030204" pitchFamily="18" charset="0"/>
+            </a:endParaRPr>
+          </a:p>
+        </p:txBody>
+      </p:sp>
+      <p:pic>
+        <p:nvPicPr>
+          <p:cNvPr id="7" name="Рисунок 6"/>
+          <p:cNvPicPr>
+            <a:picLocks noChangeAspect="1"/>
+          </p:cNvPicPr>
+          <p:nvPr/>
+        </p:nvPicPr>
+        <p:blipFill>
+          <a:blip r:embed="rId2">
+            <a:extLst>
+              <a:ext uri="{28A0092B-C50C-407E-A947-70E740481C1C}">
+                <a14:useLocalDpi xmlns:a14="http://schemas.microsoft.com/office/drawing/2010/main" val="0"/>
+              </a:ext>
+            </a:extLst>
+          </a:blip>
+          <a:stretch>
+            <a:fillRect/>
+          </a:stretch>
+        </p:blipFill>
+        <p:spPr>
+          <a:xfrm>
+            <a:off x="492477" y="1831709"/>
+            <a:ext cx="4035537" cy="4207908"/>
+          </a:xfrm>
+          <a:prstGeom prst="rect">
+            <a:avLst/>
+          </a:prstGeom>
+        </p:spPr>
+      </p:pic>
+      <p:pic>
+        <p:nvPicPr>
+          <p:cNvPr id="2" name="Рисунок 1"/>
+          <p:cNvPicPr>
+            <a:picLocks noChangeAspect="1"/>
+          </p:cNvPicPr>
+          <p:nvPr/>
+        </p:nvPicPr>
+        <p:blipFill>
+          <a:blip r:embed="rId3">
+            <a:extLst>
+              <a:ext uri="{28A0092B-C50C-407E-A947-70E740481C1C}">
+                <a14:useLocalDpi xmlns:a14="http://schemas.microsoft.com/office/drawing/2010/main" val="0"/>
+              </a:ext>
+            </a:extLst>
+          </a:blip>
+          <a:stretch>
+            <a:fillRect/>
+          </a:stretch>
+        </p:blipFill>
+        <p:spPr>
+          <a:xfrm>
+            <a:off x="7672694" y="1843070"/>
+            <a:ext cx="4004416" cy="4196547"/>
+          </a:xfrm>
+          <a:prstGeom prst="rect">
+            <a:avLst/>
+          </a:prstGeom>
+        </p:spPr>
+      </p:pic>
+      <p:sp>
+        <p:nvSpPr>
+          <p:cNvPr id="9" name="Скругленный прямоугольник 8"/>
+          <p:cNvSpPr/>
+          <p:nvPr/>
+        </p:nvSpPr>
+        <p:spPr>
+          <a:xfrm>
+            <a:off x="5197927" y="1966254"/>
+            <a:ext cx="1804851" cy="1717472"/>
+          </a:xfrm>
+          <a:prstGeom prst="roundRect">
+            <a:avLst/>
+          </a:prstGeom>
+          <a:solidFill>
+            <a:schemeClr val="tx2">
+              <a:lumMod val="50000"/>
+            </a:schemeClr>
+          </a:solidFill>
+        </p:spPr>
+        <p:style>
+          <a:lnRef idx="2">
+            <a:schemeClr val="accent1">
+              <a:shade val="50000"/>
+            </a:schemeClr>
+          </a:lnRef>
+          <a:fillRef idx="1">
+            <a:schemeClr val="accent1"/>
+          </a:fillRef>
+          <a:effectRef idx="0">
+            <a:schemeClr val="accent1"/>
+          </a:effectRef>
+          <a:fontRef idx="minor">
+            <a:schemeClr val="lt1"/>
+          </a:fontRef>
+        </p:style>
+        <p:txBody>
+          <a:bodyPr rtlCol="0" anchor="ctr"/>
+          <a:lstStyle/>
+          <a:p>
+            <a:r>
+              <a:rPr lang="ru-RU" sz="1100" dirty="0" smtClean="0">
+                <a:ln w="0"/>
+                <a:solidFill>
+                  <a:srgbClr val="FFFF00"/>
+                </a:solidFill>
+                <a:cs typeface="Arial" panose="020B0604020202020204" pitchFamily="34" charset="0"/>
+              </a:rPr>
+              <a:t>Параметры:</a:t>
+            </a:r>
+            <a:endParaRPr lang="en-US" sz="1100" dirty="0" smtClean="0">
+              <a:ln w="0"/>
+              <a:solidFill>
+                <a:srgbClr val="FFFF00"/>
+              </a:solidFill>
+              <a:cs typeface="Arial" panose="020B0604020202020204" pitchFamily="34" charset="0"/>
+            </a:endParaRPr>
+          </a:p>
+          <a:p>
+            <a:pPr marL="228600" indent="-228600">
+              <a:buFont typeface="+mj-lt"/>
+              <a:buAutoNum type="arabicPeriod"/>
+            </a:pPr>
+            <a:r>
+              <a:rPr lang="ru-RU" sz="1100" dirty="0" smtClean="0">
+                <a:ln w="0"/>
+                <a:solidFill>
+                  <a:srgbClr val="FFFF00"/>
+                </a:solidFill>
+                <a:cs typeface="Arial" panose="020B0604020202020204" pitchFamily="34" charset="0"/>
+              </a:rPr>
+              <a:t>Один проход по всем </a:t>
+            </a:r>
+            <a:r>
+              <a:rPr lang="ru-RU" sz="1100" dirty="0">
+                <a:ln w="0"/>
+                <a:solidFill>
+                  <a:srgbClr val="FFFF00"/>
+                </a:solidFill>
+                <a:cs typeface="Arial" panose="020B0604020202020204" pitchFamily="34" charset="0"/>
+              </a:rPr>
+              <a:t>данным (</a:t>
+            </a:r>
+            <a:r>
+              <a:rPr lang="ru-RU" sz="1100" dirty="0" smtClean="0">
+                <a:ln w="0"/>
+                <a:solidFill>
+                  <a:srgbClr val="FFFF00"/>
+                </a:solidFill>
+                <a:cs typeface="Arial" panose="020B0604020202020204" pitchFamily="34" charset="0"/>
+              </a:rPr>
+              <a:t>126271598)</a:t>
+            </a:r>
+            <a:endParaRPr lang="en-US" sz="1100" dirty="0" smtClean="0">
+              <a:ln w="0"/>
+              <a:solidFill>
+                <a:srgbClr val="FFFF00"/>
+              </a:solidFill>
+              <a:cs typeface="Arial" panose="020B0604020202020204" pitchFamily="34" charset="0"/>
+            </a:endParaRPr>
+          </a:p>
+          <a:p>
+            <a:pPr marL="228600" indent="-228600">
+              <a:buFont typeface="+mj-lt"/>
+              <a:buAutoNum type="arabicPeriod"/>
+            </a:pPr>
+            <a:r>
+              <a:rPr lang="ru-RU" sz="1100" dirty="0" smtClean="0">
+                <a:ln w="0"/>
+                <a:solidFill>
+                  <a:srgbClr val="FFFF00"/>
+                </a:solidFill>
+                <a:cs typeface="Arial" panose="020B0604020202020204" pitchFamily="34" charset="0"/>
+              </a:rPr>
+              <a:t>Размер сети 80</a:t>
+            </a:r>
+            <a:r>
+              <a:rPr lang="en-US" sz="1100" dirty="0" smtClean="0">
+                <a:ln w="0"/>
+                <a:solidFill>
+                  <a:srgbClr val="FFFF00"/>
+                </a:solidFill>
+                <a:cs typeface="Arial" panose="020B0604020202020204" pitchFamily="34" charset="0"/>
+              </a:rPr>
+              <a:t> x 80</a:t>
+            </a:r>
+          </a:p>
+          <a:p>
+            <a:pPr marL="228600" indent="-228600">
+              <a:buFont typeface="+mj-lt"/>
+              <a:buAutoNum type="arabicPeriod"/>
+            </a:pPr>
+            <a:r>
+              <a:rPr lang="en-US" sz="1100" dirty="0" smtClean="0">
+                <a:ln w="0"/>
+                <a:solidFill>
+                  <a:srgbClr val="FFFF00"/>
+                </a:solidFill>
+                <a:cs typeface="Arial" panose="020B0604020202020204" pitchFamily="34" charset="0"/>
+              </a:rPr>
+              <a:t>Radius: 3, alpha: 0.002, neighbor </a:t>
+            </a:r>
+            <a:r>
+              <a:rPr lang="en-US" sz="1100" dirty="0" err="1" smtClean="0">
+                <a:ln w="0"/>
+                <a:solidFill>
+                  <a:srgbClr val="FFFF00"/>
+                </a:solidFill>
+                <a:cs typeface="Arial" panose="020B0604020202020204" pitchFamily="34" charset="0"/>
+              </a:rPr>
+              <a:t>dapatation</a:t>
+            </a:r>
+            <a:r>
+              <a:rPr lang="en-US" sz="1100" dirty="0" smtClean="0">
+                <a:ln w="0"/>
+                <a:solidFill>
+                  <a:srgbClr val="FFFF00"/>
+                </a:solidFill>
+                <a:cs typeface="Arial" panose="020B0604020202020204" pitchFamily="34" charset="0"/>
+              </a:rPr>
+              <a:t>: bubble</a:t>
+            </a:r>
+            <a:r>
+              <a:rPr lang="ru-RU" sz="1100" dirty="0" smtClean="0">
+                <a:ln w="0"/>
+                <a:solidFill>
+                  <a:srgbClr val="FFFF00"/>
+                </a:solidFill>
+                <a:cs typeface="Arial" panose="020B0604020202020204" pitchFamily="34" charset="0"/>
+              </a:rPr>
+              <a:t> </a:t>
+            </a:r>
+            <a:endParaRPr lang="en-US" sz="1100" dirty="0">
+              <a:ln w="0"/>
+              <a:solidFill>
+                <a:srgbClr val="FFFF00"/>
+              </a:solidFill>
+              <a:cs typeface="Arial" panose="020B0604020202020204" pitchFamily="34" charset="0"/>
+            </a:endParaRPr>
+          </a:p>
+        </p:txBody>
+      </p:sp>
+      <p:sp>
+        <p:nvSpPr>
+          <p:cNvPr id="10" name="Скругленный прямоугольник 9"/>
+          <p:cNvSpPr/>
+          <p:nvPr/>
+        </p:nvSpPr>
+        <p:spPr>
+          <a:xfrm>
+            <a:off x="5197928" y="4160813"/>
+            <a:ext cx="1804851" cy="1728874"/>
+          </a:xfrm>
+          <a:prstGeom prst="roundRect">
+            <a:avLst/>
+          </a:prstGeom>
+        </p:spPr>
+        <p:style>
+          <a:lnRef idx="2">
+            <a:schemeClr val="accent1">
+              <a:shade val="50000"/>
+            </a:schemeClr>
+          </a:lnRef>
+          <a:fillRef idx="1">
+            <a:schemeClr val="accent1"/>
+          </a:fillRef>
+          <a:effectRef idx="0">
+            <a:schemeClr val="accent1"/>
+          </a:effectRef>
+          <a:fontRef idx="minor">
+            <a:schemeClr val="lt1"/>
+          </a:fontRef>
+        </p:style>
+        <p:txBody>
+          <a:bodyPr rtlCol="0" anchor="ctr"/>
+          <a:lstStyle/>
+          <a:p>
+            <a:pPr algn="ctr"/>
+            <a:r>
+              <a:rPr lang="ru-RU" dirty="0" smtClean="0">
+                <a:solidFill>
+                  <a:srgbClr val="FFFF00"/>
+                </a:solidFill>
+              </a:rPr>
+              <a:t>Итог:</a:t>
+            </a:r>
+          </a:p>
+          <a:p>
+            <a:pPr algn="ctr"/>
+            <a:r>
+              <a:rPr lang="ru-RU" dirty="0" smtClean="0">
+                <a:solidFill>
+                  <a:srgbClr val="FFFF00"/>
+                </a:solidFill>
+              </a:rPr>
+              <a:t>6-8 кластеров</a:t>
+            </a:r>
+            <a:endParaRPr lang="en-US" dirty="0">
+              <a:solidFill>
+                <a:srgbClr val="FFFF00"/>
+              </a:solidFill>
+            </a:endParaRPr>
+          </a:p>
+        </p:txBody>
+      </p:sp>
+    </p:spTree>
+    <p:extLst>
+      <p:ext uri="{BB962C8B-B14F-4D97-AF65-F5344CB8AC3E}">
+        <p14:creationId xmlns:p14="http://schemas.microsoft.com/office/powerpoint/2010/main" val="2245296005"/>
+      </p:ext>
+    </p:extLst>
+  </p:cSld>
+  <p:clrMapOvr>
+    <a:masterClrMapping/>
+  </p:clrMapOvr>
+  <p:timing>
+    <p:tnLst>
+      <p:par>
+        <p:cTn id="1" dur="indefinite" restart="never" nodeType="tmRoot"/>
+      </p:par>
+    </p:tnLst>
+  </p:timing>
+</p:sld>
+</file>
+
+<file path=ppt/slides/slide15.xml><?xml version="1.0" encoding="utf-8"?>
+<p:sld xmlns:a="http://schemas.openxmlformats.org/drawingml/2006/main" xmlns:r="http://schemas.openxmlformats.org/officeDocument/2006/relationships" xmlns:p="http://schemas.openxmlformats.org/presentationml/2006/main">
+  <p:cSld>
+    <p:spTree>
+      <p:nvGrpSpPr>
+        <p:cNvPr id="1" name=""/>
+        <p:cNvGrpSpPr/>
+        <p:nvPr/>
+      </p:nvGrpSpPr>
+      <p:grpSpPr>
+        <a:xfrm>
+          <a:off x="0" y="0"/>
+          <a:ext cx="0" cy="0"/>
+          <a:chOff x="0" y="0"/>
+          <a:chExt cx="0" cy="0"/>
+        </a:xfrm>
+      </p:grpSpPr>
+      <p:cxnSp>
+        <p:nvCxnSpPr>
+          <p:cNvPr id="13" name="Прямая соединительная линия 12"/>
+          <p:cNvCxnSpPr/>
+          <p:nvPr/>
+        </p:nvCxnSpPr>
+        <p:spPr>
+          <a:xfrm>
+            <a:off x="3406348" y="1843070"/>
+            <a:ext cx="12355" cy="18681"/>
+          </a:xfrm>
+          <a:prstGeom prst="line">
+            <a:avLst/>
+          </a:prstGeom>
+        </p:spPr>
+        <p:style>
+          <a:lnRef idx="1">
+            <a:schemeClr val="accent1"/>
+          </a:lnRef>
+          <a:fillRef idx="0">
+            <a:schemeClr val="accent1"/>
+          </a:fillRef>
+          <a:effectRef idx="0">
+            <a:schemeClr val="accent1"/>
+          </a:effectRef>
+          <a:fontRef idx="minor">
+            <a:schemeClr val="tx1"/>
+          </a:fontRef>
+        </p:style>
+      </p:cxnSp>
+      <p:sp>
+        <p:nvSpPr>
+          <p:cNvPr id="23" name="Заголовок 1"/>
+          <p:cNvSpPr>
+            <a:spLocks noGrp="1"/>
+          </p:cNvSpPr>
+          <p:nvPr>
+            <p:ph type="ctrTitle"/>
+          </p:nvPr>
+        </p:nvSpPr>
+        <p:spPr>
+          <a:xfrm>
+            <a:off x="4967169" y="744040"/>
+            <a:ext cx="1340234" cy="449035"/>
+          </a:xfrm>
+        </p:spPr>
+        <p:txBody>
+          <a:bodyPr>
+            <a:noAutofit/>
+          </a:bodyPr>
+          <a:lstStyle/>
+          <a:p>
+            <a:pPr algn="l"/>
+            <a:r>
+              <a:rPr lang="en-US" sz="4400" spc="0" dirty="0" smtClean="0">
+                <a:solidFill>
+                  <a:srgbClr val="FFFF00"/>
+                </a:solidFill>
+                <a:latin typeface="+mn-lt"/>
+                <a:ea typeface="Cambria Math" panose="02040503050406030204" pitchFamily="18" charset="0"/>
+              </a:rPr>
+              <a:t>U-matrix</a:t>
+            </a:r>
+            <a:endParaRPr lang="ru-RU" sz="4400" spc="0" dirty="0">
+              <a:solidFill>
+                <a:srgbClr val="FFFF00"/>
+              </a:solidFill>
+              <a:latin typeface="+mn-lt"/>
+              <a:ea typeface="Cambria Math" panose="02040503050406030204" pitchFamily="18" charset="0"/>
+            </a:endParaRPr>
+          </a:p>
+        </p:txBody>
+      </p:sp>
+      <p:sp>
+        <p:nvSpPr>
+          <p:cNvPr id="9" name="Скругленный прямоугольник 8"/>
+          <p:cNvSpPr/>
+          <p:nvPr/>
+        </p:nvSpPr>
+        <p:spPr>
+          <a:xfrm>
+            <a:off x="1465248" y="1443564"/>
+            <a:ext cx="3082577" cy="480033"/>
+          </a:xfrm>
+          <a:prstGeom prst="roundRect">
+            <a:avLst/>
+          </a:prstGeom>
+          <a:solidFill>
+            <a:schemeClr val="tx2">
+              <a:lumMod val="50000"/>
+            </a:schemeClr>
+          </a:solidFill>
+        </p:spPr>
+        <p:style>
+          <a:lnRef idx="2">
+            <a:schemeClr val="accent1">
+              <a:shade val="50000"/>
+            </a:schemeClr>
+          </a:lnRef>
+          <a:fillRef idx="1">
+            <a:schemeClr val="accent1"/>
+          </a:fillRef>
+          <a:effectRef idx="0">
+            <a:schemeClr val="accent1"/>
+          </a:effectRef>
+          <a:fontRef idx="minor">
+            <a:schemeClr val="lt1"/>
+          </a:fontRef>
+        </p:style>
+        <p:txBody>
+          <a:bodyPr rtlCol="0" anchor="ctr"/>
+          <a:lstStyle/>
+          <a:p>
+            <a:pPr marL="228600" indent="-228600">
+              <a:buFont typeface="+mj-lt"/>
+              <a:buAutoNum type="arabicPeriod"/>
+            </a:pPr>
+            <a:r>
+              <a:rPr lang="en-US" sz="900" dirty="0" smtClean="0">
+                <a:ln w="0"/>
+                <a:solidFill>
+                  <a:srgbClr val="FFFF00"/>
+                </a:solidFill>
+                <a:effectLst>
+                  <a:outerShdw blurRad="38100" dist="19050" dir="2700000" algn="tl" rotWithShape="0">
+                    <a:schemeClr val="dk1">
+                      <a:alpha val="40000"/>
+                    </a:schemeClr>
+                  </a:outerShdw>
+                </a:effectLst>
+                <a:cs typeface="Arial" panose="020B0604020202020204" pitchFamily="34" charset="0"/>
+              </a:rPr>
+              <a:t>20</a:t>
+            </a:r>
+            <a:r>
+              <a:rPr lang="ru-RU" sz="900" dirty="0" smtClean="0">
+                <a:ln w="0"/>
+                <a:solidFill>
+                  <a:srgbClr val="FFFF00"/>
+                </a:solidFill>
+                <a:effectLst>
+                  <a:outerShdw blurRad="38100" dist="19050" dir="2700000" algn="tl" rotWithShape="0">
+                    <a:schemeClr val="dk1">
+                      <a:alpha val="40000"/>
+                    </a:schemeClr>
+                  </a:outerShdw>
+                </a:effectLst>
+                <a:cs typeface="Arial" panose="020B0604020202020204" pitchFamily="34" charset="0"/>
+              </a:rPr>
+              <a:t> проходов по 1000 000 первых данных</a:t>
+            </a:r>
+            <a:endParaRPr lang="en-US" sz="900" dirty="0" smtClean="0">
+              <a:ln w="0"/>
+              <a:solidFill>
+                <a:srgbClr val="FFFF00"/>
+              </a:solidFill>
+              <a:effectLst>
+                <a:outerShdw blurRad="38100" dist="19050" dir="2700000" algn="tl" rotWithShape="0">
+                  <a:schemeClr val="dk1">
+                    <a:alpha val="40000"/>
+                  </a:schemeClr>
+                </a:outerShdw>
+              </a:effectLst>
+              <a:cs typeface="Arial" panose="020B0604020202020204" pitchFamily="34" charset="0"/>
+            </a:endParaRPr>
+          </a:p>
+          <a:p>
+            <a:pPr marL="228600" indent="-228600">
+              <a:buFont typeface="+mj-lt"/>
+              <a:buAutoNum type="arabicPeriod"/>
+            </a:pPr>
+            <a:r>
+              <a:rPr lang="ru-RU" sz="900" dirty="0" smtClean="0">
+                <a:ln w="0"/>
+                <a:solidFill>
+                  <a:srgbClr val="FFFF00"/>
+                </a:solidFill>
+                <a:effectLst>
+                  <a:outerShdw blurRad="38100" dist="19050" dir="2700000" algn="tl" rotWithShape="0">
+                    <a:schemeClr val="dk1">
+                      <a:alpha val="40000"/>
+                    </a:schemeClr>
+                  </a:outerShdw>
+                </a:effectLst>
+                <a:cs typeface="Arial" panose="020B0604020202020204" pitchFamily="34" charset="0"/>
+              </a:rPr>
+              <a:t>Размер сети 80</a:t>
+            </a:r>
+            <a:r>
+              <a:rPr lang="en-US" sz="900" dirty="0" smtClean="0">
+                <a:ln w="0"/>
+                <a:solidFill>
+                  <a:srgbClr val="FFFF00"/>
+                </a:solidFill>
+                <a:effectLst>
+                  <a:outerShdw blurRad="38100" dist="19050" dir="2700000" algn="tl" rotWithShape="0">
+                    <a:schemeClr val="dk1">
+                      <a:alpha val="40000"/>
+                    </a:schemeClr>
+                  </a:outerShdw>
+                </a:effectLst>
+                <a:cs typeface="Arial" panose="020B0604020202020204" pitchFamily="34" charset="0"/>
+              </a:rPr>
+              <a:t> x 80</a:t>
+            </a:r>
+          </a:p>
+          <a:p>
+            <a:pPr marL="228600" indent="-228600">
+              <a:buFont typeface="+mj-lt"/>
+              <a:buAutoNum type="arabicPeriod"/>
+            </a:pPr>
+            <a:r>
+              <a:rPr lang="en-US" sz="900" dirty="0" smtClean="0">
+                <a:ln w="0"/>
+                <a:solidFill>
+                  <a:srgbClr val="FFFF00"/>
+                </a:solidFill>
+                <a:effectLst>
+                  <a:outerShdw blurRad="38100" dist="19050" dir="2700000" algn="tl" rotWithShape="0">
+                    <a:schemeClr val="dk1">
+                      <a:alpha val="40000"/>
+                    </a:schemeClr>
+                  </a:outerShdw>
+                </a:effectLst>
+                <a:cs typeface="Arial" panose="020B0604020202020204" pitchFamily="34" charset="0"/>
+              </a:rPr>
+              <a:t>Radius: 3, alpha: 0.002, neighbor </a:t>
+            </a:r>
+            <a:r>
+              <a:rPr lang="en-US" sz="900" dirty="0" err="1" smtClean="0">
+                <a:ln w="0"/>
+                <a:solidFill>
+                  <a:srgbClr val="FFFF00"/>
+                </a:solidFill>
+                <a:effectLst>
+                  <a:outerShdw blurRad="38100" dist="19050" dir="2700000" algn="tl" rotWithShape="0">
+                    <a:schemeClr val="dk1">
+                      <a:alpha val="40000"/>
+                    </a:schemeClr>
+                  </a:outerShdw>
+                </a:effectLst>
+                <a:cs typeface="Arial" panose="020B0604020202020204" pitchFamily="34" charset="0"/>
+              </a:rPr>
+              <a:t>dapatation</a:t>
+            </a:r>
+            <a:r>
+              <a:rPr lang="en-US" sz="900" dirty="0" smtClean="0">
+                <a:ln w="0"/>
+                <a:solidFill>
+                  <a:srgbClr val="FFFF00"/>
+                </a:solidFill>
+                <a:effectLst>
+                  <a:outerShdw blurRad="38100" dist="19050" dir="2700000" algn="tl" rotWithShape="0">
+                    <a:schemeClr val="dk1">
+                      <a:alpha val="40000"/>
+                    </a:schemeClr>
+                  </a:outerShdw>
+                </a:effectLst>
+                <a:cs typeface="Arial" panose="020B0604020202020204" pitchFamily="34" charset="0"/>
+              </a:rPr>
+              <a:t>: bubble</a:t>
+            </a:r>
+            <a:r>
+              <a:rPr lang="ru-RU" sz="900" dirty="0" smtClean="0">
+                <a:ln w="0"/>
+                <a:solidFill>
+                  <a:srgbClr val="FFFF00"/>
+                </a:solidFill>
+                <a:effectLst>
+                  <a:outerShdw blurRad="38100" dist="19050" dir="2700000" algn="tl" rotWithShape="0">
+                    <a:schemeClr val="dk1">
+                      <a:alpha val="40000"/>
+                    </a:schemeClr>
+                  </a:outerShdw>
+                </a:effectLst>
+                <a:cs typeface="Arial" panose="020B0604020202020204" pitchFamily="34" charset="0"/>
+              </a:rPr>
+              <a:t> </a:t>
+            </a:r>
+            <a:endParaRPr lang="en-US" sz="900" dirty="0">
+              <a:ln w="0"/>
+              <a:solidFill>
+                <a:srgbClr val="FFFF00"/>
+              </a:solidFill>
+              <a:effectLst>
+                <a:outerShdw blurRad="38100" dist="19050" dir="2700000" algn="tl" rotWithShape="0">
+                  <a:schemeClr val="dk1">
+                    <a:alpha val="40000"/>
+                  </a:schemeClr>
+                </a:outerShdw>
+              </a:effectLst>
+              <a:cs typeface="Arial" panose="020B0604020202020204" pitchFamily="34" charset="0"/>
+            </a:endParaRPr>
+          </a:p>
+        </p:txBody>
+      </p:sp>
+      <p:pic>
+        <p:nvPicPr>
+          <p:cNvPr id="3" name="Рисунок 2"/>
+          <p:cNvPicPr>
+            <a:picLocks noChangeAspect="1"/>
+          </p:cNvPicPr>
+          <p:nvPr/>
+        </p:nvPicPr>
+        <p:blipFill>
+          <a:blip r:embed="rId2">
+            <a:extLst>
+              <a:ext uri="{28A0092B-C50C-407E-A947-70E740481C1C}">
+                <a14:useLocalDpi xmlns:a14="http://schemas.microsoft.com/office/drawing/2010/main" val="0"/>
+              </a:ext>
+            </a:extLst>
+          </a:blip>
+          <a:stretch>
+            <a:fillRect/>
+          </a:stretch>
+        </p:blipFill>
+        <p:spPr>
+          <a:xfrm>
+            <a:off x="6392886" y="1985443"/>
+            <a:ext cx="5180805" cy="3039406"/>
+          </a:xfrm>
+          <a:prstGeom prst="rect">
+            <a:avLst/>
+          </a:prstGeom>
+        </p:spPr>
+      </p:pic>
+      <p:pic>
+        <p:nvPicPr>
+          <p:cNvPr id="4" name="Рисунок 3"/>
+          <p:cNvPicPr>
+            <a:picLocks noChangeAspect="1"/>
+          </p:cNvPicPr>
+          <p:nvPr/>
+        </p:nvPicPr>
+        <p:blipFill>
+          <a:blip r:embed="rId3"/>
+          <a:stretch>
+            <a:fillRect/>
+          </a:stretch>
+        </p:blipFill>
+        <p:spPr>
+          <a:xfrm>
+            <a:off x="500098" y="1985443"/>
+            <a:ext cx="5189442" cy="3039406"/>
+          </a:xfrm>
+          <a:prstGeom prst="rect">
+            <a:avLst/>
+          </a:prstGeom>
+        </p:spPr>
+      </p:pic>
+      <p:sp>
+        <p:nvSpPr>
+          <p:cNvPr id="10" name="Скругленный прямоугольник 9"/>
+          <p:cNvSpPr/>
+          <p:nvPr/>
+        </p:nvSpPr>
+        <p:spPr>
+          <a:xfrm>
+            <a:off x="7569391" y="1443564"/>
+            <a:ext cx="3081191" cy="460535"/>
+          </a:xfrm>
+          <a:prstGeom prst="roundRect">
+            <a:avLst/>
+          </a:prstGeom>
+          <a:solidFill>
+            <a:schemeClr val="tx2">
+              <a:lumMod val="50000"/>
+            </a:schemeClr>
+          </a:solidFill>
+        </p:spPr>
+        <p:style>
+          <a:lnRef idx="2">
+            <a:schemeClr val="accent1">
+              <a:shade val="50000"/>
+            </a:schemeClr>
+          </a:lnRef>
+          <a:fillRef idx="1">
+            <a:schemeClr val="accent1"/>
+          </a:fillRef>
+          <a:effectRef idx="0">
+            <a:schemeClr val="accent1"/>
+          </a:effectRef>
+          <a:fontRef idx="minor">
+            <a:schemeClr val="lt1"/>
+          </a:fontRef>
+        </p:style>
+        <p:txBody>
+          <a:bodyPr rtlCol="0" anchor="ctr"/>
+          <a:lstStyle/>
+          <a:p>
+            <a:pPr marL="228600" indent="-228600">
+              <a:buFont typeface="+mj-lt"/>
+              <a:buAutoNum type="arabicPeriod"/>
+            </a:pPr>
+            <a:r>
+              <a:rPr lang="en-US" sz="900" dirty="0" smtClean="0">
+                <a:ln w="0"/>
+                <a:solidFill>
+                  <a:srgbClr val="FFFF00"/>
+                </a:solidFill>
+                <a:effectLst>
+                  <a:outerShdw blurRad="38100" dist="19050" dir="2700000" algn="tl" rotWithShape="0">
+                    <a:schemeClr val="dk1">
+                      <a:alpha val="40000"/>
+                    </a:schemeClr>
+                  </a:outerShdw>
+                </a:effectLst>
+                <a:cs typeface="Arial" panose="020B0604020202020204" pitchFamily="34" charset="0"/>
+              </a:rPr>
+              <a:t>20</a:t>
+            </a:r>
+            <a:r>
+              <a:rPr lang="ru-RU" sz="900" dirty="0" smtClean="0">
+                <a:ln w="0"/>
+                <a:solidFill>
+                  <a:srgbClr val="FFFF00"/>
+                </a:solidFill>
+                <a:effectLst>
+                  <a:outerShdw blurRad="38100" dist="19050" dir="2700000" algn="tl" rotWithShape="0">
+                    <a:schemeClr val="dk1">
+                      <a:alpha val="40000"/>
+                    </a:schemeClr>
+                  </a:outerShdw>
+                </a:effectLst>
+                <a:cs typeface="Arial" panose="020B0604020202020204" pitchFamily="34" charset="0"/>
+              </a:rPr>
+              <a:t> проходов по 1000 000 первых данных</a:t>
+            </a:r>
+            <a:endParaRPr lang="en-US" sz="900" dirty="0" smtClean="0">
+              <a:ln w="0"/>
+              <a:solidFill>
+                <a:srgbClr val="FFFF00"/>
+              </a:solidFill>
+              <a:effectLst>
+                <a:outerShdw blurRad="38100" dist="19050" dir="2700000" algn="tl" rotWithShape="0">
+                  <a:schemeClr val="dk1">
+                    <a:alpha val="40000"/>
+                  </a:schemeClr>
+                </a:outerShdw>
+              </a:effectLst>
+              <a:cs typeface="Arial" panose="020B0604020202020204" pitchFamily="34" charset="0"/>
+            </a:endParaRPr>
+          </a:p>
+          <a:p>
+            <a:pPr marL="228600" indent="-228600">
+              <a:buFont typeface="+mj-lt"/>
+              <a:buAutoNum type="arabicPeriod"/>
+            </a:pPr>
+            <a:r>
+              <a:rPr lang="ru-RU" sz="900" dirty="0" smtClean="0">
+                <a:ln w="0"/>
+                <a:solidFill>
+                  <a:srgbClr val="FFFF00"/>
+                </a:solidFill>
+                <a:effectLst>
+                  <a:outerShdw blurRad="38100" dist="19050" dir="2700000" algn="tl" rotWithShape="0">
+                    <a:schemeClr val="dk1">
+                      <a:alpha val="40000"/>
+                    </a:schemeClr>
+                  </a:outerShdw>
+                </a:effectLst>
+                <a:cs typeface="Arial" panose="020B0604020202020204" pitchFamily="34" charset="0"/>
+              </a:rPr>
+              <a:t>Размер сети 80</a:t>
+            </a:r>
+            <a:r>
+              <a:rPr lang="en-US" sz="900" dirty="0" smtClean="0">
+                <a:ln w="0"/>
+                <a:solidFill>
+                  <a:srgbClr val="FFFF00"/>
+                </a:solidFill>
+                <a:effectLst>
+                  <a:outerShdw blurRad="38100" dist="19050" dir="2700000" algn="tl" rotWithShape="0">
+                    <a:schemeClr val="dk1">
+                      <a:alpha val="40000"/>
+                    </a:schemeClr>
+                  </a:outerShdw>
+                </a:effectLst>
+                <a:cs typeface="Arial" panose="020B0604020202020204" pitchFamily="34" charset="0"/>
+              </a:rPr>
+              <a:t> x 80</a:t>
+            </a:r>
+          </a:p>
+          <a:p>
+            <a:pPr marL="228600" indent="-228600">
+              <a:buFont typeface="+mj-lt"/>
+              <a:buAutoNum type="arabicPeriod"/>
+            </a:pPr>
+            <a:r>
+              <a:rPr lang="en-US" sz="900" dirty="0" smtClean="0">
+                <a:ln w="0"/>
+                <a:solidFill>
+                  <a:srgbClr val="FFFF00"/>
+                </a:solidFill>
+                <a:effectLst>
+                  <a:outerShdw blurRad="38100" dist="19050" dir="2700000" algn="tl" rotWithShape="0">
+                    <a:schemeClr val="dk1">
+                      <a:alpha val="40000"/>
+                    </a:schemeClr>
+                  </a:outerShdw>
+                </a:effectLst>
+                <a:cs typeface="Arial" panose="020B0604020202020204" pitchFamily="34" charset="0"/>
+              </a:rPr>
+              <a:t>Radius: 3, alpha: 0.002, neighbor </a:t>
+            </a:r>
+            <a:r>
+              <a:rPr lang="en-US" sz="900" dirty="0" err="1" smtClean="0">
+                <a:ln w="0"/>
+                <a:solidFill>
+                  <a:srgbClr val="FFFF00"/>
+                </a:solidFill>
+                <a:effectLst>
+                  <a:outerShdw blurRad="38100" dist="19050" dir="2700000" algn="tl" rotWithShape="0">
+                    <a:schemeClr val="dk1">
+                      <a:alpha val="40000"/>
+                    </a:schemeClr>
+                  </a:outerShdw>
+                </a:effectLst>
+                <a:cs typeface="Arial" panose="020B0604020202020204" pitchFamily="34" charset="0"/>
+              </a:rPr>
+              <a:t>dapatation</a:t>
+            </a:r>
+            <a:r>
+              <a:rPr lang="en-US" sz="900" dirty="0" smtClean="0">
+                <a:ln w="0"/>
+                <a:solidFill>
+                  <a:srgbClr val="FFFF00"/>
+                </a:solidFill>
+                <a:effectLst>
+                  <a:outerShdw blurRad="38100" dist="19050" dir="2700000" algn="tl" rotWithShape="0">
+                    <a:schemeClr val="dk1">
+                      <a:alpha val="40000"/>
+                    </a:schemeClr>
+                  </a:outerShdw>
+                </a:effectLst>
+                <a:cs typeface="Arial" panose="020B0604020202020204" pitchFamily="34" charset="0"/>
+              </a:rPr>
+              <a:t>: gauss</a:t>
+            </a:r>
+            <a:r>
+              <a:rPr lang="ru-RU" sz="900" dirty="0" smtClean="0">
+                <a:ln w="0"/>
+                <a:solidFill>
+                  <a:srgbClr val="FFFF00"/>
+                </a:solidFill>
+                <a:effectLst>
+                  <a:outerShdw blurRad="38100" dist="19050" dir="2700000" algn="tl" rotWithShape="0">
+                    <a:schemeClr val="dk1">
+                      <a:alpha val="40000"/>
+                    </a:schemeClr>
+                  </a:outerShdw>
+                </a:effectLst>
+                <a:cs typeface="Arial" panose="020B0604020202020204" pitchFamily="34" charset="0"/>
+              </a:rPr>
+              <a:t> </a:t>
+            </a:r>
+            <a:endParaRPr lang="en-US" sz="900" dirty="0">
+              <a:ln w="0"/>
+              <a:solidFill>
+                <a:srgbClr val="FFFF00"/>
+              </a:solidFill>
+              <a:effectLst>
+                <a:outerShdw blurRad="38100" dist="19050" dir="2700000" algn="tl" rotWithShape="0">
+                  <a:schemeClr val="dk1">
+                    <a:alpha val="40000"/>
+                  </a:schemeClr>
+                </a:outerShdw>
+              </a:effectLst>
+              <a:cs typeface="Arial" panose="020B0604020202020204" pitchFamily="34" charset="0"/>
+            </a:endParaRPr>
+          </a:p>
+        </p:txBody>
+      </p:sp>
+      <p:sp>
+        <p:nvSpPr>
+          <p:cNvPr id="5" name="TextBox 4"/>
+          <p:cNvSpPr txBox="1"/>
+          <p:nvPr/>
+        </p:nvSpPr>
+        <p:spPr>
+          <a:xfrm>
+            <a:off x="336942" y="5155482"/>
+            <a:ext cx="5515754" cy="923330"/>
+          </a:xfrm>
+          <a:prstGeom prst="rect">
+            <a:avLst/>
+          </a:prstGeom>
+          <a:noFill/>
+        </p:spPr>
+        <p:txBody>
+          <a:bodyPr wrap="square" rtlCol="0">
+            <a:spAutoFit/>
+          </a:bodyPr>
+          <a:lstStyle/>
+          <a:p>
+            <a:r>
+              <a:rPr lang="en-US" dirty="0" smtClean="0">
+                <a:solidFill>
+                  <a:srgbClr val="FFFF00"/>
+                </a:solidFill>
+              </a:rPr>
+              <a:t>$ </a:t>
+            </a:r>
+            <a:r>
+              <a:rPr lang="en-US" dirty="0" err="1" smtClean="0">
+                <a:solidFill>
+                  <a:srgbClr val="FFFF00"/>
+                </a:solidFill>
+              </a:rPr>
+              <a:t>git</a:t>
+            </a:r>
+            <a:r>
+              <a:rPr lang="en-US" dirty="0" smtClean="0">
+                <a:solidFill>
+                  <a:srgbClr val="FFFF00"/>
+                </a:solidFill>
+              </a:rPr>
+              <a:t> </a:t>
+            </a:r>
+            <a:r>
+              <a:rPr lang="en-US" dirty="0">
+                <a:solidFill>
+                  <a:srgbClr val="FFFF00"/>
+                </a:solidFill>
+              </a:rPr>
+              <a:t>clone </a:t>
+            </a:r>
+            <a:r>
+              <a:rPr lang="en-US" dirty="0">
+                <a:solidFill>
+                  <a:srgbClr val="FFFF00"/>
+                </a:solidFill>
+                <a:hlinkClick r:id="rId4"/>
+              </a:rPr>
+              <a:t>https://</a:t>
+            </a:r>
+            <a:r>
+              <a:rPr lang="en-US" dirty="0" smtClean="0">
+                <a:solidFill>
+                  <a:srgbClr val="FFFF00"/>
+                </a:solidFill>
+                <a:hlinkClick r:id="rId4"/>
+              </a:rPr>
+              <a:t>vcs.artezio.com/git/ART-BigData-Edu</a:t>
+            </a:r>
+            <a:endParaRPr lang="en-US" dirty="0" smtClean="0">
+              <a:solidFill>
+                <a:srgbClr val="FFFF00"/>
+              </a:solidFill>
+            </a:endParaRPr>
+          </a:p>
+          <a:p>
+            <a:r>
+              <a:rPr lang="en-US" dirty="0">
+                <a:solidFill>
+                  <a:srgbClr val="FFFF00"/>
+                </a:solidFill>
+              </a:rPr>
+              <a:t>$ cd </a:t>
+            </a:r>
+            <a:r>
+              <a:rPr lang="en-US" dirty="0" err="1" smtClean="0">
+                <a:solidFill>
+                  <a:srgbClr val="FFFF00"/>
+                </a:solidFill>
+              </a:rPr>
+              <a:t>SmartSpy</a:t>
+            </a:r>
+            <a:r>
+              <a:rPr lang="en-US" dirty="0" smtClean="0">
+                <a:solidFill>
+                  <a:srgbClr val="FFFF00"/>
+                </a:solidFill>
+              </a:rPr>
+              <a:t>/</a:t>
+            </a:r>
+            <a:r>
+              <a:rPr lang="en-US" dirty="0" err="1" smtClean="0">
+                <a:solidFill>
+                  <a:srgbClr val="FFFF00"/>
+                </a:solidFill>
+              </a:rPr>
+              <a:t>sspy_kohonen</a:t>
+            </a:r>
+            <a:endParaRPr lang="en-US" dirty="0" smtClean="0">
+              <a:solidFill>
+                <a:srgbClr val="FFFF00"/>
+              </a:solidFill>
+            </a:endParaRPr>
+          </a:p>
+          <a:p>
+            <a:r>
+              <a:rPr lang="en-US" dirty="0" smtClean="0">
+                <a:solidFill>
+                  <a:srgbClr val="FFFF00"/>
+                </a:solidFill>
+              </a:rPr>
+              <a:t>$ make</a:t>
+            </a:r>
+            <a:endParaRPr lang="en-US" dirty="0">
+              <a:solidFill>
+                <a:srgbClr val="FFFF00"/>
+              </a:solidFill>
+            </a:endParaRPr>
+          </a:p>
+        </p:txBody>
+      </p:sp>
+    </p:spTree>
+    <p:extLst>
+      <p:ext uri="{BB962C8B-B14F-4D97-AF65-F5344CB8AC3E}">
+        <p14:creationId xmlns:p14="http://schemas.microsoft.com/office/powerpoint/2010/main" val="2277011972"/>
+      </p:ext>
+    </p:extLst>
+  </p:cSld>
+  <p:clrMapOvr>
+    <a:masterClrMapping/>
+  </p:clrMapOvr>
+  <p:timing>
+    <p:tnLst>
+      <p:par>
+        <p:cTn id="1" dur="indefinite" restart="never" nodeType="tmRoot"/>
+      </p:par>
+    </p:tnLst>
+  </p:timing>
+</p:sld>
+</file>
+
+<file path=ppt/slides/slide16.xml><?xml version="1.0" encoding="utf-8"?>
 <p:sld xmlns:a="http://schemas.openxmlformats.org/drawingml/2006/main" xmlns:r="http://schemas.openxmlformats.org/officeDocument/2006/relationships" xmlns:p="http://schemas.openxmlformats.org/presentationml/2006/main">
   <p:cSld>
     <p:spTree>
@@ -12657,8 +15520,8 @@
           <a:chExt cx="0" cy="0"/>
         </a:xfrm>
       </p:grpSpPr>
-      <mc:AlternateContent xmlns:mc="http://schemas.openxmlformats.org/markup-compatibility/2006">
-        <mc:Choice xmlns:a14="http://schemas.microsoft.com/office/drawing/2010/main" Requires="a14">
+      <mc:AlternateContent xmlns:mc="http://schemas.openxmlformats.org/markup-compatibility/2006" xmlns:a14="http://schemas.microsoft.com/office/drawing/2010/main">
+        <mc:Choice Requires="a14">
           <p:sp>
             <p:nvSpPr>
               <p:cNvPr id="2" name="Заголовок 1"/>
@@ -13109,11 +15972,11 @@
                     <m:sSub>
                       <m:sSubPr>
                         <m:ctrlPr>
-                          <a:rPr lang="en-US" sz="2000" spc="0" dirty="0">
+                          <a:rPr lang="en-US" sz="2000" i="1" spc="0" dirty="0">
                             <a:solidFill>
                               <a:srgbClr val="FFFF00"/>
                             </a:solidFill>
-                            <a:latin typeface="+mn-lt"/>
+                            <a:latin typeface="Cambria Math" panose="02040503050406030204" pitchFamily="18" charset="0"/>
                             <a:ea typeface="Cambria Math" panose="02040503050406030204" pitchFamily="18" charset="0"/>
                           </a:rPr>
                         </m:ctrlPr>
@@ -13124,7 +15987,7 @@
                             <a:solidFill>
                               <a:srgbClr val="FFFF00"/>
                             </a:solidFill>
-                            <a:latin typeface="+mn-lt"/>
+                            <a:latin typeface="Cambria Math" panose="02040503050406030204" pitchFamily="18" charset="0"/>
                             <a:ea typeface="Cambria Math" panose="02040503050406030204" pitchFamily="18" charset="0"/>
                           </a:rPr>
                           <m:t>𝑢</m:t>
@@ -13136,7 +15999,7 @@
                             <a:solidFill>
                               <a:srgbClr val="FFFF00"/>
                             </a:solidFill>
-                            <a:latin typeface="+mn-lt"/>
+                            <a:latin typeface="Cambria Math" panose="02040503050406030204" pitchFamily="18" charset="0"/>
                             <a:ea typeface="Cambria Math" panose="02040503050406030204" pitchFamily="18" charset="0"/>
                           </a:rPr>
                           <m:t>2</m:t>
@@ -13148,7 +16011,7 @@
                         <a:solidFill>
                           <a:srgbClr val="FFFF00"/>
                         </a:solidFill>
-                        <a:latin typeface="+mn-lt"/>
+                        <a:latin typeface="Cambria Math" panose="02040503050406030204" pitchFamily="18" charset="0"/>
                         <a:ea typeface="Cambria Math" panose="02040503050406030204" pitchFamily="18" charset="0"/>
                       </a:rPr>
                       <m:t>, …, </m:t>
@@ -13156,11 +16019,11 @@
                     <m:sSub>
                       <m:sSubPr>
                         <m:ctrlPr>
-                          <a:rPr lang="en-US" sz="2000" spc="0" dirty="0">
+                          <a:rPr lang="en-US" sz="2000" i="1" spc="0" dirty="0">
                             <a:solidFill>
                               <a:srgbClr val="FFFF00"/>
                             </a:solidFill>
-                            <a:latin typeface="+mn-lt"/>
+                            <a:latin typeface="Cambria Math" panose="02040503050406030204" pitchFamily="18" charset="0"/>
                             <a:ea typeface="Cambria Math" panose="02040503050406030204" pitchFamily="18" charset="0"/>
                           </a:rPr>
                         </m:ctrlPr>
@@ -13171,7 +16034,7 @@
                             <a:solidFill>
                               <a:srgbClr val="FFFF00"/>
                             </a:solidFill>
-                            <a:latin typeface="+mn-lt"/>
+                            <a:latin typeface="Cambria Math" panose="02040503050406030204" pitchFamily="18" charset="0"/>
                             <a:ea typeface="Cambria Math" panose="02040503050406030204" pitchFamily="18" charset="0"/>
                           </a:rPr>
                           <m:t>𝑢</m:t>
@@ -13183,7 +16046,7 @@
                             <a:solidFill>
                               <a:srgbClr val="FFFF00"/>
                             </a:solidFill>
-                            <a:latin typeface="+mn-lt"/>
+                            <a:latin typeface="Cambria Math" panose="02040503050406030204" pitchFamily="18" charset="0"/>
                             <a:ea typeface="Cambria Math" panose="02040503050406030204" pitchFamily="18" charset="0"/>
                           </a:rPr>
                           <m:t>𝑛</m:t>
@@ -13195,7 +16058,7 @@
                         <a:solidFill>
                           <a:srgbClr val="FFFF00"/>
                         </a:solidFill>
-                        <a:latin typeface="+mn-lt"/>
+                        <a:latin typeface="Cambria Math" panose="02040503050406030204" pitchFamily="18" charset="0"/>
                         <a:ea typeface="Cambria Math" panose="02040503050406030204" pitchFamily="18" charset="0"/>
                       </a:rPr>
                       <m:t>,…}−</m:t>
@@ -13205,7 +16068,7 @@
                         <a:solidFill>
                           <a:srgbClr val="FFFF00"/>
                         </a:solidFill>
-                        <a:latin typeface="+mn-lt"/>
+                        <a:latin typeface="Cambria Math" panose="02040503050406030204" pitchFamily="18" charset="0"/>
                         <a:ea typeface="Cambria Math" panose="02040503050406030204" pitchFamily="18" charset="0"/>
                       </a:rPr>
                       <m:t>пользователи (определяются по </m:t>
@@ -13215,7 +16078,7 @@
                         <a:solidFill>
                           <a:srgbClr val="FFFF00"/>
                         </a:solidFill>
-                        <a:latin typeface="+mn-lt"/>
+                        <a:latin typeface="Cambria Math" panose="02040503050406030204" pitchFamily="18" charset="0"/>
                         <a:ea typeface="Cambria Math" panose="02040503050406030204" pitchFamily="18" charset="0"/>
                       </a:rPr>
                       <m:t>𝑀𝐴𝐶</m:t>
@@ -13225,7 +16088,7 @@
                         <a:solidFill>
                           <a:srgbClr val="FFFF00"/>
                         </a:solidFill>
-                        <a:latin typeface="+mn-lt"/>
+                        <a:latin typeface="Cambria Math" panose="02040503050406030204" pitchFamily="18" charset="0"/>
                         <a:ea typeface="Cambria Math" panose="02040503050406030204" pitchFamily="18" charset="0"/>
                       </a:rPr>
                       <m:t> адресу </m:t>
@@ -13235,7 +16098,7 @@
                         <a:solidFill>
                           <a:srgbClr val="FFFF00"/>
                         </a:solidFill>
-                        <a:latin typeface="+mn-lt"/>
+                        <a:latin typeface="Cambria Math" panose="02040503050406030204" pitchFamily="18" charset="0"/>
                         <a:ea typeface="Cambria Math" panose="02040503050406030204" pitchFamily="18" charset="0"/>
                       </a:rPr>
                       <m:t>𝑆𝑇𝐵</m:t>
@@ -13245,7 +16108,7 @@
                         <a:solidFill>
                           <a:srgbClr val="FFFF00"/>
                         </a:solidFill>
-                        <a:latin typeface="+mn-lt"/>
+                        <a:latin typeface="Cambria Math" panose="02040503050406030204" pitchFamily="18" charset="0"/>
                         <a:ea typeface="Cambria Math" panose="02040503050406030204" pitchFamily="18" charset="0"/>
                       </a:rPr>
                       <m:t>)</m:t>
@@ -13282,7 +16145,7 @@
             </p:txBody>
           </p:sp>
         </mc:Choice>
-        <mc:Fallback>
+        <mc:Fallback xmlns="">
           <p:sp>
             <p:nvSpPr>
               <p:cNvPr id="2" name="Заголовок 1"/>
@@ -14553,25 +17416,7 @@
                           <a:ea typeface="Cambria Math" panose="02040503050406030204" pitchFamily="18" charset="0"/>
                           <a:cs typeface="+mj-cs"/>
                         </a:rPr>
-                        <m:t> берем из обучающего батча пакетов за</m:t>
-                      </m:r>
-                      <m:r>
-                        <a:rPr lang="ru-RU" dirty="0">
-                          <a:solidFill>
-                            <a:srgbClr val="FFFF00"/>
-                          </a:solidFill>
-                          <a:effectLst>
-                            <a:outerShdw blurRad="469900" dist="342900" dir="5400000" sy="-20000" rotWithShape="0">
-                              <a:prstClr val="black">
-                                <a:alpha val="66000"/>
-                              </a:prstClr>
-                            </a:outerShdw>
-                          </a:effectLst>
-                          <a:latin typeface="Cambria Math" panose="02040503050406030204" pitchFamily="18" charset="0"/>
-                          <a:ea typeface="Cambria Math" panose="02040503050406030204" pitchFamily="18" charset="0"/>
-                          <a:cs typeface="+mj-cs"/>
-                        </a:rPr>
-                        <m:t> время </m:t>
+                        <m:t> берем из обучающего батча пакетов за время </m:t>
                       </m:r>
                       <m:r>
                         <a:rPr lang="en-US" dirty="0">
@@ -14688,8 +17533,8 @@
           <a:chExt cx="0" cy="0"/>
         </a:xfrm>
       </p:grpSpPr>
-      <mc:AlternateContent xmlns:mc="http://schemas.openxmlformats.org/markup-compatibility/2006">
-        <mc:Choice xmlns:a14="http://schemas.microsoft.com/office/drawing/2010/main" Requires="a14">
+      <mc:AlternateContent xmlns:mc="http://schemas.openxmlformats.org/markup-compatibility/2006" xmlns:a14="http://schemas.microsoft.com/office/drawing/2010/main">
+        <mc:Choice Requires="a14">
           <p:sp>
             <p:nvSpPr>
               <p:cNvPr id="2" name="Заголовок 1"/>
@@ -15495,37 +18340,7 @@
                         <a:latin typeface="Cambria Math" panose="02040503050406030204" pitchFamily="18" charset="0"/>
                         <a:ea typeface="Cambria Math" panose="02040503050406030204" pitchFamily="18" charset="0"/>
                       </a:rPr>
-                      <m:t>кластеры, количество кластеров</m:t>
-                    </m:r>
-                    <m:r>
-                      <a:rPr lang="ru-RU" sz="2000" b="0" i="1" spc="0" smtClean="0">
-                        <a:solidFill>
-                          <a:srgbClr val="FFFF00"/>
-                        </a:solidFill>
-                        <a:latin typeface="Cambria Math" panose="02040503050406030204" pitchFamily="18" charset="0"/>
-                        <a:ea typeface="Cambria Math" panose="02040503050406030204" pitchFamily="18" charset="0"/>
-                      </a:rPr>
-                      <m:t> −</m:t>
-                    </m:r>
-                    <m:r>
-                      <a:rPr lang="ru-RU" sz="2000" b="0" i="1" spc="0" smtClean="0">
-                        <a:solidFill>
-                          <a:srgbClr val="FFFF00"/>
-                        </a:solidFill>
-                        <a:latin typeface="Cambria Math" panose="02040503050406030204" pitchFamily="18" charset="0"/>
-                        <a:ea typeface="Cambria Math" panose="02040503050406030204" pitchFamily="18" charset="0"/>
-                      </a:rPr>
-                      <m:t>доп. параметр модели</m:t>
-                    </m:r>
-                    <m:r>
-                      <a:rPr lang="ru-RU" sz="2000" b="0" i="1" spc="0" smtClean="0">
-                        <a:solidFill>
-                          <a:srgbClr val="FFFF00"/>
-                        </a:solidFill>
-                        <a:latin typeface="Cambria Math" panose="02040503050406030204" pitchFamily="18" charset="0"/>
-                        <a:ea typeface="Cambria Math" panose="02040503050406030204" pitchFamily="18" charset="0"/>
-                      </a:rPr>
-                      <m:t>!</m:t>
+                      <m:t>кластеры, количество кластеров −доп. параметр модели!</m:t>
                     </m:r>
                   </m:oMath>
                 </a14:m>
@@ -15559,7 +18374,7 @@
             </p:txBody>
           </p:sp>
         </mc:Choice>
-        <mc:Fallback>
+        <mc:Fallback xmlns="">
           <p:sp>
             <p:nvSpPr>
               <p:cNvPr id="2" name="Заголовок 1"/>
@@ -15685,8 +18500,8 @@
           </a:p>
         </p:txBody>
       </p:sp>
-      <mc:AlternateContent xmlns:mc="http://schemas.openxmlformats.org/markup-compatibility/2006">
-        <mc:Choice xmlns:a14="http://schemas.microsoft.com/office/drawing/2010/main" Requires="a14">
+      <mc:AlternateContent xmlns:mc="http://schemas.openxmlformats.org/markup-compatibility/2006" xmlns:a14="http://schemas.microsoft.com/office/drawing/2010/main">
+        <mc:Choice Requires="a14">
           <p:sp>
             <p:nvSpPr>
               <p:cNvPr id="5" name="TextBox 4"/>
@@ -16768,7 +19583,7 @@
             </p:txBody>
           </p:sp>
         </mc:Choice>
-        <mc:Fallback>
+        <mc:Fallback xmlns="">
           <p:sp>
             <p:nvSpPr>
               <p:cNvPr id="5" name="TextBox 4"/>
@@ -17451,25 +20266,7 @@
                           <a:ea typeface="Cambria Math" panose="02040503050406030204" pitchFamily="18" charset="0"/>
                           <a:cs typeface="+mj-cs"/>
                         </a:rPr>
-                        <m:t> берем из обучающего батча пакетов за</m:t>
-                      </m:r>
-                      <m:r>
-                        <a:rPr lang="ru-RU" dirty="0">
-                          <a:solidFill>
-                            <a:srgbClr val="FFFF00"/>
-                          </a:solidFill>
-                          <a:effectLst>
-                            <a:outerShdw blurRad="469900" dist="342900" dir="5400000" sy="-20000" rotWithShape="0">
-                              <a:prstClr val="black">
-                                <a:alpha val="66000"/>
-                              </a:prstClr>
-                            </a:outerShdw>
-                          </a:effectLst>
-                          <a:latin typeface="Cambria Math" panose="02040503050406030204" pitchFamily="18" charset="0"/>
-                          <a:ea typeface="Cambria Math" panose="02040503050406030204" pitchFamily="18" charset="0"/>
-                          <a:cs typeface="+mj-cs"/>
-                        </a:rPr>
-                        <m:t> время </m:t>
+                        <m:t> берем из обучающего батча пакетов за время </m:t>
                       </m:r>
                       <m:r>
                         <a:rPr lang="en-US" dirty="0">
@@ -26178,8 +28975,8 @@
           </a:p>
         </p:txBody>
       </p:sp>
-      <mc:AlternateContent xmlns:mc="http://schemas.openxmlformats.org/markup-compatibility/2006">
-        <mc:Choice xmlns:a14="http://schemas.microsoft.com/office/drawing/2010/main" Requires="a14">
+      <mc:AlternateContent xmlns:mc="http://schemas.openxmlformats.org/markup-compatibility/2006" xmlns:a14="http://schemas.microsoft.com/office/drawing/2010/main">
+        <mc:Choice Requires="a14">
           <p:sp>
             <p:nvSpPr>
               <p:cNvPr id="2" name="TextBox 1"/>
@@ -27129,7 +29926,7 @@
             </p:txBody>
           </p:sp>
         </mc:Choice>
-        <mc:Fallback>
+        <mc:Fallback xmlns="">
           <p:sp>
             <p:nvSpPr>
               <p:cNvPr id="2" name="TextBox 1"/>
@@ -27168,8 +29965,8 @@
           </p:sp>
         </mc:Fallback>
       </mc:AlternateContent>
-      <mc:AlternateContent xmlns:mc="http://schemas.openxmlformats.org/markup-compatibility/2006">
-        <mc:Choice xmlns:a14="http://schemas.microsoft.com/office/drawing/2010/main" Requires="a14">
+      <mc:AlternateContent xmlns:mc="http://schemas.openxmlformats.org/markup-compatibility/2006" xmlns:a14="http://schemas.microsoft.com/office/drawing/2010/main">
+        <mc:Choice Requires="a14">
           <p:sp>
             <p:nvSpPr>
               <p:cNvPr id="20" name="TextBox 19"/>
@@ -28072,7 +30869,7 @@
             </p:txBody>
           </p:sp>
         </mc:Choice>
-        <mc:Fallback>
+        <mc:Fallback xmlns="">
           <p:sp>
             <p:nvSpPr>
               <p:cNvPr id="20" name="TextBox 19"/>
@@ -28111,8 +30908,8 @@
           </p:sp>
         </mc:Fallback>
       </mc:AlternateContent>
-      <mc:AlternateContent xmlns:mc="http://schemas.openxmlformats.org/markup-compatibility/2006">
-        <mc:Choice xmlns:a14="http://schemas.microsoft.com/office/drawing/2010/main" Requires="a14">
+      <mc:AlternateContent xmlns:mc="http://schemas.openxmlformats.org/markup-compatibility/2006" xmlns:a14="http://schemas.microsoft.com/office/drawing/2010/main">
+        <mc:Choice Requires="a14">
           <p:sp>
             <p:nvSpPr>
               <p:cNvPr id="21" name="TextBox 20"/>
@@ -28937,7 +31734,7 @@
             </p:txBody>
           </p:sp>
         </mc:Choice>
-        <mc:Fallback>
+        <mc:Fallback xmlns="">
           <p:sp>
             <p:nvSpPr>
               <p:cNvPr id="21" name="TextBox 20"/>
@@ -28976,8 +31773,8 @@
           </p:sp>
         </mc:Fallback>
       </mc:AlternateContent>
-      <mc:AlternateContent xmlns:mc="http://schemas.openxmlformats.org/markup-compatibility/2006">
-        <mc:Choice xmlns:a14="http://schemas.microsoft.com/office/drawing/2010/main" Requires="a14">
+      <mc:AlternateContent xmlns:mc="http://schemas.openxmlformats.org/markup-compatibility/2006" xmlns:a14="http://schemas.microsoft.com/office/drawing/2010/main">
+        <mc:Choice Requires="a14">
           <p:sp>
             <p:nvSpPr>
               <p:cNvPr id="27" name="TextBox 26"/>
@@ -29978,7 +32775,7 @@
             </p:txBody>
           </p:sp>
         </mc:Choice>
-        <mc:Fallback>
+        <mc:Fallback xmlns="">
           <p:sp>
             <p:nvSpPr>
               <p:cNvPr id="27" name="TextBox 26"/>
